--- a/ComputerOrganization/Chapter4.pptx
+++ b/ComputerOrganization/Chapter4.pptx
@@ -6,8 +6,9 @@
   </p:sldMasterIdLst>
   <p:sldIdLst>
     <p:sldId id="256" r:id="rId2"/>
-    <p:sldId id="259" r:id="rId3"/>
-    <p:sldId id="262" r:id="rId4"/>
+    <p:sldId id="263" r:id="rId3"/>
+    <p:sldId id="259" r:id="rId4"/>
+    <p:sldId id="262" r:id="rId5"/>
   </p:sldIdLst>
   <p:sldSz cx="12192000" cy="6858000"/>
   <p:notesSz cx="6858000" cy="9144000"/>
@@ -263,7 +264,7 @@
           <a:p>
             <a:fld id="{37A25B79-5AFE-40DE-8D90-7CD7EC558B08}" type="datetimeFigureOut">
               <a:rPr lang="ko-KR" altLang="en-US" smtClean="0"/>
-              <a:t>2019-09-18</a:t>
+              <a:t>2019-09-24</a:t>
             </a:fld>
             <a:endParaRPr lang="ko-KR" altLang="en-US"/>
           </a:p>
@@ -463,7 +464,7 @@
           <a:p>
             <a:fld id="{37A25B79-5AFE-40DE-8D90-7CD7EC558B08}" type="datetimeFigureOut">
               <a:rPr lang="ko-KR" altLang="en-US" smtClean="0"/>
-              <a:t>2019-09-18</a:t>
+              <a:t>2019-09-24</a:t>
             </a:fld>
             <a:endParaRPr lang="ko-KR" altLang="en-US"/>
           </a:p>
@@ -673,7 +674,7 @@
           <a:p>
             <a:fld id="{37A25B79-5AFE-40DE-8D90-7CD7EC558B08}" type="datetimeFigureOut">
               <a:rPr lang="ko-KR" altLang="en-US" smtClean="0"/>
-              <a:t>2019-09-18</a:t>
+              <a:t>2019-09-24</a:t>
             </a:fld>
             <a:endParaRPr lang="ko-KR" altLang="en-US"/>
           </a:p>
@@ -873,7 +874,7 @@
           <a:p>
             <a:fld id="{37A25B79-5AFE-40DE-8D90-7CD7EC558B08}" type="datetimeFigureOut">
               <a:rPr lang="ko-KR" altLang="en-US" smtClean="0"/>
-              <a:t>2019-09-18</a:t>
+              <a:t>2019-09-24</a:t>
             </a:fld>
             <a:endParaRPr lang="ko-KR" altLang="en-US"/>
           </a:p>
@@ -1149,7 +1150,7 @@
           <a:p>
             <a:fld id="{37A25B79-5AFE-40DE-8D90-7CD7EC558B08}" type="datetimeFigureOut">
               <a:rPr lang="ko-KR" altLang="en-US" smtClean="0"/>
-              <a:t>2019-09-18</a:t>
+              <a:t>2019-09-24</a:t>
             </a:fld>
             <a:endParaRPr lang="ko-KR" altLang="en-US"/>
           </a:p>
@@ -1417,7 +1418,7 @@
           <a:p>
             <a:fld id="{37A25B79-5AFE-40DE-8D90-7CD7EC558B08}" type="datetimeFigureOut">
               <a:rPr lang="ko-KR" altLang="en-US" smtClean="0"/>
-              <a:t>2019-09-18</a:t>
+              <a:t>2019-09-24</a:t>
             </a:fld>
             <a:endParaRPr lang="ko-KR" altLang="en-US"/>
           </a:p>
@@ -1832,7 +1833,7 @@
           <a:p>
             <a:fld id="{37A25B79-5AFE-40DE-8D90-7CD7EC558B08}" type="datetimeFigureOut">
               <a:rPr lang="ko-KR" altLang="en-US" smtClean="0"/>
-              <a:t>2019-09-18</a:t>
+              <a:t>2019-09-24</a:t>
             </a:fld>
             <a:endParaRPr lang="ko-KR" altLang="en-US"/>
           </a:p>
@@ -1974,7 +1975,7 @@
           <a:p>
             <a:fld id="{37A25B79-5AFE-40DE-8D90-7CD7EC558B08}" type="datetimeFigureOut">
               <a:rPr lang="ko-KR" altLang="en-US" smtClean="0"/>
-              <a:t>2019-09-18</a:t>
+              <a:t>2019-09-24</a:t>
             </a:fld>
             <a:endParaRPr lang="ko-KR" altLang="en-US"/>
           </a:p>
@@ -2087,7 +2088,7 @@
           <a:p>
             <a:fld id="{37A25B79-5AFE-40DE-8D90-7CD7EC558B08}" type="datetimeFigureOut">
               <a:rPr lang="ko-KR" altLang="en-US" smtClean="0"/>
-              <a:t>2019-09-18</a:t>
+              <a:t>2019-09-24</a:t>
             </a:fld>
             <a:endParaRPr lang="ko-KR" altLang="en-US"/>
           </a:p>
@@ -2400,7 +2401,7 @@
           <a:p>
             <a:fld id="{37A25B79-5AFE-40DE-8D90-7CD7EC558B08}" type="datetimeFigureOut">
               <a:rPr lang="ko-KR" altLang="en-US" smtClean="0"/>
-              <a:t>2019-09-18</a:t>
+              <a:t>2019-09-24</a:t>
             </a:fld>
             <a:endParaRPr lang="ko-KR" altLang="en-US"/>
           </a:p>
@@ -2689,7 +2690,7 @@
           <a:p>
             <a:fld id="{37A25B79-5AFE-40DE-8D90-7CD7EC558B08}" type="datetimeFigureOut">
               <a:rPr lang="ko-KR" altLang="en-US" smtClean="0"/>
-              <a:t>2019-09-18</a:t>
+              <a:t>2019-09-24</a:t>
             </a:fld>
             <a:endParaRPr lang="ko-KR" altLang="en-US"/>
           </a:p>
@@ -2932,7 +2933,7 @@
           <a:p>
             <a:fld id="{37A25B79-5AFE-40DE-8D90-7CD7EC558B08}" type="datetimeFigureOut">
               <a:rPr lang="ko-KR" altLang="en-US" smtClean="0"/>
-              <a:t>2019-09-18</a:t>
+              <a:t>2019-09-24</a:t>
             </a:fld>
             <a:endParaRPr lang="ko-KR" altLang="en-US"/>
           </a:p>
@@ -6790,6 +6791,1761 @@
           <a:lstStyle/>
           <a:p>
             <a:r>
+              <a:rPr lang="en-US" altLang="ko-KR" sz="4000" dirty="0">
+                <a:solidFill>
+                  <a:srgbClr val="EBFFFF"/>
+                </a:solidFill>
+                <a:latin typeface="Noto Sans CJK KR Medium" panose="020B0600000000000000" pitchFamily="34" charset="-127"/>
+                <a:ea typeface="Noto Sans CJK KR Medium" panose="020B0600000000000000" pitchFamily="34" charset="-127"/>
+              </a:rPr>
+              <a:t>Clock</a:t>
+            </a:r>
+            <a:endParaRPr lang="ko-KR" altLang="en-US" sz="4000" dirty="0">
+              <a:solidFill>
+                <a:srgbClr val="EBFFFF"/>
+              </a:solidFill>
+              <a:latin typeface="Noto Sans CJK KR Medium" panose="020B0600000000000000" pitchFamily="34" charset="-127"/>
+              <a:ea typeface="Noto Sans CJK KR Medium" panose="020B0600000000000000" pitchFamily="34" charset="-127"/>
+            </a:endParaRPr>
+          </a:p>
+        </p:txBody>
+      </p:sp>
+      <p:sp>
+        <p:nvSpPr>
+          <p:cNvPr id="30" name="자유형: 도형 29">
+            <a:extLst>
+              <a:ext uri="{FF2B5EF4-FFF2-40B4-BE49-F238E27FC236}">
+                <a16:creationId xmlns:a16="http://schemas.microsoft.com/office/drawing/2014/main" id="{762E3A86-EE16-49CF-AD95-B16CE2196D83}"/>
+              </a:ext>
+            </a:extLst>
+          </p:cNvPr>
+          <p:cNvSpPr/>
+          <p:nvPr/>
+        </p:nvSpPr>
+        <p:spPr>
+          <a:xfrm>
+            <a:off x="5810250" y="2315629"/>
+            <a:ext cx="1629620" cy="1091263"/>
+          </a:xfrm>
+          <a:custGeom>
+            <a:avLst/>
+            <a:gdLst>
+              <a:gd name="connsiteX0" fmla="*/ 0 w 1828802"/>
+              <a:gd name="connsiteY0" fmla="*/ 0 h 1224644"/>
+              <a:gd name="connsiteX1" fmla="*/ 1216480 w 1828802"/>
+              <a:gd name="connsiteY1" fmla="*/ 0 h 1224644"/>
+              <a:gd name="connsiteX2" fmla="*/ 1224643 w 1828802"/>
+              <a:gd name="connsiteY2" fmla="*/ 0 h 1224644"/>
+              <a:gd name="connsiteX3" fmla="*/ 1224643 w 1828802"/>
+              <a:gd name="connsiteY3" fmla="*/ 823 h 1224644"/>
+              <a:gd name="connsiteX4" fmla="*/ 1339884 w 1828802"/>
+              <a:gd name="connsiteY4" fmla="*/ 12440 h 1224644"/>
+              <a:gd name="connsiteX5" fmla="*/ 1828802 w 1828802"/>
+              <a:gd name="connsiteY5" fmla="*/ 612322 h 1224644"/>
+              <a:gd name="connsiteX6" fmla="*/ 1339884 w 1828802"/>
+              <a:gd name="connsiteY6" fmla="*/ 1212204 h 1224644"/>
+              <a:gd name="connsiteX7" fmla="*/ 1224643 w 1828802"/>
+              <a:gd name="connsiteY7" fmla="*/ 1223821 h 1224644"/>
+              <a:gd name="connsiteX8" fmla="*/ 1224643 w 1828802"/>
+              <a:gd name="connsiteY8" fmla="*/ 1224643 h 1224644"/>
+              <a:gd name="connsiteX9" fmla="*/ 1216490 w 1828802"/>
+              <a:gd name="connsiteY9" fmla="*/ 1224643 h 1224644"/>
+              <a:gd name="connsiteX10" fmla="*/ 1216480 w 1828802"/>
+              <a:gd name="connsiteY10" fmla="*/ 1224644 h 1224644"/>
+              <a:gd name="connsiteX11" fmla="*/ 1216470 w 1828802"/>
+              <a:gd name="connsiteY11" fmla="*/ 1224643 h 1224644"/>
+              <a:gd name="connsiteX12" fmla="*/ 0 w 1828802"/>
+              <a:gd name="connsiteY12" fmla="*/ 1224643 h 1224644"/>
+            </a:gdLst>
+            <a:ahLst/>
+            <a:cxnLst>
+              <a:cxn ang="0">
+                <a:pos x="connsiteX0" y="connsiteY0"/>
+              </a:cxn>
+              <a:cxn ang="0">
+                <a:pos x="connsiteX1" y="connsiteY1"/>
+              </a:cxn>
+              <a:cxn ang="0">
+                <a:pos x="connsiteX2" y="connsiteY2"/>
+              </a:cxn>
+              <a:cxn ang="0">
+                <a:pos x="connsiteX3" y="connsiteY3"/>
+              </a:cxn>
+              <a:cxn ang="0">
+                <a:pos x="connsiteX4" y="connsiteY4"/>
+              </a:cxn>
+              <a:cxn ang="0">
+                <a:pos x="connsiteX5" y="connsiteY5"/>
+              </a:cxn>
+              <a:cxn ang="0">
+                <a:pos x="connsiteX6" y="connsiteY6"/>
+              </a:cxn>
+              <a:cxn ang="0">
+                <a:pos x="connsiteX7" y="connsiteY7"/>
+              </a:cxn>
+              <a:cxn ang="0">
+                <a:pos x="connsiteX8" y="connsiteY8"/>
+              </a:cxn>
+              <a:cxn ang="0">
+                <a:pos x="connsiteX9" y="connsiteY9"/>
+              </a:cxn>
+              <a:cxn ang="0">
+                <a:pos x="connsiteX10" y="connsiteY10"/>
+              </a:cxn>
+              <a:cxn ang="0">
+                <a:pos x="connsiteX11" y="connsiteY11"/>
+              </a:cxn>
+              <a:cxn ang="0">
+                <a:pos x="connsiteX12" y="connsiteY12"/>
+              </a:cxn>
+            </a:cxnLst>
+            <a:rect l="l" t="t" r="r" b="b"/>
+            <a:pathLst>
+              <a:path w="1828802" h="1224644">
+                <a:moveTo>
+                  <a:pt x="0" y="0"/>
+                </a:moveTo>
+                <a:lnTo>
+                  <a:pt x="1216480" y="0"/>
+                </a:lnTo>
+                <a:lnTo>
+                  <a:pt x="1224643" y="0"/>
+                </a:lnTo>
+                <a:lnTo>
+                  <a:pt x="1224643" y="823"/>
+                </a:lnTo>
+                <a:lnTo>
+                  <a:pt x="1339884" y="12440"/>
+                </a:lnTo>
+                <a:cubicBezTo>
+                  <a:pt x="1618909" y="69537"/>
+                  <a:pt x="1828802" y="316418"/>
+                  <a:pt x="1828802" y="612322"/>
+                </a:cubicBezTo>
+                <a:cubicBezTo>
+                  <a:pt x="1828802" y="908226"/>
+                  <a:pt x="1618909" y="1155107"/>
+                  <a:pt x="1339884" y="1212204"/>
+                </a:cubicBezTo>
+                <a:lnTo>
+                  <a:pt x="1224643" y="1223821"/>
+                </a:lnTo>
+                <a:lnTo>
+                  <a:pt x="1224643" y="1224643"/>
+                </a:lnTo>
+                <a:lnTo>
+                  <a:pt x="1216490" y="1224643"/>
+                </a:lnTo>
+                <a:lnTo>
+                  <a:pt x="1216480" y="1224644"/>
+                </a:lnTo>
+                <a:lnTo>
+                  <a:pt x="1216470" y="1224643"/>
+                </a:lnTo>
+                <a:lnTo>
+                  <a:pt x="0" y="1224643"/>
+                </a:lnTo>
+                <a:close/>
+              </a:path>
+            </a:pathLst>
+          </a:custGeom>
+          <a:solidFill>
+            <a:srgbClr val="013B51"/>
+          </a:solidFill>
+          <a:ln>
+            <a:noFill/>
+          </a:ln>
+        </p:spPr>
+        <p:style>
+          <a:lnRef idx="2">
+            <a:schemeClr val="accent1">
+              <a:shade val="50000"/>
+            </a:schemeClr>
+          </a:lnRef>
+          <a:fillRef idx="1">
+            <a:schemeClr val="accent1"/>
+          </a:fillRef>
+          <a:effectRef idx="0">
+            <a:schemeClr val="accent1"/>
+          </a:effectRef>
+          <a:fontRef idx="minor">
+            <a:schemeClr val="lt1"/>
+          </a:fontRef>
+        </p:style>
+        <p:txBody>
+          <a:bodyPr rtlCol="0" anchor="ctr"/>
+          <a:lstStyle/>
+          <a:p>
+            <a:pPr algn="ctr"/>
+            <a:endParaRPr lang="en-US"/>
+          </a:p>
+        </p:txBody>
+      </p:sp>
+      <p:cxnSp>
+        <p:nvCxnSpPr>
+          <p:cNvPr id="31" name="Straight Arrow Connector 12">
+            <a:extLst>
+              <a:ext uri="{FF2B5EF4-FFF2-40B4-BE49-F238E27FC236}">
+                <a16:creationId xmlns:a16="http://schemas.microsoft.com/office/drawing/2014/main" id="{B9AC28BD-FB45-4B67-9734-092BBB418DB5}"/>
+              </a:ext>
+            </a:extLst>
+          </p:cNvPr>
+          <p:cNvCxnSpPr>
+            <a:cxnSpLocks/>
+          </p:cNvCxnSpPr>
+          <p:nvPr/>
+        </p:nvCxnSpPr>
+        <p:spPr>
+          <a:xfrm>
+            <a:off x="4180114" y="3188278"/>
+            <a:ext cx="1630136" cy="0"/>
+          </a:xfrm>
+          <a:prstGeom prst="straightConnector1">
+            <a:avLst/>
+          </a:prstGeom>
+          <a:ln w="38100">
+            <a:solidFill>
+              <a:srgbClr val="013B51"/>
+            </a:solidFill>
+            <a:tailEnd type="triangle"/>
+          </a:ln>
+        </p:spPr>
+        <p:style>
+          <a:lnRef idx="1">
+            <a:schemeClr val="accent1"/>
+          </a:lnRef>
+          <a:fillRef idx="0">
+            <a:schemeClr val="accent1"/>
+          </a:fillRef>
+          <a:effectRef idx="0">
+            <a:schemeClr val="accent1"/>
+          </a:effectRef>
+          <a:fontRef idx="minor">
+            <a:schemeClr val="tx1"/>
+          </a:fontRef>
+        </p:style>
+      </p:cxnSp>
+      <p:cxnSp>
+        <p:nvCxnSpPr>
+          <p:cNvPr id="35" name="Straight Arrow Connector 72">
+            <a:extLst>
+              <a:ext uri="{FF2B5EF4-FFF2-40B4-BE49-F238E27FC236}">
+                <a16:creationId xmlns:a16="http://schemas.microsoft.com/office/drawing/2014/main" id="{0A39F82A-3FB2-4B58-9DF0-1B4F4AAB95B9}"/>
+              </a:ext>
+            </a:extLst>
+          </p:cNvPr>
+          <p:cNvCxnSpPr>
+            <a:cxnSpLocks/>
+          </p:cNvCxnSpPr>
+          <p:nvPr/>
+        </p:nvCxnSpPr>
+        <p:spPr>
+          <a:xfrm>
+            <a:off x="3320143" y="2553116"/>
+            <a:ext cx="2490107" cy="0"/>
+          </a:xfrm>
+          <a:prstGeom prst="straightConnector1">
+            <a:avLst/>
+          </a:prstGeom>
+          <a:ln w="38100">
+            <a:solidFill>
+              <a:srgbClr val="013B51"/>
+            </a:solidFill>
+            <a:tailEnd type="triangle"/>
+          </a:ln>
+        </p:spPr>
+        <p:style>
+          <a:lnRef idx="1">
+            <a:schemeClr val="accent1"/>
+          </a:lnRef>
+          <a:fillRef idx="0">
+            <a:schemeClr val="accent1"/>
+          </a:fillRef>
+          <a:effectRef idx="0">
+            <a:schemeClr val="accent1"/>
+          </a:effectRef>
+          <a:fontRef idx="minor">
+            <a:schemeClr val="tx1"/>
+          </a:fontRef>
+        </p:style>
+      </p:cxnSp>
+      <p:cxnSp>
+        <p:nvCxnSpPr>
+          <p:cNvPr id="38" name="Straight Arrow Connector 75">
+            <a:extLst>
+              <a:ext uri="{FF2B5EF4-FFF2-40B4-BE49-F238E27FC236}">
+                <a16:creationId xmlns:a16="http://schemas.microsoft.com/office/drawing/2014/main" id="{E9309752-3BAE-4860-A9B5-C285CFD359FC}"/>
+              </a:ext>
+            </a:extLst>
+          </p:cNvPr>
+          <p:cNvCxnSpPr>
+            <a:cxnSpLocks/>
+          </p:cNvCxnSpPr>
+          <p:nvPr/>
+        </p:nvCxnSpPr>
+        <p:spPr>
+          <a:xfrm flipV="1">
+            <a:off x="7439870" y="2802088"/>
+            <a:ext cx="2281076" cy="1"/>
+          </a:xfrm>
+          <a:prstGeom prst="straightConnector1">
+            <a:avLst/>
+          </a:prstGeom>
+          <a:ln w="38100">
+            <a:solidFill>
+              <a:srgbClr val="013B51"/>
+            </a:solidFill>
+            <a:tailEnd type="triangle"/>
+          </a:ln>
+        </p:spPr>
+        <p:style>
+          <a:lnRef idx="1">
+            <a:schemeClr val="accent1"/>
+          </a:lnRef>
+          <a:fillRef idx="0">
+            <a:schemeClr val="accent1"/>
+          </a:fillRef>
+          <a:effectRef idx="0">
+            <a:schemeClr val="accent1"/>
+          </a:effectRef>
+          <a:fontRef idx="minor">
+            <a:schemeClr val="tx1"/>
+          </a:fontRef>
+        </p:style>
+      </p:cxnSp>
+      <p:cxnSp>
+        <p:nvCxnSpPr>
+          <p:cNvPr id="20" name="직선 연결선 19">
+            <a:extLst>
+              <a:ext uri="{FF2B5EF4-FFF2-40B4-BE49-F238E27FC236}">
+                <a16:creationId xmlns:a16="http://schemas.microsoft.com/office/drawing/2014/main" id="{DF10D67E-F0C5-4BD3-B5D7-FDDFA23833FC}"/>
+              </a:ext>
+            </a:extLst>
+          </p:cNvPr>
+          <p:cNvCxnSpPr/>
+          <p:nvPr/>
+        </p:nvCxnSpPr>
+        <p:spPr>
+          <a:xfrm>
+            <a:off x="4196443" y="3188278"/>
+            <a:ext cx="0" cy="1144652"/>
+          </a:xfrm>
+          <a:prstGeom prst="line">
+            <a:avLst/>
+          </a:prstGeom>
+          <a:ln w="38100">
+            <a:solidFill>
+              <a:srgbClr val="013B51"/>
+            </a:solidFill>
+          </a:ln>
+        </p:spPr>
+        <p:style>
+          <a:lnRef idx="1">
+            <a:schemeClr val="accent1"/>
+          </a:lnRef>
+          <a:fillRef idx="0">
+            <a:schemeClr val="accent1"/>
+          </a:fillRef>
+          <a:effectRef idx="0">
+            <a:schemeClr val="accent1"/>
+          </a:effectRef>
+          <a:fontRef idx="minor">
+            <a:schemeClr val="tx1"/>
+          </a:fontRef>
+        </p:style>
+      </p:cxnSp>
+      <p:sp>
+        <p:nvSpPr>
+          <p:cNvPr id="21" name="번개 20">
+            <a:extLst>
+              <a:ext uri="{FF2B5EF4-FFF2-40B4-BE49-F238E27FC236}">
+                <a16:creationId xmlns:a16="http://schemas.microsoft.com/office/drawing/2014/main" id="{5A3E4EA7-7381-4B24-A57D-C2B95EA41E98}"/>
+              </a:ext>
+            </a:extLst>
+          </p:cNvPr>
+          <p:cNvSpPr/>
+          <p:nvPr/>
+        </p:nvSpPr>
+        <p:spPr>
+          <a:xfrm>
+            <a:off x="3763736" y="4314859"/>
+            <a:ext cx="832756" cy="832756"/>
+          </a:xfrm>
+          <a:prstGeom prst="lightningBolt">
+            <a:avLst/>
+          </a:prstGeom>
+          <a:solidFill>
+            <a:schemeClr val="bg1"/>
+          </a:solidFill>
+          <a:ln>
+            <a:noFill/>
+          </a:ln>
+        </p:spPr>
+        <p:style>
+          <a:lnRef idx="2">
+            <a:schemeClr val="accent1">
+              <a:shade val="50000"/>
+            </a:schemeClr>
+          </a:lnRef>
+          <a:fillRef idx="1">
+            <a:schemeClr val="accent1"/>
+          </a:fillRef>
+          <a:effectRef idx="0">
+            <a:schemeClr val="accent1"/>
+          </a:effectRef>
+          <a:fontRef idx="minor">
+            <a:schemeClr val="lt1"/>
+          </a:fontRef>
+        </p:style>
+        <p:txBody>
+          <a:bodyPr rtlCol="0" anchor="ctr"/>
+          <a:lstStyle/>
+          <a:p>
+            <a:pPr algn="ctr"/>
+            <a:endParaRPr lang="en-US"/>
+          </a:p>
+        </p:txBody>
+      </p:sp>
+      <p:grpSp>
+        <p:nvGrpSpPr>
+          <p:cNvPr id="27" name="그룹 26">
+            <a:extLst>
+              <a:ext uri="{FF2B5EF4-FFF2-40B4-BE49-F238E27FC236}">
+                <a16:creationId xmlns:a16="http://schemas.microsoft.com/office/drawing/2014/main" id="{1D12F0BD-8052-46C3-9D0C-99C8812EF7AE}"/>
+              </a:ext>
+            </a:extLst>
+          </p:cNvPr>
+          <p:cNvGrpSpPr/>
+          <p:nvPr/>
+        </p:nvGrpSpPr>
+        <p:grpSpPr>
+          <a:xfrm>
+            <a:off x="3030865" y="5565314"/>
+            <a:ext cx="6690081" cy="685552"/>
+            <a:chOff x="2667000" y="5671118"/>
+            <a:chExt cx="4625067" cy="473944"/>
+          </a:xfrm>
+        </p:grpSpPr>
+        <p:grpSp>
+          <p:nvGrpSpPr>
+            <p:cNvPr id="26" name="그룹 25">
+              <a:extLst>
+                <a:ext uri="{FF2B5EF4-FFF2-40B4-BE49-F238E27FC236}">
+                  <a16:creationId xmlns:a16="http://schemas.microsoft.com/office/drawing/2014/main" id="{5B33F92A-6998-4FB6-A2C9-1BE9FCA92A47}"/>
+                </a:ext>
+              </a:extLst>
+            </p:cNvPr>
+            <p:cNvGrpSpPr/>
+            <p:nvPr/>
+          </p:nvGrpSpPr>
+          <p:grpSpPr>
+            <a:xfrm>
+              <a:off x="2667000" y="5671118"/>
+              <a:ext cx="2329543" cy="473944"/>
+              <a:chOff x="2667000" y="5671118"/>
+              <a:chExt cx="2329543" cy="473944"/>
+            </a:xfrm>
+          </p:grpSpPr>
+          <p:cxnSp>
+            <p:nvCxnSpPr>
+              <p:cNvPr id="39" name="직선 연결선 38">
+                <a:extLst>
+                  <a:ext uri="{FF2B5EF4-FFF2-40B4-BE49-F238E27FC236}">
+                    <a16:creationId xmlns:a16="http://schemas.microsoft.com/office/drawing/2014/main" id="{56E661FE-3A57-4ABE-AC1C-E31C8A90C00F}"/>
+                  </a:ext>
+                </a:extLst>
+              </p:cNvPr>
+              <p:cNvCxnSpPr>
+                <a:cxnSpLocks/>
+              </p:cNvCxnSpPr>
+              <p:nvPr/>
+            </p:nvCxnSpPr>
+            <p:spPr>
+              <a:xfrm>
+                <a:off x="3260271" y="5671118"/>
+                <a:ext cx="0" cy="473944"/>
+              </a:xfrm>
+              <a:prstGeom prst="line">
+                <a:avLst/>
+              </a:prstGeom>
+              <a:ln w="38100">
+                <a:solidFill>
+                  <a:srgbClr val="013B51"/>
+                </a:solidFill>
+              </a:ln>
+            </p:spPr>
+            <p:style>
+              <a:lnRef idx="1">
+                <a:schemeClr val="accent1"/>
+              </a:lnRef>
+              <a:fillRef idx="0">
+                <a:schemeClr val="accent1"/>
+              </a:fillRef>
+              <a:effectRef idx="0">
+                <a:schemeClr val="accent1"/>
+              </a:effectRef>
+              <a:fontRef idx="minor">
+                <a:schemeClr val="tx1"/>
+              </a:fontRef>
+            </p:style>
+          </p:cxnSp>
+          <p:cxnSp>
+            <p:nvCxnSpPr>
+              <p:cNvPr id="41" name="직선 연결선 40">
+                <a:extLst>
+                  <a:ext uri="{FF2B5EF4-FFF2-40B4-BE49-F238E27FC236}">
+                    <a16:creationId xmlns:a16="http://schemas.microsoft.com/office/drawing/2014/main" id="{9F2F131E-7BA1-49FA-9D80-CCE2B4CEFAB6}"/>
+                  </a:ext>
+                </a:extLst>
+              </p:cNvPr>
+              <p:cNvCxnSpPr>
+                <a:cxnSpLocks/>
+              </p:cNvCxnSpPr>
+              <p:nvPr/>
+            </p:nvCxnSpPr>
+            <p:spPr>
+              <a:xfrm>
+                <a:off x="2667000" y="6138909"/>
+                <a:ext cx="604157" cy="0"/>
+              </a:xfrm>
+              <a:prstGeom prst="line">
+                <a:avLst/>
+              </a:prstGeom>
+              <a:ln w="38100">
+                <a:solidFill>
+                  <a:srgbClr val="013B51"/>
+                </a:solidFill>
+              </a:ln>
+            </p:spPr>
+            <p:style>
+              <a:lnRef idx="1">
+                <a:schemeClr val="accent1"/>
+              </a:lnRef>
+              <a:fillRef idx="0">
+                <a:schemeClr val="accent1"/>
+              </a:fillRef>
+              <a:effectRef idx="0">
+                <a:schemeClr val="accent1"/>
+              </a:effectRef>
+              <a:fontRef idx="minor">
+                <a:schemeClr val="tx1"/>
+              </a:fontRef>
+            </p:style>
+          </p:cxnSp>
+          <p:cxnSp>
+            <p:nvCxnSpPr>
+              <p:cNvPr id="45" name="직선 연결선 44">
+                <a:extLst>
+                  <a:ext uri="{FF2B5EF4-FFF2-40B4-BE49-F238E27FC236}">
+                    <a16:creationId xmlns:a16="http://schemas.microsoft.com/office/drawing/2014/main" id="{E3EE241E-DAAE-412B-83A6-D654D08E063B}"/>
+                  </a:ext>
+                </a:extLst>
+              </p:cNvPr>
+              <p:cNvCxnSpPr>
+                <a:cxnSpLocks/>
+              </p:cNvCxnSpPr>
+              <p:nvPr/>
+            </p:nvCxnSpPr>
+            <p:spPr>
+              <a:xfrm>
+                <a:off x="3243944" y="5681370"/>
+                <a:ext cx="604157" cy="0"/>
+              </a:xfrm>
+              <a:prstGeom prst="line">
+                <a:avLst/>
+              </a:prstGeom>
+              <a:ln w="38100">
+                <a:solidFill>
+                  <a:srgbClr val="013B51"/>
+                </a:solidFill>
+              </a:ln>
+            </p:spPr>
+            <p:style>
+              <a:lnRef idx="1">
+                <a:schemeClr val="accent1"/>
+              </a:lnRef>
+              <a:fillRef idx="0">
+                <a:schemeClr val="accent1"/>
+              </a:fillRef>
+              <a:effectRef idx="0">
+                <a:schemeClr val="accent1"/>
+              </a:effectRef>
+              <a:fontRef idx="minor">
+                <a:schemeClr val="tx1"/>
+              </a:fontRef>
+            </p:style>
+          </p:cxnSp>
+          <p:cxnSp>
+            <p:nvCxnSpPr>
+              <p:cNvPr id="46" name="직선 연결선 45">
+                <a:extLst>
+                  <a:ext uri="{FF2B5EF4-FFF2-40B4-BE49-F238E27FC236}">
+                    <a16:creationId xmlns:a16="http://schemas.microsoft.com/office/drawing/2014/main" id="{27149D29-ADDD-459C-ABCA-C93679E77BA4}"/>
+                  </a:ext>
+                </a:extLst>
+              </p:cNvPr>
+              <p:cNvCxnSpPr>
+                <a:cxnSpLocks/>
+              </p:cNvCxnSpPr>
+              <p:nvPr/>
+            </p:nvCxnSpPr>
+            <p:spPr>
+              <a:xfrm>
+                <a:off x="3831772" y="5671118"/>
+                <a:ext cx="0" cy="473944"/>
+              </a:xfrm>
+              <a:prstGeom prst="line">
+                <a:avLst/>
+              </a:prstGeom>
+              <a:ln w="38100">
+                <a:solidFill>
+                  <a:srgbClr val="013B51"/>
+                </a:solidFill>
+              </a:ln>
+            </p:spPr>
+            <p:style>
+              <a:lnRef idx="1">
+                <a:schemeClr val="accent1"/>
+              </a:lnRef>
+              <a:fillRef idx="0">
+                <a:schemeClr val="accent1"/>
+              </a:fillRef>
+              <a:effectRef idx="0">
+                <a:schemeClr val="accent1"/>
+              </a:effectRef>
+              <a:fontRef idx="minor">
+                <a:schemeClr val="tx1"/>
+              </a:fontRef>
+            </p:style>
+          </p:cxnSp>
+          <p:cxnSp>
+            <p:nvCxnSpPr>
+              <p:cNvPr id="55" name="직선 연결선 54">
+                <a:extLst>
+                  <a:ext uri="{FF2B5EF4-FFF2-40B4-BE49-F238E27FC236}">
+                    <a16:creationId xmlns:a16="http://schemas.microsoft.com/office/drawing/2014/main" id="{5281EC80-15E3-486D-A3F5-EDD7AC0D0D54}"/>
+                  </a:ext>
+                </a:extLst>
+              </p:cNvPr>
+              <p:cNvCxnSpPr>
+                <a:cxnSpLocks/>
+              </p:cNvCxnSpPr>
+              <p:nvPr/>
+            </p:nvCxnSpPr>
+            <p:spPr>
+              <a:xfrm>
+                <a:off x="4408713" y="5671118"/>
+                <a:ext cx="0" cy="473944"/>
+              </a:xfrm>
+              <a:prstGeom prst="line">
+                <a:avLst/>
+              </a:prstGeom>
+              <a:ln w="38100">
+                <a:solidFill>
+                  <a:srgbClr val="013B51"/>
+                </a:solidFill>
+              </a:ln>
+            </p:spPr>
+            <p:style>
+              <a:lnRef idx="1">
+                <a:schemeClr val="accent1"/>
+              </a:lnRef>
+              <a:fillRef idx="0">
+                <a:schemeClr val="accent1"/>
+              </a:fillRef>
+              <a:effectRef idx="0">
+                <a:schemeClr val="accent1"/>
+              </a:effectRef>
+              <a:fontRef idx="minor">
+                <a:schemeClr val="tx1"/>
+              </a:fontRef>
+            </p:style>
+          </p:cxnSp>
+          <p:cxnSp>
+            <p:nvCxnSpPr>
+              <p:cNvPr id="56" name="직선 연결선 55">
+                <a:extLst>
+                  <a:ext uri="{FF2B5EF4-FFF2-40B4-BE49-F238E27FC236}">
+                    <a16:creationId xmlns:a16="http://schemas.microsoft.com/office/drawing/2014/main" id="{79F85C53-9826-414F-8375-80535FE4298A}"/>
+                  </a:ext>
+                </a:extLst>
+              </p:cNvPr>
+              <p:cNvCxnSpPr>
+                <a:cxnSpLocks/>
+              </p:cNvCxnSpPr>
+              <p:nvPr/>
+            </p:nvCxnSpPr>
+            <p:spPr>
+              <a:xfrm>
+                <a:off x="3815442" y="6138909"/>
+                <a:ext cx="604157" cy="0"/>
+              </a:xfrm>
+              <a:prstGeom prst="line">
+                <a:avLst/>
+              </a:prstGeom>
+              <a:ln w="38100">
+                <a:solidFill>
+                  <a:srgbClr val="013B51"/>
+                </a:solidFill>
+              </a:ln>
+            </p:spPr>
+            <p:style>
+              <a:lnRef idx="1">
+                <a:schemeClr val="accent1"/>
+              </a:lnRef>
+              <a:fillRef idx="0">
+                <a:schemeClr val="accent1"/>
+              </a:fillRef>
+              <a:effectRef idx="0">
+                <a:schemeClr val="accent1"/>
+              </a:effectRef>
+              <a:fontRef idx="minor">
+                <a:schemeClr val="tx1"/>
+              </a:fontRef>
+            </p:style>
+          </p:cxnSp>
+          <p:cxnSp>
+            <p:nvCxnSpPr>
+              <p:cNvPr id="57" name="직선 연결선 56">
+                <a:extLst>
+                  <a:ext uri="{FF2B5EF4-FFF2-40B4-BE49-F238E27FC236}">
+                    <a16:creationId xmlns:a16="http://schemas.microsoft.com/office/drawing/2014/main" id="{280424B1-BA31-41D6-A6E5-B34D9577CFBB}"/>
+                  </a:ext>
+                </a:extLst>
+              </p:cNvPr>
+              <p:cNvCxnSpPr>
+                <a:cxnSpLocks/>
+              </p:cNvCxnSpPr>
+              <p:nvPr/>
+            </p:nvCxnSpPr>
+            <p:spPr>
+              <a:xfrm>
+                <a:off x="4392386" y="5681370"/>
+                <a:ext cx="604157" cy="0"/>
+              </a:xfrm>
+              <a:prstGeom prst="line">
+                <a:avLst/>
+              </a:prstGeom>
+              <a:ln w="38100">
+                <a:solidFill>
+                  <a:srgbClr val="013B51"/>
+                </a:solidFill>
+              </a:ln>
+            </p:spPr>
+            <p:style>
+              <a:lnRef idx="1">
+                <a:schemeClr val="accent1"/>
+              </a:lnRef>
+              <a:fillRef idx="0">
+                <a:schemeClr val="accent1"/>
+              </a:fillRef>
+              <a:effectRef idx="0">
+                <a:schemeClr val="accent1"/>
+              </a:effectRef>
+              <a:fontRef idx="minor">
+                <a:schemeClr val="tx1"/>
+              </a:fontRef>
+            </p:style>
+          </p:cxnSp>
+          <p:cxnSp>
+            <p:nvCxnSpPr>
+              <p:cNvPr id="58" name="직선 연결선 57">
+                <a:extLst>
+                  <a:ext uri="{FF2B5EF4-FFF2-40B4-BE49-F238E27FC236}">
+                    <a16:creationId xmlns:a16="http://schemas.microsoft.com/office/drawing/2014/main" id="{BA34546C-69ED-4ABA-87C8-FE0CCA1C47AC}"/>
+                  </a:ext>
+                </a:extLst>
+              </p:cNvPr>
+              <p:cNvCxnSpPr>
+                <a:cxnSpLocks/>
+              </p:cNvCxnSpPr>
+              <p:nvPr/>
+            </p:nvCxnSpPr>
+            <p:spPr>
+              <a:xfrm>
+                <a:off x="4980214" y="5671118"/>
+                <a:ext cx="0" cy="473944"/>
+              </a:xfrm>
+              <a:prstGeom prst="line">
+                <a:avLst/>
+              </a:prstGeom>
+              <a:ln w="38100">
+                <a:solidFill>
+                  <a:srgbClr val="013B51"/>
+                </a:solidFill>
+              </a:ln>
+            </p:spPr>
+            <p:style>
+              <a:lnRef idx="1">
+                <a:schemeClr val="accent1"/>
+              </a:lnRef>
+              <a:fillRef idx="0">
+                <a:schemeClr val="accent1"/>
+              </a:fillRef>
+              <a:effectRef idx="0">
+                <a:schemeClr val="accent1"/>
+              </a:effectRef>
+              <a:fontRef idx="minor">
+                <a:schemeClr val="tx1"/>
+              </a:fontRef>
+            </p:style>
+          </p:cxnSp>
+        </p:grpSp>
+        <p:grpSp>
+          <p:nvGrpSpPr>
+            <p:cNvPr id="60" name="그룹 59">
+              <a:extLst>
+                <a:ext uri="{FF2B5EF4-FFF2-40B4-BE49-F238E27FC236}">
+                  <a16:creationId xmlns:a16="http://schemas.microsoft.com/office/drawing/2014/main" id="{7B5EC74C-2CAC-4DA4-9906-D8021A3FD15C}"/>
+                </a:ext>
+              </a:extLst>
+            </p:cNvPr>
+            <p:cNvGrpSpPr/>
+            <p:nvPr/>
+          </p:nvGrpSpPr>
+          <p:grpSpPr>
+            <a:xfrm>
+              <a:off x="4962524" y="5671118"/>
+              <a:ext cx="2329543" cy="473944"/>
+              <a:chOff x="2667000" y="5671118"/>
+              <a:chExt cx="2329543" cy="473944"/>
+            </a:xfrm>
+          </p:grpSpPr>
+          <p:cxnSp>
+            <p:nvCxnSpPr>
+              <p:cNvPr id="61" name="직선 연결선 60">
+                <a:extLst>
+                  <a:ext uri="{FF2B5EF4-FFF2-40B4-BE49-F238E27FC236}">
+                    <a16:creationId xmlns:a16="http://schemas.microsoft.com/office/drawing/2014/main" id="{40D89AD3-9EBE-4FCB-AC98-69520DE774C2}"/>
+                  </a:ext>
+                </a:extLst>
+              </p:cNvPr>
+              <p:cNvCxnSpPr>
+                <a:cxnSpLocks/>
+              </p:cNvCxnSpPr>
+              <p:nvPr/>
+            </p:nvCxnSpPr>
+            <p:spPr>
+              <a:xfrm>
+                <a:off x="3260271" y="5671118"/>
+                <a:ext cx="0" cy="473944"/>
+              </a:xfrm>
+              <a:prstGeom prst="line">
+                <a:avLst/>
+              </a:prstGeom>
+              <a:ln w="38100">
+                <a:solidFill>
+                  <a:srgbClr val="013B51"/>
+                </a:solidFill>
+              </a:ln>
+            </p:spPr>
+            <p:style>
+              <a:lnRef idx="1">
+                <a:schemeClr val="accent1"/>
+              </a:lnRef>
+              <a:fillRef idx="0">
+                <a:schemeClr val="accent1"/>
+              </a:fillRef>
+              <a:effectRef idx="0">
+                <a:schemeClr val="accent1"/>
+              </a:effectRef>
+              <a:fontRef idx="minor">
+                <a:schemeClr val="tx1"/>
+              </a:fontRef>
+            </p:style>
+          </p:cxnSp>
+          <p:cxnSp>
+            <p:nvCxnSpPr>
+              <p:cNvPr id="62" name="직선 연결선 61">
+                <a:extLst>
+                  <a:ext uri="{FF2B5EF4-FFF2-40B4-BE49-F238E27FC236}">
+                    <a16:creationId xmlns:a16="http://schemas.microsoft.com/office/drawing/2014/main" id="{DB1F6CBF-0935-42E4-B78E-33EDF5A3F47F}"/>
+                  </a:ext>
+                </a:extLst>
+              </p:cNvPr>
+              <p:cNvCxnSpPr>
+                <a:cxnSpLocks/>
+              </p:cNvCxnSpPr>
+              <p:nvPr/>
+            </p:nvCxnSpPr>
+            <p:spPr>
+              <a:xfrm>
+                <a:off x="2667000" y="6138909"/>
+                <a:ext cx="604157" cy="0"/>
+              </a:xfrm>
+              <a:prstGeom prst="line">
+                <a:avLst/>
+              </a:prstGeom>
+              <a:ln w="38100">
+                <a:solidFill>
+                  <a:srgbClr val="013B51"/>
+                </a:solidFill>
+              </a:ln>
+            </p:spPr>
+            <p:style>
+              <a:lnRef idx="1">
+                <a:schemeClr val="accent1"/>
+              </a:lnRef>
+              <a:fillRef idx="0">
+                <a:schemeClr val="accent1"/>
+              </a:fillRef>
+              <a:effectRef idx="0">
+                <a:schemeClr val="accent1"/>
+              </a:effectRef>
+              <a:fontRef idx="minor">
+                <a:schemeClr val="tx1"/>
+              </a:fontRef>
+            </p:style>
+          </p:cxnSp>
+          <p:cxnSp>
+            <p:nvCxnSpPr>
+              <p:cNvPr id="63" name="직선 연결선 62">
+                <a:extLst>
+                  <a:ext uri="{FF2B5EF4-FFF2-40B4-BE49-F238E27FC236}">
+                    <a16:creationId xmlns:a16="http://schemas.microsoft.com/office/drawing/2014/main" id="{560EF2AF-47B6-4783-9C7A-C35D6914B73A}"/>
+                  </a:ext>
+                </a:extLst>
+              </p:cNvPr>
+              <p:cNvCxnSpPr>
+                <a:cxnSpLocks/>
+              </p:cNvCxnSpPr>
+              <p:nvPr/>
+            </p:nvCxnSpPr>
+            <p:spPr>
+              <a:xfrm>
+                <a:off x="3243944" y="5681370"/>
+                <a:ext cx="604157" cy="0"/>
+              </a:xfrm>
+              <a:prstGeom prst="line">
+                <a:avLst/>
+              </a:prstGeom>
+              <a:ln w="38100">
+                <a:solidFill>
+                  <a:srgbClr val="013B51"/>
+                </a:solidFill>
+              </a:ln>
+            </p:spPr>
+            <p:style>
+              <a:lnRef idx="1">
+                <a:schemeClr val="accent1"/>
+              </a:lnRef>
+              <a:fillRef idx="0">
+                <a:schemeClr val="accent1"/>
+              </a:fillRef>
+              <a:effectRef idx="0">
+                <a:schemeClr val="accent1"/>
+              </a:effectRef>
+              <a:fontRef idx="minor">
+                <a:schemeClr val="tx1"/>
+              </a:fontRef>
+            </p:style>
+          </p:cxnSp>
+          <p:cxnSp>
+            <p:nvCxnSpPr>
+              <p:cNvPr id="64" name="직선 연결선 63">
+                <a:extLst>
+                  <a:ext uri="{FF2B5EF4-FFF2-40B4-BE49-F238E27FC236}">
+                    <a16:creationId xmlns:a16="http://schemas.microsoft.com/office/drawing/2014/main" id="{4EDD5658-DBF4-4BD4-9611-FBA3F074D369}"/>
+                  </a:ext>
+                </a:extLst>
+              </p:cNvPr>
+              <p:cNvCxnSpPr>
+                <a:cxnSpLocks/>
+              </p:cNvCxnSpPr>
+              <p:nvPr/>
+            </p:nvCxnSpPr>
+            <p:spPr>
+              <a:xfrm>
+                <a:off x="3831772" y="5671118"/>
+                <a:ext cx="0" cy="473944"/>
+              </a:xfrm>
+              <a:prstGeom prst="line">
+                <a:avLst/>
+              </a:prstGeom>
+              <a:ln w="38100">
+                <a:solidFill>
+                  <a:srgbClr val="013B51"/>
+                </a:solidFill>
+              </a:ln>
+            </p:spPr>
+            <p:style>
+              <a:lnRef idx="1">
+                <a:schemeClr val="accent1"/>
+              </a:lnRef>
+              <a:fillRef idx="0">
+                <a:schemeClr val="accent1"/>
+              </a:fillRef>
+              <a:effectRef idx="0">
+                <a:schemeClr val="accent1"/>
+              </a:effectRef>
+              <a:fontRef idx="minor">
+                <a:schemeClr val="tx1"/>
+              </a:fontRef>
+            </p:style>
+          </p:cxnSp>
+          <p:cxnSp>
+            <p:nvCxnSpPr>
+              <p:cNvPr id="65" name="직선 연결선 64">
+                <a:extLst>
+                  <a:ext uri="{FF2B5EF4-FFF2-40B4-BE49-F238E27FC236}">
+                    <a16:creationId xmlns:a16="http://schemas.microsoft.com/office/drawing/2014/main" id="{1C7600BF-D525-4DEA-BE0A-2A426F76B803}"/>
+                  </a:ext>
+                </a:extLst>
+              </p:cNvPr>
+              <p:cNvCxnSpPr>
+                <a:cxnSpLocks/>
+              </p:cNvCxnSpPr>
+              <p:nvPr/>
+            </p:nvCxnSpPr>
+            <p:spPr>
+              <a:xfrm>
+                <a:off x="4408713" y="5671118"/>
+                <a:ext cx="0" cy="473944"/>
+              </a:xfrm>
+              <a:prstGeom prst="line">
+                <a:avLst/>
+              </a:prstGeom>
+              <a:ln w="38100">
+                <a:solidFill>
+                  <a:srgbClr val="013B51"/>
+                </a:solidFill>
+              </a:ln>
+            </p:spPr>
+            <p:style>
+              <a:lnRef idx="1">
+                <a:schemeClr val="accent1"/>
+              </a:lnRef>
+              <a:fillRef idx="0">
+                <a:schemeClr val="accent1"/>
+              </a:fillRef>
+              <a:effectRef idx="0">
+                <a:schemeClr val="accent1"/>
+              </a:effectRef>
+              <a:fontRef idx="minor">
+                <a:schemeClr val="tx1"/>
+              </a:fontRef>
+            </p:style>
+          </p:cxnSp>
+          <p:cxnSp>
+            <p:nvCxnSpPr>
+              <p:cNvPr id="66" name="직선 연결선 65">
+                <a:extLst>
+                  <a:ext uri="{FF2B5EF4-FFF2-40B4-BE49-F238E27FC236}">
+                    <a16:creationId xmlns:a16="http://schemas.microsoft.com/office/drawing/2014/main" id="{E7D1D93F-5EDB-4BA2-BAE2-033321CE17E3}"/>
+                  </a:ext>
+                </a:extLst>
+              </p:cNvPr>
+              <p:cNvCxnSpPr>
+                <a:cxnSpLocks/>
+              </p:cNvCxnSpPr>
+              <p:nvPr/>
+            </p:nvCxnSpPr>
+            <p:spPr>
+              <a:xfrm>
+                <a:off x="3815442" y="6138909"/>
+                <a:ext cx="604157" cy="0"/>
+              </a:xfrm>
+              <a:prstGeom prst="line">
+                <a:avLst/>
+              </a:prstGeom>
+              <a:ln w="38100">
+                <a:solidFill>
+                  <a:srgbClr val="013B51"/>
+                </a:solidFill>
+              </a:ln>
+            </p:spPr>
+            <p:style>
+              <a:lnRef idx="1">
+                <a:schemeClr val="accent1"/>
+              </a:lnRef>
+              <a:fillRef idx="0">
+                <a:schemeClr val="accent1"/>
+              </a:fillRef>
+              <a:effectRef idx="0">
+                <a:schemeClr val="accent1"/>
+              </a:effectRef>
+              <a:fontRef idx="minor">
+                <a:schemeClr val="tx1"/>
+              </a:fontRef>
+            </p:style>
+          </p:cxnSp>
+          <p:cxnSp>
+            <p:nvCxnSpPr>
+              <p:cNvPr id="67" name="직선 연결선 66">
+                <a:extLst>
+                  <a:ext uri="{FF2B5EF4-FFF2-40B4-BE49-F238E27FC236}">
+                    <a16:creationId xmlns:a16="http://schemas.microsoft.com/office/drawing/2014/main" id="{213E242B-2144-4545-B46F-FFB68D656574}"/>
+                  </a:ext>
+                </a:extLst>
+              </p:cNvPr>
+              <p:cNvCxnSpPr>
+                <a:cxnSpLocks/>
+              </p:cNvCxnSpPr>
+              <p:nvPr/>
+            </p:nvCxnSpPr>
+            <p:spPr>
+              <a:xfrm>
+                <a:off x="4392386" y="5681370"/>
+                <a:ext cx="604157" cy="0"/>
+              </a:xfrm>
+              <a:prstGeom prst="line">
+                <a:avLst/>
+              </a:prstGeom>
+              <a:ln w="38100">
+                <a:solidFill>
+                  <a:srgbClr val="013B51"/>
+                </a:solidFill>
+              </a:ln>
+            </p:spPr>
+            <p:style>
+              <a:lnRef idx="1">
+                <a:schemeClr val="accent1"/>
+              </a:lnRef>
+              <a:fillRef idx="0">
+                <a:schemeClr val="accent1"/>
+              </a:fillRef>
+              <a:effectRef idx="0">
+                <a:schemeClr val="accent1"/>
+              </a:effectRef>
+              <a:fontRef idx="minor">
+                <a:schemeClr val="tx1"/>
+              </a:fontRef>
+            </p:style>
+          </p:cxnSp>
+          <p:cxnSp>
+            <p:nvCxnSpPr>
+              <p:cNvPr id="68" name="직선 연결선 67">
+                <a:extLst>
+                  <a:ext uri="{FF2B5EF4-FFF2-40B4-BE49-F238E27FC236}">
+                    <a16:creationId xmlns:a16="http://schemas.microsoft.com/office/drawing/2014/main" id="{1263E00D-B845-4F5F-A96B-A2997AAD73EF}"/>
+                  </a:ext>
+                </a:extLst>
+              </p:cNvPr>
+              <p:cNvCxnSpPr>
+                <a:cxnSpLocks/>
+              </p:cNvCxnSpPr>
+              <p:nvPr/>
+            </p:nvCxnSpPr>
+            <p:spPr>
+              <a:xfrm>
+                <a:off x="4980214" y="5671118"/>
+                <a:ext cx="0" cy="473944"/>
+              </a:xfrm>
+              <a:prstGeom prst="line">
+                <a:avLst/>
+              </a:prstGeom>
+              <a:ln w="38100">
+                <a:solidFill>
+                  <a:srgbClr val="013B51"/>
+                </a:solidFill>
+              </a:ln>
+            </p:spPr>
+            <p:style>
+              <a:lnRef idx="1">
+                <a:schemeClr val="accent1"/>
+              </a:lnRef>
+              <a:fillRef idx="0">
+                <a:schemeClr val="accent1"/>
+              </a:fillRef>
+              <a:effectRef idx="0">
+                <a:schemeClr val="accent1"/>
+              </a:effectRef>
+              <a:fontRef idx="minor">
+                <a:schemeClr val="tx1"/>
+              </a:fontRef>
+            </p:style>
+          </p:cxnSp>
+        </p:grpSp>
+      </p:grpSp>
+      <p:sp>
+        <p:nvSpPr>
+          <p:cNvPr id="40" name="화살표: 오른쪽 39">
+            <a:extLst>
+              <a:ext uri="{FF2B5EF4-FFF2-40B4-BE49-F238E27FC236}">
+                <a16:creationId xmlns:a16="http://schemas.microsoft.com/office/drawing/2014/main" id="{AFEE12E2-71FF-41AF-AFC4-958659752F4C}"/>
+              </a:ext>
+            </a:extLst>
+          </p:cNvPr>
+          <p:cNvSpPr/>
+          <p:nvPr/>
+        </p:nvSpPr>
+        <p:spPr>
+          <a:xfrm>
+            <a:off x="2794366" y="6394109"/>
+            <a:ext cx="543901" cy="269409"/>
+          </a:xfrm>
+          <a:prstGeom prst="rightArrow">
+            <a:avLst/>
+          </a:prstGeom>
+          <a:solidFill>
+            <a:srgbClr val="013B51"/>
+          </a:solidFill>
+          <a:ln>
+            <a:noFill/>
+          </a:ln>
+        </p:spPr>
+        <p:style>
+          <a:lnRef idx="2">
+            <a:schemeClr val="accent1">
+              <a:shade val="50000"/>
+            </a:schemeClr>
+          </a:lnRef>
+          <a:fillRef idx="1">
+            <a:schemeClr val="accent1"/>
+          </a:fillRef>
+          <a:effectRef idx="0">
+            <a:schemeClr val="accent1"/>
+          </a:effectRef>
+          <a:fontRef idx="minor">
+            <a:schemeClr val="lt1"/>
+          </a:fontRef>
+        </p:style>
+        <p:txBody>
+          <a:bodyPr rtlCol="0" anchor="ctr"/>
+          <a:lstStyle/>
+          <a:p>
+            <a:pPr algn="ctr"/>
+            <a:endParaRPr lang="en-US"/>
+          </a:p>
+        </p:txBody>
+      </p:sp>
+    </p:spTree>
+    <p:extLst>
+      <p:ext uri="{BB962C8B-B14F-4D97-AF65-F5344CB8AC3E}">
+        <p14:creationId xmlns:p14="http://schemas.microsoft.com/office/powerpoint/2010/main" val="2476836885"/>
+      </p:ext>
+    </p:extLst>
+  </p:cSld>
+  <p:clrMapOvr>
+    <a:masterClrMapping/>
+  </p:clrMapOvr>
+  <p:timing>
+    <p:tnLst>
+      <p:par>
+        <p:cTn id="1" dur="indefinite" restart="never" nodeType="tmRoot">
+          <p:childTnLst>
+            <p:seq concurrent="1" nextAc="seek">
+              <p:cTn id="2" dur="indefinite" nodeType="mainSeq">
+                <p:childTnLst>
+                  <p:par>
+                    <p:cTn id="3" fill="hold">
+                      <p:stCondLst>
+                        <p:cond delay="indefinite"/>
+                        <p:cond evt="onBegin" delay="0">
+                          <p:tn val="2"/>
+                        </p:cond>
+                      </p:stCondLst>
+                      <p:childTnLst>
+                        <p:par>
+                          <p:cTn id="4" fill="hold">
+                            <p:stCondLst>
+                              <p:cond delay="0"/>
+                            </p:stCondLst>
+                            <p:childTnLst>
+                              <p:par>
+                                <p:cTn id="5" presetID="63" presetClass="path" presetSubtype="0" fill="hold" grpId="0" nodeType="withEffect">
+                                  <p:stCondLst>
+                                    <p:cond delay="0"/>
+                                  </p:stCondLst>
+                                  <p:childTnLst>
+                                    <p:animMotion origin="layout" path="M -2.29167E-6 -1.85185E-6 L 0.54584 -1.85185E-6 " pathEditMode="relative" rAng="0" ptsTypes="AA">
+                                      <p:cBhvr>
+                                        <p:cTn id="6" dur="4000" fill="hold"/>
+                                        <p:tgtEl>
+                                          <p:spTgt spid="40"/>
+                                        </p:tgtEl>
+                                        <p:attrNameLst>
+                                          <p:attrName>ppt_x</p:attrName>
+                                          <p:attrName>ppt_y</p:attrName>
+                                        </p:attrNameLst>
+                                      </p:cBhvr>
+                                      <p:rCtr x="27292" y="0"/>
+                                    </p:animMotion>
+                                  </p:childTnLst>
+                                </p:cTn>
+                              </p:par>
+                              <p:par>
+                                <p:cTn id="7" presetID="27" presetClass="emph" presetSubtype="0" repeatCount="4000" fill="remove" grpId="0" nodeType="withEffect">
+                                  <p:stCondLst>
+                                    <p:cond delay="0"/>
+                                  </p:stCondLst>
+                                  <p:childTnLst>
+                                    <p:animClr clrSpc="rgb" dir="cw">
+                                      <p:cBhvr override="childStyle">
+                                        <p:cTn id="8" dur="500" autoRev="1" fill="remove"/>
+                                        <p:tgtEl>
+                                          <p:spTgt spid="21"/>
+                                        </p:tgtEl>
+                                        <p:attrNameLst>
+                                          <p:attrName>style.color</p:attrName>
+                                        </p:attrNameLst>
+                                      </p:cBhvr>
+                                      <p:to>
+                                        <a:srgbClr val="FFCC00"/>
+                                      </p:to>
+                                    </p:animClr>
+                                    <p:animClr clrSpc="rgb" dir="cw">
+                                      <p:cBhvr>
+                                        <p:cTn id="9" dur="500" autoRev="1" fill="remove"/>
+                                        <p:tgtEl>
+                                          <p:spTgt spid="21"/>
+                                        </p:tgtEl>
+                                        <p:attrNameLst>
+                                          <p:attrName>fillcolor</p:attrName>
+                                        </p:attrNameLst>
+                                      </p:cBhvr>
+                                      <p:to>
+                                        <a:srgbClr val="FFCC00"/>
+                                      </p:to>
+                                    </p:animClr>
+                                    <p:set>
+                                      <p:cBhvr>
+                                        <p:cTn id="10" dur="500" autoRev="1" fill="remove"/>
+                                        <p:tgtEl>
+                                          <p:spTgt spid="21"/>
+                                        </p:tgtEl>
+                                        <p:attrNameLst>
+                                          <p:attrName>fill.type</p:attrName>
+                                        </p:attrNameLst>
+                                      </p:cBhvr>
+                                      <p:to>
+                                        <p:strVal val="solid"/>
+                                      </p:to>
+                                    </p:set>
+                                    <p:set>
+                                      <p:cBhvr>
+                                        <p:cTn id="11" dur="500" autoRev="1" fill="remove"/>
+                                        <p:tgtEl>
+                                          <p:spTgt spid="21"/>
+                                        </p:tgtEl>
+                                        <p:attrNameLst>
+                                          <p:attrName>fill.on</p:attrName>
+                                        </p:attrNameLst>
+                                      </p:cBhvr>
+                                      <p:to>
+                                        <p:strVal val="true"/>
+                                      </p:to>
+                                    </p:set>
+                                  </p:childTnLst>
+                                </p:cTn>
+                              </p:par>
+                            </p:childTnLst>
+                          </p:cTn>
+                        </p:par>
+                      </p:childTnLst>
+                    </p:cTn>
+                  </p:par>
+                </p:childTnLst>
+              </p:cTn>
+              <p:prevCondLst>
+                <p:cond evt="onPrev" delay="0">
+                  <p:tgtEl>
+                    <p:sldTgt/>
+                  </p:tgtEl>
+                </p:cond>
+              </p:prevCondLst>
+              <p:nextCondLst>
+                <p:cond evt="onNext" delay="0">
+                  <p:tgtEl>
+                    <p:sldTgt/>
+                  </p:tgtEl>
+                </p:cond>
+              </p:nextCondLst>
+            </p:seq>
+          </p:childTnLst>
+        </p:cTn>
+      </p:par>
+    </p:tnLst>
+    <p:bldLst>
+      <p:bldP spid="21" grpId="0" animBg="1"/>
+      <p:bldP spid="40" grpId="0" animBg="1"/>
+    </p:bldLst>
+  </p:timing>
+</p:sld>
+</file>
+
+<file path=ppt/slides/slide3.xml><?xml version="1.0" encoding="utf-8"?>
+<p:sld xmlns:a="http://schemas.openxmlformats.org/drawingml/2006/main" xmlns:r="http://schemas.openxmlformats.org/officeDocument/2006/relationships" xmlns:p="http://schemas.openxmlformats.org/presentationml/2006/main">
+  <p:cSld>
+    <p:spTree>
+      <p:nvGrpSpPr>
+        <p:cNvPr id="1" name=""/>
+        <p:cNvGrpSpPr/>
+        <p:nvPr/>
+      </p:nvGrpSpPr>
+      <p:grpSpPr>
+        <a:xfrm>
+          <a:off x="0" y="0"/>
+          <a:ext cx="0" cy="0"/>
+          <a:chOff x="0" y="0"/>
+          <a:chExt cx="0" cy="0"/>
+        </a:xfrm>
+      </p:grpSpPr>
+      <p:sp>
+        <p:nvSpPr>
+          <p:cNvPr id="6" name="Rectangle 5">
+            <a:extLst>
+              <a:ext uri="{FF2B5EF4-FFF2-40B4-BE49-F238E27FC236}">
+                <a16:creationId xmlns:a16="http://schemas.microsoft.com/office/drawing/2014/main" id="{386837E1-34D3-48A7-8764-FF3A069C77A0}"/>
+              </a:ext>
+            </a:extLst>
+          </p:cNvPr>
+          <p:cNvSpPr/>
+          <p:nvPr/>
+        </p:nvSpPr>
+        <p:spPr>
+          <a:xfrm>
+            <a:off x="1" y="0"/>
+            <a:ext cx="1822612" cy="6858000"/>
+          </a:xfrm>
+          <a:prstGeom prst="rect">
+            <a:avLst/>
+          </a:prstGeom>
+          <a:solidFill>
+            <a:srgbClr val="013B51"/>
+          </a:solidFill>
+          <a:ln>
+            <a:noFill/>
+          </a:ln>
+        </p:spPr>
+        <p:style>
+          <a:lnRef idx="2">
+            <a:schemeClr val="accent1">
+              <a:shade val="50000"/>
+            </a:schemeClr>
+          </a:lnRef>
+          <a:fillRef idx="1">
+            <a:schemeClr val="accent1"/>
+          </a:fillRef>
+          <a:effectRef idx="0">
+            <a:schemeClr val="accent1"/>
+          </a:effectRef>
+          <a:fontRef idx="minor">
+            <a:schemeClr val="lt1"/>
+          </a:fontRef>
+        </p:style>
+        <p:txBody>
+          <a:bodyPr rtlCol="0" anchor="ctr"/>
+          <a:lstStyle/>
+          <a:p>
+            <a:pPr algn="ctr"/>
+            <a:endParaRPr lang="ko-KR" altLang="en-US"/>
+          </a:p>
+        </p:txBody>
+      </p:sp>
+      <p:grpSp>
+        <p:nvGrpSpPr>
+          <p:cNvPr id="4" name="Group 3">
+            <a:extLst>
+              <a:ext uri="{FF2B5EF4-FFF2-40B4-BE49-F238E27FC236}">
+                <a16:creationId xmlns:a16="http://schemas.microsoft.com/office/drawing/2014/main" id="{7072584C-6260-4990-8119-F48D43DF9D1D}"/>
+              </a:ext>
+            </a:extLst>
+          </p:cNvPr>
+          <p:cNvGrpSpPr/>
+          <p:nvPr/>
+        </p:nvGrpSpPr>
+        <p:grpSpPr>
+          <a:xfrm>
+            <a:off x="227192" y="110970"/>
+            <a:ext cx="7619352" cy="6027939"/>
+            <a:chOff x="2068497" y="372861"/>
+            <a:chExt cx="7619352" cy="6027939"/>
+          </a:xfrm>
+        </p:grpSpPr>
+        <p:grpSp>
+          <p:nvGrpSpPr>
+            <p:cNvPr id="16" name="Group 15">
+              <a:extLst>
+                <a:ext uri="{FF2B5EF4-FFF2-40B4-BE49-F238E27FC236}">
+                  <a16:creationId xmlns:a16="http://schemas.microsoft.com/office/drawing/2014/main" id="{9FED8531-C6D3-4649-A895-F74932994A64}"/>
+                </a:ext>
+              </a:extLst>
+            </p:cNvPr>
+            <p:cNvGrpSpPr/>
+            <p:nvPr/>
+          </p:nvGrpSpPr>
+          <p:grpSpPr>
+            <a:xfrm>
+              <a:off x="2183906" y="372861"/>
+              <a:ext cx="7503943" cy="5797120"/>
+              <a:chOff x="2183906" y="372861"/>
+              <a:chExt cx="7503943" cy="5797120"/>
+            </a:xfrm>
+          </p:grpSpPr>
+          <p:cxnSp>
+            <p:nvCxnSpPr>
+              <p:cNvPr id="11" name="Straight Connector 10">
+                <a:extLst>
+                  <a:ext uri="{FF2B5EF4-FFF2-40B4-BE49-F238E27FC236}">
+                    <a16:creationId xmlns:a16="http://schemas.microsoft.com/office/drawing/2014/main" id="{0FA2315E-967B-45B9-A0F4-B526CF82C921}"/>
+                  </a:ext>
+                </a:extLst>
+              </p:cNvPr>
+              <p:cNvCxnSpPr>
+                <a:stCxn id="9" idx="0"/>
+              </p:cNvCxnSpPr>
+              <p:nvPr/>
+            </p:nvCxnSpPr>
+            <p:spPr>
+              <a:xfrm flipV="1">
+                <a:off x="2183907" y="457200"/>
+                <a:ext cx="0" cy="5712781"/>
+              </a:xfrm>
+              <a:prstGeom prst="line">
+                <a:avLst/>
+              </a:prstGeom>
+              <a:ln w="57150">
+                <a:solidFill>
+                  <a:srgbClr val="DABA6F"/>
+                </a:solidFill>
+              </a:ln>
+            </p:spPr>
+            <p:style>
+              <a:lnRef idx="1">
+                <a:schemeClr val="accent1"/>
+              </a:lnRef>
+              <a:fillRef idx="0">
+                <a:schemeClr val="accent1"/>
+              </a:fillRef>
+              <a:effectRef idx="0">
+                <a:schemeClr val="accent1"/>
+              </a:effectRef>
+              <a:fontRef idx="minor">
+                <a:schemeClr val="tx1"/>
+              </a:fontRef>
+            </p:style>
+          </p:cxnSp>
+          <p:cxnSp>
+            <p:nvCxnSpPr>
+              <p:cNvPr id="12" name="Straight Connector 11">
+                <a:extLst>
+                  <a:ext uri="{FF2B5EF4-FFF2-40B4-BE49-F238E27FC236}">
+                    <a16:creationId xmlns:a16="http://schemas.microsoft.com/office/drawing/2014/main" id="{92518781-1781-40F6-9291-FD4D938DE48A}"/>
+                  </a:ext>
+                </a:extLst>
+              </p:cNvPr>
+              <p:cNvCxnSpPr>
+                <a:cxnSpLocks/>
+              </p:cNvCxnSpPr>
+              <p:nvPr/>
+            </p:nvCxnSpPr>
+            <p:spPr>
+              <a:xfrm flipH="1">
+                <a:off x="2183906" y="488271"/>
+                <a:ext cx="7273124" cy="1"/>
+              </a:xfrm>
+              <a:prstGeom prst="line">
+                <a:avLst/>
+              </a:prstGeom>
+              <a:ln w="57150">
+                <a:solidFill>
+                  <a:srgbClr val="DABA6F"/>
+                </a:solidFill>
+              </a:ln>
+            </p:spPr>
+            <p:style>
+              <a:lnRef idx="1">
+                <a:schemeClr val="accent1"/>
+              </a:lnRef>
+              <a:fillRef idx="0">
+                <a:schemeClr val="accent1"/>
+              </a:fillRef>
+              <a:effectRef idx="0">
+                <a:schemeClr val="accent1"/>
+              </a:effectRef>
+              <a:fontRef idx="minor">
+                <a:schemeClr val="tx1"/>
+              </a:fontRef>
+            </p:style>
+          </p:cxnSp>
+          <p:sp>
+            <p:nvSpPr>
+              <p:cNvPr id="15" name="Rectangle 14">
+                <a:extLst>
+                  <a:ext uri="{FF2B5EF4-FFF2-40B4-BE49-F238E27FC236}">
+                    <a16:creationId xmlns:a16="http://schemas.microsoft.com/office/drawing/2014/main" id="{57D81539-1F79-4E3F-B190-8AEB88C54CD2}"/>
+                  </a:ext>
+                </a:extLst>
+              </p:cNvPr>
+              <p:cNvSpPr/>
+              <p:nvPr/>
+            </p:nvSpPr>
+            <p:spPr>
+              <a:xfrm>
+                <a:off x="9457030" y="372861"/>
+                <a:ext cx="230819" cy="230819"/>
+              </a:xfrm>
+              <a:prstGeom prst="rect">
+                <a:avLst/>
+              </a:prstGeom>
+              <a:solidFill>
+                <a:srgbClr val="DABA6F"/>
+              </a:solidFill>
+              <a:ln>
+                <a:noFill/>
+              </a:ln>
+            </p:spPr>
+            <p:style>
+              <a:lnRef idx="2">
+                <a:schemeClr val="accent1">
+                  <a:shade val="50000"/>
+                </a:schemeClr>
+              </a:lnRef>
+              <a:fillRef idx="1">
+                <a:schemeClr val="accent1"/>
+              </a:fillRef>
+              <a:effectRef idx="0">
+                <a:schemeClr val="accent1"/>
+              </a:effectRef>
+              <a:fontRef idx="minor">
+                <a:schemeClr val="lt1"/>
+              </a:fontRef>
+            </p:style>
+            <p:txBody>
+              <a:bodyPr rtlCol="0" anchor="ctr"/>
+              <a:lstStyle/>
+              <a:p>
+                <a:pPr algn="ctr"/>
+                <a:endParaRPr lang="ko-KR" altLang="en-US"/>
+              </a:p>
+            </p:txBody>
+          </p:sp>
+        </p:grpSp>
+        <p:sp>
+          <p:nvSpPr>
+            <p:cNvPr id="9" name="Rectangle 8">
+              <a:extLst>
+                <a:ext uri="{FF2B5EF4-FFF2-40B4-BE49-F238E27FC236}">
+                  <a16:creationId xmlns:a16="http://schemas.microsoft.com/office/drawing/2014/main" id="{CD2CA69E-F38E-4DB8-82FA-239D6C25BC80}"/>
+                </a:ext>
+              </a:extLst>
+            </p:cNvPr>
+            <p:cNvSpPr/>
+            <p:nvPr/>
+          </p:nvSpPr>
+          <p:spPr>
+            <a:xfrm>
+              <a:off x="2068497" y="6169981"/>
+              <a:ext cx="230819" cy="230819"/>
+            </a:xfrm>
+            <a:prstGeom prst="rect">
+              <a:avLst/>
+            </a:prstGeom>
+            <a:solidFill>
+              <a:srgbClr val="DABA6F"/>
+            </a:solidFill>
+            <a:ln>
+              <a:noFill/>
+            </a:ln>
+          </p:spPr>
+          <p:style>
+            <a:lnRef idx="2">
+              <a:schemeClr val="accent1">
+                <a:shade val="50000"/>
+              </a:schemeClr>
+            </a:lnRef>
+            <a:fillRef idx="1">
+              <a:schemeClr val="accent1"/>
+            </a:fillRef>
+            <a:effectRef idx="0">
+              <a:schemeClr val="accent1"/>
+            </a:effectRef>
+            <a:fontRef idx="minor">
+              <a:schemeClr val="lt1"/>
+            </a:fontRef>
+          </p:style>
+          <p:txBody>
+            <a:bodyPr rtlCol="0" anchor="ctr"/>
+            <a:lstStyle/>
+            <a:p>
+              <a:pPr algn="ctr"/>
+              <a:endParaRPr lang="ko-KR" altLang="en-US" dirty="0"/>
+            </a:p>
+          </p:txBody>
+        </p:sp>
+      </p:grpSp>
+      <p:sp>
+        <p:nvSpPr>
+          <p:cNvPr id="7" name="Rectangle 6">
+            <a:extLst>
+              <a:ext uri="{FF2B5EF4-FFF2-40B4-BE49-F238E27FC236}">
+                <a16:creationId xmlns:a16="http://schemas.microsoft.com/office/drawing/2014/main" id="{2C38F449-7454-4AD1-AE1F-DA48EBB24C9F}"/>
+              </a:ext>
+            </a:extLst>
+          </p:cNvPr>
+          <p:cNvSpPr/>
+          <p:nvPr/>
+        </p:nvSpPr>
+        <p:spPr>
+          <a:xfrm>
+            <a:off x="1" y="463891"/>
+            <a:ext cx="12192000" cy="1091263"/>
+          </a:xfrm>
+          <a:prstGeom prst="rect">
+            <a:avLst/>
+          </a:prstGeom>
+          <a:solidFill>
+            <a:srgbClr val="0182C6"/>
+          </a:solidFill>
+          <a:ln>
+            <a:noFill/>
+          </a:ln>
+        </p:spPr>
+        <p:style>
+          <a:lnRef idx="2">
+            <a:schemeClr val="accent1">
+              <a:shade val="50000"/>
+            </a:schemeClr>
+          </a:lnRef>
+          <a:fillRef idx="1">
+            <a:schemeClr val="accent1"/>
+          </a:fillRef>
+          <a:effectRef idx="0">
+            <a:schemeClr val="accent1"/>
+          </a:effectRef>
+          <a:fontRef idx="minor">
+            <a:schemeClr val="lt1"/>
+          </a:fontRef>
+        </p:style>
+        <p:txBody>
+          <a:bodyPr rtlCol="0" anchor="ctr"/>
+          <a:lstStyle/>
+          <a:p>
+            <a:pPr algn="ctr"/>
+            <a:endParaRPr lang="ko-KR" altLang="en-US"/>
+          </a:p>
+        </p:txBody>
+      </p:sp>
+      <p:sp>
+        <p:nvSpPr>
+          <p:cNvPr id="2" name="Title 1">
+            <a:extLst>
+              <a:ext uri="{FF2B5EF4-FFF2-40B4-BE49-F238E27FC236}">
+                <a16:creationId xmlns:a16="http://schemas.microsoft.com/office/drawing/2014/main" id="{9DBFE3BC-27EC-435A-A2F4-B39DEF708845}"/>
+              </a:ext>
+            </a:extLst>
+          </p:cNvPr>
+          <p:cNvSpPr>
+            <a:spLocks noGrp="1"/>
+          </p:cNvSpPr>
+          <p:nvPr>
+            <p:ph type="ctrTitle"/>
+          </p:nvPr>
+        </p:nvSpPr>
+        <p:spPr>
+          <a:xfrm>
+            <a:off x="88777" y="606013"/>
+            <a:ext cx="12014446" cy="746289"/>
+          </a:xfrm>
+        </p:spPr>
+        <p:txBody>
+          <a:bodyPr>
+            <a:normAutofit/>
+          </a:bodyPr>
+          <a:lstStyle/>
+          <a:p>
+            <a:r>
               <a:rPr lang="en-US" altLang="ko-KR" sz="4000" dirty="0" err="1">
                 <a:solidFill>
                   <a:srgbClr val="EBFFFF"/>
@@ -7646,7 +9402,7 @@
 </p:sld>
 </file>
 
-<file path=ppt/slides/slide3.xml><?xml version="1.0" encoding="utf-8"?>
+<file path=ppt/slides/slide4.xml><?xml version="1.0" encoding="utf-8"?>
 <p:sld xmlns:a="http://schemas.openxmlformats.org/drawingml/2006/main" xmlns:r="http://schemas.openxmlformats.org/officeDocument/2006/relationships" xmlns:p="http://schemas.openxmlformats.org/presentationml/2006/main">
   <p:cSld>
     <p:spTree>

--- a/ComputerOrganization/Chapter4.pptx
+++ b/ComputerOrganization/Chapter4.pptx
@@ -6,7 +6,7 @@
   </p:sldMasterIdLst>
   <p:sldIdLst>
     <p:sldId id="256" r:id="rId2"/>
-    <p:sldId id="263" r:id="rId3"/>
+    <p:sldId id="264" r:id="rId3"/>
     <p:sldId id="259" r:id="rId4"/>
     <p:sldId id="262" r:id="rId5"/>
   </p:sldIdLst>
@@ -264,7 +264,7 @@
           <a:p>
             <a:fld id="{37A25B79-5AFE-40DE-8D90-7CD7EC558B08}" type="datetimeFigureOut">
               <a:rPr lang="ko-KR" altLang="en-US" smtClean="0"/>
-              <a:t>2019-09-24</a:t>
+              <a:t>2019-09-25</a:t>
             </a:fld>
             <a:endParaRPr lang="ko-KR" altLang="en-US"/>
           </a:p>
@@ -464,7 +464,7 @@
           <a:p>
             <a:fld id="{37A25B79-5AFE-40DE-8D90-7CD7EC558B08}" type="datetimeFigureOut">
               <a:rPr lang="ko-KR" altLang="en-US" smtClean="0"/>
-              <a:t>2019-09-24</a:t>
+              <a:t>2019-09-25</a:t>
             </a:fld>
             <a:endParaRPr lang="ko-KR" altLang="en-US"/>
           </a:p>
@@ -674,7 +674,7 @@
           <a:p>
             <a:fld id="{37A25B79-5AFE-40DE-8D90-7CD7EC558B08}" type="datetimeFigureOut">
               <a:rPr lang="ko-KR" altLang="en-US" smtClean="0"/>
-              <a:t>2019-09-24</a:t>
+              <a:t>2019-09-25</a:t>
             </a:fld>
             <a:endParaRPr lang="ko-KR" altLang="en-US"/>
           </a:p>
@@ -874,7 +874,7 @@
           <a:p>
             <a:fld id="{37A25B79-5AFE-40DE-8D90-7CD7EC558B08}" type="datetimeFigureOut">
               <a:rPr lang="ko-KR" altLang="en-US" smtClean="0"/>
-              <a:t>2019-09-24</a:t>
+              <a:t>2019-09-25</a:t>
             </a:fld>
             <a:endParaRPr lang="ko-KR" altLang="en-US"/>
           </a:p>
@@ -1150,7 +1150,7 @@
           <a:p>
             <a:fld id="{37A25B79-5AFE-40DE-8D90-7CD7EC558B08}" type="datetimeFigureOut">
               <a:rPr lang="ko-KR" altLang="en-US" smtClean="0"/>
-              <a:t>2019-09-24</a:t>
+              <a:t>2019-09-25</a:t>
             </a:fld>
             <a:endParaRPr lang="ko-KR" altLang="en-US"/>
           </a:p>
@@ -1418,7 +1418,7 @@
           <a:p>
             <a:fld id="{37A25B79-5AFE-40DE-8D90-7CD7EC558B08}" type="datetimeFigureOut">
               <a:rPr lang="ko-KR" altLang="en-US" smtClean="0"/>
-              <a:t>2019-09-24</a:t>
+              <a:t>2019-09-25</a:t>
             </a:fld>
             <a:endParaRPr lang="ko-KR" altLang="en-US"/>
           </a:p>
@@ -1833,7 +1833,7 @@
           <a:p>
             <a:fld id="{37A25B79-5AFE-40DE-8D90-7CD7EC558B08}" type="datetimeFigureOut">
               <a:rPr lang="ko-KR" altLang="en-US" smtClean="0"/>
-              <a:t>2019-09-24</a:t>
+              <a:t>2019-09-25</a:t>
             </a:fld>
             <a:endParaRPr lang="ko-KR" altLang="en-US"/>
           </a:p>
@@ -1975,7 +1975,7 @@
           <a:p>
             <a:fld id="{37A25B79-5AFE-40DE-8D90-7CD7EC558B08}" type="datetimeFigureOut">
               <a:rPr lang="ko-KR" altLang="en-US" smtClean="0"/>
-              <a:t>2019-09-24</a:t>
+              <a:t>2019-09-25</a:t>
             </a:fld>
             <a:endParaRPr lang="ko-KR" altLang="en-US"/>
           </a:p>
@@ -2088,7 +2088,7 @@
           <a:p>
             <a:fld id="{37A25B79-5AFE-40DE-8D90-7CD7EC558B08}" type="datetimeFigureOut">
               <a:rPr lang="ko-KR" altLang="en-US" smtClean="0"/>
-              <a:t>2019-09-24</a:t>
+              <a:t>2019-09-25</a:t>
             </a:fld>
             <a:endParaRPr lang="ko-KR" altLang="en-US"/>
           </a:p>
@@ -2401,7 +2401,7 @@
           <a:p>
             <a:fld id="{37A25B79-5AFE-40DE-8D90-7CD7EC558B08}" type="datetimeFigureOut">
               <a:rPr lang="ko-KR" altLang="en-US" smtClean="0"/>
-              <a:t>2019-09-24</a:t>
+              <a:t>2019-09-25</a:t>
             </a:fld>
             <a:endParaRPr lang="ko-KR" altLang="en-US"/>
           </a:p>
@@ -2690,7 +2690,7 @@
           <a:p>
             <a:fld id="{37A25B79-5AFE-40DE-8D90-7CD7EC558B08}" type="datetimeFigureOut">
               <a:rPr lang="ko-KR" altLang="en-US" smtClean="0"/>
-              <a:t>2019-09-24</a:t>
+              <a:t>2019-09-25</a:t>
             </a:fld>
             <a:endParaRPr lang="ko-KR" altLang="en-US"/>
           </a:p>
@@ -2933,7 +2933,7 @@
           <a:p>
             <a:fld id="{37A25B79-5AFE-40DE-8D90-7CD7EC558B08}" type="datetimeFigureOut">
               <a:rPr lang="ko-KR" altLang="en-US" smtClean="0"/>
-              <a:t>2019-09-24</a:t>
+              <a:t>2019-09-25</a:t>
             </a:fld>
             <a:endParaRPr lang="ko-KR" altLang="en-US"/>
           </a:p>
@@ -6428,6 +6428,62 @@
       </p:grpSpPr>
       <p:sp>
         <p:nvSpPr>
+          <p:cNvPr id="49" name="직사각형 48">
+            <a:extLst>
+              <a:ext uri="{FF2B5EF4-FFF2-40B4-BE49-F238E27FC236}">
+                <a16:creationId xmlns:a16="http://schemas.microsoft.com/office/drawing/2014/main" id="{3F64F2A1-E95E-4EFD-9F28-19DA78258448}"/>
+              </a:ext>
+            </a:extLst>
+          </p:cNvPr>
+          <p:cNvSpPr/>
+          <p:nvPr/>
+        </p:nvSpPr>
+        <p:spPr>
+          <a:xfrm>
+            <a:off x="9840461" y="2818673"/>
+            <a:ext cx="560437" cy="560437"/>
+          </a:xfrm>
+          <a:prstGeom prst="rect">
+            <a:avLst/>
+          </a:prstGeom>
+          <a:noFill/>
+          <a:ln w="57150">
+            <a:solidFill>
+              <a:srgbClr val="013B51"/>
+            </a:solidFill>
+          </a:ln>
+        </p:spPr>
+        <p:style>
+          <a:lnRef idx="2">
+            <a:schemeClr val="accent1">
+              <a:shade val="50000"/>
+            </a:schemeClr>
+          </a:lnRef>
+          <a:fillRef idx="1">
+            <a:schemeClr val="accent1"/>
+          </a:fillRef>
+          <a:effectRef idx="0">
+            <a:schemeClr val="accent1"/>
+          </a:effectRef>
+          <a:fontRef idx="minor">
+            <a:schemeClr val="lt1"/>
+          </a:fontRef>
+        </p:style>
+        <p:txBody>
+          <a:bodyPr rtlCol="0" anchor="ctr"/>
+          <a:lstStyle/>
+          <a:p>
+            <a:pPr algn="ctr"/>
+            <a:endParaRPr lang="en-US" sz="2800" b="1" dirty="0">
+              <a:solidFill>
+                <a:srgbClr val="013B51"/>
+              </a:solidFill>
+            </a:endParaRPr>
+          </a:p>
+        </p:txBody>
+      </p:sp>
+      <p:sp>
+        <p:nvSpPr>
           <p:cNvPr id="6" name="Rectangle 5">
             <a:extLst>
               <a:ext uri="{FF2B5EF4-FFF2-40B4-BE49-F238E27FC236}">
@@ -6824,7 +6880,7 @@
         </p:nvSpPr>
         <p:spPr>
           <a:xfrm>
-            <a:off x="5810250" y="2315629"/>
+            <a:off x="5810250" y="2581186"/>
             <a:ext cx="1629620" cy="1091263"/>
           </a:xfrm>
           <a:custGeom>
@@ -6983,50 +7039,6 @@
       </p:sp>
       <p:cxnSp>
         <p:nvCxnSpPr>
-          <p:cNvPr id="31" name="Straight Arrow Connector 12">
-            <a:extLst>
-              <a:ext uri="{FF2B5EF4-FFF2-40B4-BE49-F238E27FC236}">
-                <a16:creationId xmlns:a16="http://schemas.microsoft.com/office/drawing/2014/main" id="{B9AC28BD-FB45-4B67-9734-092BBB418DB5}"/>
-              </a:ext>
-            </a:extLst>
-          </p:cNvPr>
-          <p:cNvCxnSpPr>
-            <a:cxnSpLocks/>
-          </p:cNvCxnSpPr>
-          <p:nvPr/>
-        </p:nvCxnSpPr>
-        <p:spPr>
-          <a:xfrm>
-            <a:off x="4180114" y="3188278"/>
-            <a:ext cx="1630136" cy="0"/>
-          </a:xfrm>
-          <a:prstGeom prst="straightConnector1">
-            <a:avLst/>
-          </a:prstGeom>
-          <a:ln w="38100">
-            <a:solidFill>
-              <a:srgbClr val="013B51"/>
-            </a:solidFill>
-            <a:tailEnd type="triangle"/>
-          </a:ln>
-        </p:spPr>
-        <p:style>
-          <a:lnRef idx="1">
-            <a:schemeClr val="accent1"/>
-          </a:lnRef>
-          <a:fillRef idx="0">
-            <a:schemeClr val="accent1"/>
-          </a:fillRef>
-          <a:effectRef idx="0">
-            <a:schemeClr val="accent1"/>
-          </a:effectRef>
-          <a:fontRef idx="minor">
-            <a:schemeClr val="tx1"/>
-          </a:fontRef>
-        </p:style>
-      </p:cxnSp>
-      <p:cxnSp>
-        <p:nvCxnSpPr>
           <p:cNvPr id="35" name="Straight Arrow Connector 72">
             <a:extLst>
               <a:ext uri="{FF2B5EF4-FFF2-40B4-BE49-F238E27FC236}">
@@ -7041,7 +7053,7 @@
         </p:nvCxnSpPr>
         <p:spPr>
           <a:xfrm>
-            <a:off x="3320143" y="2553116"/>
+            <a:off x="3320143" y="2818673"/>
             <a:ext cx="2490107" cy="0"/>
           </a:xfrm>
           <a:prstGeom prst="straightConnector1">
@@ -7085,7 +7097,7 @@
         </p:nvCxnSpPr>
         <p:spPr>
           <a:xfrm flipV="1">
-            <a:off x="7439870" y="2802088"/>
+            <a:off x="7439870" y="3067645"/>
             <a:ext cx="2281076" cy="1"/>
           </a:xfrm>
           <a:prstGeom prst="straightConnector1">
@@ -7113,47 +7125,112 @@
           </a:fontRef>
         </p:style>
       </p:cxnSp>
-      <p:cxnSp>
-        <p:nvCxnSpPr>
-          <p:cNvPr id="20" name="직선 연결선 19">
+      <p:grpSp>
+        <p:nvGrpSpPr>
+          <p:cNvPr id="5" name="그룹 4">
             <a:extLst>
               <a:ext uri="{FF2B5EF4-FFF2-40B4-BE49-F238E27FC236}">
-                <a16:creationId xmlns:a16="http://schemas.microsoft.com/office/drawing/2014/main" id="{DF10D67E-F0C5-4BD3-B5D7-FDDFA23833FC}"/>
+                <a16:creationId xmlns:a16="http://schemas.microsoft.com/office/drawing/2014/main" id="{41A67C32-FBBF-424C-B087-BFC074B94A3C}"/>
               </a:ext>
             </a:extLst>
           </p:cNvPr>
-          <p:cNvCxnSpPr/>
+          <p:cNvGrpSpPr/>
           <p:nvPr/>
-        </p:nvCxnSpPr>
-        <p:spPr>
+        </p:nvGrpSpPr>
+        <p:grpSpPr>
           <a:xfrm>
-            <a:off x="4196443" y="3188278"/>
-            <a:ext cx="0" cy="1144652"/>
+            <a:off x="4180114" y="3453835"/>
+            <a:ext cx="1630136" cy="1144652"/>
+            <a:chOff x="4180114" y="3453835"/>
+            <a:chExt cx="1630136" cy="1144652"/>
           </a:xfrm>
-          <a:prstGeom prst="line">
-            <a:avLst/>
-          </a:prstGeom>
-          <a:ln w="38100">
-            <a:solidFill>
-              <a:srgbClr val="013B51"/>
-            </a:solidFill>
-          </a:ln>
-        </p:spPr>
-        <p:style>
-          <a:lnRef idx="1">
-            <a:schemeClr val="accent1"/>
-          </a:lnRef>
-          <a:fillRef idx="0">
-            <a:schemeClr val="accent1"/>
-          </a:fillRef>
-          <a:effectRef idx="0">
-            <a:schemeClr val="accent1"/>
-          </a:effectRef>
-          <a:fontRef idx="minor">
-            <a:schemeClr val="tx1"/>
-          </a:fontRef>
-        </p:style>
-      </p:cxnSp>
+        </p:grpSpPr>
+        <p:cxnSp>
+          <p:nvCxnSpPr>
+            <p:cNvPr id="31" name="Straight Arrow Connector 12">
+              <a:extLst>
+                <a:ext uri="{FF2B5EF4-FFF2-40B4-BE49-F238E27FC236}">
+                  <a16:creationId xmlns:a16="http://schemas.microsoft.com/office/drawing/2014/main" id="{B9AC28BD-FB45-4B67-9734-092BBB418DB5}"/>
+                </a:ext>
+              </a:extLst>
+            </p:cNvPr>
+            <p:cNvCxnSpPr>
+              <a:cxnSpLocks/>
+            </p:cNvCxnSpPr>
+            <p:nvPr/>
+          </p:nvCxnSpPr>
+          <p:spPr>
+            <a:xfrm>
+              <a:off x="4180114" y="3453835"/>
+              <a:ext cx="1630136" cy="0"/>
+            </a:xfrm>
+            <a:prstGeom prst="straightConnector1">
+              <a:avLst/>
+            </a:prstGeom>
+            <a:ln w="38100">
+              <a:solidFill>
+                <a:srgbClr val="013B51"/>
+              </a:solidFill>
+              <a:tailEnd type="triangle"/>
+            </a:ln>
+          </p:spPr>
+          <p:style>
+            <a:lnRef idx="1">
+              <a:schemeClr val="accent1"/>
+            </a:lnRef>
+            <a:fillRef idx="0">
+              <a:schemeClr val="accent1"/>
+            </a:fillRef>
+            <a:effectRef idx="0">
+              <a:schemeClr val="accent1"/>
+            </a:effectRef>
+            <a:fontRef idx="minor">
+              <a:schemeClr val="tx1"/>
+            </a:fontRef>
+          </p:style>
+        </p:cxnSp>
+        <p:cxnSp>
+          <p:nvCxnSpPr>
+            <p:cNvPr id="20" name="직선 연결선 19">
+              <a:extLst>
+                <a:ext uri="{FF2B5EF4-FFF2-40B4-BE49-F238E27FC236}">
+                  <a16:creationId xmlns:a16="http://schemas.microsoft.com/office/drawing/2014/main" id="{DF10D67E-F0C5-4BD3-B5D7-FDDFA23833FC}"/>
+                </a:ext>
+              </a:extLst>
+            </p:cNvPr>
+            <p:cNvCxnSpPr/>
+            <p:nvPr/>
+          </p:nvCxnSpPr>
+          <p:spPr>
+            <a:xfrm>
+              <a:off x="4196443" y="3453835"/>
+              <a:ext cx="0" cy="1144652"/>
+            </a:xfrm>
+            <a:prstGeom prst="line">
+              <a:avLst/>
+            </a:prstGeom>
+            <a:ln w="38100">
+              <a:solidFill>
+                <a:srgbClr val="013B51"/>
+              </a:solidFill>
+            </a:ln>
+          </p:spPr>
+          <p:style>
+            <a:lnRef idx="1">
+              <a:schemeClr val="accent1"/>
+            </a:lnRef>
+            <a:fillRef idx="0">
+              <a:schemeClr val="accent1"/>
+            </a:fillRef>
+            <a:effectRef idx="0">
+              <a:schemeClr val="accent1"/>
+            </a:effectRef>
+            <a:fontRef idx="minor">
+              <a:schemeClr val="tx1"/>
+            </a:fontRef>
+          </p:style>
+        </p:cxnSp>
+      </p:grpSp>
       <p:sp>
         <p:nvSpPr>
           <p:cNvPr id="21" name="번개 20">
@@ -7168,14 +7245,14 @@
         </p:nvSpPr>
         <p:spPr>
           <a:xfrm>
-            <a:off x="3763736" y="4314859"/>
+            <a:off x="3763736" y="4580416"/>
             <a:ext cx="832756" cy="832756"/>
           </a:xfrm>
           <a:prstGeom prst="lightningBolt">
             <a:avLst/>
           </a:prstGeom>
           <a:solidFill>
-            <a:schemeClr val="bg1"/>
+            <a:schemeClr val="accent4"/>
           </a:solidFill>
           <a:ln>
             <a:noFill/>
@@ -8009,10 +8086,364 @@
           </a:p>
         </p:txBody>
       </p:sp>
+      <p:sp>
+        <p:nvSpPr>
+          <p:cNvPr id="3" name="직사각형 2">
+            <a:extLst>
+              <a:ext uri="{FF2B5EF4-FFF2-40B4-BE49-F238E27FC236}">
+                <a16:creationId xmlns:a16="http://schemas.microsoft.com/office/drawing/2014/main" id="{50B345A4-72D0-4879-8945-83413D758689}"/>
+              </a:ext>
+            </a:extLst>
+          </p:cNvPr>
+          <p:cNvSpPr/>
+          <p:nvPr/>
+        </p:nvSpPr>
+        <p:spPr>
+          <a:xfrm>
+            <a:off x="2750646" y="1787951"/>
+            <a:ext cx="560437" cy="560437"/>
+          </a:xfrm>
+          <a:prstGeom prst="rect">
+            <a:avLst/>
+          </a:prstGeom>
+          <a:noFill/>
+          <a:ln w="57150">
+            <a:solidFill>
+              <a:srgbClr val="013B51"/>
+            </a:solidFill>
+          </a:ln>
+        </p:spPr>
+        <p:style>
+          <a:lnRef idx="2">
+            <a:schemeClr val="accent1">
+              <a:shade val="50000"/>
+            </a:schemeClr>
+          </a:lnRef>
+          <a:fillRef idx="1">
+            <a:schemeClr val="accent1"/>
+          </a:fillRef>
+          <a:effectRef idx="0">
+            <a:schemeClr val="accent1"/>
+          </a:effectRef>
+          <a:fontRef idx="minor">
+            <a:schemeClr val="lt1"/>
+          </a:fontRef>
+        </p:style>
+        <p:txBody>
+          <a:bodyPr rtlCol="0" anchor="ctr"/>
+          <a:lstStyle/>
+          <a:p>
+            <a:pPr algn="ctr"/>
+            <a:r>
+              <a:rPr lang="en-US" sz="2800" b="1" dirty="0">
+                <a:solidFill>
+                  <a:srgbClr val="013B51"/>
+                </a:solidFill>
+              </a:rPr>
+              <a:t>1</a:t>
+            </a:r>
+          </a:p>
+        </p:txBody>
+      </p:sp>
+      <p:sp>
+        <p:nvSpPr>
+          <p:cNvPr id="42" name="직사각형 41">
+            <a:extLst>
+              <a:ext uri="{FF2B5EF4-FFF2-40B4-BE49-F238E27FC236}">
+                <a16:creationId xmlns:a16="http://schemas.microsoft.com/office/drawing/2014/main" id="{D5440E74-2A0B-438D-8263-BDCFEE21D784}"/>
+              </a:ext>
+            </a:extLst>
+          </p:cNvPr>
+          <p:cNvSpPr/>
+          <p:nvPr/>
+        </p:nvSpPr>
+        <p:spPr>
+          <a:xfrm>
+            <a:off x="3360835" y="1787951"/>
+            <a:ext cx="560437" cy="560437"/>
+          </a:xfrm>
+          <a:prstGeom prst="rect">
+            <a:avLst/>
+          </a:prstGeom>
+          <a:noFill/>
+          <a:ln w="57150">
+            <a:solidFill>
+              <a:srgbClr val="013B51"/>
+            </a:solidFill>
+          </a:ln>
+        </p:spPr>
+        <p:style>
+          <a:lnRef idx="2">
+            <a:schemeClr val="accent1">
+              <a:shade val="50000"/>
+            </a:schemeClr>
+          </a:lnRef>
+          <a:fillRef idx="1">
+            <a:schemeClr val="accent1"/>
+          </a:fillRef>
+          <a:effectRef idx="0">
+            <a:schemeClr val="accent1"/>
+          </a:effectRef>
+          <a:fontRef idx="minor">
+            <a:schemeClr val="lt1"/>
+          </a:fontRef>
+        </p:style>
+        <p:txBody>
+          <a:bodyPr rtlCol="0" anchor="ctr"/>
+          <a:lstStyle/>
+          <a:p>
+            <a:pPr algn="ctr"/>
+            <a:r>
+              <a:rPr lang="en-US" sz="2800" b="1" dirty="0">
+                <a:solidFill>
+                  <a:srgbClr val="013B51"/>
+                </a:solidFill>
+              </a:rPr>
+              <a:t>1</a:t>
+            </a:r>
+          </a:p>
+        </p:txBody>
+      </p:sp>
+      <p:sp>
+        <p:nvSpPr>
+          <p:cNvPr id="43" name="직사각형 42">
+            <a:extLst>
+              <a:ext uri="{FF2B5EF4-FFF2-40B4-BE49-F238E27FC236}">
+                <a16:creationId xmlns:a16="http://schemas.microsoft.com/office/drawing/2014/main" id="{831EA3ED-7EF9-4AD0-A05C-EF7C3F62ADF9}"/>
+              </a:ext>
+            </a:extLst>
+          </p:cNvPr>
+          <p:cNvSpPr/>
+          <p:nvPr/>
+        </p:nvSpPr>
+        <p:spPr>
+          <a:xfrm>
+            <a:off x="3971024" y="1787951"/>
+            <a:ext cx="560437" cy="560437"/>
+          </a:xfrm>
+          <a:prstGeom prst="rect">
+            <a:avLst/>
+          </a:prstGeom>
+          <a:noFill/>
+          <a:ln w="57150">
+            <a:solidFill>
+              <a:srgbClr val="013B51"/>
+            </a:solidFill>
+          </a:ln>
+        </p:spPr>
+        <p:style>
+          <a:lnRef idx="2">
+            <a:schemeClr val="accent1">
+              <a:shade val="50000"/>
+            </a:schemeClr>
+          </a:lnRef>
+          <a:fillRef idx="1">
+            <a:schemeClr val="accent1"/>
+          </a:fillRef>
+          <a:effectRef idx="0">
+            <a:schemeClr val="accent1"/>
+          </a:effectRef>
+          <a:fontRef idx="minor">
+            <a:schemeClr val="lt1"/>
+          </a:fontRef>
+        </p:style>
+        <p:txBody>
+          <a:bodyPr rtlCol="0" anchor="ctr"/>
+          <a:lstStyle/>
+          <a:p>
+            <a:pPr algn="ctr"/>
+            <a:r>
+              <a:rPr lang="en-US" sz="2800" b="1" dirty="0">
+                <a:solidFill>
+                  <a:srgbClr val="013B51"/>
+                </a:solidFill>
+              </a:rPr>
+              <a:t>0</a:t>
+            </a:r>
+          </a:p>
+        </p:txBody>
+      </p:sp>
+      <p:sp>
+        <p:nvSpPr>
+          <p:cNvPr id="44" name="직사각형 43">
+            <a:extLst>
+              <a:ext uri="{FF2B5EF4-FFF2-40B4-BE49-F238E27FC236}">
+                <a16:creationId xmlns:a16="http://schemas.microsoft.com/office/drawing/2014/main" id="{00FF0310-D790-4D1A-A7D0-C476A62E58E7}"/>
+              </a:ext>
+            </a:extLst>
+          </p:cNvPr>
+          <p:cNvSpPr/>
+          <p:nvPr/>
+        </p:nvSpPr>
+        <p:spPr>
+          <a:xfrm>
+            <a:off x="4587537" y="1787951"/>
+            <a:ext cx="560437" cy="560437"/>
+          </a:xfrm>
+          <a:prstGeom prst="rect">
+            <a:avLst/>
+          </a:prstGeom>
+          <a:noFill/>
+          <a:ln w="57150">
+            <a:solidFill>
+              <a:srgbClr val="013B51"/>
+            </a:solidFill>
+          </a:ln>
+        </p:spPr>
+        <p:style>
+          <a:lnRef idx="2">
+            <a:schemeClr val="accent1">
+              <a:shade val="50000"/>
+            </a:schemeClr>
+          </a:lnRef>
+          <a:fillRef idx="1">
+            <a:schemeClr val="accent1"/>
+          </a:fillRef>
+          <a:effectRef idx="0">
+            <a:schemeClr val="accent1"/>
+          </a:effectRef>
+          <a:fontRef idx="minor">
+            <a:schemeClr val="lt1"/>
+          </a:fontRef>
+        </p:style>
+        <p:txBody>
+          <a:bodyPr rtlCol="0" anchor="ctr"/>
+          <a:lstStyle/>
+          <a:p>
+            <a:pPr algn="ctr"/>
+            <a:r>
+              <a:rPr lang="en-US" sz="2800" b="1" dirty="0">
+                <a:solidFill>
+                  <a:srgbClr val="013B51"/>
+                </a:solidFill>
+              </a:rPr>
+              <a:t>1</a:t>
+            </a:r>
+          </a:p>
+        </p:txBody>
+      </p:sp>
+      <p:sp>
+        <p:nvSpPr>
+          <p:cNvPr id="47" name="직사각형 46">
+            <a:extLst>
+              <a:ext uri="{FF2B5EF4-FFF2-40B4-BE49-F238E27FC236}">
+                <a16:creationId xmlns:a16="http://schemas.microsoft.com/office/drawing/2014/main" id="{603DDF7E-A713-44F1-BE27-05BD0A0C4975}"/>
+              </a:ext>
+            </a:extLst>
+          </p:cNvPr>
+          <p:cNvSpPr/>
+          <p:nvPr/>
+        </p:nvSpPr>
+        <p:spPr>
+          <a:xfrm>
+            <a:off x="9840461" y="2818673"/>
+            <a:ext cx="560437" cy="560437"/>
+          </a:xfrm>
+          <a:prstGeom prst="rect">
+            <a:avLst/>
+          </a:prstGeom>
+          <a:noFill/>
+          <a:ln w="57150">
+            <a:solidFill>
+              <a:srgbClr val="013B51"/>
+            </a:solidFill>
+          </a:ln>
+        </p:spPr>
+        <p:style>
+          <a:lnRef idx="2">
+            <a:schemeClr val="accent1">
+              <a:shade val="50000"/>
+            </a:schemeClr>
+          </a:lnRef>
+          <a:fillRef idx="1">
+            <a:schemeClr val="accent1"/>
+          </a:fillRef>
+          <a:effectRef idx="0">
+            <a:schemeClr val="accent1"/>
+          </a:effectRef>
+          <a:fontRef idx="minor">
+            <a:schemeClr val="lt1"/>
+          </a:fontRef>
+        </p:style>
+        <p:txBody>
+          <a:bodyPr rtlCol="0" anchor="ctr"/>
+          <a:lstStyle/>
+          <a:p>
+            <a:pPr algn="ctr"/>
+            <a:r>
+              <a:rPr lang="en-US" sz="2800" b="1" dirty="0">
+                <a:solidFill>
+                  <a:srgbClr val="013B51"/>
+                </a:solidFill>
+              </a:rPr>
+              <a:t>1</a:t>
+            </a:r>
+          </a:p>
+        </p:txBody>
+      </p:sp>
+      <p:sp>
+        <p:nvSpPr>
+          <p:cNvPr id="48" name="직사각형 47">
+            <a:extLst>
+              <a:ext uri="{FF2B5EF4-FFF2-40B4-BE49-F238E27FC236}">
+                <a16:creationId xmlns:a16="http://schemas.microsoft.com/office/drawing/2014/main" id="{C29A1697-8168-4018-9628-F095F11F6D5C}"/>
+              </a:ext>
+            </a:extLst>
+          </p:cNvPr>
+          <p:cNvSpPr/>
+          <p:nvPr/>
+        </p:nvSpPr>
+        <p:spPr>
+          <a:xfrm>
+            <a:off x="9840461" y="2818673"/>
+            <a:ext cx="560437" cy="560437"/>
+          </a:xfrm>
+          <a:prstGeom prst="rect">
+            <a:avLst/>
+          </a:prstGeom>
+          <a:noFill/>
+          <a:ln w="57150">
+            <a:solidFill>
+              <a:srgbClr val="013B51"/>
+            </a:solidFill>
+          </a:ln>
+        </p:spPr>
+        <p:style>
+          <a:lnRef idx="2">
+            <a:schemeClr val="accent1">
+              <a:shade val="50000"/>
+            </a:schemeClr>
+          </a:lnRef>
+          <a:fillRef idx="1">
+            <a:schemeClr val="accent1"/>
+          </a:fillRef>
+          <a:effectRef idx="0">
+            <a:schemeClr val="accent1"/>
+          </a:effectRef>
+          <a:fontRef idx="minor">
+            <a:schemeClr val="lt1"/>
+          </a:fontRef>
+        </p:style>
+        <p:txBody>
+          <a:bodyPr rtlCol="0" anchor="ctr"/>
+          <a:lstStyle/>
+          <a:p>
+            <a:pPr algn="ctr"/>
+            <a:r>
+              <a:rPr lang="en-US" sz="2800" b="1" dirty="0">
+                <a:solidFill>
+                  <a:srgbClr val="013B51"/>
+                </a:solidFill>
+              </a:rPr>
+              <a:t>0</a:t>
+            </a:r>
+          </a:p>
+        </p:txBody>
+      </p:sp>
     </p:spTree>
     <p:extLst>
       <p:ext uri="{BB962C8B-B14F-4D97-AF65-F5344CB8AC3E}">
-        <p14:creationId xmlns:p14="http://schemas.microsoft.com/office/powerpoint/2010/main" val="2476836885"/>
+        <p14:creationId xmlns:p14="http://schemas.microsoft.com/office/powerpoint/2010/main" val="800861956"/>
       </p:ext>
     </p:extLst>
   </p:cSld>
@@ -8043,7 +8474,7 @@
                             </p:stCondLst>
                             <p:childTnLst>
                               <p:par>
-                                <p:cTn id="5" presetID="63" presetClass="path" presetSubtype="0" fill="hold" grpId="0" nodeType="withEffect">
+                                <p:cTn id="5" presetID="63" presetClass="path" presetSubtype="0" fill="hold" grpId="0" nodeType="afterEffect">
                                   <p:stCondLst>
                                     <p:cond delay="0"/>
                                   </p:stCondLst>
@@ -8065,65 +8496,660 @@
                                 </p:cTn>
                               </p:par>
                               <p:par>
-                                <p:cTn id="7" presetID="27" presetClass="emph" presetSubtype="0" repeatCount="4000" fill="remove" grpId="0" nodeType="withEffect">
+                                <p:cTn id="7" presetID="26" presetClass="emph" presetSubtype="0" repeatCount="4000" fill="hold" grpId="0" nodeType="withEffect">
                                   <p:stCondLst>
                                     <p:cond delay="0"/>
                                   </p:stCondLst>
                                   <p:childTnLst>
-                                    <p:animClr clrSpc="rgb" dir="cw">
-                                      <p:cBhvr override="childStyle">
-                                        <p:cTn id="8" dur="500" autoRev="1" fill="remove"/>
+                                    <p:animEffect transition="out" filter="fade">
+                                      <p:cBhvr>
+                                        <p:cTn id="8" dur="1000" tmFilter="0, 0; .2, .5; .8, .5; 1, 0"/>
                                         <p:tgtEl>
                                           <p:spTgt spid="21"/>
                                         </p:tgtEl>
+                                      </p:cBhvr>
+                                    </p:animEffect>
+                                    <p:animScale>
+                                      <p:cBhvr>
+                                        <p:cTn id="9" dur="500" autoRev="1" fill="hold"/>
+                                        <p:tgtEl>
+                                          <p:spTgt spid="21"/>
+                                        </p:tgtEl>
+                                      </p:cBhvr>
+                                      <p:by x="105000" y="105000"/>
+                                    </p:animScale>
+                                  </p:childTnLst>
+                                </p:cTn>
+                              </p:par>
+                              <p:par>
+                                <p:cTn id="10" presetID="26" presetClass="emph" presetSubtype="0" repeatCount="4000" fill="hold" nodeType="withEffect">
+                                  <p:stCondLst>
+                                    <p:cond delay="0"/>
+                                  </p:stCondLst>
+                                  <p:childTnLst>
+                                    <p:animEffect transition="out" filter="fade">
+                                      <p:cBhvr>
+                                        <p:cTn id="11" dur="1000" tmFilter="0, 0; .2, .5; .8, .5; 1, 0"/>
+                                        <p:tgtEl>
+                                          <p:spTgt spid="5"/>
+                                        </p:tgtEl>
+                                      </p:cBhvr>
+                                    </p:animEffect>
+                                    <p:animScale>
+                                      <p:cBhvr>
+                                        <p:cTn id="12" dur="500" autoRev="1" fill="hold"/>
+                                        <p:tgtEl>
+                                          <p:spTgt spid="5"/>
+                                        </p:tgtEl>
+                                      </p:cBhvr>
+                                      <p:by x="105000" y="105000"/>
+                                    </p:animScale>
+                                  </p:childTnLst>
+                                </p:cTn>
+                              </p:par>
+                              <p:par>
+                                <p:cTn id="13" presetID="42" presetClass="path" presetSubtype="0" accel="50000" decel="50000" fill="hold" grpId="0" nodeType="withEffect">
+                                  <p:stCondLst>
+                                    <p:cond delay="0"/>
+                                  </p:stCondLst>
+                                  <p:childTnLst>
+                                    <p:animMotion origin="layout" path="M 2.29167E-6 1.11111E-6 L 2.29167E-6 0.10972 " pathEditMode="relative" rAng="0" ptsTypes="AA">
+                                      <p:cBhvr>
+                                        <p:cTn id="14" dur="300" fill="hold"/>
+                                        <p:tgtEl>
+                                          <p:spTgt spid="3"/>
+                                        </p:tgtEl>
                                         <p:attrNameLst>
-                                          <p:attrName>style.color</p:attrName>
+                                          <p:attrName>ppt_x</p:attrName>
+                                          <p:attrName>ppt_y</p:attrName>
+                                        </p:attrNameLst>
+                                      </p:cBhvr>
+                                      <p:rCtr x="0" y="5486"/>
+                                    </p:animMotion>
+                                  </p:childTnLst>
+                                </p:cTn>
+                              </p:par>
+                              <p:par>
+                                <p:cTn id="15" presetID="35" presetClass="path" presetSubtype="0" accel="50000" decel="50000" fill="hold" grpId="0" nodeType="withEffect">
+                                  <p:stCondLst>
+                                    <p:cond delay="100"/>
+                                  </p:stCondLst>
+                                  <p:childTnLst>
+                                    <p:animMotion origin="layout" path="M 2.29167E-6 1.11111E-6 L -0.05 1.11111E-6 " pathEditMode="relative" rAng="0" ptsTypes="AA">
+                                      <p:cBhvr>
+                                        <p:cTn id="16" dur="300" fill="hold"/>
+                                        <p:tgtEl>
+                                          <p:spTgt spid="42"/>
+                                        </p:tgtEl>
+                                        <p:attrNameLst>
+                                          <p:attrName>ppt_x</p:attrName>
+                                          <p:attrName>ppt_y</p:attrName>
+                                        </p:attrNameLst>
+                                      </p:cBhvr>
+                                      <p:rCtr x="-2500" y="0"/>
+                                    </p:animMotion>
+                                  </p:childTnLst>
+                                </p:cTn>
+                              </p:par>
+                              <p:par>
+                                <p:cTn id="17" presetID="35" presetClass="path" presetSubtype="0" accel="50000" decel="50000" fill="hold" grpId="0" nodeType="withEffect">
+                                  <p:stCondLst>
+                                    <p:cond delay="100"/>
+                                  </p:stCondLst>
+                                  <p:childTnLst>
+                                    <p:animMotion origin="layout" path="M 2.29167E-6 1.11111E-6 L -0.05 1.11111E-6 " pathEditMode="relative" rAng="0" ptsTypes="AA">
+                                      <p:cBhvr>
+                                        <p:cTn id="18" dur="300" fill="hold"/>
+                                        <p:tgtEl>
+                                          <p:spTgt spid="43"/>
+                                        </p:tgtEl>
+                                        <p:attrNameLst>
+                                          <p:attrName>ppt_x</p:attrName>
+                                          <p:attrName>ppt_y</p:attrName>
+                                        </p:attrNameLst>
+                                      </p:cBhvr>
+                                      <p:rCtr x="-2448" y="0"/>
+                                    </p:animMotion>
+                                  </p:childTnLst>
+                                </p:cTn>
+                              </p:par>
+                              <p:par>
+                                <p:cTn id="19" presetID="35" presetClass="path" presetSubtype="0" accel="50000" decel="50000" fill="hold" grpId="0" nodeType="withEffect">
+                                  <p:stCondLst>
+                                    <p:cond delay="100"/>
+                                  </p:stCondLst>
+                                  <p:childTnLst>
+                                    <p:animMotion origin="layout" path="M 1.25E-6 1.11111E-6 L -0.05143 1.11111E-6 " pathEditMode="relative" rAng="0" ptsTypes="AA">
+                                      <p:cBhvr>
+                                        <p:cTn id="20" dur="300" fill="hold"/>
+                                        <p:tgtEl>
+                                          <p:spTgt spid="44"/>
+                                        </p:tgtEl>
+                                        <p:attrNameLst>
+                                          <p:attrName>ppt_x</p:attrName>
+                                          <p:attrName>ppt_y</p:attrName>
+                                        </p:attrNameLst>
+                                      </p:cBhvr>
+                                      <p:rCtr x="-2578" y="0"/>
+                                    </p:animMotion>
+                                  </p:childTnLst>
+                                </p:cTn>
+                              </p:par>
+                              <p:par>
+                                <p:cTn id="21" presetID="10" presetClass="entr" presetSubtype="0" fill="hold" grpId="0" nodeType="withEffect">
+                                  <p:stCondLst>
+                                    <p:cond delay="100"/>
+                                  </p:stCondLst>
+                                  <p:childTnLst>
+                                    <p:set>
+                                      <p:cBhvr>
+                                        <p:cTn id="22" dur="1" fill="hold">
+                                          <p:stCondLst>
+                                            <p:cond delay="0"/>
+                                          </p:stCondLst>
+                                        </p:cTn>
+                                        <p:tgtEl>
+                                          <p:spTgt spid="47"/>
+                                        </p:tgtEl>
+                                        <p:attrNameLst>
+                                          <p:attrName>style.visibility</p:attrName>
                                         </p:attrNameLst>
                                       </p:cBhvr>
                                       <p:to>
-                                        <a:srgbClr val="FFCC00"/>
+                                        <p:strVal val="visible"/>
                                       </p:to>
-                                    </p:animClr>
-                                    <p:animClr clrSpc="rgb" dir="cw">
+                                    </p:set>
+                                    <p:animEffect transition="in" filter="fade">
                                       <p:cBhvr>
-                                        <p:cTn id="9" dur="500" autoRev="1" fill="remove"/>
+                                        <p:cTn id="23" dur="300"/>
                                         <p:tgtEl>
-                                          <p:spTgt spid="21"/>
+                                          <p:spTgt spid="47"/>
+                                        </p:tgtEl>
+                                      </p:cBhvr>
+                                    </p:animEffect>
+                                  </p:childTnLst>
+                                </p:cTn>
+                              </p:par>
+                              <p:par>
+                                <p:cTn id="24" presetID="10" presetClass="exit" presetSubtype="0" fill="hold" grpId="1" nodeType="withEffect">
+                                  <p:stCondLst>
+                                    <p:cond delay="1000"/>
+                                  </p:stCondLst>
+                                  <p:childTnLst>
+                                    <p:animEffect transition="out" filter="fade">
+                                      <p:cBhvr>
+                                        <p:cTn id="25" dur="300"/>
+                                        <p:tgtEl>
+                                          <p:spTgt spid="3"/>
+                                        </p:tgtEl>
+                                      </p:cBhvr>
+                                    </p:animEffect>
+                                    <p:set>
+                                      <p:cBhvr>
+                                        <p:cTn id="26" dur="1" fill="hold">
+                                          <p:stCondLst>
+                                            <p:cond delay="299"/>
+                                          </p:stCondLst>
+                                        </p:cTn>
+                                        <p:tgtEl>
+                                          <p:spTgt spid="3"/>
                                         </p:tgtEl>
                                         <p:attrNameLst>
-                                          <p:attrName>fillcolor</p:attrName>
+                                          <p:attrName>style.visibility</p:attrName>
                                         </p:attrNameLst>
                                       </p:cBhvr>
                                       <p:to>
-                                        <a:srgbClr val="FFCC00"/>
+                                        <p:strVal val="hidden"/>
                                       </p:to>
-                                    </p:animClr>
+                                    </p:set>
+                                  </p:childTnLst>
+                                </p:cTn>
+                              </p:par>
+                              <p:par>
+                                <p:cTn id="27" presetID="1" presetClass="exit" presetSubtype="0" fill="hold" grpId="1" nodeType="withEffect">
+                                  <p:stCondLst>
+                                    <p:cond delay="1000"/>
+                                  </p:stCondLst>
+                                  <p:childTnLst>
                                     <p:set>
                                       <p:cBhvr>
-                                        <p:cTn id="10" dur="500" autoRev="1" fill="remove"/>
+                                        <p:cTn id="28" dur="1" fill="hold">
+                                          <p:stCondLst>
+                                            <p:cond delay="0"/>
+                                          </p:stCondLst>
+                                        </p:cTn>
                                         <p:tgtEl>
-                                          <p:spTgt spid="21"/>
+                                          <p:spTgt spid="47"/>
                                         </p:tgtEl>
                                         <p:attrNameLst>
-                                          <p:attrName>fill.type</p:attrName>
+                                          <p:attrName>style.visibility</p:attrName>
                                         </p:attrNameLst>
                                       </p:cBhvr>
                                       <p:to>
-                                        <p:strVal val="solid"/>
+                                        <p:strVal val="hidden"/>
                                       </p:to>
                                     </p:set>
+                                  </p:childTnLst>
+                                </p:cTn>
+                              </p:par>
+                              <p:par>
+                                <p:cTn id="29" presetID="42" presetClass="path" presetSubtype="0" accel="50000" decel="50000" fill="hold" grpId="1" nodeType="withEffect">
+                                  <p:stCondLst>
+                                    <p:cond delay="1000"/>
+                                  </p:stCondLst>
+                                  <p:childTnLst>
+                                    <p:animMotion origin="layout" path="M -0.05 1.11111E-6 L -0.05 0.10972 " pathEditMode="relative" rAng="0" ptsTypes="AA">
+                                      <p:cBhvr>
+                                        <p:cTn id="30" dur="300" fill="hold"/>
+                                        <p:tgtEl>
+                                          <p:spTgt spid="42"/>
+                                        </p:tgtEl>
+                                        <p:attrNameLst>
+                                          <p:attrName>ppt_x</p:attrName>
+                                          <p:attrName>ppt_y</p:attrName>
+                                        </p:attrNameLst>
+                                      </p:cBhvr>
+                                      <p:rCtr x="0" y="5486"/>
+                                    </p:animMotion>
+                                  </p:childTnLst>
+                                </p:cTn>
+                              </p:par>
+                              <p:par>
+                                <p:cTn id="31" presetID="35" presetClass="path" presetSubtype="0" accel="50000" decel="50000" fill="hold" grpId="1" nodeType="withEffect">
+                                  <p:stCondLst>
+                                    <p:cond delay="1100"/>
+                                  </p:stCondLst>
+                                  <p:childTnLst>
+                                    <p:animMotion origin="layout" path="M -0.05 1.11111E-6 L -0.1 1.11111E-6 " pathEditMode="relative" rAng="0" ptsTypes="AA">
+                                      <p:cBhvr>
+                                        <p:cTn id="32" dur="300" fill="hold"/>
+                                        <p:tgtEl>
+                                          <p:spTgt spid="43"/>
+                                        </p:tgtEl>
+                                        <p:attrNameLst>
+                                          <p:attrName>ppt_x</p:attrName>
+                                          <p:attrName>ppt_y</p:attrName>
+                                        </p:attrNameLst>
+                                      </p:cBhvr>
+                                      <p:rCtr x="-2500" y="0"/>
+                                    </p:animMotion>
+                                  </p:childTnLst>
+                                </p:cTn>
+                              </p:par>
+                              <p:par>
+                                <p:cTn id="33" presetID="35" presetClass="path" presetSubtype="0" accel="50000" decel="50000" fill="hold" grpId="1" nodeType="withEffect">
+                                  <p:stCondLst>
+                                    <p:cond delay="1100"/>
+                                  </p:stCondLst>
+                                  <p:childTnLst>
+                                    <p:animMotion origin="layout" path="M -0.05143 1.11111E-6 L -0.10065 1.11111E-6 " pathEditMode="relative" rAng="0" ptsTypes="AA">
+                                      <p:cBhvr>
+                                        <p:cTn id="34" dur="300" fill="hold"/>
+                                        <p:tgtEl>
+                                          <p:spTgt spid="44"/>
+                                        </p:tgtEl>
+                                        <p:attrNameLst>
+                                          <p:attrName>ppt_x</p:attrName>
+                                          <p:attrName>ppt_y</p:attrName>
+                                        </p:attrNameLst>
+                                      </p:cBhvr>
+                                      <p:rCtr x="-2513" y="0"/>
+                                    </p:animMotion>
+                                  </p:childTnLst>
+                                </p:cTn>
+                              </p:par>
+                              <p:par>
+                                <p:cTn id="35" presetID="10" presetClass="entr" presetSubtype="0" fill="hold" grpId="2" nodeType="withEffect">
+                                  <p:stCondLst>
+                                    <p:cond delay="1100"/>
+                                  </p:stCondLst>
+                                  <p:childTnLst>
                                     <p:set>
                                       <p:cBhvr>
-                                        <p:cTn id="11" dur="500" autoRev="1" fill="remove"/>
+                                        <p:cTn id="36" dur="1" fill="hold">
+                                          <p:stCondLst>
+                                            <p:cond delay="0"/>
+                                          </p:stCondLst>
+                                        </p:cTn>
                                         <p:tgtEl>
-                                          <p:spTgt spid="21"/>
+                                          <p:spTgt spid="47"/>
                                         </p:tgtEl>
                                         <p:attrNameLst>
-                                          <p:attrName>fill.on</p:attrName>
+                                          <p:attrName>style.visibility</p:attrName>
                                         </p:attrNameLst>
                                       </p:cBhvr>
                                       <p:to>
-                                        <p:strVal val="true"/>
+                                        <p:strVal val="visible"/>
+                                      </p:to>
+                                    </p:set>
+                                    <p:animEffect transition="in" filter="fade">
+                                      <p:cBhvr>
+                                        <p:cTn id="37" dur="300"/>
+                                        <p:tgtEl>
+                                          <p:spTgt spid="47"/>
+                                        </p:tgtEl>
+                                      </p:cBhvr>
+                                    </p:animEffect>
+                                  </p:childTnLst>
+                                </p:cTn>
+                              </p:par>
+                              <p:par>
+                                <p:cTn id="38" presetID="10" presetClass="exit" presetSubtype="0" fill="hold" grpId="2" nodeType="withEffect">
+                                  <p:stCondLst>
+                                    <p:cond delay="2000"/>
+                                  </p:stCondLst>
+                                  <p:childTnLst>
+                                    <p:animEffect transition="out" filter="fade">
+                                      <p:cBhvr>
+                                        <p:cTn id="39" dur="300"/>
+                                        <p:tgtEl>
+                                          <p:spTgt spid="42"/>
+                                        </p:tgtEl>
+                                      </p:cBhvr>
+                                    </p:animEffect>
+                                    <p:set>
+                                      <p:cBhvr>
+                                        <p:cTn id="40" dur="1" fill="hold">
+                                          <p:stCondLst>
+                                            <p:cond delay="299"/>
+                                          </p:stCondLst>
+                                        </p:cTn>
+                                        <p:tgtEl>
+                                          <p:spTgt spid="42"/>
+                                        </p:tgtEl>
+                                        <p:attrNameLst>
+                                          <p:attrName>style.visibility</p:attrName>
+                                        </p:attrNameLst>
+                                      </p:cBhvr>
+                                      <p:to>
+                                        <p:strVal val="hidden"/>
+                                      </p:to>
+                                    </p:set>
+                                  </p:childTnLst>
+                                </p:cTn>
+                              </p:par>
+                              <p:par>
+                                <p:cTn id="41" presetID="1" presetClass="exit" presetSubtype="0" fill="hold" grpId="4" nodeType="withEffect">
+                                  <p:stCondLst>
+                                    <p:cond delay="2000"/>
+                                  </p:stCondLst>
+                                  <p:childTnLst>
+                                    <p:set>
+                                      <p:cBhvr>
+                                        <p:cTn id="42" dur="1" fill="hold">
+                                          <p:stCondLst>
+                                            <p:cond delay="0"/>
+                                          </p:stCondLst>
+                                        </p:cTn>
+                                        <p:tgtEl>
+                                          <p:spTgt spid="47"/>
+                                        </p:tgtEl>
+                                        <p:attrNameLst>
+                                          <p:attrName>style.visibility</p:attrName>
+                                        </p:attrNameLst>
+                                      </p:cBhvr>
+                                      <p:to>
+                                        <p:strVal val="hidden"/>
+                                      </p:to>
+                                    </p:set>
+                                  </p:childTnLst>
+                                </p:cTn>
+                              </p:par>
+                              <p:par>
+                                <p:cTn id="43" presetID="42" presetClass="path" presetSubtype="0" accel="50000" decel="50000" fill="hold" grpId="2" nodeType="withEffect">
+                                  <p:stCondLst>
+                                    <p:cond delay="2000"/>
+                                  </p:stCondLst>
+                                  <p:childTnLst>
+                                    <p:animMotion origin="layout" path="M -0.1 1.11111E-6 L -0.1 0.10972 " pathEditMode="relative" rAng="0" ptsTypes="AA">
+                                      <p:cBhvr>
+                                        <p:cTn id="44" dur="300" fill="hold"/>
+                                        <p:tgtEl>
+                                          <p:spTgt spid="43"/>
+                                        </p:tgtEl>
+                                        <p:attrNameLst>
+                                          <p:attrName>ppt_x</p:attrName>
+                                          <p:attrName>ppt_y</p:attrName>
+                                        </p:attrNameLst>
+                                      </p:cBhvr>
+                                      <p:rCtr x="0" y="5486"/>
+                                    </p:animMotion>
+                                  </p:childTnLst>
+                                </p:cTn>
+                              </p:par>
+                              <p:par>
+                                <p:cTn id="45" presetID="35" presetClass="path" presetSubtype="0" accel="50000" decel="50000" fill="hold" grpId="2" nodeType="withEffect">
+                                  <p:stCondLst>
+                                    <p:cond delay="2100"/>
+                                  </p:stCondLst>
+                                  <p:childTnLst>
+                                    <p:animMotion origin="layout" path="M -0.10065 1.11111E-6 L -0.15065 1.11111E-6 " pathEditMode="relative" rAng="0" ptsTypes="AA">
+                                      <p:cBhvr>
+                                        <p:cTn id="46" dur="300" fill="hold"/>
+                                        <p:tgtEl>
+                                          <p:spTgt spid="44"/>
+                                        </p:tgtEl>
+                                        <p:attrNameLst>
+                                          <p:attrName>ppt_x</p:attrName>
+                                          <p:attrName>ppt_y</p:attrName>
+                                        </p:attrNameLst>
+                                      </p:cBhvr>
+                                      <p:rCtr x="-2500" y="0"/>
+                                    </p:animMotion>
+                                  </p:childTnLst>
+                                </p:cTn>
+                              </p:par>
+                              <p:par>
+                                <p:cTn id="47" presetID="10" presetClass="entr" presetSubtype="0" fill="hold" grpId="0" nodeType="withEffect">
+                                  <p:stCondLst>
+                                    <p:cond delay="2100"/>
+                                  </p:stCondLst>
+                                  <p:childTnLst>
+                                    <p:set>
+                                      <p:cBhvr>
+                                        <p:cTn id="48" dur="1" fill="hold">
+                                          <p:stCondLst>
+                                            <p:cond delay="0"/>
+                                          </p:stCondLst>
+                                        </p:cTn>
+                                        <p:tgtEl>
+                                          <p:spTgt spid="48"/>
+                                        </p:tgtEl>
+                                        <p:attrNameLst>
+                                          <p:attrName>style.visibility</p:attrName>
+                                        </p:attrNameLst>
+                                      </p:cBhvr>
+                                      <p:to>
+                                        <p:strVal val="visible"/>
+                                      </p:to>
+                                    </p:set>
+                                    <p:animEffect transition="in" filter="fade">
+                                      <p:cBhvr>
+                                        <p:cTn id="49" dur="300"/>
+                                        <p:tgtEl>
+                                          <p:spTgt spid="48"/>
+                                        </p:tgtEl>
+                                      </p:cBhvr>
+                                    </p:animEffect>
+                                  </p:childTnLst>
+                                </p:cTn>
+                              </p:par>
+                              <p:par>
+                                <p:cTn id="50" presetID="10" presetClass="exit" presetSubtype="0" fill="hold" grpId="3" nodeType="withEffect">
+                                  <p:stCondLst>
+                                    <p:cond delay="3000"/>
+                                  </p:stCondLst>
+                                  <p:childTnLst>
+                                    <p:animEffect transition="out" filter="fade">
+                                      <p:cBhvr>
+                                        <p:cTn id="51" dur="300"/>
+                                        <p:tgtEl>
+                                          <p:spTgt spid="43"/>
+                                        </p:tgtEl>
+                                      </p:cBhvr>
+                                    </p:animEffect>
+                                    <p:set>
+                                      <p:cBhvr>
+                                        <p:cTn id="52" dur="1" fill="hold">
+                                          <p:stCondLst>
+                                            <p:cond delay="299"/>
+                                          </p:stCondLst>
+                                        </p:cTn>
+                                        <p:tgtEl>
+                                          <p:spTgt spid="43"/>
+                                        </p:tgtEl>
+                                        <p:attrNameLst>
+                                          <p:attrName>style.visibility</p:attrName>
+                                        </p:attrNameLst>
+                                      </p:cBhvr>
+                                      <p:to>
+                                        <p:strVal val="hidden"/>
+                                      </p:to>
+                                    </p:set>
+                                  </p:childTnLst>
+                                </p:cTn>
+                              </p:par>
+                              <p:par>
+                                <p:cTn id="53" presetID="1" presetClass="exit" presetSubtype="0" fill="hold" grpId="1" nodeType="withEffect">
+                                  <p:stCondLst>
+                                    <p:cond delay="3000"/>
+                                  </p:stCondLst>
+                                  <p:childTnLst>
+                                    <p:set>
+                                      <p:cBhvr>
+                                        <p:cTn id="54" dur="1" fill="hold">
+                                          <p:stCondLst>
+                                            <p:cond delay="0"/>
+                                          </p:stCondLst>
+                                        </p:cTn>
+                                        <p:tgtEl>
+                                          <p:spTgt spid="48"/>
+                                        </p:tgtEl>
+                                        <p:attrNameLst>
+                                          <p:attrName>style.visibility</p:attrName>
+                                        </p:attrNameLst>
+                                      </p:cBhvr>
+                                      <p:to>
+                                        <p:strVal val="hidden"/>
+                                      </p:to>
+                                    </p:set>
+                                  </p:childTnLst>
+                                </p:cTn>
+                              </p:par>
+                              <p:par>
+                                <p:cTn id="55" presetID="42" presetClass="path" presetSubtype="0" accel="50000" decel="50000" fill="hold" grpId="3" nodeType="withEffect">
+                                  <p:stCondLst>
+                                    <p:cond delay="3100"/>
+                                  </p:stCondLst>
+                                  <p:childTnLst>
+                                    <p:animMotion origin="layout" path="M -0.15065 1.11111E-6 L -0.15065 0.10972 " pathEditMode="relative" rAng="0" ptsTypes="AA">
+                                      <p:cBhvr>
+                                        <p:cTn id="56" dur="300" fill="hold"/>
+                                        <p:tgtEl>
+                                          <p:spTgt spid="44"/>
+                                        </p:tgtEl>
+                                        <p:attrNameLst>
+                                          <p:attrName>ppt_x</p:attrName>
+                                          <p:attrName>ppt_y</p:attrName>
+                                        </p:attrNameLst>
+                                      </p:cBhvr>
+                                      <p:rCtr x="0" y="5486"/>
+                                    </p:animMotion>
+                                  </p:childTnLst>
+                                </p:cTn>
+                              </p:par>
+                              <p:par>
+                                <p:cTn id="57" presetID="10" presetClass="entr" presetSubtype="0" fill="hold" grpId="3" nodeType="withEffect">
+                                  <p:stCondLst>
+                                    <p:cond delay="3100"/>
+                                  </p:stCondLst>
+                                  <p:childTnLst>
+                                    <p:set>
+                                      <p:cBhvr>
+                                        <p:cTn id="58" dur="1" fill="hold">
+                                          <p:stCondLst>
+                                            <p:cond delay="0"/>
+                                          </p:stCondLst>
+                                        </p:cTn>
+                                        <p:tgtEl>
+                                          <p:spTgt spid="47"/>
+                                        </p:tgtEl>
+                                        <p:attrNameLst>
+                                          <p:attrName>style.visibility</p:attrName>
+                                        </p:attrNameLst>
+                                      </p:cBhvr>
+                                      <p:to>
+                                        <p:strVal val="visible"/>
+                                      </p:to>
+                                    </p:set>
+                                    <p:animEffect transition="in" filter="fade">
+                                      <p:cBhvr>
+                                        <p:cTn id="59" dur="300"/>
+                                        <p:tgtEl>
+                                          <p:spTgt spid="47"/>
+                                        </p:tgtEl>
+                                      </p:cBhvr>
+                                    </p:animEffect>
+                                  </p:childTnLst>
+                                </p:cTn>
+                              </p:par>
+                              <p:par>
+                                <p:cTn id="60" presetID="1" presetClass="exit" presetSubtype="0" fill="hold" grpId="5" nodeType="withEffect">
+                                  <p:stCondLst>
+                                    <p:cond delay="4000"/>
+                                  </p:stCondLst>
+                                  <p:childTnLst>
+                                    <p:set>
+                                      <p:cBhvr>
+                                        <p:cTn id="61" dur="1" fill="hold">
+                                          <p:stCondLst>
+                                            <p:cond delay="0"/>
+                                          </p:stCondLst>
+                                        </p:cTn>
+                                        <p:tgtEl>
+                                          <p:spTgt spid="47"/>
+                                        </p:tgtEl>
+                                        <p:attrNameLst>
+                                          <p:attrName>style.visibility</p:attrName>
+                                        </p:attrNameLst>
+                                      </p:cBhvr>
+                                      <p:to>
+                                        <p:strVal val="hidden"/>
+                                      </p:to>
+                                    </p:set>
+                                  </p:childTnLst>
+                                </p:cTn>
+                              </p:par>
+                              <p:par>
+                                <p:cTn id="62" presetID="10" presetClass="exit" presetSubtype="0" fill="hold" grpId="4" nodeType="withEffect">
+                                  <p:stCondLst>
+                                    <p:cond delay="4000"/>
+                                  </p:stCondLst>
+                                  <p:childTnLst>
+                                    <p:animEffect transition="out" filter="fade">
+                                      <p:cBhvr>
+                                        <p:cTn id="63" dur="300"/>
+                                        <p:tgtEl>
+                                          <p:spTgt spid="44"/>
+                                        </p:tgtEl>
+                                      </p:cBhvr>
+                                    </p:animEffect>
+                                    <p:set>
+                                      <p:cBhvr>
+                                        <p:cTn id="64" dur="1" fill="hold">
+                                          <p:stCondLst>
+                                            <p:cond delay="299"/>
+                                          </p:stCondLst>
+                                        </p:cTn>
+                                        <p:tgtEl>
+                                          <p:spTgt spid="44"/>
+                                        </p:tgtEl>
+                                        <p:attrNameLst>
+                                          <p:attrName>style.visibility</p:attrName>
+                                        </p:attrNameLst>
+                                      </p:cBhvr>
+                                      <p:to>
+                                        <p:strVal val="hidden"/>
                                       </p:to>
                                     </p:set>
                                   </p:childTnLst>
@@ -8159,6 +9185,28 @@
     <p:bldLst>
       <p:bldP spid="21" grpId="0" animBg="1"/>
       <p:bldP spid="40" grpId="0" animBg="1"/>
+      <p:bldP spid="3" grpId="0" animBg="1"/>
+      <p:bldP spid="3" grpId="1" animBg="1"/>
+      <p:bldP spid="42" grpId="0" animBg="1"/>
+      <p:bldP spid="42" grpId="1" animBg="1"/>
+      <p:bldP spid="42" grpId="2" animBg="1"/>
+      <p:bldP spid="43" grpId="0" animBg="1"/>
+      <p:bldP spid="43" grpId="1" animBg="1"/>
+      <p:bldP spid="43" grpId="2" animBg="1"/>
+      <p:bldP spid="43" grpId="3" animBg="1"/>
+      <p:bldP spid="44" grpId="0" animBg="1"/>
+      <p:bldP spid="44" grpId="1" animBg="1"/>
+      <p:bldP spid="44" grpId="2" animBg="1"/>
+      <p:bldP spid="44" grpId="3" animBg="1"/>
+      <p:bldP spid="44" grpId="4" animBg="1"/>
+      <p:bldP spid="47" grpId="0" animBg="1"/>
+      <p:bldP spid="47" grpId="1" animBg="1"/>
+      <p:bldP spid="47" grpId="2" animBg="1"/>
+      <p:bldP spid="47" grpId="3" animBg="1"/>
+      <p:bldP spid="47" grpId="4" animBg="1"/>
+      <p:bldP spid="47" grpId="5" animBg="1"/>
+      <p:bldP spid="48" grpId="0" animBg="1"/>
+      <p:bldP spid="48" grpId="1" animBg="1"/>
     </p:bldLst>
   </p:timing>
 </p:sld>

--- a/ComputerOrganization/Chapter4.pptx
+++ b/ComputerOrganization/Chapter4.pptx
@@ -9,6 +9,9 @@
     <p:sldId id="264" r:id="rId3"/>
     <p:sldId id="259" r:id="rId4"/>
     <p:sldId id="262" r:id="rId5"/>
+    <p:sldId id="265" r:id="rId6"/>
+    <p:sldId id="266" r:id="rId7"/>
+    <p:sldId id="267" r:id="rId8"/>
   </p:sldIdLst>
   <p:sldSz cx="12192000" cy="6858000"/>
   <p:notesSz cx="6858000" cy="9144000"/>
@@ -264,7 +267,7 @@
           <a:p>
             <a:fld id="{37A25B79-5AFE-40DE-8D90-7CD7EC558B08}" type="datetimeFigureOut">
               <a:rPr lang="ko-KR" altLang="en-US" smtClean="0"/>
-              <a:t>2019-09-25</a:t>
+              <a:t>2019-10-14</a:t>
             </a:fld>
             <a:endParaRPr lang="ko-KR" altLang="en-US"/>
           </a:p>
@@ -464,7 +467,7 @@
           <a:p>
             <a:fld id="{37A25B79-5AFE-40DE-8D90-7CD7EC558B08}" type="datetimeFigureOut">
               <a:rPr lang="ko-KR" altLang="en-US" smtClean="0"/>
-              <a:t>2019-09-25</a:t>
+              <a:t>2019-10-14</a:t>
             </a:fld>
             <a:endParaRPr lang="ko-KR" altLang="en-US"/>
           </a:p>
@@ -674,7 +677,7 @@
           <a:p>
             <a:fld id="{37A25B79-5AFE-40DE-8D90-7CD7EC558B08}" type="datetimeFigureOut">
               <a:rPr lang="ko-KR" altLang="en-US" smtClean="0"/>
-              <a:t>2019-09-25</a:t>
+              <a:t>2019-10-14</a:t>
             </a:fld>
             <a:endParaRPr lang="ko-KR" altLang="en-US"/>
           </a:p>
@@ -874,7 +877,7 @@
           <a:p>
             <a:fld id="{37A25B79-5AFE-40DE-8D90-7CD7EC558B08}" type="datetimeFigureOut">
               <a:rPr lang="ko-KR" altLang="en-US" smtClean="0"/>
-              <a:t>2019-09-25</a:t>
+              <a:t>2019-10-14</a:t>
             </a:fld>
             <a:endParaRPr lang="ko-KR" altLang="en-US"/>
           </a:p>
@@ -1150,7 +1153,7 @@
           <a:p>
             <a:fld id="{37A25B79-5AFE-40DE-8D90-7CD7EC558B08}" type="datetimeFigureOut">
               <a:rPr lang="ko-KR" altLang="en-US" smtClean="0"/>
-              <a:t>2019-09-25</a:t>
+              <a:t>2019-10-14</a:t>
             </a:fld>
             <a:endParaRPr lang="ko-KR" altLang="en-US"/>
           </a:p>
@@ -1418,7 +1421,7 @@
           <a:p>
             <a:fld id="{37A25B79-5AFE-40DE-8D90-7CD7EC558B08}" type="datetimeFigureOut">
               <a:rPr lang="ko-KR" altLang="en-US" smtClean="0"/>
-              <a:t>2019-09-25</a:t>
+              <a:t>2019-10-14</a:t>
             </a:fld>
             <a:endParaRPr lang="ko-KR" altLang="en-US"/>
           </a:p>
@@ -1833,7 +1836,7 @@
           <a:p>
             <a:fld id="{37A25B79-5AFE-40DE-8D90-7CD7EC558B08}" type="datetimeFigureOut">
               <a:rPr lang="ko-KR" altLang="en-US" smtClean="0"/>
-              <a:t>2019-09-25</a:t>
+              <a:t>2019-10-14</a:t>
             </a:fld>
             <a:endParaRPr lang="ko-KR" altLang="en-US"/>
           </a:p>
@@ -1975,7 +1978,7 @@
           <a:p>
             <a:fld id="{37A25B79-5AFE-40DE-8D90-7CD7EC558B08}" type="datetimeFigureOut">
               <a:rPr lang="ko-KR" altLang="en-US" smtClean="0"/>
-              <a:t>2019-09-25</a:t>
+              <a:t>2019-10-14</a:t>
             </a:fld>
             <a:endParaRPr lang="ko-KR" altLang="en-US"/>
           </a:p>
@@ -2088,7 +2091,7 @@
           <a:p>
             <a:fld id="{37A25B79-5AFE-40DE-8D90-7CD7EC558B08}" type="datetimeFigureOut">
               <a:rPr lang="ko-KR" altLang="en-US" smtClean="0"/>
-              <a:t>2019-09-25</a:t>
+              <a:t>2019-10-14</a:t>
             </a:fld>
             <a:endParaRPr lang="ko-KR" altLang="en-US"/>
           </a:p>
@@ -2401,7 +2404,7 @@
           <a:p>
             <a:fld id="{37A25B79-5AFE-40DE-8D90-7CD7EC558B08}" type="datetimeFigureOut">
               <a:rPr lang="ko-KR" altLang="en-US" smtClean="0"/>
-              <a:t>2019-09-25</a:t>
+              <a:t>2019-10-14</a:t>
             </a:fld>
             <a:endParaRPr lang="ko-KR" altLang="en-US"/>
           </a:p>
@@ -2690,7 +2693,7 @@
           <a:p>
             <a:fld id="{37A25B79-5AFE-40DE-8D90-7CD7EC558B08}" type="datetimeFigureOut">
               <a:rPr lang="ko-KR" altLang="en-US" smtClean="0"/>
-              <a:t>2019-09-25</a:t>
+              <a:t>2019-10-14</a:t>
             </a:fld>
             <a:endParaRPr lang="ko-KR" altLang="en-US"/>
           </a:p>
@@ -2933,7 +2936,7 @@
           <a:p>
             <a:fld id="{37A25B79-5AFE-40DE-8D90-7CD7EC558B08}" type="datetimeFigureOut">
               <a:rPr lang="ko-KR" altLang="en-US" smtClean="0"/>
-              <a:t>2019-09-25</a:t>
+              <a:t>2019-10-14</a:t>
             </a:fld>
             <a:endParaRPr lang="ko-KR" altLang="en-US"/>
           </a:p>
@@ -9629,7 +9632,7 @@
         </p:nvCxnSpPr>
         <p:spPr>
           <a:xfrm>
-            <a:off x="8031343" y="4341748"/>
+            <a:off x="8504009" y="4635662"/>
             <a:ext cx="478711" cy="0"/>
           </a:xfrm>
           <a:prstGeom prst="straightConnector1">
@@ -9673,7 +9676,7 @@
         </p:nvCxnSpPr>
         <p:spPr>
           <a:xfrm>
-            <a:off x="8031340" y="2921320"/>
+            <a:off x="8504006" y="3215234"/>
             <a:ext cx="478714" cy="0"/>
           </a:xfrm>
           <a:prstGeom prst="straightConnector1">
@@ -9717,7 +9720,7 @@
         </p:nvCxnSpPr>
         <p:spPr>
           <a:xfrm rot="16200000">
-            <a:off x="9390449" y="3111334"/>
+            <a:off x="9863115" y="3405248"/>
             <a:ext cx="0" cy="1089733"/>
           </a:xfrm>
           <a:prstGeom prst="straightConnector1">
@@ -9759,7 +9762,7 @@
         </p:nvGrpSpPr>
         <p:grpSpPr>
           <a:xfrm>
-            <a:off x="8512274" y="2661900"/>
+            <a:off x="8984940" y="2955814"/>
             <a:ext cx="1052765" cy="1953087"/>
             <a:chOff x="8512274" y="2661900"/>
             <a:chExt cx="1052765" cy="1953087"/>
@@ -9967,7 +9970,7 @@
         </p:nvSpPr>
         <p:spPr>
           <a:xfrm>
-            <a:off x="6261576" y="3054674"/>
+            <a:off x="6734242" y="3348588"/>
             <a:ext cx="540824" cy="1294288"/>
           </a:xfrm>
           <a:prstGeom prst="rect">
@@ -10031,7 +10034,7 @@
         </p:nvCxnSpPr>
         <p:spPr>
           <a:xfrm>
-            <a:off x="6802400" y="3701818"/>
+            <a:off x="7275066" y="3995732"/>
             <a:ext cx="478711" cy="0"/>
           </a:xfrm>
           <a:prstGeom prst="straightConnector1">
@@ -10075,7 +10078,7 @@
         </p:nvCxnSpPr>
         <p:spPr>
           <a:xfrm>
-            <a:off x="5782865" y="3701818"/>
+            <a:off x="6255531" y="3995732"/>
             <a:ext cx="478711" cy="0"/>
           </a:xfrm>
           <a:prstGeom prst="straightConnector1">
@@ -10119,7 +10122,7 @@
         </p:nvCxnSpPr>
         <p:spPr>
           <a:xfrm>
-            <a:off x="4592612" y="3731624"/>
+            <a:off x="5065278" y="4025538"/>
             <a:ext cx="571128" cy="0"/>
           </a:xfrm>
           <a:prstGeom prst="straightConnector1">
@@ -10163,7 +10166,7 @@
         </p:nvCxnSpPr>
         <p:spPr>
           <a:xfrm>
-            <a:off x="2474058" y="3731624"/>
+            <a:off x="2946724" y="4025538"/>
             <a:ext cx="571128" cy="0"/>
           </a:xfrm>
           <a:prstGeom prst="straightConnector1">
@@ -10205,7 +10208,7 @@
         </p:nvGrpSpPr>
         <p:grpSpPr>
           <a:xfrm>
-            <a:off x="3045186" y="2959544"/>
+            <a:off x="3517852" y="3253458"/>
             <a:ext cx="1547426" cy="1544156"/>
             <a:chOff x="3045186" y="2959544"/>
             <a:chExt cx="1547426" cy="1544156"/>
@@ -11929,6 +11932,6926 @@
 </p:sld>
 </file>
 
+<file path=ppt/slides/slide5.xml><?xml version="1.0" encoding="utf-8"?>
+<p:sld xmlns:a="http://schemas.openxmlformats.org/drawingml/2006/main" xmlns:r="http://schemas.openxmlformats.org/officeDocument/2006/relationships" xmlns:p="http://schemas.openxmlformats.org/presentationml/2006/main">
+  <p:cSld>
+    <p:spTree>
+      <p:nvGrpSpPr>
+        <p:cNvPr id="1" name=""/>
+        <p:cNvGrpSpPr/>
+        <p:nvPr/>
+      </p:nvGrpSpPr>
+      <p:grpSpPr>
+        <a:xfrm>
+          <a:off x="0" y="0"/>
+          <a:ext cx="0" cy="0"/>
+          <a:chOff x="0" y="0"/>
+          <a:chExt cx="0" cy="0"/>
+        </a:xfrm>
+      </p:grpSpPr>
+      <p:sp>
+        <p:nvSpPr>
+          <p:cNvPr id="6" name="Rectangle 5">
+            <a:extLst>
+              <a:ext uri="{FF2B5EF4-FFF2-40B4-BE49-F238E27FC236}">
+                <a16:creationId xmlns:a16="http://schemas.microsoft.com/office/drawing/2014/main" id="{386837E1-34D3-48A7-8764-FF3A069C77A0}"/>
+              </a:ext>
+            </a:extLst>
+          </p:cNvPr>
+          <p:cNvSpPr/>
+          <p:nvPr/>
+        </p:nvSpPr>
+        <p:spPr>
+          <a:xfrm>
+            <a:off x="1" y="0"/>
+            <a:ext cx="1822612" cy="6858000"/>
+          </a:xfrm>
+          <a:prstGeom prst="rect">
+            <a:avLst/>
+          </a:prstGeom>
+          <a:solidFill>
+            <a:srgbClr val="013B51"/>
+          </a:solidFill>
+          <a:ln>
+            <a:noFill/>
+          </a:ln>
+        </p:spPr>
+        <p:style>
+          <a:lnRef idx="2">
+            <a:schemeClr val="accent1">
+              <a:shade val="50000"/>
+            </a:schemeClr>
+          </a:lnRef>
+          <a:fillRef idx="1">
+            <a:schemeClr val="accent1"/>
+          </a:fillRef>
+          <a:effectRef idx="0">
+            <a:schemeClr val="accent1"/>
+          </a:effectRef>
+          <a:fontRef idx="minor">
+            <a:schemeClr val="lt1"/>
+          </a:fontRef>
+        </p:style>
+        <p:txBody>
+          <a:bodyPr rtlCol="0" anchor="ctr"/>
+          <a:lstStyle/>
+          <a:p>
+            <a:pPr algn="ctr"/>
+            <a:endParaRPr lang="ko-KR" altLang="en-US"/>
+          </a:p>
+        </p:txBody>
+      </p:sp>
+      <p:grpSp>
+        <p:nvGrpSpPr>
+          <p:cNvPr id="4" name="Group 3">
+            <a:extLst>
+              <a:ext uri="{FF2B5EF4-FFF2-40B4-BE49-F238E27FC236}">
+                <a16:creationId xmlns:a16="http://schemas.microsoft.com/office/drawing/2014/main" id="{7072584C-6260-4990-8119-F48D43DF9D1D}"/>
+              </a:ext>
+            </a:extLst>
+          </p:cNvPr>
+          <p:cNvGrpSpPr/>
+          <p:nvPr/>
+        </p:nvGrpSpPr>
+        <p:grpSpPr>
+          <a:xfrm>
+            <a:off x="227192" y="110970"/>
+            <a:ext cx="7619352" cy="6027939"/>
+            <a:chOff x="2068497" y="372861"/>
+            <a:chExt cx="7619352" cy="6027939"/>
+          </a:xfrm>
+        </p:grpSpPr>
+        <p:grpSp>
+          <p:nvGrpSpPr>
+            <p:cNvPr id="16" name="Group 15">
+              <a:extLst>
+                <a:ext uri="{FF2B5EF4-FFF2-40B4-BE49-F238E27FC236}">
+                  <a16:creationId xmlns:a16="http://schemas.microsoft.com/office/drawing/2014/main" id="{9FED8531-C6D3-4649-A895-F74932994A64}"/>
+                </a:ext>
+              </a:extLst>
+            </p:cNvPr>
+            <p:cNvGrpSpPr/>
+            <p:nvPr/>
+          </p:nvGrpSpPr>
+          <p:grpSpPr>
+            <a:xfrm>
+              <a:off x="2183906" y="372861"/>
+              <a:ext cx="7503943" cy="5797120"/>
+              <a:chOff x="2183906" y="372861"/>
+              <a:chExt cx="7503943" cy="5797120"/>
+            </a:xfrm>
+          </p:grpSpPr>
+          <p:cxnSp>
+            <p:nvCxnSpPr>
+              <p:cNvPr id="11" name="Straight Connector 10">
+                <a:extLst>
+                  <a:ext uri="{FF2B5EF4-FFF2-40B4-BE49-F238E27FC236}">
+                    <a16:creationId xmlns:a16="http://schemas.microsoft.com/office/drawing/2014/main" id="{0FA2315E-967B-45B9-A0F4-B526CF82C921}"/>
+                  </a:ext>
+                </a:extLst>
+              </p:cNvPr>
+              <p:cNvCxnSpPr>
+                <a:stCxn id="9" idx="0"/>
+              </p:cNvCxnSpPr>
+              <p:nvPr/>
+            </p:nvCxnSpPr>
+            <p:spPr>
+              <a:xfrm flipV="1">
+                <a:off x="2183907" y="457200"/>
+                <a:ext cx="0" cy="5712781"/>
+              </a:xfrm>
+              <a:prstGeom prst="line">
+                <a:avLst/>
+              </a:prstGeom>
+              <a:ln w="57150">
+                <a:solidFill>
+                  <a:srgbClr val="DABA6F"/>
+                </a:solidFill>
+              </a:ln>
+            </p:spPr>
+            <p:style>
+              <a:lnRef idx="1">
+                <a:schemeClr val="accent1"/>
+              </a:lnRef>
+              <a:fillRef idx="0">
+                <a:schemeClr val="accent1"/>
+              </a:fillRef>
+              <a:effectRef idx="0">
+                <a:schemeClr val="accent1"/>
+              </a:effectRef>
+              <a:fontRef idx="minor">
+                <a:schemeClr val="tx1"/>
+              </a:fontRef>
+            </p:style>
+          </p:cxnSp>
+          <p:cxnSp>
+            <p:nvCxnSpPr>
+              <p:cNvPr id="12" name="Straight Connector 11">
+                <a:extLst>
+                  <a:ext uri="{FF2B5EF4-FFF2-40B4-BE49-F238E27FC236}">
+                    <a16:creationId xmlns:a16="http://schemas.microsoft.com/office/drawing/2014/main" id="{92518781-1781-40F6-9291-FD4D938DE48A}"/>
+                  </a:ext>
+                </a:extLst>
+              </p:cNvPr>
+              <p:cNvCxnSpPr>
+                <a:cxnSpLocks/>
+              </p:cNvCxnSpPr>
+              <p:nvPr/>
+            </p:nvCxnSpPr>
+            <p:spPr>
+              <a:xfrm flipH="1">
+                <a:off x="2183906" y="488271"/>
+                <a:ext cx="7273124" cy="1"/>
+              </a:xfrm>
+              <a:prstGeom prst="line">
+                <a:avLst/>
+              </a:prstGeom>
+              <a:ln w="57150">
+                <a:solidFill>
+                  <a:srgbClr val="DABA6F"/>
+                </a:solidFill>
+              </a:ln>
+            </p:spPr>
+            <p:style>
+              <a:lnRef idx="1">
+                <a:schemeClr val="accent1"/>
+              </a:lnRef>
+              <a:fillRef idx="0">
+                <a:schemeClr val="accent1"/>
+              </a:fillRef>
+              <a:effectRef idx="0">
+                <a:schemeClr val="accent1"/>
+              </a:effectRef>
+              <a:fontRef idx="minor">
+                <a:schemeClr val="tx1"/>
+              </a:fontRef>
+            </p:style>
+          </p:cxnSp>
+          <p:sp>
+            <p:nvSpPr>
+              <p:cNvPr id="15" name="Rectangle 14">
+                <a:extLst>
+                  <a:ext uri="{FF2B5EF4-FFF2-40B4-BE49-F238E27FC236}">
+                    <a16:creationId xmlns:a16="http://schemas.microsoft.com/office/drawing/2014/main" id="{57D81539-1F79-4E3F-B190-8AEB88C54CD2}"/>
+                  </a:ext>
+                </a:extLst>
+              </p:cNvPr>
+              <p:cNvSpPr/>
+              <p:nvPr/>
+            </p:nvSpPr>
+            <p:spPr>
+              <a:xfrm>
+                <a:off x="9457030" y="372861"/>
+                <a:ext cx="230819" cy="230819"/>
+              </a:xfrm>
+              <a:prstGeom prst="rect">
+                <a:avLst/>
+              </a:prstGeom>
+              <a:solidFill>
+                <a:srgbClr val="DABA6F"/>
+              </a:solidFill>
+              <a:ln>
+                <a:noFill/>
+              </a:ln>
+            </p:spPr>
+            <p:style>
+              <a:lnRef idx="2">
+                <a:schemeClr val="accent1">
+                  <a:shade val="50000"/>
+                </a:schemeClr>
+              </a:lnRef>
+              <a:fillRef idx="1">
+                <a:schemeClr val="accent1"/>
+              </a:fillRef>
+              <a:effectRef idx="0">
+                <a:schemeClr val="accent1"/>
+              </a:effectRef>
+              <a:fontRef idx="minor">
+                <a:schemeClr val="lt1"/>
+              </a:fontRef>
+            </p:style>
+            <p:txBody>
+              <a:bodyPr rtlCol="0" anchor="ctr"/>
+              <a:lstStyle/>
+              <a:p>
+                <a:pPr algn="ctr"/>
+                <a:endParaRPr lang="ko-KR" altLang="en-US"/>
+              </a:p>
+            </p:txBody>
+          </p:sp>
+        </p:grpSp>
+        <p:sp>
+          <p:nvSpPr>
+            <p:cNvPr id="9" name="Rectangle 8">
+              <a:extLst>
+                <a:ext uri="{FF2B5EF4-FFF2-40B4-BE49-F238E27FC236}">
+                  <a16:creationId xmlns:a16="http://schemas.microsoft.com/office/drawing/2014/main" id="{CD2CA69E-F38E-4DB8-82FA-239D6C25BC80}"/>
+                </a:ext>
+              </a:extLst>
+            </p:cNvPr>
+            <p:cNvSpPr/>
+            <p:nvPr/>
+          </p:nvSpPr>
+          <p:spPr>
+            <a:xfrm>
+              <a:off x="2068497" y="6169981"/>
+              <a:ext cx="230819" cy="230819"/>
+            </a:xfrm>
+            <a:prstGeom prst="rect">
+              <a:avLst/>
+            </a:prstGeom>
+            <a:solidFill>
+              <a:srgbClr val="DABA6F"/>
+            </a:solidFill>
+            <a:ln>
+              <a:noFill/>
+            </a:ln>
+          </p:spPr>
+          <p:style>
+            <a:lnRef idx="2">
+              <a:schemeClr val="accent1">
+                <a:shade val="50000"/>
+              </a:schemeClr>
+            </a:lnRef>
+            <a:fillRef idx="1">
+              <a:schemeClr val="accent1"/>
+            </a:fillRef>
+            <a:effectRef idx="0">
+              <a:schemeClr val="accent1"/>
+            </a:effectRef>
+            <a:fontRef idx="minor">
+              <a:schemeClr val="lt1"/>
+            </a:fontRef>
+          </p:style>
+          <p:txBody>
+            <a:bodyPr rtlCol="0" anchor="ctr"/>
+            <a:lstStyle/>
+            <a:p>
+              <a:pPr algn="ctr"/>
+              <a:endParaRPr lang="ko-KR" altLang="en-US" dirty="0"/>
+            </a:p>
+          </p:txBody>
+        </p:sp>
+      </p:grpSp>
+      <p:sp>
+        <p:nvSpPr>
+          <p:cNvPr id="7" name="Rectangle 6">
+            <a:extLst>
+              <a:ext uri="{FF2B5EF4-FFF2-40B4-BE49-F238E27FC236}">
+                <a16:creationId xmlns:a16="http://schemas.microsoft.com/office/drawing/2014/main" id="{2C38F449-7454-4AD1-AE1F-DA48EBB24C9F}"/>
+              </a:ext>
+            </a:extLst>
+          </p:cNvPr>
+          <p:cNvSpPr/>
+          <p:nvPr/>
+        </p:nvSpPr>
+        <p:spPr>
+          <a:xfrm>
+            <a:off x="1" y="463891"/>
+            <a:ext cx="12192000" cy="1091263"/>
+          </a:xfrm>
+          <a:prstGeom prst="rect">
+            <a:avLst/>
+          </a:prstGeom>
+          <a:solidFill>
+            <a:srgbClr val="0182C6"/>
+          </a:solidFill>
+          <a:ln>
+            <a:noFill/>
+          </a:ln>
+        </p:spPr>
+        <p:style>
+          <a:lnRef idx="2">
+            <a:schemeClr val="accent1">
+              <a:shade val="50000"/>
+            </a:schemeClr>
+          </a:lnRef>
+          <a:fillRef idx="1">
+            <a:schemeClr val="accent1"/>
+          </a:fillRef>
+          <a:effectRef idx="0">
+            <a:schemeClr val="accent1"/>
+          </a:effectRef>
+          <a:fontRef idx="minor">
+            <a:schemeClr val="lt1"/>
+          </a:fontRef>
+        </p:style>
+        <p:txBody>
+          <a:bodyPr rtlCol="0" anchor="ctr"/>
+          <a:lstStyle/>
+          <a:p>
+            <a:pPr algn="ctr"/>
+            <a:endParaRPr lang="ko-KR" altLang="en-US"/>
+          </a:p>
+        </p:txBody>
+      </p:sp>
+      <p:sp>
+        <p:nvSpPr>
+          <p:cNvPr id="2" name="Title 1">
+            <a:extLst>
+              <a:ext uri="{FF2B5EF4-FFF2-40B4-BE49-F238E27FC236}">
+                <a16:creationId xmlns:a16="http://schemas.microsoft.com/office/drawing/2014/main" id="{9DBFE3BC-27EC-435A-A2F4-B39DEF708845}"/>
+              </a:ext>
+            </a:extLst>
+          </p:cNvPr>
+          <p:cNvSpPr>
+            <a:spLocks noGrp="1"/>
+          </p:cNvSpPr>
+          <p:nvPr>
+            <p:ph type="ctrTitle"/>
+          </p:nvPr>
+        </p:nvSpPr>
+        <p:spPr>
+          <a:xfrm>
+            <a:off x="88777" y="606013"/>
+            <a:ext cx="12014446" cy="746289"/>
+          </a:xfrm>
+        </p:spPr>
+        <p:txBody>
+          <a:bodyPr>
+            <a:normAutofit/>
+          </a:bodyPr>
+          <a:lstStyle/>
+          <a:p>
+            <a:r>
+              <a:rPr lang="en-US" altLang="ko-KR" sz="4000" dirty="0" err="1">
+                <a:solidFill>
+                  <a:srgbClr val="EBFFFF"/>
+                </a:solidFill>
+                <a:latin typeface="Noto Sans CJK KR Medium" panose="020B0600000000000000" pitchFamily="34" charset="-127"/>
+                <a:ea typeface="Noto Sans CJK KR Medium" panose="020B0600000000000000" pitchFamily="34" charset="-127"/>
+              </a:rPr>
+              <a:t>DataPath</a:t>
+            </a:r>
+            <a:endParaRPr lang="ko-KR" altLang="en-US" sz="4000" dirty="0">
+              <a:solidFill>
+                <a:srgbClr val="EBFFFF"/>
+              </a:solidFill>
+              <a:latin typeface="Noto Sans CJK KR Medium" panose="020B0600000000000000" pitchFamily="34" charset="-127"/>
+              <a:ea typeface="Noto Sans CJK KR Medium" panose="020B0600000000000000" pitchFamily="34" charset="-127"/>
+            </a:endParaRPr>
+          </a:p>
+        </p:txBody>
+      </p:sp>
+      <p:cxnSp>
+        <p:nvCxnSpPr>
+          <p:cNvPr id="13" name="Straight Arrow Connector 12">
+            <a:extLst>
+              <a:ext uri="{FF2B5EF4-FFF2-40B4-BE49-F238E27FC236}">
+                <a16:creationId xmlns:a16="http://schemas.microsoft.com/office/drawing/2014/main" id="{53845365-B25D-42EC-8A70-1FBE3038690B}"/>
+              </a:ext>
+            </a:extLst>
+          </p:cNvPr>
+          <p:cNvCxnSpPr>
+            <a:cxnSpLocks/>
+          </p:cNvCxnSpPr>
+          <p:nvPr/>
+        </p:nvCxnSpPr>
+        <p:spPr>
+          <a:xfrm>
+            <a:off x="7846544" y="4580364"/>
+            <a:ext cx="478711" cy="0"/>
+          </a:xfrm>
+          <a:prstGeom prst="straightConnector1">
+            <a:avLst/>
+          </a:prstGeom>
+          <a:ln w="38100">
+            <a:solidFill>
+              <a:srgbClr val="013B51"/>
+            </a:solidFill>
+            <a:tailEnd type="triangle"/>
+          </a:ln>
+        </p:spPr>
+        <p:style>
+          <a:lnRef idx="1">
+            <a:schemeClr val="accent1"/>
+          </a:lnRef>
+          <a:fillRef idx="0">
+            <a:schemeClr val="accent1"/>
+          </a:fillRef>
+          <a:effectRef idx="0">
+            <a:schemeClr val="accent1"/>
+          </a:effectRef>
+          <a:fontRef idx="minor">
+            <a:schemeClr val="tx1"/>
+          </a:fontRef>
+        </p:style>
+      </p:cxnSp>
+      <p:cxnSp>
+        <p:nvCxnSpPr>
+          <p:cNvPr id="73" name="Straight Arrow Connector 72">
+            <a:extLst>
+              <a:ext uri="{FF2B5EF4-FFF2-40B4-BE49-F238E27FC236}">
+                <a16:creationId xmlns:a16="http://schemas.microsoft.com/office/drawing/2014/main" id="{6D324DEC-BF57-4C52-B3DF-D7DC96C5C019}"/>
+              </a:ext>
+            </a:extLst>
+          </p:cNvPr>
+          <p:cNvCxnSpPr>
+            <a:cxnSpLocks/>
+          </p:cNvCxnSpPr>
+          <p:nvPr/>
+        </p:nvCxnSpPr>
+        <p:spPr>
+          <a:xfrm>
+            <a:off x="7846541" y="3477852"/>
+            <a:ext cx="478714" cy="0"/>
+          </a:xfrm>
+          <a:prstGeom prst="straightConnector1">
+            <a:avLst/>
+          </a:prstGeom>
+          <a:ln w="38100">
+            <a:solidFill>
+              <a:srgbClr val="013B51"/>
+            </a:solidFill>
+            <a:tailEnd type="triangle"/>
+          </a:ln>
+        </p:spPr>
+        <p:style>
+          <a:lnRef idx="1">
+            <a:schemeClr val="accent1"/>
+          </a:lnRef>
+          <a:fillRef idx="0">
+            <a:schemeClr val="accent1"/>
+          </a:fillRef>
+          <a:effectRef idx="0">
+            <a:schemeClr val="accent1"/>
+          </a:effectRef>
+          <a:fontRef idx="minor">
+            <a:schemeClr val="tx1"/>
+          </a:fontRef>
+        </p:style>
+      </p:cxnSp>
+      <p:cxnSp>
+        <p:nvCxnSpPr>
+          <p:cNvPr id="76" name="Straight Arrow Connector 75">
+            <a:extLst>
+              <a:ext uri="{FF2B5EF4-FFF2-40B4-BE49-F238E27FC236}">
+                <a16:creationId xmlns:a16="http://schemas.microsoft.com/office/drawing/2014/main" id="{C451B610-B71C-48DC-9A0A-22D949EFF380}"/>
+              </a:ext>
+            </a:extLst>
+          </p:cNvPr>
+          <p:cNvCxnSpPr>
+            <a:cxnSpLocks/>
+          </p:cNvCxnSpPr>
+          <p:nvPr/>
+        </p:nvCxnSpPr>
+        <p:spPr>
+          <a:xfrm>
+            <a:off x="9345460" y="4212115"/>
+            <a:ext cx="443649" cy="0"/>
+          </a:xfrm>
+          <a:prstGeom prst="straightConnector1">
+            <a:avLst/>
+          </a:prstGeom>
+          <a:ln w="38100">
+            <a:solidFill>
+              <a:srgbClr val="013B51"/>
+            </a:solidFill>
+            <a:tailEnd type="triangle"/>
+          </a:ln>
+        </p:spPr>
+        <p:style>
+          <a:lnRef idx="1">
+            <a:schemeClr val="accent1"/>
+          </a:lnRef>
+          <a:fillRef idx="0">
+            <a:schemeClr val="accent1"/>
+          </a:fillRef>
+          <a:effectRef idx="0">
+            <a:schemeClr val="accent1"/>
+          </a:effectRef>
+          <a:fontRef idx="minor">
+            <a:schemeClr val="tx1"/>
+          </a:fontRef>
+        </p:style>
+      </p:cxnSp>
+      <p:cxnSp>
+        <p:nvCxnSpPr>
+          <p:cNvPr id="33" name="Straight Arrow Connector 12">
+            <a:extLst>
+              <a:ext uri="{FF2B5EF4-FFF2-40B4-BE49-F238E27FC236}">
+                <a16:creationId xmlns:a16="http://schemas.microsoft.com/office/drawing/2014/main" id="{5BED1820-2569-4274-981F-9C248A56AEF8}"/>
+              </a:ext>
+            </a:extLst>
+          </p:cNvPr>
+          <p:cNvCxnSpPr>
+            <a:cxnSpLocks/>
+          </p:cNvCxnSpPr>
+          <p:nvPr/>
+        </p:nvCxnSpPr>
+        <p:spPr>
+          <a:xfrm>
+            <a:off x="6308179" y="3572177"/>
+            <a:ext cx="571128" cy="0"/>
+          </a:xfrm>
+          <a:prstGeom prst="straightConnector1">
+            <a:avLst/>
+          </a:prstGeom>
+          <a:ln w="38100">
+            <a:solidFill>
+              <a:srgbClr val="013B51"/>
+            </a:solidFill>
+            <a:tailEnd type="triangle"/>
+          </a:ln>
+        </p:spPr>
+        <p:style>
+          <a:lnRef idx="1">
+            <a:schemeClr val="accent1"/>
+          </a:lnRef>
+          <a:fillRef idx="0">
+            <a:schemeClr val="accent1"/>
+          </a:fillRef>
+          <a:effectRef idx="0">
+            <a:schemeClr val="accent1"/>
+          </a:effectRef>
+          <a:fontRef idx="minor">
+            <a:schemeClr val="tx1"/>
+          </a:fontRef>
+        </p:style>
+      </p:cxnSp>
+      <p:cxnSp>
+        <p:nvCxnSpPr>
+          <p:cNvPr id="31" name="Straight Arrow Connector 12">
+            <a:extLst>
+              <a:ext uri="{FF2B5EF4-FFF2-40B4-BE49-F238E27FC236}">
+                <a16:creationId xmlns:a16="http://schemas.microsoft.com/office/drawing/2014/main" id="{DE54D6B2-715B-4D73-BB24-835B53E3C3C0}"/>
+              </a:ext>
+            </a:extLst>
+          </p:cNvPr>
+          <p:cNvCxnSpPr>
+            <a:cxnSpLocks/>
+          </p:cNvCxnSpPr>
+          <p:nvPr/>
+        </p:nvCxnSpPr>
+        <p:spPr>
+          <a:xfrm>
+            <a:off x="3813098" y="4640310"/>
+            <a:ext cx="571128" cy="0"/>
+          </a:xfrm>
+          <a:prstGeom prst="straightConnector1">
+            <a:avLst/>
+          </a:prstGeom>
+          <a:ln w="38100">
+            <a:solidFill>
+              <a:srgbClr val="013B51"/>
+            </a:solidFill>
+            <a:tailEnd type="triangle"/>
+          </a:ln>
+        </p:spPr>
+        <p:style>
+          <a:lnRef idx="1">
+            <a:schemeClr val="accent1"/>
+          </a:lnRef>
+          <a:fillRef idx="0">
+            <a:schemeClr val="accent1"/>
+          </a:fillRef>
+          <a:effectRef idx="0">
+            <a:schemeClr val="accent1"/>
+          </a:effectRef>
+          <a:fontRef idx="minor">
+            <a:schemeClr val="tx1"/>
+          </a:fontRef>
+        </p:style>
+      </p:cxnSp>
+      <p:cxnSp>
+        <p:nvCxnSpPr>
+          <p:cNvPr id="42" name="Straight Arrow Connector 12">
+            <a:extLst>
+              <a:ext uri="{FF2B5EF4-FFF2-40B4-BE49-F238E27FC236}">
+                <a16:creationId xmlns:a16="http://schemas.microsoft.com/office/drawing/2014/main" id="{EF9B9E23-72E9-46AD-9877-9227C518E606}"/>
+              </a:ext>
+            </a:extLst>
+          </p:cNvPr>
+          <p:cNvCxnSpPr>
+            <a:cxnSpLocks/>
+          </p:cNvCxnSpPr>
+          <p:nvPr/>
+        </p:nvCxnSpPr>
+        <p:spPr>
+          <a:xfrm>
+            <a:off x="6308179" y="4459552"/>
+            <a:ext cx="571128" cy="0"/>
+          </a:xfrm>
+          <a:prstGeom prst="straightConnector1">
+            <a:avLst/>
+          </a:prstGeom>
+          <a:ln w="38100">
+            <a:solidFill>
+              <a:srgbClr val="013B51"/>
+            </a:solidFill>
+            <a:tailEnd type="triangle"/>
+          </a:ln>
+        </p:spPr>
+        <p:style>
+          <a:lnRef idx="1">
+            <a:schemeClr val="accent1"/>
+          </a:lnRef>
+          <a:fillRef idx="0">
+            <a:schemeClr val="accent1"/>
+          </a:fillRef>
+          <a:effectRef idx="0">
+            <a:schemeClr val="accent1"/>
+          </a:effectRef>
+          <a:fontRef idx="minor">
+            <a:schemeClr val="tx1"/>
+          </a:fontRef>
+        </p:style>
+      </p:cxnSp>
+      <p:grpSp>
+        <p:nvGrpSpPr>
+          <p:cNvPr id="10" name="그룹 9">
+            <a:extLst>
+              <a:ext uri="{FF2B5EF4-FFF2-40B4-BE49-F238E27FC236}">
+                <a16:creationId xmlns:a16="http://schemas.microsoft.com/office/drawing/2014/main" id="{B6E22434-A775-4839-92E9-C4676F9D6A38}"/>
+              </a:ext>
+            </a:extLst>
+          </p:cNvPr>
+          <p:cNvGrpSpPr/>
+          <p:nvPr/>
+        </p:nvGrpSpPr>
+        <p:grpSpPr>
+          <a:xfrm>
+            <a:off x="4365631" y="3005032"/>
+            <a:ext cx="1943926" cy="2265592"/>
+            <a:chOff x="2837637" y="2770989"/>
+            <a:chExt cx="1943926" cy="2265592"/>
+          </a:xfrm>
+        </p:grpSpPr>
+        <p:grpSp>
+          <p:nvGrpSpPr>
+            <p:cNvPr id="14" name="그룹 13">
+              <a:extLst>
+                <a:ext uri="{FF2B5EF4-FFF2-40B4-BE49-F238E27FC236}">
+                  <a16:creationId xmlns:a16="http://schemas.microsoft.com/office/drawing/2014/main" id="{D0E30ED0-2E4D-48B9-BD98-01B4E634693E}"/>
+                </a:ext>
+              </a:extLst>
+            </p:cNvPr>
+            <p:cNvGrpSpPr/>
+            <p:nvPr/>
+          </p:nvGrpSpPr>
+          <p:grpSpPr>
+            <a:xfrm>
+              <a:off x="2837637" y="2770989"/>
+              <a:ext cx="1943926" cy="2265592"/>
+              <a:chOff x="3030241" y="2959544"/>
+              <a:chExt cx="1562369" cy="1820897"/>
+            </a:xfrm>
+          </p:grpSpPr>
+          <p:sp>
+            <p:nvSpPr>
+              <p:cNvPr id="32" name="Rectangle 83">
+                <a:extLst>
+                  <a:ext uri="{FF2B5EF4-FFF2-40B4-BE49-F238E27FC236}">
+                    <a16:creationId xmlns:a16="http://schemas.microsoft.com/office/drawing/2014/main" id="{CC8C37B4-AB0B-4EEC-B803-95837F39001B}"/>
+                  </a:ext>
+                </a:extLst>
+              </p:cNvPr>
+              <p:cNvSpPr/>
+              <p:nvPr/>
+            </p:nvSpPr>
+            <p:spPr>
+              <a:xfrm>
+                <a:off x="3045184" y="2959544"/>
+                <a:ext cx="1547426" cy="1544156"/>
+              </a:xfrm>
+              <a:prstGeom prst="rect">
+                <a:avLst/>
+              </a:prstGeom>
+              <a:solidFill>
+                <a:srgbClr val="787878"/>
+              </a:solidFill>
+              <a:ln>
+                <a:noFill/>
+              </a:ln>
+            </p:spPr>
+            <p:style>
+              <a:lnRef idx="2">
+                <a:schemeClr val="accent1">
+                  <a:shade val="50000"/>
+                </a:schemeClr>
+              </a:lnRef>
+              <a:fillRef idx="1">
+                <a:schemeClr val="accent1"/>
+              </a:fillRef>
+              <a:effectRef idx="0">
+                <a:schemeClr val="accent1"/>
+              </a:effectRef>
+              <a:fontRef idx="minor">
+                <a:schemeClr val="lt1"/>
+              </a:fontRef>
+            </p:style>
+            <p:txBody>
+              <a:bodyPr rtlCol="0" anchor="ctr"/>
+              <a:lstStyle/>
+              <a:p>
+                <a:pPr algn="ctr"/>
+                <a:endParaRPr lang="ko-KR" altLang="en-US" dirty="0"/>
+              </a:p>
+            </p:txBody>
+          </p:sp>
+          <p:sp>
+            <p:nvSpPr>
+              <p:cNvPr id="36" name="Rectangle 83">
+                <a:extLst>
+                  <a:ext uri="{FF2B5EF4-FFF2-40B4-BE49-F238E27FC236}">
+                    <a16:creationId xmlns:a16="http://schemas.microsoft.com/office/drawing/2014/main" id="{C55195C0-7B5D-4962-A542-FEBAB539D5B2}"/>
+                  </a:ext>
+                </a:extLst>
+              </p:cNvPr>
+              <p:cNvSpPr/>
+              <p:nvPr/>
+            </p:nvSpPr>
+            <p:spPr>
+              <a:xfrm>
+                <a:off x="3045186" y="2991151"/>
+                <a:ext cx="731595" cy="424218"/>
+              </a:xfrm>
+              <a:prstGeom prst="rect">
+                <a:avLst/>
+              </a:prstGeom>
+              <a:noFill/>
+              <a:ln>
+                <a:noFill/>
+              </a:ln>
+            </p:spPr>
+            <p:style>
+              <a:lnRef idx="2">
+                <a:schemeClr val="accent1">
+                  <a:shade val="50000"/>
+                </a:schemeClr>
+              </a:lnRef>
+              <a:fillRef idx="1">
+                <a:schemeClr val="accent1"/>
+              </a:fillRef>
+              <a:effectRef idx="0">
+                <a:schemeClr val="accent1"/>
+              </a:effectRef>
+              <a:fontRef idx="minor">
+                <a:schemeClr val="lt1"/>
+              </a:fontRef>
+            </p:style>
+            <p:txBody>
+              <a:bodyPr rtlCol="0" anchor="ctr"/>
+              <a:lstStyle/>
+              <a:p>
+                <a:r>
+                  <a:rPr lang="en-US" altLang="ko-KR" sz="1100" dirty="0"/>
+                  <a:t>Read</a:t>
+                </a:r>
+              </a:p>
+              <a:p>
+                <a:r>
+                  <a:rPr lang="en-US" altLang="ko-KR" sz="1100" dirty="0"/>
+                  <a:t>register 1</a:t>
+                </a:r>
+                <a:endParaRPr lang="ko-KR" altLang="en-US" sz="1100" dirty="0"/>
+              </a:p>
+            </p:txBody>
+          </p:sp>
+          <p:sp>
+            <p:nvSpPr>
+              <p:cNvPr id="37" name="Rectangle 83">
+                <a:extLst>
+                  <a:ext uri="{FF2B5EF4-FFF2-40B4-BE49-F238E27FC236}">
+                    <a16:creationId xmlns:a16="http://schemas.microsoft.com/office/drawing/2014/main" id="{8206C9B5-A940-4678-9961-82760C03F7C1}"/>
+                  </a:ext>
+                </a:extLst>
+              </p:cNvPr>
+              <p:cNvSpPr/>
+              <p:nvPr/>
+            </p:nvSpPr>
+            <p:spPr>
+              <a:xfrm>
+                <a:off x="3248865" y="3488399"/>
+                <a:ext cx="1102271" cy="566157"/>
+              </a:xfrm>
+              <a:prstGeom prst="rect">
+                <a:avLst/>
+              </a:prstGeom>
+              <a:noFill/>
+              <a:ln>
+                <a:noFill/>
+              </a:ln>
+            </p:spPr>
+            <p:style>
+              <a:lnRef idx="2">
+                <a:schemeClr val="accent1">
+                  <a:shade val="50000"/>
+                </a:schemeClr>
+              </a:lnRef>
+              <a:fillRef idx="1">
+                <a:schemeClr val="accent1"/>
+              </a:fillRef>
+              <a:effectRef idx="0">
+                <a:schemeClr val="accent1"/>
+              </a:effectRef>
+              <a:fontRef idx="minor">
+                <a:schemeClr val="lt1"/>
+              </a:fontRef>
+            </p:style>
+            <p:txBody>
+              <a:bodyPr rtlCol="0" anchor="ctr"/>
+              <a:lstStyle/>
+              <a:p>
+                <a:pPr algn="ctr"/>
+                <a:r>
+                  <a:rPr lang="en-US" altLang="ko-KR" sz="1400" b="1" dirty="0"/>
+                  <a:t>Registers</a:t>
+                </a:r>
+                <a:endParaRPr lang="ko-KR" altLang="en-US" sz="1400" b="1" dirty="0"/>
+              </a:p>
+            </p:txBody>
+          </p:sp>
+          <p:sp>
+            <p:nvSpPr>
+              <p:cNvPr id="35" name="Rectangle 83">
+                <a:extLst>
+                  <a:ext uri="{FF2B5EF4-FFF2-40B4-BE49-F238E27FC236}">
+                    <a16:creationId xmlns:a16="http://schemas.microsoft.com/office/drawing/2014/main" id="{81F89E22-AC3E-47FF-886D-FF2107CA5EC7}"/>
+                  </a:ext>
+                </a:extLst>
+              </p:cNvPr>
+              <p:cNvSpPr/>
+              <p:nvPr/>
+            </p:nvSpPr>
+            <p:spPr>
+              <a:xfrm>
+                <a:off x="4064659" y="3203260"/>
+                <a:ext cx="526843" cy="340979"/>
+              </a:xfrm>
+              <a:prstGeom prst="rect">
+                <a:avLst/>
+              </a:prstGeom>
+              <a:noFill/>
+              <a:ln>
+                <a:noFill/>
+              </a:ln>
+            </p:spPr>
+            <p:style>
+              <a:lnRef idx="2">
+                <a:schemeClr val="accent1">
+                  <a:shade val="50000"/>
+                </a:schemeClr>
+              </a:lnRef>
+              <a:fillRef idx="1">
+                <a:schemeClr val="accent1"/>
+              </a:fillRef>
+              <a:effectRef idx="0">
+                <a:schemeClr val="accent1"/>
+              </a:effectRef>
+              <a:fontRef idx="minor">
+                <a:schemeClr val="lt1"/>
+              </a:fontRef>
+            </p:style>
+            <p:txBody>
+              <a:bodyPr rtlCol="0" anchor="ctr"/>
+              <a:lstStyle/>
+              <a:p>
+                <a:pPr algn="r"/>
+                <a:r>
+                  <a:rPr lang="en-US" altLang="ko-KR" sz="1200" dirty="0"/>
+                  <a:t>Read  data</a:t>
+                </a:r>
+                <a:r>
+                  <a:rPr lang="en-US" altLang="ko-KR" sz="500" dirty="0"/>
+                  <a:t> </a:t>
+                </a:r>
+                <a:r>
+                  <a:rPr lang="en-US" altLang="ko-KR" sz="1200" dirty="0"/>
+                  <a:t>1</a:t>
+                </a:r>
+              </a:p>
+            </p:txBody>
+          </p:sp>
+          <p:sp>
+            <p:nvSpPr>
+              <p:cNvPr id="38" name="Rectangle 83">
+                <a:extLst>
+                  <a:ext uri="{FF2B5EF4-FFF2-40B4-BE49-F238E27FC236}">
+                    <a16:creationId xmlns:a16="http://schemas.microsoft.com/office/drawing/2014/main" id="{E8079FBD-100D-451E-A470-C9C19F19574B}"/>
+                  </a:ext>
+                </a:extLst>
+              </p:cNvPr>
+              <p:cNvSpPr/>
+              <p:nvPr/>
+            </p:nvSpPr>
+            <p:spPr>
+              <a:xfrm>
+                <a:off x="4064659" y="3958078"/>
+                <a:ext cx="526843" cy="340979"/>
+              </a:xfrm>
+              <a:prstGeom prst="rect">
+                <a:avLst/>
+              </a:prstGeom>
+              <a:noFill/>
+              <a:ln>
+                <a:noFill/>
+              </a:ln>
+            </p:spPr>
+            <p:style>
+              <a:lnRef idx="2">
+                <a:schemeClr val="accent1">
+                  <a:shade val="50000"/>
+                </a:schemeClr>
+              </a:lnRef>
+              <a:fillRef idx="1">
+                <a:schemeClr val="accent1"/>
+              </a:fillRef>
+              <a:effectRef idx="0">
+                <a:schemeClr val="accent1"/>
+              </a:effectRef>
+              <a:fontRef idx="minor">
+                <a:schemeClr val="lt1"/>
+              </a:fontRef>
+            </p:style>
+            <p:txBody>
+              <a:bodyPr rtlCol="0" anchor="ctr"/>
+              <a:lstStyle/>
+              <a:p>
+                <a:pPr algn="r"/>
+                <a:r>
+                  <a:rPr lang="en-US" altLang="ko-KR" sz="1200" dirty="0"/>
+                  <a:t>Read  data</a:t>
+                </a:r>
+                <a:r>
+                  <a:rPr lang="en-US" altLang="ko-KR" sz="500" dirty="0"/>
+                  <a:t> </a:t>
+                </a:r>
+                <a:r>
+                  <a:rPr lang="en-US" altLang="ko-KR" sz="1200" dirty="0"/>
+                  <a:t>2</a:t>
+                </a:r>
+              </a:p>
+            </p:txBody>
+          </p:sp>
+          <p:sp>
+            <p:nvSpPr>
+              <p:cNvPr id="39" name="Rectangle 83">
+                <a:extLst>
+                  <a:ext uri="{FF2B5EF4-FFF2-40B4-BE49-F238E27FC236}">
+                    <a16:creationId xmlns:a16="http://schemas.microsoft.com/office/drawing/2014/main" id="{4FB3635F-56A6-4A48-9E1F-687B3CF1B838}"/>
+                  </a:ext>
+                </a:extLst>
+              </p:cNvPr>
+              <p:cNvSpPr/>
+              <p:nvPr/>
+            </p:nvSpPr>
+            <p:spPr>
+              <a:xfrm>
+                <a:off x="3030241" y="3331840"/>
+                <a:ext cx="731595" cy="424218"/>
+              </a:xfrm>
+              <a:prstGeom prst="rect">
+                <a:avLst/>
+              </a:prstGeom>
+              <a:noFill/>
+              <a:ln>
+                <a:noFill/>
+              </a:ln>
+            </p:spPr>
+            <p:style>
+              <a:lnRef idx="2">
+                <a:schemeClr val="accent1">
+                  <a:shade val="50000"/>
+                </a:schemeClr>
+              </a:lnRef>
+              <a:fillRef idx="1">
+                <a:schemeClr val="accent1"/>
+              </a:fillRef>
+              <a:effectRef idx="0">
+                <a:schemeClr val="accent1"/>
+              </a:effectRef>
+              <a:fontRef idx="minor">
+                <a:schemeClr val="lt1"/>
+              </a:fontRef>
+            </p:style>
+            <p:txBody>
+              <a:bodyPr rtlCol="0" anchor="ctr"/>
+              <a:lstStyle/>
+              <a:p>
+                <a:r>
+                  <a:rPr lang="en-US" altLang="ko-KR" sz="1100" dirty="0"/>
+                  <a:t>Read</a:t>
+                </a:r>
+              </a:p>
+              <a:p>
+                <a:r>
+                  <a:rPr lang="en-US" altLang="ko-KR" sz="1100" dirty="0"/>
+                  <a:t>register 2</a:t>
+                </a:r>
+                <a:endParaRPr lang="ko-KR" altLang="en-US" sz="1100" dirty="0"/>
+              </a:p>
+            </p:txBody>
+          </p:sp>
+          <p:sp>
+            <p:nvSpPr>
+              <p:cNvPr id="40" name="Rectangle 83">
+                <a:extLst>
+                  <a:ext uri="{FF2B5EF4-FFF2-40B4-BE49-F238E27FC236}">
+                    <a16:creationId xmlns:a16="http://schemas.microsoft.com/office/drawing/2014/main" id="{9701391F-308A-4582-BAB3-6ED4C124CCE1}"/>
+                  </a:ext>
+                </a:extLst>
+              </p:cNvPr>
+              <p:cNvSpPr/>
+              <p:nvPr/>
+            </p:nvSpPr>
+            <p:spPr>
+              <a:xfrm>
+                <a:off x="3045186" y="3682105"/>
+                <a:ext cx="731595" cy="424218"/>
+              </a:xfrm>
+              <a:prstGeom prst="rect">
+                <a:avLst/>
+              </a:prstGeom>
+              <a:noFill/>
+              <a:ln>
+                <a:noFill/>
+              </a:ln>
+            </p:spPr>
+            <p:style>
+              <a:lnRef idx="2">
+                <a:schemeClr val="accent1">
+                  <a:shade val="50000"/>
+                </a:schemeClr>
+              </a:lnRef>
+              <a:fillRef idx="1">
+                <a:schemeClr val="accent1"/>
+              </a:fillRef>
+              <a:effectRef idx="0">
+                <a:schemeClr val="accent1"/>
+              </a:effectRef>
+              <a:fontRef idx="minor">
+                <a:schemeClr val="lt1"/>
+              </a:fontRef>
+            </p:style>
+            <p:txBody>
+              <a:bodyPr rtlCol="0" anchor="ctr"/>
+              <a:lstStyle/>
+              <a:p>
+                <a:r>
+                  <a:rPr lang="en-US" altLang="ko-KR" sz="1100" dirty="0"/>
+                  <a:t>Write</a:t>
+                </a:r>
+              </a:p>
+              <a:p>
+                <a:r>
+                  <a:rPr lang="en-US" altLang="ko-KR" sz="1100" dirty="0"/>
+                  <a:t>register</a:t>
+                </a:r>
+                <a:endParaRPr lang="ko-KR" altLang="en-US" sz="1100" dirty="0"/>
+              </a:p>
+            </p:txBody>
+          </p:sp>
+          <p:sp>
+            <p:nvSpPr>
+              <p:cNvPr id="41" name="Rectangle 83">
+                <a:extLst>
+                  <a:ext uri="{FF2B5EF4-FFF2-40B4-BE49-F238E27FC236}">
+                    <a16:creationId xmlns:a16="http://schemas.microsoft.com/office/drawing/2014/main" id="{FFECE923-17FF-45EE-B96F-4900C010ED9F}"/>
+                  </a:ext>
+                </a:extLst>
+              </p:cNvPr>
+              <p:cNvSpPr/>
+              <p:nvPr/>
+            </p:nvSpPr>
+            <p:spPr>
+              <a:xfrm>
+                <a:off x="3045186" y="4056722"/>
+                <a:ext cx="731595" cy="424218"/>
+              </a:xfrm>
+              <a:prstGeom prst="rect">
+                <a:avLst/>
+              </a:prstGeom>
+              <a:noFill/>
+              <a:ln>
+                <a:noFill/>
+              </a:ln>
+            </p:spPr>
+            <p:style>
+              <a:lnRef idx="2">
+                <a:schemeClr val="accent1">
+                  <a:shade val="50000"/>
+                </a:schemeClr>
+              </a:lnRef>
+              <a:fillRef idx="1">
+                <a:schemeClr val="accent1"/>
+              </a:fillRef>
+              <a:effectRef idx="0">
+                <a:schemeClr val="accent1"/>
+              </a:effectRef>
+              <a:fontRef idx="minor">
+                <a:schemeClr val="lt1"/>
+              </a:fontRef>
+            </p:style>
+            <p:txBody>
+              <a:bodyPr rtlCol="0" anchor="ctr"/>
+              <a:lstStyle/>
+              <a:p>
+                <a:r>
+                  <a:rPr lang="en-US" altLang="ko-KR" sz="1100" dirty="0"/>
+                  <a:t>Write</a:t>
+                </a:r>
+              </a:p>
+              <a:p>
+                <a:r>
+                  <a:rPr lang="en-US" altLang="ko-KR" sz="1100" dirty="0"/>
+                  <a:t>Data</a:t>
+                </a:r>
+                <a:endParaRPr lang="ko-KR" altLang="en-US" sz="1100" dirty="0"/>
+              </a:p>
+            </p:txBody>
+          </p:sp>
+          <p:sp>
+            <p:nvSpPr>
+              <p:cNvPr id="49" name="Rectangle 83">
+                <a:extLst>
+                  <a:ext uri="{FF2B5EF4-FFF2-40B4-BE49-F238E27FC236}">
+                    <a16:creationId xmlns:a16="http://schemas.microsoft.com/office/drawing/2014/main" id="{A32BF652-508A-419B-8A7A-C6D2260D4AA7}"/>
+                  </a:ext>
+                </a:extLst>
+              </p:cNvPr>
+              <p:cNvSpPr/>
+              <p:nvPr/>
+            </p:nvSpPr>
+            <p:spPr>
+              <a:xfrm>
+                <a:off x="3791724" y="4439462"/>
+                <a:ext cx="666550" cy="340979"/>
+              </a:xfrm>
+              <a:prstGeom prst="rect">
+                <a:avLst/>
+              </a:prstGeom>
+              <a:noFill/>
+              <a:ln>
+                <a:noFill/>
+              </a:ln>
+            </p:spPr>
+            <p:style>
+              <a:lnRef idx="2">
+                <a:schemeClr val="accent1">
+                  <a:shade val="50000"/>
+                </a:schemeClr>
+              </a:lnRef>
+              <a:fillRef idx="1">
+                <a:schemeClr val="accent1"/>
+              </a:fillRef>
+              <a:effectRef idx="0">
+                <a:schemeClr val="accent1"/>
+              </a:effectRef>
+              <a:fontRef idx="minor">
+                <a:schemeClr val="lt1"/>
+              </a:fontRef>
+            </p:style>
+            <p:txBody>
+              <a:bodyPr rtlCol="0" anchor="ctr"/>
+              <a:lstStyle/>
+              <a:p>
+                <a:r>
+                  <a:rPr lang="en-US" altLang="ko-KR" sz="1200" dirty="0" err="1">
+                    <a:solidFill>
+                      <a:srgbClr val="0182C6"/>
+                    </a:solidFill>
+                  </a:rPr>
+                  <a:t>RegWrite</a:t>
+                </a:r>
+                <a:endParaRPr lang="en-US" altLang="ko-KR" sz="1200" dirty="0">
+                  <a:solidFill>
+                    <a:srgbClr val="0182C6"/>
+                  </a:solidFill>
+                </a:endParaRPr>
+              </a:p>
+            </p:txBody>
+          </p:sp>
+        </p:grpSp>
+        <p:cxnSp>
+          <p:nvCxnSpPr>
+            <p:cNvPr id="43" name="직선 연결선 42">
+              <a:extLst>
+                <a:ext uri="{FF2B5EF4-FFF2-40B4-BE49-F238E27FC236}">
+                  <a16:creationId xmlns:a16="http://schemas.microsoft.com/office/drawing/2014/main" id="{64F5D8A2-BE7E-4B07-8F68-5A87EB039491}"/>
+                </a:ext>
+              </a:extLst>
+            </p:cNvPr>
+            <p:cNvCxnSpPr>
+              <a:cxnSpLocks/>
+            </p:cNvCxnSpPr>
+            <p:nvPr/>
+          </p:nvCxnSpPr>
+          <p:spPr>
+            <a:xfrm>
+              <a:off x="3795750" y="4692255"/>
+              <a:ext cx="0" cy="275033"/>
+            </a:xfrm>
+            <a:prstGeom prst="line">
+              <a:avLst/>
+            </a:prstGeom>
+            <a:ln w="38100">
+              <a:solidFill>
+                <a:srgbClr val="0182C6"/>
+              </a:solidFill>
+            </a:ln>
+          </p:spPr>
+          <p:style>
+            <a:lnRef idx="1">
+              <a:schemeClr val="accent1"/>
+            </a:lnRef>
+            <a:fillRef idx="0">
+              <a:schemeClr val="accent1"/>
+            </a:fillRef>
+            <a:effectRef idx="0">
+              <a:schemeClr val="accent1"/>
+            </a:effectRef>
+            <a:fontRef idx="minor">
+              <a:schemeClr val="tx1"/>
+            </a:fontRef>
+          </p:style>
+        </p:cxnSp>
+      </p:grpSp>
+      <p:cxnSp>
+        <p:nvCxnSpPr>
+          <p:cNvPr id="56" name="Straight Arrow Connector 75">
+            <a:extLst>
+              <a:ext uri="{FF2B5EF4-FFF2-40B4-BE49-F238E27FC236}">
+                <a16:creationId xmlns:a16="http://schemas.microsoft.com/office/drawing/2014/main" id="{CEDCD815-6D45-4EDE-97C5-07A9E63BC2ED}"/>
+              </a:ext>
+            </a:extLst>
+          </p:cNvPr>
+          <p:cNvCxnSpPr>
+            <a:cxnSpLocks/>
+          </p:cNvCxnSpPr>
+          <p:nvPr/>
+        </p:nvCxnSpPr>
+        <p:spPr>
+          <a:xfrm>
+            <a:off x="9345460" y="3786665"/>
+            <a:ext cx="276771" cy="0"/>
+          </a:xfrm>
+          <a:prstGeom prst="straightConnector1">
+            <a:avLst/>
+          </a:prstGeom>
+          <a:ln w="38100">
+            <a:solidFill>
+              <a:srgbClr val="013B51">
+                <a:alpha val="60000"/>
+              </a:srgbClr>
+            </a:solidFill>
+            <a:tailEnd type="triangle"/>
+          </a:ln>
+        </p:spPr>
+        <p:style>
+          <a:lnRef idx="1">
+            <a:schemeClr val="accent1"/>
+          </a:lnRef>
+          <a:fillRef idx="0">
+            <a:schemeClr val="accent1"/>
+          </a:fillRef>
+          <a:effectRef idx="0">
+            <a:schemeClr val="accent1"/>
+          </a:effectRef>
+          <a:fontRef idx="minor">
+            <a:schemeClr val="tx1"/>
+          </a:fontRef>
+        </p:style>
+      </p:cxnSp>
+      <p:grpSp>
+        <p:nvGrpSpPr>
+          <p:cNvPr id="25" name="그룹 24">
+            <a:extLst>
+              <a:ext uri="{FF2B5EF4-FFF2-40B4-BE49-F238E27FC236}">
+                <a16:creationId xmlns:a16="http://schemas.microsoft.com/office/drawing/2014/main" id="{8066DB91-0466-4759-9BE3-A8036C6B6C95}"/>
+              </a:ext>
+            </a:extLst>
+          </p:cNvPr>
+          <p:cNvGrpSpPr/>
+          <p:nvPr/>
+        </p:nvGrpSpPr>
+        <p:grpSpPr>
+          <a:xfrm>
+            <a:off x="8203196" y="2932873"/>
+            <a:ext cx="1419032" cy="1842710"/>
+            <a:chOff x="8334565" y="2557316"/>
+            <a:chExt cx="1419032" cy="1842710"/>
+          </a:xfrm>
+        </p:grpSpPr>
+        <p:cxnSp>
+          <p:nvCxnSpPr>
+            <p:cNvPr id="58" name="직선 연결선 57">
+              <a:extLst>
+                <a:ext uri="{FF2B5EF4-FFF2-40B4-BE49-F238E27FC236}">
+                  <a16:creationId xmlns:a16="http://schemas.microsoft.com/office/drawing/2014/main" id="{0E58244F-52F2-4691-B40E-C58CC6A5E8C7}"/>
+                </a:ext>
+              </a:extLst>
+            </p:cNvPr>
+            <p:cNvCxnSpPr>
+              <a:cxnSpLocks/>
+            </p:cNvCxnSpPr>
+            <p:nvPr/>
+          </p:nvCxnSpPr>
+          <p:spPr>
+            <a:xfrm>
+              <a:off x="8640757" y="2575322"/>
+              <a:ext cx="0" cy="372509"/>
+            </a:xfrm>
+            <a:prstGeom prst="line">
+              <a:avLst/>
+            </a:prstGeom>
+            <a:ln w="38100">
+              <a:solidFill>
+                <a:srgbClr val="0182C6"/>
+              </a:solidFill>
+            </a:ln>
+          </p:spPr>
+          <p:style>
+            <a:lnRef idx="1">
+              <a:schemeClr val="accent1"/>
+            </a:lnRef>
+            <a:fillRef idx="0">
+              <a:schemeClr val="accent1"/>
+            </a:fillRef>
+            <a:effectRef idx="0">
+              <a:schemeClr val="accent1"/>
+            </a:effectRef>
+            <a:fontRef idx="minor">
+              <a:schemeClr val="tx1"/>
+            </a:fontRef>
+          </p:style>
+        </p:cxnSp>
+        <p:sp>
+          <p:nvSpPr>
+            <p:cNvPr id="50" name="자유형: 도형 49">
+              <a:extLst>
+                <a:ext uri="{FF2B5EF4-FFF2-40B4-BE49-F238E27FC236}">
+                  <a16:creationId xmlns:a16="http://schemas.microsoft.com/office/drawing/2014/main" id="{1A699FE9-3A76-4266-A62E-6E83113A5EC0}"/>
+                </a:ext>
+              </a:extLst>
+            </p:cNvPr>
+            <p:cNvSpPr/>
+            <p:nvPr/>
+          </p:nvSpPr>
+          <p:spPr>
+            <a:xfrm rot="16200000">
+              <a:off x="8207098" y="3130295"/>
+              <a:ext cx="1520636" cy="1018826"/>
+            </a:xfrm>
+            <a:custGeom>
+              <a:avLst/>
+              <a:gdLst>
+                <a:gd name="connsiteX0" fmla="*/ 1520636 w 1520636"/>
+                <a:gd name="connsiteY0" fmla="*/ 0 h 1018826"/>
+                <a:gd name="connsiteX1" fmla="*/ 1216509 w 1520636"/>
+                <a:gd name="connsiteY1" fmla="*/ 1018826 h 1018826"/>
+                <a:gd name="connsiteX2" fmla="*/ 304127 w 1520636"/>
+                <a:gd name="connsiteY2" fmla="*/ 1018826 h 1018826"/>
+                <a:gd name="connsiteX3" fmla="*/ 0 w 1520636"/>
+                <a:gd name="connsiteY3" fmla="*/ 0 h 1018826"/>
+                <a:gd name="connsiteX4" fmla="*/ 577888 w 1520636"/>
+                <a:gd name="connsiteY4" fmla="*/ 0 h 1018826"/>
+                <a:gd name="connsiteX5" fmla="*/ 771248 w 1520636"/>
+                <a:gd name="connsiteY5" fmla="*/ 202387 h 1018826"/>
+                <a:gd name="connsiteX6" fmla="*/ 964609 w 1520636"/>
+                <a:gd name="connsiteY6" fmla="*/ 0 h 1018826"/>
+              </a:gdLst>
+              <a:ahLst/>
+              <a:cxnLst>
+                <a:cxn ang="0">
+                  <a:pos x="connsiteX0" y="connsiteY0"/>
+                </a:cxn>
+                <a:cxn ang="0">
+                  <a:pos x="connsiteX1" y="connsiteY1"/>
+                </a:cxn>
+                <a:cxn ang="0">
+                  <a:pos x="connsiteX2" y="connsiteY2"/>
+                </a:cxn>
+                <a:cxn ang="0">
+                  <a:pos x="connsiteX3" y="connsiteY3"/>
+                </a:cxn>
+                <a:cxn ang="0">
+                  <a:pos x="connsiteX4" y="connsiteY4"/>
+                </a:cxn>
+                <a:cxn ang="0">
+                  <a:pos x="connsiteX5" y="connsiteY5"/>
+                </a:cxn>
+                <a:cxn ang="0">
+                  <a:pos x="connsiteX6" y="connsiteY6"/>
+                </a:cxn>
+              </a:cxnLst>
+              <a:rect l="l" t="t" r="r" b="b"/>
+              <a:pathLst>
+                <a:path w="1520636" h="1018826">
+                  <a:moveTo>
+                    <a:pt x="1520636" y="0"/>
+                  </a:moveTo>
+                  <a:lnTo>
+                    <a:pt x="1216509" y="1018826"/>
+                  </a:lnTo>
+                  <a:lnTo>
+                    <a:pt x="304127" y="1018826"/>
+                  </a:lnTo>
+                  <a:lnTo>
+                    <a:pt x="0" y="0"/>
+                  </a:lnTo>
+                  <a:lnTo>
+                    <a:pt x="577888" y="0"/>
+                  </a:lnTo>
+                  <a:lnTo>
+                    <a:pt x="771248" y="202387"/>
+                  </a:lnTo>
+                  <a:lnTo>
+                    <a:pt x="964609" y="0"/>
+                  </a:lnTo>
+                  <a:close/>
+                </a:path>
+              </a:pathLst>
+            </a:custGeom>
+            <a:solidFill>
+              <a:srgbClr val="787878"/>
+            </a:solidFill>
+            <a:ln>
+              <a:noFill/>
+            </a:ln>
+          </p:spPr>
+          <p:style>
+            <a:lnRef idx="2">
+              <a:schemeClr val="accent1">
+                <a:shade val="50000"/>
+              </a:schemeClr>
+            </a:lnRef>
+            <a:fillRef idx="1">
+              <a:schemeClr val="accent1"/>
+            </a:fillRef>
+            <a:effectRef idx="0">
+              <a:schemeClr val="accent1"/>
+            </a:effectRef>
+            <a:fontRef idx="minor">
+              <a:schemeClr val="lt1"/>
+            </a:fontRef>
+          </p:style>
+          <p:txBody>
+            <a:bodyPr rtlCol="0" anchor="ctr"/>
+            <a:lstStyle/>
+            <a:p>
+              <a:pPr algn="ctr"/>
+              <a:endParaRPr lang="en-US" dirty="0"/>
+            </a:p>
+          </p:txBody>
+        </p:sp>
+        <p:sp>
+          <p:nvSpPr>
+            <p:cNvPr id="51" name="Rectangle 83">
+              <a:extLst>
+                <a:ext uri="{FF2B5EF4-FFF2-40B4-BE49-F238E27FC236}">
+                  <a16:creationId xmlns:a16="http://schemas.microsoft.com/office/drawing/2014/main" id="{70651820-739A-473C-84AF-8A3CE53EE8C3}"/>
+                </a:ext>
+              </a:extLst>
+            </p:cNvPr>
+            <p:cNvSpPr/>
+            <p:nvPr/>
+          </p:nvSpPr>
+          <p:spPr>
+            <a:xfrm>
+              <a:off x="8456624" y="3417094"/>
+              <a:ext cx="848468" cy="435796"/>
+            </a:xfrm>
+            <a:prstGeom prst="rect">
+              <a:avLst/>
+            </a:prstGeom>
+            <a:noFill/>
+            <a:ln>
+              <a:noFill/>
+            </a:ln>
+          </p:spPr>
+          <p:style>
+            <a:lnRef idx="2">
+              <a:schemeClr val="accent1">
+                <a:shade val="50000"/>
+              </a:schemeClr>
+            </a:lnRef>
+            <a:fillRef idx="1">
+              <a:schemeClr val="accent1"/>
+            </a:fillRef>
+            <a:effectRef idx="0">
+              <a:schemeClr val="accent1"/>
+            </a:effectRef>
+            <a:fontRef idx="minor">
+              <a:schemeClr val="lt1"/>
+            </a:fontRef>
+          </p:style>
+          <p:txBody>
+            <a:bodyPr rtlCol="0" anchor="ctr"/>
+            <a:lstStyle/>
+            <a:p>
+              <a:pPr algn="ctr"/>
+              <a:r>
+                <a:rPr lang="en-US" altLang="ko-KR" sz="1400" b="1" dirty="0"/>
+                <a:t>ALU</a:t>
+              </a:r>
+              <a:endParaRPr lang="ko-KR" altLang="en-US" sz="1400" b="1" dirty="0"/>
+            </a:p>
+          </p:txBody>
+        </p:sp>
+        <p:sp>
+          <p:nvSpPr>
+            <p:cNvPr id="52" name="Rectangle 83">
+              <a:extLst>
+                <a:ext uri="{FF2B5EF4-FFF2-40B4-BE49-F238E27FC236}">
+                  <a16:creationId xmlns:a16="http://schemas.microsoft.com/office/drawing/2014/main" id="{E058E804-13CF-4B18-8A3E-374DCD919344}"/>
+                </a:ext>
+              </a:extLst>
+            </p:cNvPr>
+            <p:cNvSpPr/>
+            <p:nvPr/>
+          </p:nvSpPr>
+          <p:spPr>
+            <a:xfrm>
+              <a:off x="8880858" y="3595669"/>
+              <a:ext cx="655507" cy="424252"/>
+            </a:xfrm>
+            <a:prstGeom prst="rect">
+              <a:avLst/>
+            </a:prstGeom>
+            <a:noFill/>
+            <a:ln>
+              <a:noFill/>
+            </a:ln>
+          </p:spPr>
+          <p:style>
+            <a:lnRef idx="2">
+              <a:schemeClr val="accent1">
+                <a:shade val="50000"/>
+              </a:schemeClr>
+            </a:lnRef>
+            <a:fillRef idx="1">
+              <a:schemeClr val="accent1"/>
+            </a:fillRef>
+            <a:effectRef idx="0">
+              <a:schemeClr val="accent1"/>
+            </a:effectRef>
+            <a:fontRef idx="minor">
+              <a:schemeClr val="lt1"/>
+            </a:fontRef>
+          </p:style>
+          <p:txBody>
+            <a:bodyPr rtlCol="0" anchor="ctr"/>
+            <a:lstStyle/>
+            <a:p>
+              <a:pPr algn="r"/>
+              <a:r>
+                <a:rPr lang="en-US" altLang="ko-KR" sz="1200" dirty="0"/>
+                <a:t>ALU</a:t>
+              </a:r>
+            </a:p>
+            <a:p>
+              <a:pPr algn="r"/>
+              <a:r>
+                <a:rPr lang="en-US" altLang="ko-KR" sz="1200" dirty="0"/>
+                <a:t>result</a:t>
+              </a:r>
+            </a:p>
+          </p:txBody>
+        </p:sp>
+        <p:sp>
+          <p:nvSpPr>
+            <p:cNvPr id="55" name="Rectangle 83">
+              <a:extLst>
+                <a:ext uri="{FF2B5EF4-FFF2-40B4-BE49-F238E27FC236}">
+                  <a16:creationId xmlns:a16="http://schemas.microsoft.com/office/drawing/2014/main" id="{4E4E3AFD-F40C-4499-ADAC-A941DECFDF00}"/>
+                </a:ext>
+              </a:extLst>
+            </p:cNvPr>
+            <p:cNvSpPr/>
+            <p:nvPr/>
+          </p:nvSpPr>
+          <p:spPr>
+            <a:xfrm>
+              <a:off x="8967416" y="3250063"/>
+              <a:ext cx="557846" cy="280884"/>
+            </a:xfrm>
+            <a:prstGeom prst="rect">
+              <a:avLst/>
+            </a:prstGeom>
+            <a:noFill/>
+            <a:ln>
+              <a:noFill/>
+            </a:ln>
+          </p:spPr>
+          <p:style>
+            <a:lnRef idx="2">
+              <a:schemeClr val="accent1">
+                <a:shade val="50000"/>
+              </a:schemeClr>
+            </a:lnRef>
+            <a:fillRef idx="1">
+              <a:schemeClr val="accent1"/>
+            </a:fillRef>
+            <a:effectRef idx="0">
+              <a:schemeClr val="accent1"/>
+            </a:effectRef>
+            <a:fontRef idx="minor">
+              <a:schemeClr val="lt1"/>
+            </a:fontRef>
+          </p:style>
+          <p:txBody>
+            <a:bodyPr rtlCol="0" anchor="ctr"/>
+            <a:lstStyle/>
+            <a:p>
+              <a:pPr algn="r"/>
+              <a:r>
+                <a:rPr lang="en-US" altLang="ko-KR" sz="1200" dirty="0">
+                  <a:solidFill>
+                    <a:schemeClr val="bg1">
+                      <a:lumMod val="75000"/>
+                    </a:schemeClr>
+                  </a:solidFill>
+                </a:rPr>
+                <a:t>Zero</a:t>
+              </a:r>
+            </a:p>
+          </p:txBody>
+        </p:sp>
+        <p:sp>
+          <p:nvSpPr>
+            <p:cNvPr id="57" name="Rectangle 83">
+              <a:extLst>
+                <a:ext uri="{FF2B5EF4-FFF2-40B4-BE49-F238E27FC236}">
+                  <a16:creationId xmlns:a16="http://schemas.microsoft.com/office/drawing/2014/main" id="{455C0EB4-F7C3-4775-9F20-05B52EC05B8F}"/>
+                </a:ext>
+              </a:extLst>
+            </p:cNvPr>
+            <p:cNvSpPr/>
+            <p:nvPr/>
+          </p:nvSpPr>
+          <p:spPr>
+            <a:xfrm>
+              <a:off x="8650068" y="2557316"/>
+              <a:ext cx="1103529" cy="275028"/>
+            </a:xfrm>
+            <a:prstGeom prst="rect">
+              <a:avLst/>
+            </a:prstGeom>
+            <a:noFill/>
+            <a:ln>
+              <a:noFill/>
+            </a:ln>
+          </p:spPr>
+          <p:style>
+            <a:lnRef idx="2">
+              <a:schemeClr val="accent1">
+                <a:shade val="50000"/>
+              </a:schemeClr>
+            </a:lnRef>
+            <a:fillRef idx="1">
+              <a:schemeClr val="accent1"/>
+            </a:fillRef>
+            <a:effectRef idx="0">
+              <a:schemeClr val="accent1"/>
+            </a:effectRef>
+            <a:fontRef idx="minor">
+              <a:schemeClr val="lt1"/>
+            </a:fontRef>
+          </p:style>
+          <p:txBody>
+            <a:bodyPr rtlCol="0" anchor="ctr"/>
+            <a:lstStyle/>
+            <a:p>
+              <a:r>
+                <a:rPr lang="en-US" altLang="ko-KR" sz="1100" dirty="0">
+                  <a:solidFill>
+                    <a:srgbClr val="0182C6"/>
+                  </a:solidFill>
+                </a:rPr>
+                <a:t>ALU operation </a:t>
+              </a:r>
+            </a:p>
+          </p:txBody>
+        </p:sp>
+        <p:cxnSp>
+          <p:nvCxnSpPr>
+            <p:cNvPr id="61" name="직선 연결선 60">
+              <a:extLst>
+                <a:ext uri="{FF2B5EF4-FFF2-40B4-BE49-F238E27FC236}">
+                  <a16:creationId xmlns:a16="http://schemas.microsoft.com/office/drawing/2014/main" id="{721C7065-0739-4EC9-8F9D-25FD08BC4B11}"/>
+                </a:ext>
+              </a:extLst>
+            </p:cNvPr>
+            <p:cNvCxnSpPr>
+              <a:cxnSpLocks/>
+            </p:cNvCxnSpPr>
+            <p:nvPr/>
+          </p:nvCxnSpPr>
+          <p:spPr>
+            <a:xfrm>
+              <a:off x="8535786" y="2673155"/>
+              <a:ext cx="209941" cy="176842"/>
+            </a:xfrm>
+            <a:prstGeom prst="line">
+              <a:avLst/>
+            </a:prstGeom>
+            <a:ln w="19050">
+              <a:solidFill>
+                <a:srgbClr val="0182C6"/>
+              </a:solidFill>
+            </a:ln>
+          </p:spPr>
+          <p:style>
+            <a:lnRef idx="1">
+              <a:schemeClr val="accent1"/>
+            </a:lnRef>
+            <a:fillRef idx="0">
+              <a:schemeClr val="accent1"/>
+            </a:fillRef>
+            <a:effectRef idx="0">
+              <a:schemeClr val="accent1"/>
+            </a:effectRef>
+            <a:fontRef idx="minor">
+              <a:schemeClr val="tx1"/>
+            </a:fontRef>
+          </p:style>
+        </p:cxnSp>
+        <p:sp>
+          <p:nvSpPr>
+            <p:cNvPr id="65" name="Rectangle 83">
+              <a:extLst>
+                <a:ext uri="{FF2B5EF4-FFF2-40B4-BE49-F238E27FC236}">
+                  <a16:creationId xmlns:a16="http://schemas.microsoft.com/office/drawing/2014/main" id="{895278AF-757C-409D-BFB9-0DCF8295EACC}"/>
+                </a:ext>
+              </a:extLst>
+            </p:cNvPr>
+            <p:cNvSpPr/>
+            <p:nvPr/>
+          </p:nvSpPr>
+          <p:spPr>
+            <a:xfrm>
+              <a:off x="8334565" y="2574845"/>
+              <a:ext cx="244117" cy="275028"/>
+            </a:xfrm>
+            <a:prstGeom prst="rect">
+              <a:avLst/>
+            </a:prstGeom>
+            <a:noFill/>
+            <a:ln>
+              <a:noFill/>
+            </a:ln>
+          </p:spPr>
+          <p:style>
+            <a:lnRef idx="2">
+              <a:schemeClr val="accent1">
+                <a:shade val="50000"/>
+              </a:schemeClr>
+            </a:lnRef>
+            <a:fillRef idx="1">
+              <a:schemeClr val="accent1"/>
+            </a:fillRef>
+            <a:effectRef idx="0">
+              <a:schemeClr val="accent1"/>
+            </a:effectRef>
+            <a:fontRef idx="minor">
+              <a:schemeClr val="lt1"/>
+            </a:fontRef>
+          </p:style>
+          <p:txBody>
+            <a:bodyPr rtlCol="0" anchor="ctr"/>
+            <a:lstStyle/>
+            <a:p>
+              <a:pPr algn="ctr"/>
+              <a:r>
+                <a:rPr lang="en-US" altLang="ko-KR" sz="1100" dirty="0">
+                  <a:solidFill>
+                    <a:srgbClr val="0182C6"/>
+                  </a:solidFill>
+                </a:rPr>
+                <a:t>4</a:t>
+              </a:r>
+            </a:p>
+          </p:txBody>
+        </p:sp>
+      </p:grpSp>
+      <p:grpSp>
+        <p:nvGrpSpPr>
+          <p:cNvPr id="60" name="그룹 59">
+            <a:extLst>
+              <a:ext uri="{FF2B5EF4-FFF2-40B4-BE49-F238E27FC236}">
+                <a16:creationId xmlns:a16="http://schemas.microsoft.com/office/drawing/2014/main" id="{8811AF30-5161-4FF5-BEAB-AE3028A9B843}"/>
+              </a:ext>
+            </a:extLst>
+          </p:cNvPr>
+          <p:cNvGrpSpPr/>
+          <p:nvPr/>
+        </p:nvGrpSpPr>
+        <p:grpSpPr>
+          <a:xfrm>
+            <a:off x="3813098" y="2993672"/>
+            <a:ext cx="571128" cy="380491"/>
+            <a:chOff x="3394739" y="2759629"/>
+            <a:chExt cx="571128" cy="380491"/>
+          </a:xfrm>
+        </p:grpSpPr>
+        <p:cxnSp>
+          <p:nvCxnSpPr>
+            <p:cNvPr id="34" name="Straight Arrow Connector 12">
+              <a:extLst>
+                <a:ext uri="{FF2B5EF4-FFF2-40B4-BE49-F238E27FC236}">
+                  <a16:creationId xmlns:a16="http://schemas.microsoft.com/office/drawing/2014/main" id="{D1EB8ED3-630B-4FF3-8555-646876B6B52D}"/>
+                </a:ext>
+              </a:extLst>
+            </p:cNvPr>
+            <p:cNvCxnSpPr>
+              <a:cxnSpLocks/>
+            </p:cNvCxnSpPr>
+            <p:nvPr/>
+          </p:nvCxnSpPr>
+          <p:spPr>
+            <a:xfrm>
+              <a:off x="3394739" y="3054674"/>
+              <a:ext cx="571128" cy="0"/>
+            </a:xfrm>
+            <a:prstGeom prst="straightConnector1">
+              <a:avLst/>
+            </a:prstGeom>
+            <a:ln w="38100">
+              <a:solidFill>
+                <a:srgbClr val="013B51"/>
+              </a:solidFill>
+              <a:tailEnd type="triangle"/>
+            </a:ln>
+          </p:spPr>
+          <p:style>
+            <a:lnRef idx="1">
+              <a:schemeClr val="accent1"/>
+            </a:lnRef>
+            <a:fillRef idx="0">
+              <a:schemeClr val="accent1"/>
+            </a:fillRef>
+            <a:effectRef idx="0">
+              <a:schemeClr val="accent1"/>
+            </a:effectRef>
+            <a:fontRef idx="minor">
+              <a:schemeClr val="tx1"/>
+            </a:fontRef>
+          </p:style>
+        </p:cxnSp>
+        <p:cxnSp>
+          <p:nvCxnSpPr>
+            <p:cNvPr id="64" name="직선 연결선 63">
+              <a:extLst>
+                <a:ext uri="{FF2B5EF4-FFF2-40B4-BE49-F238E27FC236}">
+                  <a16:creationId xmlns:a16="http://schemas.microsoft.com/office/drawing/2014/main" id="{7EEEAE46-5454-434C-83E3-2D77BF0413AD}"/>
+                </a:ext>
+              </a:extLst>
+            </p:cNvPr>
+            <p:cNvCxnSpPr>
+              <a:cxnSpLocks/>
+            </p:cNvCxnSpPr>
+            <p:nvPr/>
+          </p:nvCxnSpPr>
+          <p:spPr>
+            <a:xfrm>
+              <a:off x="3606882" y="2963278"/>
+              <a:ext cx="209941" cy="176842"/>
+            </a:xfrm>
+            <a:prstGeom prst="line">
+              <a:avLst/>
+            </a:prstGeom>
+            <a:ln w="19050">
+              <a:solidFill>
+                <a:srgbClr val="013B51"/>
+              </a:solidFill>
+            </a:ln>
+          </p:spPr>
+          <p:style>
+            <a:lnRef idx="1">
+              <a:schemeClr val="accent1"/>
+            </a:lnRef>
+            <a:fillRef idx="0">
+              <a:schemeClr val="accent1"/>
+            </a:fillRef>
+            <a:effectRef idx="0">
+              <a:schemeClr val="accent1"/>
+            </a:effectRef>
+            <a:fontRef idx="minor">
+              <a:schemeClr val="tx1"/>
+            </a:fontRef>
+          </p:style>
+        </p:cxnSp>
+        <p:sp>
+          <p:nvSpPr>
+            <p:cNvPr id="67" name="Rectangle 83">
+              <a:extLst>
+                <a:ext uri="{FF2B5EF4-FFF2-40B4-BE49-F238E27FC236}">
+                  <a16:creationId xmlns:a16="http://schemas.microsoft.com/office/drawing/2014/main" id="{3AB323AE-E7F8-457C-8A86-E3A8D029776C}"/>
+                </a:ext>
+              </a:extLst>
+            </p:cNvPr>
+            <p:cNvSpPr/>
+            <p:nvPr/>
+          </p:nvSpPr>
+          <p:spPr>
+            <a:xfrm>
+              <a:off x="3606882" y="2759629"/>
+              <a:ext cx="244117" cy="275028"/>
+            </a:xfrm>
+            <a:prstGeom prst="rect">
+              <a:avLst/>
+            </a:prstGeom>
+            <a:noFill/>
+            <a:ln>
+              <a:noFill/>
+            </a:ln>
+          </p:spPr>
+          <p:style>
+            <a:lnRef idx="2">
+              <a:schemeClr val="accent1">
+                <a:shade val="50000"/>
+              </a:schemeClr>
+            </a:lnRef>
+            <a:fillRef idx="1">
+              <a:schemeClr val="accent1"/>
+            </a:fillRef>
+            <a:effectRef idx="0">
+              <a:schemeClr val="accent1"/>
+            </a:effectRef>
+            <a:fontRef idx="minor">
+              <a:schemeClr val="lt1"/>
+            </a:fontRef>
+          </p:style>
+          <p:txBody>
+            <a:bodyPr rtlCol="0" anchor="ctr"/>
+            <a:lstStyle/>
+            <a:p>
+              <a:pPr algn="ctr"/>
+              <a:r>
+                <a:rPr lang="en-US" altLang="ko-KR" sz="1100" dirty="0">
+                  <a:solidFill>
+                    <a:srgbClr val="013B51"/>
+                  </a:solidFill>
+                </a:rPr>
+                <a:t>5</a:t>
+              </a:r>
+            </a:p>
+          </p:txBody>
+        </p:sp>
+      </p:grpSp>
+      <p:grpSp>
+        <p:nvGrpSpPr>
+          <p:cNvPr id="59" name="그룹 58">
+            <a:extLst>
+              <a:ext uri="{FF2B5EF4-FFF2-40B4-BE49-F238E27FC236}">
+                <a16:creationId xmlns:a16="http://schemas.microsoft.com/office/drawing/2014/main" id="{620D3ECB-D986-494E-9BBE-5E739A6DB235}"/>
+              </a:ext>
+            </a:extLst>
+          </p:cNvPr>
+          <p:cNvGrpSpPr/>
+          <p:nvPr/>
+        </p:nvGrpSpPr>
+        <p:grpSpPr>
+          <a:xfrm>
+            <a:off x="3813098" y="3460762"/>
+            <a:ext cx="571128" cy="380491"/>
+            <a:chOff x="3394739" y="3226719"/>
+            <a:chExt cx="571128" cy="380491"/>
+          </a:xfrm>
+        </p:grpSpPr>
+        <p:cxnSp>
+          <p:nvCxnSpPr>
+            <p:cNvPr id="27" name="Straight Arrow Connector 12">
+              <a:extLst>
+                <a:ext uri="{FF2B5EF4-FFF2-40B4-BE49-F238E27FC236}">
+                  <a16:creationId xmlns:a16="http://schemas.microsoft.com/office/drawing/2014/main" id="{FDB70F84-BBC5-4E8A-9EA3-3970293C1B8B}"/>
+                </a:ext>
+              </a:extLst>
+            </p:cNvPr>
+            <p:cNvCxnSpPr>
+              <a:cxnSpLocks/>
+            </p:cNvCxnSpPr>
+            <p:nvPr/>
+          </p:nvCxnSpPr>
+          <p:spPr>
+            <a:xfrm>
+              <a:off x="3394739" y="3512480"/>
+              <a:ext cx="571128" cy="0"/>
+            </a:xfrm>
+            <a:prstGeom prst="straightConnector1">
+              <a:avLst/>
+            </a:prstGeom>
+            <a:ln w="38100">
+              <a:solidFill>
+                <a:srgbClr val="013B51"/>
+              </a:solidFill>
+              <a:tailEnd type="triangle"/>
+            </a:ln>
+          </p:spPr>
+          <p:style>
+            <a:lnRef idx="1">
+              <a:schemeClr val="accent1"/>
+            </a:lnRef>
+            <a:fillRef idx="0">
+              <a:schemeClr val="accent1"/>
+            </a:fillRef>
+            <a:effectRef idx="0">
+              <a:schemeClr val="accent1"/>
+            </a:effectRef>
+            <a:fontRef idx="minor">
+              <a:schemeClr val="tx1"/>
+            </a:fontRef>
+          </p:style>
+        </p:cxnSp>
+        <p:cxnSp>
+          <p:nvCxnSpPr>
+            <p:cNvPr id="71" name="직선 연결선 70">
+              <a:extLst>
+                <a:ext uri="{FF2B5EF4-FFF2-40B4-BE49-F238E27FC236}">
+                  <a16:creationId xmlns:a16="http://schemas.microsoft.com/office/drawing/2014/main" id="{D7F1F692-5DB5-4F67-B1DD-8341B2D2D37C}"/>
+                </a:ext>
+              </a:extLst>
+            </p:cNvPr>
+            <p:cNvCxnSpPr>
+              <a:cxnSpLocks/>
+            </p:cNvCxnSpPr>
+            <p:nvPr/>
+          </p:nvCxnSpPr>
+          <p:spPr>
+            <a:xfrm>
+              <a:off x="3606882" y="3430368"/>
+              <a:ext cx="209941" cy="176842"/>
+            </a:xfrm>
+            <a:prstGeom prst="line">
+              <a:avLst/>
+            </a:prstGeom>
+            <a:ln w="19050">
+              <a:solidFill>
+                <a:srgbClr val="013B51"/>
+              </a:solidFill>
+            </a:ln>
+          </p:spPr>
+          <p:style>
+            <a:lnRef idx="1">
+              <a:schemeClr val="accent1"/>
+            </a:lnRef>
+            <a:fillRef idx="0">
+              <a:schemeClr val="accent1"/>
+            </a:fillRef>
+            <a:effectRef idx="0">
+              <a:schemeClr val="accent1"/>
+            </a:effectRef>
+            <a:fontRef idx="minor">
+              <a:schemeClr val="tx1"/>
+            </a:fontRef>
+          </p:style>
+        </p:cxnSp>
+        <p:sp>
+          <p:nvSpPr>
+            <p:cNvPr id="72" name="Rectangle 83">
+              <a:extLst>
+                <a:ext uri="{FF2B5EF4-FFF2-40B4-BE49-F238E27FC236}">
+                  <a16:creationId xmlns:a16="http://schemas.microsoft.com/office/drawing/2014/main" id="{A851C2B5-1AD4-43BC-84B7-9D199863804B}"/>
+                </a:ext>
+              </a:extLst>
+            </p:cNvPr>
+            <p:cNvSpPr/>
+            <p:nvPr/>
+          </p:nvSpPr>
+          <p:spPr>
+            <a:xfrm>
+              <a:off x="3606882" y="3226719"/>
+              <a:ext cx="244117" cy="275028"/>
+            </a:xfrm>
+            <a:prstGeom prst="rect">
+              <a:avLst/>
+            </a:prstGeom>
+            <a:noFill/>
+            <a:ln>
+              <a:noFill/>
+            </a:ln>
+          </p:spPr>
+          <p:style>
+            <a:lnRef idx="2">
+              <a:schemeClr val="accent1">
+                <a:shade val="50000"/>
+              </a:schemeClr>
+            </a:lnRef>
+            <a:fillRef idx="1">
+              <a:schemeClr val="accent1"/>
+            </a:fillRef>
+            <a:effectRef idx="0">
+              <a:schemeClr val="accent1"/>
+            </a:effectRef>
+            <a:fontRef idx="minor">
+              <a:schemeClr val="lt1"/>
+            </a:fontRef>
+          </p:style>
+          <p:txBody>
+            <a:bodyPr rtlCol="0" anchor="ctr"/>
+            <a:lstStyle/>
+            <a:p>
+              <a:pPr algn="ctr"/>
+              <a:r>
+                <a:rPr lang="en-US" altLang="ko-KR" sz="1100" dirty="0">
+                  <a:solidFill>
+                    <a:srgbClr val="013B51"/>
+                  </a:solidFill>
+                </a:rPr>
+                <a:t>5</a:t>
+              </a:r>
+            </a:p>
+          </p:txBody>
+        </p:sp>
+      </p:grpSp>
+      <p:grpSp>
+        <p:nvGrpSpPr>
+          <p:cNvPr id="26" name="그룹 25">
+            <a:extLst>
+              <a:ext uri="{FF2B5EF4-FFF2-40B4-BE49-F238E27FC236}">
+                <a16:creationId xmlns:a16="http://schemas.microsoft.com/office/drawing/2014/main" id="{268E3857-D20B-4B5F-9EEB-816708320980}"/>
+              </a:ext>
+            </a:extLst>
+          </p:cNvPr>
+          <p:cNvGrpSpPr/>
+          <p:nvPr/>
+        </p:nvGrpSpPr>
+        <p:grpSpPr>
+          <a:xfrm>
+            <a:off x="3813098" y="3887284"/>
+            <a:ext cx="571128" cy="380491"/>
+            <a:chOff x="3394739" y="3653241"/>
+            <a:chExt cx="571128" cy="380491"/>
+          </a:xfrm>
+        </p:grpSpPr>
+        <p:cxnSp>
+          <p:nvCxnSpPr>
+            <p:cNvPr id="30" name="Straight Arrow Connector 12">
+              <a:extLst>
+                <a:ext uri="{FF2B5EF4-FFF2-40B4-BE49-F238E27FC236}">
+                  <a16:creationId xmlns:a16="http://schemas.microsoft.com/office/drawing/2014/main" id="{A6E6E7B6-8E80-436E-9895-092DEF1D0455}"/>
+                </a:ext>
+              </a:extLst>
+            </p:cNvPr>
+            <p:cNvCxnSpPr>
+              <a:cxnSpLocks/>
+            </p:cNvCxnSpPr>
+            <p:nvPr/>
+          </p:nvCxnSpPr>
+          <p:spPr>
+            <a:xfrm>
+              <a:off x="3394739" y="3948461"/>
+              <a:ext cx="571128" cy="0"/>
+            </a:xfrm>
+            <a:prstGeom prst="straightConnector1">
+              <a:avLst/>
+            </a:prstGeom>
+            <a:ln w="38100">
+              <a:solidFill>
+                <a:srgbClr val="013B51"/>
+              </a:solidFill>
+              <a:tailEnd type="triangle"/>
+            </a:ln>
+          </p:spPr>
+          <p:style>
+            <a:lnRef idx="1">
+              <a:schemeClr val="accent1"/>
+            </a:lnRef>
+            <a:fillRef idx="0">
+              <a:schemeClr val="accent1"/>
+            </a:fillRef>
+            <a:effectRef idx="0">
+              <a:schemeClr val="accent1"/>
+            </a:effectRef>
+            <a:fontRef idx="minor">
+              <a:schemeClr val="tx1"/>
+            </a:fontRef>
+          </p:style>
+        </p:cxnSp>
+        <p:cxnSp>
+          <p:nvCxnSpPr>
+            <p:cNvPr id="74" name="직선 연결선 73">
+              <a:extLst>
+                <a:ext uri="{FF2B5EF4-FFF2-40B4-BE49-F238E27FC236}">
+                  <a16:creationId xmlns:a16="http://schemas.microsoft.com/office/drawing/2014/main" id="{112AED47-5216-4498-8A46-2E55570C03C8}"/>
+                </a:ext>
+              </a:extLst>
+            </p:cNvPr>
+            <p:cNvCxnSpPr>
+              <a:cxnSpLocks/>
+            </p:cNvCxnSpPr>
+            <p:nvPr/>
+          </p:nvCxnSpPr>
+          <p:spPr>
+            <a:xfrm>
+              <a:off x="3606882" y="3856890"/>
+              <a:ext cx="209941" cy="176842"/>
+            </a:xfrm>
+            <a:prstGeom prst="line">
+              <a:avLst/>
+            </a:prstGeom>
+            <a:ln w="19050">
+              <a:solidFill>
+                <a:srgbClr val="013B51"/>
+              </a:solidFill>
+            </a:ln>
+          </p:spPr>
+          <p:style>
+            <a:lnRef idx="1">
+              <a:schemeClr val="accent1"/>
+            </a:lnRef>
+            <a:fillRef idx="0">
+              <a:schemeClr val="accent1"/>
+            </a:fillRef>
+            <a:effectRef idx="0">
+              <a:schemeClr val="accent1"/>
+            </a:effectRef>
+            <a:fontRef idx="minor">
+              <a:schemeClr val="tx1"/>
+            </a:fontRef>
+          </p:style>
+        </p:cxnSp>
+        <p:sp>
+          <p:nvSpPr>
+            <p:cNvPr id="75" name="Rectangle 83">
+              <a:extLst>
+                <a:ext uri="{FF2B5EF4-FFF2-40B4-BE49-F238E27FC236}">
+                  <a16:creationId xmlns:a16="http://schemas.microsoft.com/office/drawing/2014/main" id="{E89B1C1B-87B2-48AF-90B1-740540264CAA}"/>
+                </a:ext>
+              </a:extLst>
+            </p:cNvPr>
+            <p:cNvSpPr/>
+            <p:nvPr/>
+          </p:nvSpPr>
+          <p:spPr>
+            <a:xfrm>
+              <a:off x="3606882" y="3653241"/>
+              <a:ext cx="244117" cy="275028"/>
+            </a:xfrm>
+            <a:prstGeom prst="rect">
+              <a:avLst/>
+            </a:prstGeom>
+            <a:noFill/>
+            <a:ln>
+              <a:noFill/>
+            </a:ln>
+          </p:spPr>
+          <p:style>
+            <a:lnRef idx="2">
+              <a:schemeClr val="accent1">
+                <a:shade val="50000"/>
+              </a:schemeClr>
+            </a:lnRef>
+            <a:fillRef idx="1">
+              <a:schemeClr val="accent1"/>
+            </a:fillRef>
+            <a:effectRef idx="0">
+              <a:schemeClr val="accent1"/>
+            </a:effectRef>
+            <a:fontRef idx="minor">
+              <a:schemeClr val="lt1"/>
+            </a:fontRef>
+          </p:style>
+          <p:txBody>
+            <a:bodyPr rtlCol="0" anchor="ctr"/>
+            <a:lstStyle/>
+            <a:p>
+              <a:pPr algn="ctr"/>
+              <a:r>
+                <a:rPr lang="en-US" altLang="ko-KR" sz="1100" dirty="0">
+                  <a:solidFill>
+                    <a:srgbClr val="013B51"/>
+                  </a:solidFill>
+                </a:rPr>
+                <a:t>5</a:t>
+              </a:r>
+            </a:p>
+          </p:txBody>
+        </p:sp>
+      </p:grpSp>
+    </p:spTree>
+    <p:extLst>
+      <p:ext uri="{BB962C8B-B14F-4D97-AF65-F5344CB8AC3E}">
+        <p14:creationId xmlns:p14="http://schemas.microsoft.com/office/powerpoint/2010/main" val="431848712"/>
+      </p:ext>
+    </p:extLst>
+  </p:cSld>
+  <p:clrMapOvr>
+    <a:masterClrMapping/>
+  </p:clrMapOvr>
+</p:sld>
+</file>
+
+<file path=ppt/slides/slide6.xml><?xml version="1.0" encoding="utf-8"?>
+<p:sld xmlns:a="http://schemas.openxmlformats.org/drawingml/2006/main" xmlns:r="http://schemas.openxmlformats.org/officeDocument/2006/relationships" xmlns:p="http://schemas.openxmlformats.org/presentationml/2006/main">
+  <p:cSld>
+    <p:spTree>
+      <p:nvGrpSpPr>
+        <p:cNvPr id="1" name=""/>
+        <p:cNvGrpSpPr/>
+        <p:nvPr/>
+      </p:nvGrpSpPr>
+      <p:grpSpPr>
+        <a:xfrm>
+          <a:off x="0" y="0"/>
+          <a:ext cx="0" cy="0"/>
+          <a:chOff x="0" y="0"/>
+          <a:chExt cx="0" cy="0"/>
+        </a:xfrm>
+      </p:grpSpPr>
+      <p:sp>
+        <p:nvSpPr>
+          <p:cNvPr id="6" name="Rectangle 5">
+            <a:extLst>
+              <a:ext uri="{FF2B5EF4-FFF2-40B4-BE49-F238E27FC236}">
+                <a16:creationId xmlns:a16="http://schemas.microsoft.com/office/drawing/2014/main" id="{386837E1-34D3-48A7-8764-FF3A069C77A0}"/>
+              </a:ext>
+            </a:extLst>
+          </p:cNvPr>
+          <p:cNvSpPr/>
+          <p:nvPr/>
+        </p:nvSpPr>
+        <p:spPr>
+          <a:xfrm>
+            <a:off x="1" y="0"/>
+            <a:ext cx="1822612" cy="6858000"/>
+          </a:xfrm>
+          <a:prstGeom prst="rect">
+            <a:avLst/>
+          </a:prstGeom>
+          <a:solidFill>
+            <a:srgbClr val="013B51"/>
+          </a:solidFill>
+          <a:ln>
+            <a:noFill/>
+          </a:ln>
+        </p:spPr>
+        <p:style>
+          <a:lnRef idx="2">
+            <a:schemeClr val="accent1">
+              <a:shade val="50000"/>
+            </a:schemeClr>
+          </a:lnRef>
+          <a:fillRef idx="1">
+            <a:schemeClr val="accent1"/>
+          </a:fillRef>
+          <a:effectRef idx="0">
+            <a:schemeClr val="accent1"/>
+          </a:effectRef>
+          <a:fontRef idx="minor">
+            <a:schemeClr val="lt1"/>
+          </a:fontRef>
+        </p:style>
+        <p:txBody>
+          <a:bodyPr rtlCol="0" anchor="ctr"/>
+          <a:lstStyle/>
+          <a:p>
+            <a:pPr algn="ctr"/>
+            <a:endParaRPr lang="ko-KR" altLang="en-US"/>
+          </a:p>
+        </p:txBody>
+      </p:sp>
+      <p:grpSp>
+        <p:nvGrpSpPr>
+          <p:cNvPr id="4" name="Group 3">
+            <a:extLst>
+              <a:ext uri="{FF2B5EF4-FFF2-40B4-BE49-F238E27FC236}">
+                <a16:creationId xmlns:a16="http://schemas.microsoft.com/office/drawing/2014/main" id="{7072584C-6260-4990-8119-F48D43DF9D1D}"/>
+              </a:ext>
+            </a:extLst>
+          </p:cNvPr>
+          <p:cNvGrpSpPr/>
+          <p:nvPr/>
+        </p:nvGrpSpPr>
+        <p:grpSpPr>
+          <a:xfrm>
+            <a:off x="227192" y="110970"/>
+            <a:ext cx="7619352" cy="6027939"/>
+            <a:chOff x="2068497" y="372861"/>
+            <a:chExt cx="7619352" cy="6027939"/>
+          </a:xfrm>
+        </p:grpSpPr>
+        <p:grpSp>
+          <p:nvGrpSpPr>
+            <p:cNvPr id="16" name="Group 15">
+              <a:extLst>
+                <a:ext uri="{FF2B5EF4-FFF2-40B4-BE49-F238E27FC236}">
+                  <a16:creationId xmlns:a16="http://schemas.microsoft.com/office/drawing/2014/main" id="{9FED8531-C6D3-4649-A895-F74932994A64}"/>
+                </a:ext>
+              </a:extLst>
+            </p:cNvPr>
+            <p:cNvGrpSpPr/>
+            <p:nvPr/>
+          </p:nvGrpSpPr>
+          <p:grpSpPr>
+            <a:xfrm>
+              <a:off x="2183906" y="372861"/>
+              <a:ext cx="7503943" cy="5797120"/>
+              <a:chOff x="2183906" y="372861"/>
+              <a:chExt cx="7503943" cy="5797120"/>
+            </a:xfrm>
+          </p:grpSpPr>
+          <p:cxnSp>
+            <p:nvCxnSpPr>
+              <p:cNvPr id="11" name="Straight Connector 10">
+                <a:extLst>
+                  <a:ext uri="{FF2B5EF4-FFF2-40B4-BE49-F238E27FC236}">
+                    <a16:creationId xmlns:a16="http://schemas.microsoft.com/office/drawing/2014/main" id="{0FA2315E-967B-45B9-A0F4-B526CF82C921}"/>
+                  </a:ext>
+                </a:extLst>
+              </p:cNvPr>
+              <p:cNvCxnSpPr>
+                <a:stCxn id="9" idx="0"/>
+              </p:cNvCxnSpPr>
+              <p:nvPr/>
+            </p:nvCxnSpPr>
+            <p:spPr>
+              <a:xfrm flipV="1">
+                <a:off x="2183907" y="457200"/>
+                <a:ext cx="0" cy="5712781"/>
+              </a:xfrm>
+              <a:prstGeom prst="line">
+                <a:avLst/>
+              </a:prstGeom>
+              <a:ln w="57150">
+                <a:solidFill>
+                  <a:srgbClr val="DABA6F"/>
+                </a:solidFill>
+              </a:ln>
+            </p:spPr>
+            <p:style>
+              <a:lnRef idx="1">
+                <a:schemeClr val="accent1"/>
+              </a:lnRef>
+              <a:fillRef idx="0">
+                <a:schemeClr val="accent1"/>
+              </a:fillRef>
+              <a:effectRef idx="0">
+                <a:schemeClr val="accent1"/>
+              </a:effectRef>
+              <a:fontRef idx="minor">
+                <a:schemeClr val="tx1"/>
+              </a:fontRef>
+            </p:style>
+          </p:cxnSp>
+          <p:cxnSp>
+            <p:nvCxnSpPr>
+              <p:cNvPr id="12" name="Straight Connector 11">
+                <a:extLst>
+                  <a:ext uri="{FF2B5EF4-FFF2-40B4-BE49-F238E27FC236}">
+                    <a16:creationId xmlns:a16="http://schemas.microsoft.com/office/drawing/2014/main" id="{92518781-1781-40F6-9291-FD4D938DE48A}"/>
+                  </a:ext>
+                </a:extLst>
+              </p:cNvPr>
+              <p:cNvCxnSpPr>
+                <a:cxnSpLocks/>
+              </p:cNvCxnSpPr>
+              <p:nvPr/>
+            </p:nvCxnSpPr>
+            <p:spPr>
+              <a:xfrm flipH="1">
+                <a:off x="2183906" y="488271"/>
+                <a:ext cx="7273124" cy="1"/>
+              </a:xfrm>
+              <a:prstGeom prst="line">
+                <a:avLst/>
+              </a:prstGeom>
+              <a:ln w="57150">
+                <a:solidFill>
+                  <a:srgbClr val="DABA6F"/>
+                </a:solidFill>
+              </a:ln>
+            </p:spPr>
+            <p:style>
+              <a:lnRef idx="1">
+                <a:schemeClr val="accent1"/>
+              </a:lnRef>
+              <a:fillRef idx="0">
+                <a:schemeClr val="accent1"/>
+              </a:fillRef>
+              <a:effectRef idx="0">
+                <a:schemeClr val="accent1"/>
+              </a:effectRef>
+              <a:fontRef idx="minor">
+                <a:schemeClr val="tx1"/>
+              </a:fontRef>
+            </p:style>
+          </p:cxnSp>
+          <p:sp>
+            <p:nvSpPr>
+              <p:cNvPr id="15" name="Rectangle 14">
+                <a:extLst>
+                  <a:ext uri="{FF2B5EF4-FFF2-40B4-BE49-F238E27FC236}">
+                    <a16:creationId xmlns:a16="http://schemas.microsoft.com/office/drawing/2014/main" id="{57D81539-1F79-4E3F-B190-8AEB88C54CD2}"/>
+                  </a:ext>
+                </a:extLst>
+              </p:cNvPr>
+              <p:cNvSpPr/>
+              <p:nvPr/>
+            </p:nvSpPr>
+            <p:spPr>
+              <a:xfrm>
+                <a:off x="9457030" y="372861"/>
+                <a:ext cx="230819" cy="230819"/>
+              </a:xfrm>
+              <a:prstGeom prst="rect">
+                <a:avLst/>
+              </a:prstGeom>
+              <a:solidFill>
+                <a:srgbClr val="DABA6F"/>
+              </a:solidFill>
+              <a:ln>
+                <a:noFill/>
+              </a:ln>
+            </p:spPr>
+            <p:style>
+              <a:lnRef idx="2">
+                <a:schemeClr val="accent1">
+                  <a:shade val="50000"/>
+                </a:schemeClr>
+              </a:lnRef>
+              <a:fillRef idx="1">
+                <a:schemeClr val="accent1"/>
+              </a:fillRef>
+              <a:effectRef idx="0">
+                <a:schemeClr val="accent1"/>
+              </a:effectRef>
+              <a:fontRef idx="minor">
+                <a:schemeClr val="lt1"/>
+              </a:fontRef>
+            </p:style>
+            <p:txBody>
+              <a:bodyPr rtlCol="0" anchor="ctr"/>
+              <a:lstStyle/>
+              <a:p>
+                <a:pPr algn="ctr"/>
+                <a:endParaRPr lang="ko-KR" altLang="en-US"/>
+              </a:p>
+            </p:txBody>
+          </p:sp>
+        </p:grpSp>
+        <p:sp>
+          <p:nvSpPr>
+            <p:cNvPr id="9" name="Rectangle 8">
+              <a:extLst>
+                <a:ext uri="{FF2B5EF4-FFF2-40B4-BE49-F238E27FC236}">
+                  <a16:creationId xmlns:a16="http://schemas.microsoft.com/office/drawing/2014/main" id="{CD2CA69E-F38E-4DB8-82FA-239D6C25BC80}"/>
+                </a:ext>
+              </a:extLst>
+            </p:cNvPr>
+            <p:cNvSpPr/>
+            <p:nvPr/>
+          </p:nvSpPr>
+          <p:spPr>
+            <a:xfrm>
+              <a:off x="2068497" y="6169981"/>
+              <a:ext cx="230819" cy="230819"/>
+            </a:xfrm>
+            <a:prstGeom prst="rect">
+              <a:avLst/>
+            </a:prstGeom>
+            <a:solidFill>
+              <a:srgbClr val="DABA6F"/>
+            </a:solidFill>
+            <a:ln>
+              <a:noFill/>
+            </a:ln>
+          </p:spPr>
+          <p:style>
+            <a:lnRef idx="2">
+              <a:schemeClr val="accent1">
+                <a:shade val="50000"/>
+              </a:schemeClr>
+            </a:lnRef>
+            <a:fillRef idx="1">
+              <a:schemeClr val="accent1"/>
+            </a:fillRef>
+            <a:effectRef idx="0">
+              <a:schemeClr val="accent1"/>
+            </a:effectRef>
+            <a:fontRef idx="minor">
+              <a:schemeClr val="lt1"/>
+            </a:fontRef>
+          </p:style>
+          <p:txBody>
+            <a:bodyPr rtlCol="0" anchor="ctr"/>
+            <a:lstStyle/>
+            <a:p>
+              <a:pPr algn="ctr"/>
+              <a:endParaRPr lang="ko-KR" altLang="en-US" dirty="0"/>
+            </a:p>
+          </p:txBody>
+        </p:sp>
+      </p:grpSp>
+      <p:sp>
+        <p:nvSpPr>
+          <p:cNvPr id="7" name="Rectangle 6">
+            <a:extLst>
+              <a:ext uri="{FF2B5EF4-FFF2-40B4-BE49-F238E27FC236}">
+                <a16:creationId xmlns:a16="http://schemas.microsoft.com/office/drawing/2014/main" id="{2C38F449-7454-4AD1-AE1F-DA48EBB24C9F}"/>
+              </a:ext>
+            </a:extLst>
+          </p:cNvPr>
+          <p:cNvSpPr/>
+          <p:nvPr/>
+        </p:nvSpPr>
+        <p:spPr>
+          <a:xfrm>
+            <a:off x="1" y="463891"/>
+            <a:ext cx="12192000" cy="1091263"/>
+          </a:xfrm>
+          <a:prstGeom prst="rect">
+            <a:avLst/>
+          </a:prstGeom>
+          <a:solidFill>
+            <a:srgbClr val="0182C6"/>
+          </a:solidFill>
+          <a:ln>
+            <a:noFill/>
+          </a:ln>
+        </p:spPr>
+        <p:style>
+          <a:lnRef idx="2">
+            <a:schemeClr val="accent1">
+              <a:shade val="50000"/>
+            </a:schemeClr>
+          </a:lnRef>
+          <a:fillRef idx="1">
+            <a:schemeClr val="accent1"/>
+          </a:fillRef>
+          <a:effectRef idx="0">
+            <a:schemeClr val="accent1"/>
+          </a:effectRef>
+          <a:fontRef idx="minor">
+            <a:schemeClr val="lt1"/>
+          </a:fontRef>
+        </p:style>
+        <p:txBody>
+          <a:bodyPr rtlCol="0" anchor="ctr"/>
+          <a:lstStyle/>
+          <a:p>
+            <a:pPr algn="ctr"/>
+            <a:endParaRPr lang="ko-KR" altLang="en-US"/>
+          </a:p>
+        </p:txBody>
+      </p:sp>
+      <p:sp>
+        <p:nvSpPr>
+          <p:cNvPr id="2" name="Title 1">
+            <a:extLst>
+              <a:ext uri="{FF2B5EF4-FFF2-40B4-BE49-F238E27FC236}">
+                <a16:creationId xmlns:a16="http://schemas.microsoft.com/office/drawing/2014/main" id="{9DBFE3BC-27EC-435A-A2F4-B39DEF708845}"/>
+              </a:ext>
+            </a:extLst>
+          </p:cNvPr>
+          <p:cNvSpPr>
+            <a:spLocks noGrp="1"/>
+          </p:cNvSpPr>
+          <p:nvPr>
+            <p:ph type="ctrTitle"/>
+          </p:nvPr>
+        </p:nvSpPr>
+        <p:spPr>
+          <a:xfrm>
+            <a:off x="88777" y="606013"/>
+            <a:ext cx="12014446" cy="746289"/>
+          </a:xfrm>
+        </p:spPr>
+        <p:txBody>
+          <a:bodyPr>
+            <a:normAutofit/>
+          </a:bodyPr>
+          <a:lstStyle/>
+          <a:p>
+            <a:r>
+              <a:rPr lang="en-US" altLang="ko-KR" sz="4000" dirty="0" err="1">
+                <a:solidFill>
+                  <a:srgbClr val="EBFFFF"/>
+                </a:solidFill>
+                <a:latin typeface="Noto Sans CJK KR Medium" panose="020B0600000000000000" pitchFamily="34" charset="-127"/>
+                <a:ea typeface="Noto Sans CJK KR Medium" panose="020B0600000000000000" pitchFamily="34" charset="-127"/>
+              </a:rPr>
+              <a:t>DataPath</a:t>
+            </a:r>
+            <a:endParaRPr lang="ko-KR" altLang="en-US" sz="4000" dirty="0">
+              <a:solidFill>
+                <a:srgbClr val="EBFFFF"/>
+              </a:solidFill>
+              <a:latin typeface="Noto Sans CJK KR Medium" panose="020B0600000000000000" pitchFamily="34" charset="-127"/>
+              <a:ea typeface="Noto Sans CJK KR Medium" panose="020B0600000000000000" pitchFamily="34" charset="-127"/>
+            </a:endParaRPr>
+          </a:p>
+        </p:txBody>
+      </p:sp>
+      <p:cxnSp>
+        <p:nvCxnSpPr>
+          <p:cNvPr id="33" name="Straight Arrow Connector 12">
+            <a:extLst>
+              <a:ext uri="{FF2B5EF4-FFF2-40B4-BE49-F238E27FC236}">
+                <a16:creationId xmlns:a16="http://schemas.microsoft.com/office/drawing/2014/main" id="{5BED1820-2569-4274-981F-9C248A56AEF8}"/>
+              </a:ext>
+            </a:extLst>
+          </p:cNvPr>
+          <p:cNvCxnSpPr>
+            <a:cxnSpLocks/>
+          </p:cNvCxnSpPr>
+          <p:nvPr/>
+        </p:nvCxnSpPr>
+        <p:spPr>
+          <a:xfrm>
+            <a:off x="6289908" y="3459589"/>
+            <a:ext cx="571128" cy="0"/>
+          </a:xfrm>
+          <a:prstGeom prst="straightConnector1">
+            <a:avLst/>
+          </a:prstGeom>
+          <a:ln w="38100">
+            <a:solidFill>
+              <a:srgbClr val="013B51"/>
+            </a:solidFill>
+            <a:tailEnd type="triangle"/>
+          </a:ln>
+        </p:spPr>
+        <p:style>
+          <a:lnRef idx="1">
+            <a:schemeClr val="accent1"/>
+          </a:lnRef>
+          <a:fillRef idx="0">
+            <a:schemeClr val="accent1"/>
+          </a:fillRef>
+          <a:effectRef idx="0">
+            <a:schemeClr val="accent1"/>
+          </a:effectRef>
+          <a:fontRef idx="minor">
+            <a:schemeClr val="tx1"/>
+          </a:fontRef>
+        </p:style>
+      </p:cxnSp>
+      <p:cxnSp>
+        <p:nvCxnSpPr>
+          <p:cNvPr id="31" name="Straight Arrow Connector 12">
+            <a:extLst>
+              <a:ext uri="{FF2B5EF4-FFF2-40B4-BE49-F238E27FC236}">
+                <a16:creationId xmlns:a16="http://schemas.microsoft.com/office/drawing/2014/main" id="{DE54D6B2-715B-4D73-BB24-835B53E3C3C0}"/>
+              </a:ext>
+            </a:extLst>
+          </p:cNvPr>
+          <p:cNvCxnSpPr>
+            <a:cxnSpLocks/>
+          </p:cNvCxnSpPr>
+          <p:nvPr/>
+        </p:nvCxnSpPr>
+        <p:spPr>
+          <a:xfrm>
+            <a:off x="3997062" y="4383305"/>
+            <a:ext cx="571128" cy="0"/>
+          </a:xfrm>
+          <a:prstGeom prst="straightConnector1">
+            <a:avLst/>
+          </a:prstGeom>
+          <a:ln w="38100">
+            <a:solidFill>
+              <a:srgbClr val="013B51"/>
+            </a:solidFill>
+            <a:tailEnd type="triangle"/>
+          </a:ln>
+        </p:spPr>
+        <p:style>
+          <a:lnRef idx="1">
+            <a:schemeClr val="accent1"/>
+          </a:lnRef>
+          <a:fillRef idx="0">
+            <a:schemeClr val="accent1"/>
+          </a:fillRef>
+          <a:effectRef idx="0">
+            <a:schemeClr val="accent1"/>
+          </a:effectRef>
+          <a:fontRef idx="minor">
+            <a:schemeClr val="tx1"/>
+          </a:fontRef>
+        </p:style>
+      </p:cxnSp>
+      <p:grpSp>
+        <p:nvGrpSpPr>
+          <p:cNvPr id="10" name="그룹 9">
+            <a:extLst>
+              <a:ext uri="{FF2B5EF4-FFF2-40B4-BE49-F238E27FC236}">
+                <a16:creationId xmlns:a16="http://schemas.microsoft.com/office/drawing/2014/main" id="{B6E22434-A775-4839-92E9-C4676F9D6A38}"/>
+              </a:ext>
+            </a:extLst>
+          </p:cNvPr>
+          <p:cNvGrpSpPr/>
+          <p:nvPr/>
+        </p:nvGrpSpPr>
+        <p:grpSpPr>
+          <a:xfrm>
+            <a:off x="4568190" y="2771057"/>
+            <a:ext cx="1806640" cy="2339158"/>
+            <a:chOff x="2856230" y="2422661"/>
+            <a:chExt cx="2018852" cy="2613921"/>
+          </a:xfrm>
+        </p:grpSpPr>
+        <p:grpSp>
+          <p:nvGrpSpPr>
+            <p:cNvPr id="14" name="그룹 13">
+              <a:extLst>
+                <a:ext uri="{FF2B5EF4-FFF2-40B4-BE49-F238E27FC236}">
+                  <a16:creationId xmlns:a16="http://schemas.microsoft.com/office/drawing/2014/main" id="{D0E30ED0-2E4D-48B9-BD98-01B4E634693E}"/>
+                </a:ext>
+              </a:extLst>
+            </p:cNvPr>
+            <p:cNvGrpSpPr/>
+            <p:nvPr/>
+          </p:nvGrpSpPr>
+          <p:grpSpPr>
+            <a:xfrm>
+              <a:off x="2856230" y="2422661"/>
+              <a:ext cx="2018852" cy="2613921"/>
+              <a:chOff x="3045184" y="2679586"/>
+              <a:chExt cx="1622588" cy="2100855"/>
+            </a:xfrm>
+          </p:grpSpPr>
+          <p:sp>
+            <p:nvSpPr>
+              <p:cNvPr id="32" name="Rectangle 83">
+                <a:extLst>
+                  <a:ext uri="{FF2B5EF4-FFF2-40B4-BE49-F238E27FC236}">
+                    <a16:creationId xmlns:a16="http://schemas.microsoft.com/office/drawing/2014/main" id="{CC8C37B4-AB0B-4EEC-B803-95837F39001B}"/>
+                  </a:ext>
+                </a:extLst>
+              </p:cNvPr>
+              <p:cNvSpPr/>
+              <p:nvPr/>
+            </p:nvSpPr>
+            <p:spPr>
+              <a:xfrm>
+                <a:off x="3045184" y="2959544"/>
+                <a:ext cx="1547426" cy="1544156"/>
+              </a:xfrm>
+              <a:prstGeom prst="rect">
+                <a:avLst/>
+              </a:prstGeom>
+              <a:solidFill>
+                <a:srgbClr val="787878"/>
+              </a:solidFill>
+              <a:ln>
+                <a:noFill/>
+              </a:ln>
+            </p:spPr>
+            <p:style>
+              <a:lnRef idx="2">
+                <a:schemeClr val="accent1">
+                  <a:shade val="50000"/>
+                </a:schemeClr>
+              </a:lnRef>
+              <a:fillRef idx="1">
+                <a:schemeClr val="accent1"/>
+              </a:fillRef>
+              <a:effectRef idx="0">
+                <a:schemeClr val="accent1"/>
+              </a:effectRef>
+              <a:fontRef idx="minor">
+                <a:schemeClr val="lt1"/>
+              </a:fontRef>
+            </p:style>
+            <p:txBody>
+              <a:bodyPr rtlCol="0" anchor="ctr"/>
+              <a:lstStyle/>
+              <a:p>
+                <a:pPr algn="ctr"/>
+                <a:endParaRPr lang="ko-KR" altLang="en-US" dirty="0"/>
+              </a:p>
+            </p:txBody>
+          </p:sp>
+          <p:sp>
+            <p:nvSpPr>
+              <p:cNvPr id="36" name="Rectangle 83">
+                <a:extLst>
+                  <a:ext uri="{FF2B5EF4-FFF2-40B4-BE49-F238E27FC236}">
+                    <a16:creationId xmlns:a16="http://schemas.microsoft.com/office/drawing/2014/main" id="{C55195C0-7B5D-4962-A542-FEBAB539D5B2}"/>
+                  </a:ext>
+                </a:extLst>
+              </p:cNvPr>
+              <p:cNvSpPr/>
+              <p:nvPr/>
+            </p:nvSpPr>
+            <p:spPr>
+              <a:xfrm>
+                <a:off x="3045186" y="3085865"/>
+                <a:ext cx="731595" cy="424218"/>
+              </a:xfrm>
+              <a:prstGeom prst="rect">
+                <a:avLst/>
+              </a:prstGeom>
+              <a:noFill/>
+              <a:ln>
+                <a:noFill/>
+              </a:ln>
+            </p:spPr>
+            <p:style>
+              <a:lnRef idx="2">
+                <a:schemeClr val="accent1">
+                  <a:shade val="50000"/>
+                </a:schemeClr>
+              </a:lnRef>
+              <a:fillRef idx="1">
+                <a:schemeClr val="accent1"/>
+              </a:fillRef>
+              <a:effectRef idx="0">
+                <a:schemeClr val="accent1"/>
+              </a:effectRef>
+              <a:fontRef idx="minor">
+                <a:schemeClr val="lt1"/>
+              </a:fontRef>
+            </p:style>
+            <p:txBody>
+              <a:bodyPr rtlCol="0" anchor="ctr"/>
+              <a:lstStyle/>
+              <a:p>
+                <a:r>
+                  <a:rPr lang="en-US" altLang="ko-KR" sz="1100" dirty="0"/>
+                  <a:t>Address</a:t>
+                </a:r>
+                <a:endParaRPr lang="ko-KR" altLang="en-US" sz="1100" dirty="0"/>
+              </a:p>
+            </p:txBody>
+          </p:sp>
+          <p:sp>
+            <p:nvSpPr>
+              <p:cNvPr id="37" name="Rectangle 83">
+                <a:extLst>
+                  <a:ext uri="{FF2B5EF4-FFF2-40B4-BE49-F238E27FC236}">
+                    <a16:creationId xmlns:a16="http://schemas.microsoft.com/office/drawing/2014/main" id="{8206C9B5-A940-4678-9961-82760C03F7C1}"/>
+                  </a:ext>
+                </a:extLst>
+              </p:cNvPr>
+              <p:cNvSpPr/>
+              <p:nvPr/>
+            </p:nvSpPr>
+            <p:spPr>
+              <a:xfrm>
+                <a:off x="3565501" y="3661778"/>
+                <a:ext cx="1102271" cy="566157"/>
+              </a:xfrm>
+              <a:prstGeom prst="rect">
+                <a:avLst/>
+              </a:prstGeom>
+              <a:noFill/>
+              <a:ln>
+                <a:noFill/>
+              </a:ln>
+            </p:spPr>
+            <p:style>
+              <a:lnRef idx="2">
+                <a:schemeClr val="accent1">
+                  <a:shade val="50000"/>
+                </a:schemeClr>
+              </a:lnRef>
+              <a:fillRef idx="1">
+                <a:schemeClr val="accent1"/>
+              </a:fillRef>
+              <a:effectRef idx="0">
+                <a:schemeClr val="accent1"/>
+              </a:effectRef>
+              <a:fontRef idx="minor">
+                <a:schemeClr val="lt1"/>
+              </a:fontRef>
+            </p:style>
+            <p:txBody>
+              <a:bodyPr rtlCol="0" anchor="ctr"/>
+              <a:lstStyle/>
+              <a:p>
+                <a:pPr algn="ctr"/>
+                <a:r>
+                  <a:rPr lang="en-US" altLang="ko-KR" sz="1400" b="1" dirty="0"/>
+                  <a:t>Data</a:t>
+                </a:r>
+              </a:p>
+              <a:p>
+                <a:pPr algn="ctr"/>
+                <a:r>
+                  <a:rPr lang="en-US" altLang="ko-KR" sz="1400" b="1" dirty="0"/>
+                  <a:t>memory</a:t>
+                </a:r>
+                <a:endParaRPr lang="ko-KR" altLang="en-US" sz="1400" b="1" dirty="0"/>
+              </a:p>
+            </p:txBody>
+          </p:sp>
+          <p:sp>
+            <p:nvSpPr>
+              <p:cNvPr id="35" name="Rectangle 83">
+                <a:extLst>
+                  <a:ext uri="{FF2B5EF4-FFF2-40B4-BE49-F238E27FC236}">
+                    <a16:creationId xmlns:a16="http://schemas.microsoft.com/office/drawing/2014/main" id="{81F89E22-AC3E-47FF-886D-FF2107CA5EC7}"/>
+                  </a:ext>
+                </a:extLst>
+              </p:cNvPr>
+              <p:cNvSpPr/>
+              <p:nvPr/>
+            </p:nvSpPr>
+            <p:spPr>
+              <a:xfrm>
+                <a:off x="4064659" y="3127484"/>
+                <a:ext cx="526843" cy="340979"/>
+              </a:xfrm>
+              <a:prstGeom prst="rect">
+                <a:avLst/>
+              </a:prstGeom>
+              <a:noFill/>
+              <a:ln>
+                <a:noFill/>
+              </a:ln>
+            </p:spPr>
+            <p:style>
+              <a:lnRef idx="2">
+                <a:schemeClr val="accent1">
+                  <a:shade val="50000"/>
+                </a:schemeClr>
+              </a:lnRef>
+              <a:fillRef idx="1">
+                <a:schemeClr val="accent1"/>
+              </a:fillRef>
+              <a:effectRef idx="0">
+                <a:schemeClr val="accent1"/>
+              </a:effectRef>
+              <a:fontRef idx="minor">
+                <a:schemeClr val="lt1"/>
+              </a:fontRef>
+            </p:style>
+            <p:txBody>
+              <a:bodyPr rtlCol="0" anchor="ctr"/>
+              <a:lstStyle/>
+              <a:p>
+                <a:pPr algn="r"/>
+                <a:r>
+                  <a:rPr lang="en-US" altLang="ko-KR" sz="1200" dirty="0"/>
+                  <a:t>Read  data</a:t>
+                </a:r>
+              </a:p>
+            </p:txBody>
+          </p:sp>
+          <p:sp>
+            <p:nvSpPr>
+              <p:cNvPr id="41" name="Rectangle 83">
+                <a:extLst>
+                  <a:ext uri="{FF2B5EF4-FFF2-40B4-BE49-F238E27FC236}">
+                    <a16:creationId xmlns:a16="http://schemas.microsoft.com/office/drawing/2014/main" id="{FFECE923-17FF-45EE-B96F-4900C010ED9F}"/>
+                  </a:ext>
+                </a:extLst>
+              </p:cNvPr>
+              <p:cNvSpPr/>
+              <p:nvPr/>
+            </p:nvSpPr>
+            <p:spPr>
+              <a:xfrm>
+                <a:off x="3045186" y="3915476"/>
+                <a:ext cx="731595" cy="424218"/>
+              </a:xfrm>
+              <a:prstGeom prst="rect">
+                <a:avLst/>
+              </a:prstGeom>
+              <a:noFill/>
+              <a:ln>
+                <a:noFill/>
+              </a:ln>
+            </p:spPr>
+            <p:style>
+              <a:lnRef idx="2">
+                <a:schemeClr val="accent1">
+                  <a:shade val="50000"/>
+                </a:schemeClr>
+              </a:lnRef>
+              <a:fillRef idx="1">
+                <a:schemeClr val="accent1"/>
+              </a:fillRef>
+              <a:effectRef idx="0">
+                <a:schemeClr val="accent1"/>
+              </a:effectRef>
+              <a:fontRef idx="minor">
+                <a:schemeClr val="lt1"/>
+              </a:fontRef>
+            </p:style>
+            <p:txBody>
+              <a:bodyPr rtlCol="0" anchor="ctr"/>
+              <a:lstStyle/>
+              <a:p>
+                <a:r>
+                  <a:rPr lang="en-US" altLang="ko-KR" sz="1100" dirty="0"/>
+                  <a:t>Write</a:t>
+                </a:r>
+              </a:p>
+              <a:p>
+                <a:r>
+                  <a:rPr lang="en-US" altLang="ko-KR" sz="1100" dirty="0"/>
+                  <a:t>Data</a:t>
+                </a:r>
+                <a:endParaRPr lang="ko-KR" altLang="en-US" sz="1100" dirty="0"/>
+              </a:p>
+            </p:txBody>
+          </p:sp>
+          <p:sp>
+            <p:nvSpPr>
+              <p:cNvPr id="49" name="Rectangle 83">
+                <a:extLst>
+                  <a:ext uri="{FF2B5EF4-FFF2-40B4-BE49-F238E27FC236}">
+                    <a16:creationId xmlns:a16="http://schemas.microsoft.com/office/drawing/2014/main" id="{A32BF652-508A-419B-8A7A-C6D2260D4AA7}"/>
+                  </a:ext>
+                </a:extLst>
+              </p:cNvPr>
+              <p:cNvSpPr/>
+              <p:nvPr/>
+            </p:nvSpPr>
+            <p:spPr>
+              <a:xfrm>
+                <a:off x="3791724" y="4439462"/>
+                <a:ext cx="731591" cy="340979"/>
+              </a:xfrm>
+              <a:prstGeom prst="rect">
+                <a:avLst/>
+              </a:prstGeom>
+              <a:noFill/>
+              <a:ln>
+                <a:noFill/>
+              </a:ln>
+            </p:spPr>
+            <p:style>
+              <a:lnRef idx="2">
+                <a:schemeClr val="accent1">
+                  <a:shade val="50000"/>
+                </a:schemeClr>
+              </a:lnRef>
+              <a:fillRef idx="1">
+                <a:schemeClr val="accent1"/>
+              </a:fillRef>
+              <a:effectRef idx="0">
+                <a:schemeClr val="accent1"/>
+              </a:effectRef>
+              <a:fontRef idx="minor">
+                <a:schemeClr val="lt1"/>
+              </a:fontRef>
+            </p:style>
+            <p:txBody>
+              <a:bodyPr rtlCol="0" anchor="ctr"/>
+              <a:lstStyle/>
+              <a:p>
+                <a:r>
+                  <a:rPr lang="en-US" altLang="ko-KR" sz="1000" dirty="0" err="1">
+                    <a:solidFill>
+                      <a:srgbClr val="0182C6"/>
+                    </a:solidFill>
+                  </a:rPr>
+                  <a:t>MemRead</a:t>
+                </a:r>
+                <a:endParaRPr lang="en-US" altLang="ko-KR" sz="1000" dirty="0">
+                  <a:solidFill>
+                    <a:srgbClr val="0182C6"/>
+                  </a:solidFill>
+                </a:endParaRPr>
+              </a:p>
+            </p:txBody>
+          </p:sp>
+          <p:sp>
+            <p:nvSpPr>
+              <p:cNvPr id="53" name="Rectangle 83">
+                <a:extLst>
+                  <a:ext uri="{FF2B5EF4-FFF2-40B4-BE49-F238E27FC236}">
+                    <a16:creationId xmlns:a16="http://schemas.microsoft.com/office/drawing/2014/main" id="{012BED35-D203-4715-A0D4-C49821E204CF}"/>
+                  </a:ext>
+                </a:extLst>
+              </p:cNvPr>
+              <p:cNvSpPr/>
+              <p:nvPr/>
+            </p:nvSpPr>
+            <p:spPr>
+              <a:xfrm>
+                <a:off x="3791724" y="2679586"/>
+                <a:ext cx="731591" cy="340979"/>
+              </a:xfrm>
+              <a:prstGeom prst="rect">
+                <a:avLst/>
+              </a:prstGeom>
+              <a:noFill/>
+              <a:ln>
+                <a:noFill/>
+              </a:ln>
+            </p:spPr>
+            <p:style>
+              <a:lnRef idx="2">
+                <a:schemeClr val="accent1">
+                  <a:shade val="50000"/>
+                </a:schemeClr>
+              </a:lnRef>
+              <a:fillRef idx="1">
+                <a:schemeClr val="accent1"/>
+              </a:fillRef>
+              <a:effectRef idx="0">
+                <a:schemeClr val="accent1"/>
+              </a:effectRef>
+              <a:fontRef idx="minor">
+                <a:schemeClr val="lt1"/>
+              </a:fontRef>
+            </p:style>
+            <p:txBody>
+              <a:bodyPr rtlCol="0" anchor="ctr"/>
+              <a:lstStyle/>
+              <a:p>
+                <a:r>
+                  <a:rPr lang="en-US" altLang="ko-KR" sz="1000" dirty="0" err="1">
+                    <a:solidFill>
+                      <a:srgbClr val="0182C6"/>
+                    </a:solidFill>
+                  </a:rPr>
+                  <a:t>MemWrite</a:t>
+                </a:r>
+                <a:endParaRPr lang="en-US" altLang="ko-KR" sz="1000" dirty="0">
+                  <a:solidFill>
+                    <a:srgbClr val="0182C6"/>
+                  </a:solidFill>
+                </a:endParaRPr>
+              </a:p>
+            </p:txBody>
+          </p:sp>
+        </p:grpSp>
+        <p:cxnSp>
+          <p:nvCxnSpPr>
+            <p:cNvPr id="43" name="직선 연결선 42">
+              <a:extLst>
+                <a:ext uri="{FF2B5EF4-FFF2-40B4-BE49-F238E27FC236}">
+                  <a16:creationId xmlns:a16="http://schemas.microsoft.com/office/drawing/2014/main" id="{64F5D8A2-BE7E-4B07-8F68-5A87EB039491}"/>
+                </a:ext>
+              </a:extLst>
+            </p:cNvPr>
+            <p:cNvCxnSpPr>
+              <a:cxnSpLocks/>
+            </p:cNvCxnSpPr>
+            <p:nvPr/>
+          </p:nvCxnSpPr>
+          <p:spPr>
+            <a:xfrm>
+              <a:off x="3795750" y="4692255"/>
+              <a:ext cx="0" cy="275033"/>
+            </a:xfrm>
+            <a:prstGeom prst="line">
+              <a:avLst/>
+            </a:prstGeom>
+            <a:ln w="38100">
+              <a:solidFill>
+                <a:srgbClr val="0182C6"/>
+              </a:solidFill>
+            </a:ln>
+          </p:spPr>
+          <p:style>
+            <a:lnRef idx="1">
+              <a:schemeClr val="accent1"/>
+            </a:lnRef>
+            <a:fillRef idx="0">
+              <a:schemeClr val="accent1"/>
+            </a:fillRef>
+            <a:effectRef idx="0">
+              <a:schemeClr val="accent1"/>
+            </a:effectRef>
+            <a:fontRef idx="minor">
+              <a:schemeClr val="tx1"/>
+            </a:fontRef>
+          </p:style>
+        </p:cxnSp>
+        <p:cxnSp>
+          <p:nvCxnSpPr>
+            <p:cNvPr id="54" name="직선 연결선 53">
+              <a:extLst>
+                <a:ext uri="{FF2B5EF4-FFF2-40B4-BE49-F238E27FC236}">
+                  <a16:creationId xmlns:a16="http://schemas.microsoft.com/office/drawing/2014/main" id="{0C9E9008-FECD-4225-818F-2CFB8056D1A3}"/>
+                </a:ext>
+              </a:extLst>
+            </p:cNvPr>
+            <p:cNvCxnSpPr>
+              <a:cxnSpLocks/>
+            </p:cNvCxnSpPr>
+            <p:nvPr/>
+          </p:nvCxnSpPr>
+          <p:spPr>
+            <a:xfrm>
+              <a:off x="3795750" y="2502586"/>
+              <a:ext cx="0" cy="275033"/>
+            </a:xfrm>
+            <a:prstGeom prst="line">
+              <a:avLst/>
+            </a:prstGeom>
+            <a:ln w="38100">
+              <a:solidFill>
+                <a:srgbClr val="0182C6"/>
+              </a:solidFill>
+            </a:ln>
+          </p:spPr>
+          <p:style>
+            <a:lnRef idx="1">
+              <a:schemeClr val="accent1"/>
+            </a:lnRef>
+            <a:fillRef idx="0">
+              <a:schemeClr val="accent1"/>
+            </a:fillRef>
+            <a:effectRef idx="0">
+              <a:schemeClr val="accent1"/>
+            </a:effectRef>
+            <a:fontRef idx="minor">
+              <a:schemeClr val="tx1"/>
+            </a:fontRef>
+          </p:style>
+        </p:cxnSp>
+      </p:grpSp>
+      <p:cxnSp>
+        <p:nvCxnSpPr>
+          <p:cNvPr id="62" name="Straight Arrow Connector 12">
+            <a:extLst>
+              <a:ext uri="{FF2B5EF4-FFF2-40B4-BE49-F238E27FC236}">
+                <a16:creationId xmlns:a16="http://schemas.microsoft.com/office/drawing/2014/main" id="{3205D3E5-D3BD-4873-AC8B-A17D5255C646}"/>
+              </a:ext>
+            </a:extLst>
+          </p:cNvPr>
+          <p:cNvCxnSpPr>
+            <a:cxnSpLocks/>
+          </p:cNvCxnSpPr>
+          <p:nvPr/>
+        </p:nvCxnSpPr>
+        <p:spPr>
+          <a:xfrm>
+            <a:off x="3997062" y="3459589"/>
+            <a:ext cx="571128" cy="0"/>
+          </a:xfrm>
+          <a:prstGeom prst="straightConnector1">
+            <a:avLst/>
+          </a:prstGeom>
+          <a:ln w="38100">
+            <a:solidFill>
+              <a:srgbClr val="013B51"/>
+            </a:solidFill>
+            <a:tailEnd type="triangle"/>
+          </a:ln>
+        </p:spPr>
+        <p:style>
+          <a:lnRef idx="1">
+            <a:schemeClr val="accent1"/>
+          </a:lnRef>
+          <a:fillRef idx="0">
+            <a:schemeClr val="accent1"/>
+          </a:fillRef>
+          <a:effectRef idx="0">
+            <a:schemeClr val="accent1"/>
+          </a:effectRef>
+          <a:fontRef idx="minor">
+            <a:schemeClr val="tx1"/>
+          </a:fontRef>
+        </p:style>
+      </p:cxnSp>
+      <p:grpSp>
+        <p:nvGrpSpPr>
+          <p:cNvPr id="5" name="그룹 4">
+            <a:extLst>
+              <a:ext uri="{FF2B5EF4-FFF2-40B4-BE49-F238E27FC236}">
+                <a16:creationId xmlns:a16="http://schemas.microsoft.com/office/drawing/2014/main" id="{2925B748-24BE-4B0F-9DE7-C12593014B28}"/>
+              </a:ext>
+            </a:extLst>
+          </p:cNvPr>
+          <p:cNvGrpSpPr/>
+          <p:nvPr/>
+        </p:nvGrpSpPr>
+        <p:grpSpPr>
+          <a:xfrm>
+            <a:off x="7846544" y="3307012"/>
+            <a:ext cx="848468" cy="1423546"/>
+            <a:chOff x="9661410" y="4010467"/>
+            <a:chExt cx="848468" cy="1423546"/>
+          </a:xfrm>
+        </p:grpSpPr>
+        <p:sp>
+          <p:nvSpPr>
+            <p:cNvPr id="3" name="타원 2">
+              <a:extLst>
+                <a:ext uri="{FF2B5EF4-FFF2-40B4-BE49-F238E27FC236}">
+                  <a16:creationId xmlns:a16="http://schemas.microsoft.com/office/drawing/2014/main" id="{77136EFA-F292-4285-97C8-7FA5CA22540F}"/>
+                </a:ext>
+              </a:extLst>
+            </p:cNvPr>
+            <p:cNvSpPr/>
+            <p:nvPr/>
+          </p:nvSpPr>
+          <p:spPr>
+            <a:xfrm>
+              <a:off x="9679064" y="4010467"/>
+              <a:ext cx="813160" cy="1423546"/>
+            </a:xfrm>
+            <a:prstGeom prst="ellipse">
+              <a:avLst/>
+            </a:prstGeom>
+            <a:solidFill>
+              <a:srgbClr val="787878"/>
+            </a:solidFill>
+            <a:ln>
+              <a:noFill/>
+            </a:ln>
+          </p:spPr>
+          <p:style>
+            <a:lnRef idx="2">
+              <a:schemeClr val="accent1">
+                <a:shade val="50000"/>
+              </a:schemeClr>
+            </a:lnRef>
+            <a:fillRef idx="1">
+              <a:schemeClr val="accent1"/>
+            </a:fillRef>
+            <a:effectRef idx="0">
+              <a:schemeClr val="accent1"/>
+            </a:effectRef>
+            <a:fontRef idx="minor">
+              <a:schemeClr val="lt1"/>
+            </a:fontRef>
+          </p:style>
+          <p:txBody>
+            <a:bodyPr rtlCol="0" anchor="ctr"/>
+            <a:lstStyle/>
+            <a:p>
+              <a:pPr algn="ctr"/>
+              <a:endParaRPr lang="en-US"/>
+            </a:p>
+          </p:txBody>
+        </p:sp>
+        <p:sp>
+          <p:nvSpPr>
+            <p:cNvPr id="63" name="Rectangle 83">
+              <a:extLst>
+                <a:ext uri="{FF2B5EF4-FFF2-40B4-BE49-F238E27FC236}">
+                  <a16:creationId xmlns:a16="http://schemas.microsoft.com/office/drawing/2014/main" id="{82C775FF-04FC-4A80-89A4-76D69532CF45}"/>
+                </a:ext>
+              </a:extLst>
+            </p:cNvPr>
+            <p:cNvSpPr/>
+            <p:nvPr/>
+          </p:nvSpPr>
+          <p:spPr>
+            <a:xfrm>
+              <a:off x="9661410" y="4504342"/>
+              <a:ext cx="848468" cy="435796"/>
+            </a:xfrm>
+            <a:prstGeom prst="rect">
+              <a:avLst/>
+            </a:prstGeom>
+            <a:noFill/>
+            <a:ln>
+              <a:noFill/>
+            </a:ln>
+          </p:spPr>
+          <p:style>
+            <a:lnRef idx="2">
+              <a:schemeClr val="accent1">
+                <a:shade val="50000"/>
+              </a:schemeClr>
+            </a:lnRef>
+            <a:fillRef idx="1">
+              <a:schemeClr val="accent1"/>
+            </a:fillRef>
+            <a:effectRef idx="0">
+              <a:schemeClr val="accent1"/>
+            </a:effectRef>
+            <a:fontRef idx="minor">
+              <a:schemeClr val="lt1"/>
+            </a:fontRef>
+          </p:style>
+          <p:txBody>
+            <a:bodyPr rtlCol="0" anchor="ctr"/>
+            <a:lstStyle/>
+            <a:p>
+              <a:pPr algn="ctr"/>
+              <a:r>
+                <a:rPr lang="en-US" altLang="ko-KR" sz="1400" b="1" dirty="0"/>
+                <a:t>Sign-</a:t>
+              </a:r>
+            </a:p>
+            <a:p>
+              <a:pPr algn="ctr"/>
+              <a:r>
+                <a:rPr lang="en-US" altLang="ko-KR" sz="1400" b="1" dirty="0"/>
+                <a:t>extend</a:t>
+              </a:r>
+              <a:endParaRPr lang="ko-KR" altLang="en-US" sz="1400" b="1" dirty="0"/>
+            </a:p>
+          </p:txBody>
+        </p:sp>
+      </p:grpSp>
+      <p:grpSp>
+        <p:nvGrpSpPr>
+          <p:cNvPr id="66" name="그룹 65">
+            <a:extLst>
+              <a:ext uri="{FF2B5EF4-FFF2-40B4-BE49-F238E27FC236}">
+                <a16:creationId xmlns:a16="http://schemas.microsoft.com/office/drawing/2014/main" id="{8657EAFB-1257-4455-ADA1-E04596B31DA4}"/>
+              </a:ext>
+            </a:extLst>
+          </p:cNvPr>
+          <p:cNvGrpSpPr/>
+          <p:nvPr/>
+        </p:nvGrpSpPr>
+        <p:grpSpPr>
+          <a:xfrm>
+            <a:off x="7370129" y="3705044"/>
+            <a:ext cx="485242" cy="380491"/>
+            <a:chOff x="3480625" y="3226719"/>
+            <a:chExt cx="485242" cy="380491"/>
+          </a:xfrm>
+        </p:grpSpPr>
+        <p:cxnSp>
+          <p:nvCxnSpPr>
+            <p:cNvPr id="68" name="Straight Arrow Connector 12">
+              <a:extLst>
+                <a:ext uri="{FF2B5EF4-FFF2-40B4-BE49-F238E27FC236}">
+                  <a16:creationId xmlns:a16="http://schemas.microsoft.com/office/drawing/2014/main" id="{306759A8-069E-44E8-98C7-E8C547493FC9}"/>
+                </a:ext>
+              </a:extLst>
+            </p:cNvPr>
+            <p:cNvCxnSpPr>
+              <a:cxnSpLocks/>
+            </p:cNvCxnSpPr>
+            <p:nvPr/>
+          </p:nvCxnSpPr>
+          <p:spPr>
+            <a:xfrm>
+              <a:off x="3480625" y="3512480"/>
+              <a:ext cx="485242" cy="0"/>
+            </a:xfrm>
+            <a:prstGeom prst="straightConnector1">
+              <a:avLst/>
+            </a:prstGeom>
+            <a:ln w="38100">
+              <a:solidFill>
+                <a:srgbClr val="013B51"/>
+              </a:solidFill>
+              <a:tailEnd type="triangle"/>
+            </a:ln>
+          </p:spPr>
+          <p:style>
+            <a:lnRef idx="1">
+              <a:schemeClr val="accent1"/>
+            </a:lnRef>
+            <a:fillRef idx="0">
+              <a:schemeClr val="accent1"/>
+            </a:fillRef>
+            <a:effectRef idx="0">
+              <a:schemeClr val="accent1"/>
+            </a:effectRef>
+            <a:fontRef idx="minor">
+              <a:schemeClr val="tx1"/>
+            </a:fontRef>
+          </p:style>
+        </p:cxnSp>
+        <p:cxnSp>
+          <p:nvCxnSpPr>
+            <p:cNvPr id="69" name="직선 연결선 68">
+              <a:extLst>
+                <a:ext uri="{FF2B5EF4-FFF2-40B4-BE49-F238E27FC236}">
+                  <a16:creationId xmlns:a16="http://schemas.microsoft.com/office/drawing/2014/main" id="{1A47895A-CB51-4AE6-BB80-257771ADB1EE}"/>
+                </a:ext>
+              </a:extLst>
+            </p:cNvPr>
+            <p:cNvCxnSpPr>
+              <a:cxnSpLocks/>
+            </p:cNvCxnSpPr>
+            <p:nvPr/>
+          </p:nvCxnSpPr>
+          <p:spPr>
+            <a:xfrm>
+              <a:off x="3606882" y="3430368"/>
+              <a:ext cx="209941" cy="176842"/>
+            </a:xfrm>
+            <a:prstGeom prst="line">
+              <a:avLst/>
+            </a:prstGeom>
+            <a:ln w="19050">
+              <a:solidFill>
+                <a:srgbClr val="013B51"/>
+              </a:solidFill>
+            </a:ln>
+          </p:spPr>
+          <p:style>
+            <a:lnRef idx="1">
+              <a:schemeClr val="accent1"/>
+            </a:lnRef>
+            <a:fillRef idx="0">
+              <a:schemeClr val="accent1"/>
+            </a:fillRef>
+            <a:effectRef idx="0">
+              <a:schemeClr val="accent1"/>
+            </a:effectRef>
+            <a:fontRef idx="minor">
+              <a:schemeClr val="tx1"/>
+            </a:fontRef>
+          </p:style>
+        </p:cxnSp>
+        <p:sp>
+          <p:nvSpPr>
+            <p:cNvPr id="70" name="Rectangle 83">
+              <a:extLst>
+                <a:ext uri="{FF2B5EF4-FFF2-40B4-BE49-F238E27FC236}">
+                  <a16:creationId xmlns:a16="http://schemas.microsoft.com/office/drawing/2014/main" id="{28F2A37B-43DF-4D8A-87F5-217E65121C57}"/>
+                </a:ext>
+              </a:extLst>
+            </p:cNvPr>
+            <p:cNvSpPr/>
+            <p:nvPr/>
+          </p:nvSpPr>
+          <p:spPr>
+            <a:xfrm>
+              <a:off x="3518495" y="3226719"/>
+              <a:ext cx="420892" cy="275028"/>
+            </a:xfrm>
+            <a:prstGeom prst="rect">
+              <a:avLst/>
+            </a:prstGeom>
+            <a:noFill/>
+            <a:ln>
+              <a:noFill/>
+            </a:ln>
+          </p:spPr>
+          <p:style>
+            <a:lnRef idx="2">
+              <a:schemeClr val="accent1">
+                <a:shade val="50000"/>
+              </a:schemeClr>
+            </a:lnRef>
+            <a:fillRef idx="1">
+              <a:schemeClr val="accent1"/>
+            </a:fillRef>
+            <a:effectRef idx="0">
+              <a:schemeClr val="accent1"/>
+            </a:effectRef>
+            <a:fontRef idx="minor">
+              <a:schemeClr val="lt1"/>
+            </a:fontRef>
+          </p:style>
+          <p:txBody>
+            <a:bodyPr rtlCol="0" anchor="ctr"/>
+            <a:lstStyle/>
+            <a:p>
+              <a:pPr algn="ctr"/>
+              <a:r>
+                <a:rPr lang="en-US" altLang="ko-KR" sz="1100" dirty="0">
+                  <a:solidFill>
+                    <a:srgbClr val="013B51"/>
+                  </a:solidFill>
+                </a:rPr>
+                <a:t>16</a:t>
+              </a:r>
+            </a:p>
+          </p:txBody>
+        </p:sp>
+      </p:grpSp>
+      <p:grpSp>
+        <p:nvGrpSpPr>
+          <p:cNvPr id="77" name="그룹 76">
+            <a:extLst>
+              <a:ext uri="{FF2B5EF4-FFF2-40B4-BE49-F238E27FC236}">
+                <a16:creationId xmlns:a16="http://schemas.microsoft.com/office/drawing/2014/main" id="{A3C162E8-0CFA-40E2-B657-F27AC4E1F7B8}"/>
+              </a:ext>
+            </a:extLst>
+          </p:cNvPr>
+          <p:cNvGrpSpPr/>
+          <p:nvPr/>
+        </p:nvGrpSpPr>
+        <p:grpSpPr>
+          <a:xfrm>
+            <a:off x="8668531" y="3705044"/>
+            <a:ext cx="482297" cy="380491"/>
+            <a:chOff x="3385912" y="3226719"/>
+            <a:chExt cx="482297" cy="380491"/>
+          </a:xfrm>
+        </p:grpSpPr>
+        <p:cxnSp>
+          <p:nvCxnSpPr>
+            <p:cNvPr id="78" name="Straight Arrow Connector 12">
+              <a:extLst>
+                <a:ext uri="{FF2B5EF4-FFF2-40B4-BE49-F238E27FC236}">
+                  <a16:creationId xmlns:a16="http://schemas.microsoft.com/office/drawing/2014/main" id="{4B95C179-7B85-4F0C-90AB-37887AF9A656}"/>
+                </a:ext>
+              </a:extLst>
+            </p:cNvPr>
+            <p:cNvCxnSpPr>
+              <a:cxnSpLocks/>
+            </p:cNvCxnSpPr>
+            <p:nvPr/>
+          </p:nvCxnSpPr>
+          <p:spPr>
+            <a:xfrm>
+              <a:off x="3394739" y="3512480"/>
+              <a:ext cx="473470" cy="0"/>
+            </a:xfrm>
+            <a:prstGeom prst="straightConnector1">
+              <a:avLst/>
+            </a:prstGeom>
+            <a:ln w="38100">
+              <a:solidFill>
+                <a:srgbClr val="013B51"/>
+              </a:solidFill>
+              <a:tailEnd type="triangle"/>
+            </a:ln>
+          </p:spPr>
+          <p:style>
+            <a:lnRef idx="1">
+              <a:schemeClr val="accent1"/>
+            </a:lnRef>
+            <a:fillRef idx="0">
+              <a:schemeClr val="accent1"/>
+            </a:fillRef>
+            <a:effectRef idx="0">
+              <a:schemeClr val="accent1"/>
+            </a:effectRef>
+            <a:fontRef idx="minor">
+              <a:schemeClr val="tx1"/>
+            </a:fontRef>
+          </p:style>
+        </p:cxnSp>
+        <p:cxnSp>
+          <p:nvCxnSpPr>
+            <p:cNvPr id="79" name="직선 연결선 78">
+              <a:extLst>
+                <a:ext uri="{FF2B5EF4-FFF2-40B4-BE49-F238E27FC236}">
+                  <a16:creationId xmlns:a16="http://schemas.microsoft.com/office/drawing/2014/main" id="{65AFCEB3-6E3A-4E3C-9E5C-3743974EA096}"/>
+                </a:ext>
+              </a:extLst>
+            </p:cNvPr>
+            <p:cNvCxnSpPr>
+              <a:cxnSpLocks/>
+            </p:cNvCxnSpPr>
+            <p:nvPr/>
+          </p:nvCxnSpPr>
+          <p:spPr>
+            <a:xfrm>
+              <a:off x="3474299" y="3430368"/>
+              <a:ext cx="209941" cy="176842"/>
+            </a:xfrm>
+            <a:prstGeom prst="line">
+              <a:avLst/>
+            </a:prstGeom>
+            <a:ln w="19050">
+              <a:solidFill>
+                <a:srgbClr val="013B51"/>
+              </a:solidFill>
+            </a:ln>
+          </p:spPr>
+          <p:style>
+            <a:lnRef idx="1">
+              <a:schemeClr val="accent1"/>
+            </a:lnRef>
+            <a:fillRef idx="0">
+              <a:schemeClr val="accent1"/>
+            </a:fillRef>
+            <a:effectRef idx="0">
+              <a:schemeClr val="accent1"/>
+            </a:effectRef>
+            <a:fontRef idx="minor">
+              <a:schemeClr val="tx1"/>
+            </a:fontRef>
+          </p:style>
+        </p:cxnSp>
+        <p:sp>
+          <p:nvSpPr>
+            <p:cNvPr id="80" name="Rectangle 83">
+              <a:extLst>
+                <a:ext uri="{FF2B5EF4-FFF2-40B4-BE49-F238E27FC236}">
+                  <a16:creationId xmlns:a16="http://schemas.microsoft.com/office/drawing/2014/main" id="{D94CBD2A-58A4-496D-8508-19FA6EFD6481}"/>
+                </a:ext>
+              </a:extLst>
+            </p:cNvPr>
+            <p:cNvSpPr/>
+            <p:nvPr/>
+          </p:nvSpPr>
+          <p:spPr>
+            <a:xfrm>
+              <a:off x="3385912" y="3226719"/>
+              <a:ext cx="420892" cy="275028"/>
+            </a:xfrm>
+            <a:prstGeom prst="rect">
+              <a:avLst/>
+            </a:prstGeom>
+            <a:noFill/>
+            <a:ln>
+              <a:noFill/>
+            </a:ln>
+          </p:spPr>
+          <p:style>
+            <a:lnRef idx="2">
+              <a:schemeClr val="accent1">
+                <a:shade val="50000"/>
+              </a:schemeClr>
+            </a:lnRef>
+            <a:fillRef idx="1">
+              <a:schemeClr val="accent1"/>
+            </a:fillRef>
+            <a:effectRef idx="0">
+              <a:schemeClr val="accent1"/>
+            </a:effectRef>
+            <a:fontRef idx="minor">
+              <a:schemeClr val="lt1"/>
+            </a:fontRef>
+          </p:style>
+          <p:txBody>
+            <a:bodyPr rtlCol="0" anchor="ctr"/>
+            <a:lstStyle/>
+            <a:p>
+              <a:pPr algn="ctr"/>
+              <a:r>
+                <a:rPr lang="en-US" altLang="ko-KR" sz="1100" dirty="0">
+                  <a:solidFill>
+                    <a:srgbClr val="013B51"/>
+                  </a:solidFill>
+                </a:rPr>
+                <a:t>32</a:t>
+              </a:r>
+            </a:p>
+          </p:txBody>
+        </p:sp>
+      </p:grpSp>
+    </p:spTree>
+    <p:extLst>
+      <p:ext uri="{BB962C8B-B14F-4D97-AF65-F5344CB8AC3E}">
+        <p14:creationId xmlns:p14="http://schemas.microsoft.com/office/powerpoint/2010/main" val="85912928"/>
+      </p:ext>
+    </p:extLst>
+  </p:cSld>
+  <p:clrMapOvr>
+    <a:masterClrMapping/>
+  </p:clrMapOvr>
+</p:sld>
+</file>
+
+<file path=ppt/slides/slide7.xml><?xml version="1.0" encoding="utf-8"?>
+<p:sld xmlns:a="http://schemas.openxmlformats.org/drawingml/2006/main" xmlns:r="http://schemas.openxmlformats.org/officeDocument/2006/relationships" xmlns:p="http://schemas.openxmlformats.org/presentationml/2006/main">
+  <p:cSld>
+    <p:spTree>
+      <p:nvGrpSpPr>
+        <p:cNvPr id="1" name=""/>
+        <p:cNvGrpSpPr/>
+        <p:nvPr/>
+      </p:nvGrpSpPr>
+      <p:grpSpPr>
+        <a:xfrm>
+          <a:off x="0" y="0"/>
+          <a:ext cx="0" cy="0"/>
+          <a:chOff x="0" y="0"/>
+          <a:chExt cx="0" cy="0"/>
+        </a:xfrm>
+      </p:grpSpPr>
+      <p:sp>
+        <p:nvSpPr>
+          <p:cNvPr id="6" name="Rectangle 5">
+            <a:extLst>
+              <a:ext uri="{FF2B5EF4-FFF2-40B4-BE49-F238E27FC236}">
+                <a16:creationId xmlns:a16="http://schemas.microsoft.com/office/drawing/2014/main" id="{386837E1-34D3-48A7-8764-FF3A069C77A0}"/>
+              </a:ext>
+            </a:extLst>
+          </p:cNvPr>
+          <p:cNvSpPr/>
+          <p:nvPr/>
+        </p:nvSpPr>
+        <p:spPr>
+          <a:xfrm>
+            <a:off x="1" y="0"/>
+            <a:ext cx="1822612" cy="6858000"/>
+          </a:xfrm>
+          <a:prstGeom prst="rect">
+            <a:avLst/>
+          </a:prstGeom>
+          <a:solidFill>
+            <a:srgbClr val="013B51"/>
+          </a:solidFill>
+          <a:ln>
+            <a:noFill/>
+          </a:ln>
+        </p:spPr>
+        <p:style>
+          <a:lnRef idx="2">
+            <a:schemeClr val="accent1">
+              <a:shade val="50000"/>
+            </a:schemeClr>
+          </a:lnRef>
+          <a:fillRef idx="1">
+            <a:schemeClr val="accent1"/>
+          </a:fillRef>
+          <a:effectRef idx="0">
+            <a:schemeClr val="accent1"/>
+          </a:effectRef>
+          <a:fontRef idx="minor">
+            <a:schemeClr val="lt1"/>
+          </a:fontRef>
+        </p:style>
+        <p:txBody>
+          <a:bodyPr rtlCol="0" anchor="ctr"/>
+          <a:lstStyle/>
+          <a:p>
+            <a:pPr algn="ctr"/>
+            <a:endParaRPr lang="ko-KR" altLang="en-US"/>
+          </a:p>
+        </p:txBody>
+      </p:sp>
+      <p:grpSp>
+        <p:nvGrpSpPr>
+          <p:cNvPr id="4" name="Group 3">
+            <a:extLst>
+              <a:ext uri="{FF2B5EF4-FFF2-40B4-BE49-F238E27FC236}">
+                <a16:creationId xmlns:a16="http://schemas.microsoft.com/office/drawing/2014/main" id="{7072584C-6260-4990-8119-F48D43DF9D1D}"/>
+              </a:ext>
+            </a:extLst>
+          </p:cNvPr>
+          <p:cNvGrpSpPr/>
+          <p:nvPr/>
+        </p:nvGrpSpPr>
+        <p:grpSpPr>
+          <a:xfrm>
+            <a:off x="227192" y="110970"/>
+            <a:ext cx="7619352" cy="6027939"/>
+            <a:chOff x="2068497" y="372861"/>
+            <a:chExt cx="7619352" cy="6027939"/>
+          </a:xfrm>
+        </p:grpSpPr>
+        <p:grpSp>
+          <p:nvGrpSpPr>
+            <p:cNvPr id="16" name="Group 15">
+              <a:extLst>
+                <a:ext uri="{FF2B5EF4-FFF2-40B4-BE49-F238E27FC236}">
+                  <a16:creationId xmlns:a16="http://schemas.microsoft.com/office/drawing/2014/main" id="{9FED8531-C6D3-4649-A895-F74932994A64}"/>
+                </a:ext>
+              </a:extLst>
+            </p:cNvPr>
+            <p:cNvGrpSpPr/>
+            <p:nvPr/>
+          </p:nvGrpSpPr>
+          <p:grpSpPr>
+            <a:xfrm>
+              <a:off x="2183906" y="372861"/>
+              <a:ext cx="7503943" cy="5797120"/>
+              <a:chOff x="2183906" y="372861"/>
+              <a:chExt cx="7503943" cy="5797120"/>
+            </a:xfrm>
+          </p:grpSpPr>
+          <p:cxnSp>
+            <p:nvCxnSpPr>
+              <p:cNvPr id="11" name="Straight Connector 10">
+                <a:extLst>
+                  <a:ext uri="{FF2B5EF4-FFF2-40B4-BE49-F238E27FC236}">
+                    <a16:creationId xmlns:a16="http://schemas.microsoft.com/office/drawing/2014/main" id="{0FA2315E-967B-45B9-A0F4-B526CF82C921}"/>
+                  </a:ext>
+                </a:extLst>
+              </p:cNvPr>
+              <p:cNvCxnSpPr>
+                <a:stCxn id="9" idx="0"/>
+              </p:cNvCxnSpPr>
+              <p:nvPr/>
+            </p:nvCxnSpPr>
+            <p:spPr>
+              <a:xfrm flipV="1">
+                <a:off x="2183907" y="457200"/>
+                <a:ext cx="0" cy="5712781"/>
+              </a:xfrm>
+              <a:prstGeom prst="line">
+                <a:avLst/>
+              </a:prstGeom>
+              <a:ln w="57150">
+                <a:solidFill>
+                  <a:srgbClr val="DABA6F"/>
+                </a:solidFill>
+              </a:ln>
+            </p:spPr>
+            <p:style>
+              <a:lnRef idx="1">
+                <a:schemeClr val="accent1"/>
+              </a:lnRef>
+              <a:fillRef idx="0">
+                <a:schemeClr val="accent1"/>
+              </a:fillRef>
+              <a:effectRef idx="0">
+                <a:schemeClr val="accent1"/>
+              </a:effectRef>
+              <a:fontRef idx="minor">
+                <a:schemeClr val="tx1"/>
+              </a:fontRef>
+            </p:style>
+          </p:cxnSp>
+          <p:cxnSp>
+            <p:nvCxnSpPr>
+              <p:cNvPr id="12" name="Straight Connector 11">
+                <a:extLst>
+                  <a:ext uri="{FF2B5EF4-FFF2-40B4-BE49-F238E27FC236}">
+                    <a16:creationId xmlns:a16="http://schemas.microsoft.com/office/drawing/2014/main" id="{92518781-1781-40F6-9291-FD4D938DE48A}"/>
+                  </a:ext>
+                </a:extLst>
+              </p:cNvPr>
+              <p:cNvCxnSpPr>
+                <a:cxnSpLocks/>
+              </p:cNvCxnSpPr>
+              <p:nvPr/>
+            </p:nvCxnSpPr>
+            <p:spPr>
+              <a:xfrm flipH="1">
+                <a:off x="2183906" y="488271"/>
+                <a:ext cx="7273124" cy="1"/>
+              </a:xfrm>
+              <a:prstGeom prst="line">
+                <a:avLst/>
+              </a:prstGeom>
+              <a:ln w="57150">
+                <a:solidFill>
+                  <a:srgbClr val="DABA6F"/>
+                </a:solidFill>
+              </a:ln>
+            </p:spPr>
+            <p:style>
+              <a:lnRef idx="1">
+                <a:schemeClr val="accent1"/>
+              </a:lnRef>
+              <a:fillRef idx="0">
+                <a:schemeClr val="accent1"/>
+              </a:fillRef>
+              <a:effectRef idx="0">
+                <a:schemeClr val="accent1"/>
+              </a:effectRef>
+              <a:fontRef idx="minor">
+                <a:schemeClr val="tx1"/>
+              </a:fontRef>
+            </p:style>
+          </p:cxnSp>
+          <p:sp>
+            <p:nvSpPr>
+              <p:cNvPr id="15" name="Rectangle 14">
+                <a:extLst>
+                  <a:ext uri="{FF2B5EF4-FFF2-40B4-BE49-F238E27FC236}">
+                    <a16:creationId xmlns:a16="http://schemas.microsoft.com/office/drawing/2014/main" id="{57D81539-1F79-4E3F-B190-8AEB88C54CD2}"/>
+                  </a:ext>
+                </a:extLst>
+              </p:cNvPr>
+              <p:cNvSpPr/>
+              <p:nvPr/>
+            </p:nvSpPr>
+            <p:spPr>
+              <a:xfrm>
+                <a:off x="9457030" y="372861"/>
+                <a:ext cx="230819" cy="230819"/>
+              </a:xfrm>
+              <a:prstGeom prst="rect">
+                <a:avLst/>
+              </a:prstGeom>
+              <a:solidFill>
+                <a:srgbClr val="DABA6F"/>
+              </a:solidFill>
+              <a:ln>
+                <a:noFill/>
+              </a:ln>
+            </p:spPr>
+            <p:style>
+              <a:lnRef idx="2">
+                <a:schemeClr val="accent1">
+                  <a:shade val="50000"/>
+                </a:schemeClr>
+              </a:lnRef>
+              <a:fillRef idx="1">
+                <a:schemeClr val="accent1"/>
+              </a:fillRef>
+              <a:effectRef idx="0">
+                <a:schemeClr val="accent1"/>
+              </a:effectRef>
+              <a:fontRef idx="minor">
+                <a:schemeClr val="lt1"/>
+              </a:fontRef>
+            </p:style>
+            <p:txBody>
+              <a:bodyPr rtlCol="0" anchor="ctr"/>
+              <a:lstStyle/>
+              <a:p>
+                <a:pPr algn="ctr"/>
+                <a:endParaRPr lang="ko-KR" altLang="en-US"/>
+              </a:p>
+            </p:txBody>
+          </p:sp>
+        </p:grpSp>
+        <p:sp>
+          <p:nvSpPr>
+            <p:cNvPr id="9" name="Rectangle 8">
+              <a:extLst>
+                <a:ext uri="{FF2B5EF4-FFF2-40B4-BE49-F238E27FC236}">
+                  <a16:creationId xmlns:a16="http://schemas.microsoft.com/office/drawing/2014/main" id="{CD2CA69E-F38E-4DB8-82FA-239D6C25BC80}"/>
+                </a:ext>
+              </a:extLst>
+            </p:cNvPr>
+            <p:cNvSpPr/>
+            <p:nvPr/>
+          </p:nvSpPr>
+          <p:spPr>
+            <a:xfrm>
+              <a:off x="2068497" y="6169981"/>
+              <a:ext cx="230819" cy="230819"/>
+            </a:xfrm>
+            <a:prstGeom prst="rect">
+              <a:avLst/>
+            </a:prstGeom>
+            <a:solidFill>
+              <a:srgbClr val="DABA6F"/>
+            </a:solidFill>
+            <a:ln>
+              <a:noFill/>
+            </a:ln>
+          </p:spPr>
+          <p:style>
+            <a:lnRef idx="2">
+              <a:schemeClr val="accent1">
+                <a:shade val="50000"/>
+              </a:schemeClr>
+            </a:lnRef>
+            <a:fillRef idx="1">
+              <a:schemeClr val="accent1"/>
+            </a:fillRef>
+            <a:effectRef idx="0">
+              <a:schemeClr val="accent1"/>
+            </a:effectRef>
+            <a:fontRef idx="minor">
+              <a:schemeClr val="lt1"/>
+            </a:fontRef>
+          </p:style>
+          <p:txBody>
+            <a:bodyPr rtlCol="0" anchor="ctr"/>
+            <a:lstStyle/>
+            <a:p>
+              <a:pPr algn="ctr"/>
+              <a:endParaRPr lang="ko-KR" altLang="en-US" dirty="0"/>
+            </a:p>
+          </p:txBody>
+        </p:sp>
+      </p:grpSp>
+      <p:sp>
+        <p:nvSpPr>
+          <p:cNvPr id="7" name="Rectangle 6">
+            <a:extLst>
+              <a:ext uri="{FF2B5EF4-FFF2-40B4-BE49-F238E27FC236}">
+                <a16:creationId xmlns:a16="http://schemas.microsoft.com/office/drawing/2014/main" id="{2C38F449-7454-4AD1-AE1F-DA48EBB24C9F}"/>
+              </a:ext>
+            </a:extLst>
+          </p:cNvPr>
+          <p:cNvSpPr/>
+          <p:nvPr/>
+        </p:nvSpPr>
+        <p:spPr>
+          <a:xfrm>
+            <a:off x="1" y="463891"/>
+            <a:ext cx="12192000" cy="1091263"/>
+          </a:xfrm>
+          <a:prstGeom prst="rect">
+            <a:avLst/>
+          </a:prstGeom>
+          <a:solidFill>
+            <a:srgbClr val="0182C6"/>
+          </a:solidFill>
+          <a:ln>
+            <a:noFill/>
+          </a:ln>
+        </p:spPr>
+        <p:style>
+          <a:lnRef idx="2">
+            <a:schemeClr val="accent1">
+              <a:shade val="50000"/>
+            </a:schemeClr>
+          </a:lnRef>
+          <a:fillRef idx="1">
+            <a:schemeClr val="accent1"/>
+          </a:fillRef>
+          <a:effectRef idx="0">
+            <a:schemeClr val="accent1"/>
+          </a:effectRef>
+          <a:fontRef idx="minor">
+            <a:schemeClr val="lt1"/>
+          </a:fontRef>
+        </p:style>
+        <p:txBody>
+          <a:bodyPr rtlCol="0" anchor="ctr"/>
+          <a:lstStyle/>
+          <a:p>
+            <a:pPr algn="ctr"/>
+            <a:endParaRPr lang="ko-KR" altLang="en-US"/>
+          </a:p>
+        </p:txBody>
+      </p:sp>
+      <p:sp>
+        <p:nvSpPr>
+          <p:cNvPr id="2" name="Title 1">
+            <a:extLst>
+              <a:ext uri="{FF2B5EF4-FFF2-40B4-BE49-F238E27FC236}">
+                <a16:creationId xmlns:a16="http://schemas.microsoft.com/office/drawing/2014/main" id="{9DBFE3BC-27EC-435A-A2F4-B39DEF708845}"/>
+              </a:ext>
+            </a:extLst>
+          </p:cNvPr>
+          <p:cNvSpPr>
+            <a:spLocks noGrp="1"/>
+          </p:cNvSpPr>
+          <p:nvPr>
+            <p:ph type="ctrTitle"/>
+          </p:nvPr>
+        </p:nvSpPr>
+        <p:spPr>
+          <a:xfrm>
+            <a:off x="88777" y="606013"/>
+            <a:ext cx="12014446" cy="746289"/>
+          </a:xfrm>
+        </p:spPr>
+        <p:txBody>
+          <a:bodyPr>
+            <a:normAutofit/>
+          </a:bodyPr>
+          <a:lstStyle/>
+          <a:p>
+            <a:r>
+              <a:rPr lang="en-US" altLang="ko-KR" sz="4000" dirty="0" err="1">
+                <a:solidFill>
+                  <a:srgbClr val="EBFFFF"/>
+                </a:solidFill>
+                <a:latin typeface="Noto Sans CJK KR Medium" panose="020B0600000000000000" pitchFamily="34" charset="-127"/>
+                <a:ea typeface="Noto Sans CJK KR Medium" panose="020B0600000000000000" pitchFamily="34" charset="-127"/>
+              </a:rPr>
+              <a:t>DataPath</a:t>
+            </a:r>
+            <a:endParaRPr lang="ko-KR" altLang="en-US" sz="4000" dirty="0">
+              <a:solidFill>
+                <a:srgbClr val="EBFFFF"/>
+              </a:solidFill>
+              <a:latin typeface="Noto Sans CJK KR Medium" panose="020B0600000000000000" pitchFamily="34" charset="-127"/>
+              <a:ea typeface="Noto Sans CJK KR Medium" panose="020B0600000000000000" pitchFamily="34" charset="-127"/>
+            </a:endParaRPr>
+          </a:p>
+        </p:txBody>
+      </p:sp>
+      <p:cxnSp>
+        <p:nvCxnSpPr>
+          <p:cNvPr id="76" name="Straight Arrow Connector 75">
+            <a:extLst>
+              <a:ext uri="{FF2B5EF4-FFF2-40B4-BE49-F238E27FC236}">
+                <a16:creationId xmlns:a16="http://schemas.microsoft.com/office/drawing/2014/main" id="{C451B610-B71C-48DC-9A0A-22D949EFF380}"/>
+              </a:ext>
+            </a:extLst>
+          </p:cNvPr>
+          <p:cNvCxnSpPr>
+            <a:cxnSpLocks/>
+          </p:cNvCxnSpPr>
+          <p:nvPr/>
+        </p:nvCxnSpPr>
+        <p:spPr>
+          <a:xfrm>
+            <a:off x="7696274" y="4038501"/>
+            <a:ext cx="443649" cy="0"/>
+          </a:xfrm>
+          <a:prstGeom prst="straightConnector1">
+            <a:avLst/>
+          </a:prstGeom>
+          <a:ln w="38100">
+            <a:solidFill>
+              <a:srgbClr val="013B51"/>
+            </a:solidFill>
+            <a:tailEnd type="triangle"/>
+          </a:ln>
+        </p:spPr>
+        <p:style>
+          <a:lnRef idx="1">
+            <a:schemeClr val="accent1"/>
+          </a:lnRef>
+          <a:fillRef idx="0">
+            <a:schemeClr val="accent1"/>
+          </a:fillRef>
+          <a:effectRef idx="0">
+            <a:schemeClr val="accent1"/>
+          </a:effectRef>
+          <a:fontRef idx="minor">
+            <a:schemeClr val="tx1"/>
+          </a:fontRef>
+        </p:style>
+      </p:cxnSp>
+      <p:cxnSp>
+        <p:nvCxnSpPr>
+          <p:cNvPr id="33" name="Straight Arrow Connector 12">
+            <a:extLst>
+              <a:ext uri="{FF2B5EF4-FFF2-40B4-BE49-F238E27FC236}">
+                <a16:creationId xmlns:a16="http://schemas.microsoft.com/office/drawing/2014/main" id="{5BED1820-2569-4274-981F-9C248A56AEF8}"/>
+              </a:ext>
+            </a:extLst>
+          </p:cNvPr>
+          <p:cNvCxnSpPr>
+            <a:cxnSpLocks/>
+          </p:cNvCxnSpPr>
+          <p:nvPr/>
+        </p:nvCxnSpPr>
+        <p:spPr>
+          <a:xfrm>
+            <a:off x="5486308" y="3398563"/>
+            <a:ext cx="1189761" cy="0"/>
+          </a:xfrm>
+          <a:prstGeom prst="straightConnector1">
+            <a:avLst/>
+          </a:prstGeom>
+          <a:ln w="38100">
+            <a:solidFill>
+              <a:srgbClr val="013B51"/>
+            </a:solidFill>
+            <a:tailEnd type="triangle"/>
+          </a:ln>
+        </p:spPr>
+        <p:style>
+          <a:lnRef idx="1">
+            <a:schemeClr val="accent1"/>
+          </a:lnRef>
+          <a:fillRef idx="0">
+            <a:schemeClr val="accent1"/>
+          </a:fillRef>
+          <a:effectRef idx="0">
+            <a:schemeClr val="accent1"/>
+          </a:effectRef>
+          <a:fontRef idx="minor">
+            <a:schemeClr val="tx1"/>
+          </a:fontRef>
+        </p:style>
+      </p:cxnSp>
+      <p:cxnSp>
+        <p:nvCxnSpPr>
+          <p:cNvPr id="42" name="Straight Arrow Connector 12">
+            <a:extLst>
+              <a:ext uri="{FF2B5EF4-FFF2-40B4-BE49-F238E27FC236}">
+                <a16:creationId xmlns:a16="http://schemas.microsoft.com/office/drawing/2014/main" id="{EF9B9E23-72E9-46AD-9877-9227C518E606}"/>
+              </a:ext>
+            </a:extLst>
+          </p:cNvPr>
+          <p:cNvCxnSpPr>
+            <a:cxnSpLocks/>
+          </p:cNvCxnSpPr>
+          <p:nvPr/>
+        </p:nvCxnSpPr>
+        <p:spPr>
+          <a:xfrm>
+            <a:off x="5486308" y="4285938"/>
+            <a:ext cx="1189761" cy="0"/>
+          </a:xfrm>
+          <a:prstGeom prst="straightConnector1">
+            <a:avLst/>
+          </a:prstGeom>
+          <a:ln w="38100">
+            <a:solidFill>
+              <a:srgbClr val="013B51"/>
+            </a:solidFill>
+            <a:tailEnd type="triangle"/>
+          </a:ln>
+        </p:spPr>
+        <p:style>
+          <a:lnRef idx="1">
+            <a:schemeClr val="accent1"/>
+          </a:lnRef>
+          <a:fillRef idx="0">
+            <a:schemeClr val="accent1"/>
+          </a:fillRef>
+          <a:effectRef idx="0">
+            <a:schemeClr val="accent1"/>
+          </a:effectRef>
+          <a:fontRef idx="minor">
+            <a:schemeClr val="tx1"/>
+          </a:fontRef>
+        </p:style>
+      </p:cxnSp>
+      <p:grpSp>
+        <p:nvGrpSpPr>
+          <p:cNvPr id="10" name="그룹 9">
+            <a:extLst>
+              <a:ext uri="{FF2B5EF4-FFF2-40B4-BE49-F238E27FC236}">
+                <a16:creationId xmlns:a16="http://schemas.microsoft.com/office/drawing/2014/main" id="{B6E22434-A775-4839-92E9-C4676F9D6A38}"/>
+              </a:ext>
+            </a:extLst>
+          </p:cNvPr>
+          <p:cNvGrpSpPr/>
+          <p:nvPr/>
+        </p:nvGrpSpPr>
+        <p:grpSpPr>
+          <a:xfrm>
+            <a:off x="3543760" y="2831418"/>
+            <a:ext cx="1943926" cy="2265592"/>
+            <a:chOff x="2837637" y="2770989"/>
+            <a:chExt cx="1943926" cy="2265592"/>
+          </a:xfrm>
+        </p:grpSpPr>
+        <p:grpSp>
+          <p:nvGrpSpPr>
+            <p:cNvPr id="14" name="그룹 13">
+              <a:extLst>
+                <a:ext uri="{FF2B5EF4-FFF2-40B4-BE49-F238E27FC236}">
+                  <a16:creationId xmlns:a16="http://schemas.microsoft.com/office/drawing/2014/main" id="{D0E30ED0-2E4D-48B9-BD98-01B4E634693E}"/>
+                </a:ext>
+              </a:extLst>
+            </p:cNvPr>
+            <p:cNvGrpSpPr/>
+            <p:nvPr/>
+          </p:nvGrpSpPr>
+          <p:grpSpPr>
+            <a:xfrm>
+              <a:off x="2837637" y="2770989"/>
+              <a:ext cx="1943926" cy="2265592"/>
+              <a:chOff x="3030241" y="2959544"/>
+              <a:chExt cx="1562369" cy="1820897"/>
+            </a:xfrm>
+          </p:grpSpPr>
+          <p:sp>
+            <p:nvSpPr>
+              <p:cNvPr id="32" name="Rectangle 83">
+                <a:extLst>
+                  <a:ext uri="{FF2B5EF4-FFF2-40B4-BE49-F238E27FC236}">
+                    <a16:creationId xmlns:a16="http://schemas.microsoft.com/office/drawing/2014/main" id="{CC8C37B4-AB0B-4EEC-B803-95837F39001B}"/>
+                  </a:ext>
+                </a:extLst>
+              </p:cNvPr>
+              <p:cNvSpPr/>
+              <p:nvPr/>
+            </p:nvSpPr>
+            <p:spPr>
+              <a:xfrm>
+                <a:off x="3045184" y="2959544"/>
+                <a:ext cx="1547426" cy="1544156"/>
+              </a:xfrm>
+              <a:prstGeom prst="rect">
+                <a:avLst/>
+              </a:prstGeom>
+              <a:solidFill>
+                <a:srgbClr val="787878"/>
+              </a:solidFill>
+              <a:ln>
+                <a:noFill/>
+              </a:ln>
+            </p:spPr>
+            <p:style>
+              <a:lnRef idx="2">
+                <a:schemeClr val="accent1">
+                  <a:shade val="50000"/>
+                </a:schemeClr>
+              </a:lnRef>
+              <a:fillRef idx="1">
+                <a:schemeClr val="accent1"/>
+              </a:fillRef>
+              <a:effectRef idx="0">
+                <a:schemeClr val="accent1"/>
+              </a:effectRef>
+              <a:fontRef idx="minor">
+                <a:schemeClr val="lt1"/>
+              </a:fontRef>
+            </p:style>
+            <p:txBody>
+              <a:bodyPr rtlCol="0" anchor="ctr"/>
+              <a:lstStyle/>
+              <a:p>
+                <a:pPr algn="ctr"/>
+                <a:endParaRPr lang="ko-KR" altLang="en-US" dirty="0"/>
+              </a:p>
+            </p:txBody>
+          </p:sp>
+          <p:sp>
+            <p:nvSpPr>
+              <p:cNvPr id="36" name="Rectangle 83">
+                <a:extLst>
+                  <a:ext uri="{FF2B5EF4-FFF2-40B4-BE49-F238E27FC236}">
+                    <a16:creationId xmlns:a16="http://schemas.microsoft.com/office/drawing/2014/main" id="{C55195C0-7B5D-4962-A542-FEBAB539D5B2}"/>
+                  </a:ext>
+                </a:extLst>
+              </p:cNvPr>
+              <p:cNvSpPr/>
+              <p:nvPr/>
+            </p:nvSpPr>
+            <p:spPr>
+              <a:xfrm>
+                <a:off x="3045186" y="2991151"/>
+                <a:ext cx="731595" cy="424218"/>
+              </a:xfrm>
+              <a:prstGeom prst="rect">
+                <a:avLst/>
+              </a:prstGeom>
+              <a:noFill/>
+              <a:ln>
+                <a:noFill/>
+              </a:ln>
+            </p:spPr>
+            <p:style>
+              <a:lnRef idx="2">
+                <a:schemeClr val="accent1">
+                  <a:shade val="50000"/>
+                </a:schemeClr>
+              </a:lnRef>
+              <a:fillRef idx="1">
+                <a:schemeClr val="accent1"/>
+              </a:fillRef>
+              <a:effectRef idx="0">
+                <a:schemeClr val="accent1"/>
+              </a:effectRef>
+              <a:fontRef idx="minor">
+                <a:schemeClr val="lt1"/>
+              </a:fontRef>
+            </p:style>
+            <p:txBody>
+              <a:bodyPr rtlCol="0" anchor="ctr"/>
+              <a:lstStyle/>
+              <a:p>
+                <a:r>
+                  <a:rPr lang="en-US" altLang="ko-KR" sz="1100" dirty="0"/>
+                  <a:t>Read</a:t>
+                </a:r>
+              </a:p>
+              <a:p>
+                <a:r>
+                  <a:rPr lang="en-US" altLang="ko-KR" sz="1100" dirty="0"/>
+                  <a:t>register 1</a:t>
+                </a:r>
+                <a:endParaRPr lang="ko-KR" altLang="en-US" sz="1100" dirty="0"/>
+              </a:p>
+            </p:txBody>
+          </p:sp>
+          <p:sp>
+            <p:nvSpPr>
+              <p:cNvPr id="37" name="Rectangle 83">
+                <a:extLst>
+                  <a:ext uri="{FF2B5EF4-FFF2-40B4-BE49-F238E27FC236}">
+                    <a16:creationId xmlns:a16="http://schemas.microsoft.com/office/drawing/2014/main" id="{8206C9B5-A940-4678-9961-82760C03F7C1}"/>
+                  </a:ext>
+                </a:extLst>
+              </p:cNvPr>
+              <p:cNvSpPr/>
+              <p:nvPr/>
+            </p:nvSpPr>
+            <p:spPr>
+              <a:xfrm>
+                <a:off x="3248865" y="3488399"/>
+                <a:ext cx="1102271" cy="566157"/>
+              </a:xfrm>
+              <a:prstGeom prst="rect">
+                <a:avLst/>
+              </a:prstGeom>
+              <a:noFill/>
+              <a:ln>
+                <a:noFill/>
+              </a:ln>
+            </p:spPr>
+            <p:style>
+              <a:lnRef idx="2">
+                <a:schemeClr val="accent1">
+                  <a:shade val="50000"/>
+                </a:schemeClr>
+              </a:lnRef>
+              <a:fillRef idx="1">
+                <a:schemeClr val="accent1"/>
+              </a:fillRef>
+              <a:effectRef idx="0">
+                <a:schemeClr val="accent1"/>
+              </a:effectRef>
+              <a:fontRef idx="minor">
+                <a:schemeClr val="lt1"/>
+              </a:fontRef>
+            </p:style>
+            <p:txBody>
+              <a:bodyPr rtlCol="0" anchor="ctr"/>
+              <a:lstStyle/>
+              <a:p>
+                <a:pPr algn="ctr"/>
+                <a:r>
+                  <a:rPr lang="en-US" altLang="ko-KR" sz="1400" b="1" dirty="0"/>
+                  <a:t>Registers</a:t>
+                </a:r>
+                <a:endParaRPr lang="ko-KR" altLang="en-US" sz="1400" b="1" dirty="0"/>
+              </a:p>
+            </p:txBody>
+          </p:sp>
+          <p:sp>
+            <p:nvSpPr>
+              <p:cNvPr id="35" name="Rectangle 83">
+                <a:extLst>
+                  <a:ext uri="{FF2B5EF4-FFF2-40B4-BE49-F238E27FC236}">
+                    <a16:creationId xmlns:a16="http://schemas.microsoft.com/office/drawing/2014/main" id="{81F89E22-AC3E-47FF-886D-FF2107CA5EC7}"/>
+                  </a:ext>
+                </a:extLst>
+              </p:cNvPr>
+              <p:cNvSpPr/>
+              <p:nvPr/>
+            </p:nvSpPr>
+            <p:spPr>
+              <a:xfrm>
+                <a:off x="4064659" y="3203260"/>
+                <a:ext cx="526843" cy="340979"/>
+              </a:xfrm>
+              <a:prstGeom prst="rect">
+                <a:avLst/>
+              </a:prstGeom>
+              <a:noFill/>
+              <a:ln>
+                <a:noFill/>
+              </a:ln>
+            </p:spPr>
+            <p:style>
+              <a:lnRef idx="2">
+                <a:schemeClr val="accent1">
+                  <a:shade val="50000"/>
+                </a:schemeClr>
+              </a:lnRef>
+              <a:fillRef idx="1">
+                <a:schemeClr val="accent1"/>
+              </a:fillRef>
+              <a:effectRef idx="0">
+                <a:schemeClr val="accent1"/>
+              </a:effectRef>
+              <a:fontRef idx="minor">
+                <a:schemeClr val="lt1"/>
+              </a:fontRef>
+            </p:style>
+            <p:txBody>
+              <a:bodyPr rtlCol="0" anchor="ctr"/>
+              <a:lstStyle/>
+              <a:p>
+                <a:pPr algn="r"/>
+                <a:r>
+                  <a:rPr lang="en-US" altLang="ko-KR" sz="1200" dirty="0"/>
+                  <a:t>Read  data</a:t>
+                </a:r>
+                <a:r>
+                  <a:rPr lang="en-US" altLang="ko-KR" sz="500" dirty="0"/>
+                  <a:t> </a:t>
+                </a:r>
+                <a:r>
+                  <a:rPr lang="en-US" altLang="ko-KR" sz="1200" dirty="0"/>
+                  <a:t>1</a:t>
+                </a:r>
+              </a:p>
+            </p:txBody>
+          </p:sp>
+          <p:sp>
+            <p:nvSpPr>
+              <p:cNvPr id="38" name="Rectangle 83">
+                <a:extLst>
+                  <a:ext uri="{FF2B5EF4-FFF2-40B4-BE49-F238E27FC236}">
+                    <a16:creationId xmlns:a16="http://schemas.microsoft.com/office/drawing/2014/main" id="{E8079FBD-100D-451E-A470-C9C19F19574B}"/>
+                  </a:ext>
+                </a:extLst>
+              </p:cNvPr>
+              <p:cNvSpPr/>
+              <p:nvPr/>
+            </p:nvSpPr>
+            <p:spPr>
+              <a:xfrm>
+                <a:off x="4064659" y="3958078"/>
+                <a:ext cx="526843" cy="340979"/>
+              </a:xfrm>
+              <a:prstGeom prst="rect">
+                <a:avLst/>
+              </a:prstGeom>
+              <a:noFill/>
+              <a:ln>
+                <a:noFill/>
+              </a:ln>
+            </p:spPr>
+            <p:style>
+              <a:lnRef idx="2">
+                <a:schemeClr val="accent1">
+                  <a:shade val="50000"/>
+                </a:schemeClr>
+              </a:lnRef>
+              <a:fillRef idx="1">
+                <a:schemeClr val="accent1"/>
+              </a:fillRef>
+              <a:effectRef idx="0">
+                <a:schemeClr val="accent1"/>
+              </a:effectRef>
+              <a:fontRef idx="minor">
+                <a:schemeClr val="lt1"/>
+              </a:fontRef>
+            </p:style>
+            <p:txBody>
+              <a:bodyPr rtlCol="0" anchor="ctr"/>
+              <a:lstStyle/>
+              <a:p>
+                <a:pPr algn="r"/>
+                <a:r>
+                  <a:rPr lang="en-US" altLang="ko-KR" sz="1200" dirty="0"/>
+                  <a:t>Read  data</a:t>
+                </a:r>
+                <a:r>
+                  <a:rPr lang="en-US" altLang="ko-KR" sz="500" dirty="0"/>
+                  <a:t> </a:t>
+                </a:r>
+                <a:r>
+                  <a:rPr lang="en-US" altLang="ko-KR" sz="1200" dirty="0"/>
+                  <a:t>2</a:t>
+                </a:r>
+              </a:p>
+            </p:txBody>
+          </p:sp>
+          <p:sp>
+            <p:nvSpPr>
+              <p:cNvPr id="39" name="Rectangle 83">
+                <a:extLst>
+                  <a:ext uri="{FF2B5EF4-FFF2-40B4-BE49-F238E27FC236}">
+                    <a16:creationId xmlns:a16="http://schemas.microsoft.com/office/drawing/2014/main" id="{4FB3635F-56A6-4A48-9E1F-687B3CF1B838}"/>
+                  </a:ext>
+                </a:extLst>
+              </p:cNvPr>
+              <p:cNvSpPr/>
+              <p:nvPr/>
+            </p:nvSpPr>
+            <p:spPr>
+              <a:xfrm>
+                <a:off x="3030241" y="3331840"/>
+                <a:ext cx="731595" cy="424218"/>
+              </a:xfrm>
+              <a:prstGeom prst="rect">
+                <a:avLst/>
+              </a:prstGeom>
+              <a:noFill/>
+              <a:ln>
+                <a:noFill/>
+              </a:ln>
+            </p:spPr>
+            <p:style>
+              <a:lnRef idx="2">
+                <a:schemeClr val="accent1">
+                  <a:shade val="50000"/>
+                </a:schemeClr>
+              </a:lnRef>
+              <a:fillRef idx="1">
+                <a:schemeClr val="accent1"/>
+              </a:fillRef>
+              <a:effectRef idx="0">
+                <a:schemeClr val="accent1"/>
+              </a:effectRef>
+              <a:fontRef idx="minor">
+                <a:schemeClr val="lt1"/>
+              </a:fontRef>
+            </p:style>
+            <p:txBody>
+              <a:bodyPr rtlCol="0" anchor="ctr"/>
+              <a:lstStyle/>
+              <a:p>
+                <a:r>
+                  <a:rPr lang="en-US" altLang="ko-KR" sz="1100" dirty="0"/>
+                  <a:t>Read</a:t>
+                </a:r>
+              </a:p>
+              <a:p>
+                <a:r>
+                  <a:rPr lang="en-US" altLang="ko-KR" sz="1100" dirty="0"/>
+                  <a:t>register 2</a:t>
+                </a:r>
+                <a:endParaRPr lang="ko-KR" altLang="en-US" sz="1100" dirty="0"/>
+              </a:p>
+            </p:txBody>
+          </p:sp>
+          <p:sp>
+            <p:nvSpPr>
+              <p:cNvPr id="40" name="Rectangle 83">
+                <a:extLst>
+                  <a:ext uri="{FF2B5EF4-FFF2-40B4-BE49-F238E27FC236}">
+                    <a16:creationId xmlns:a16="http://schemas.microsoft.com/office/drawing/2014/main" id="{9701391F-308A-4582-BAB3-6ED4C124CCE1}"/>
+                  </a:ext>
+                </a:extLst>
+              </p:cNvPr>
+              <p:cNvSpPr/>
+              <p:nvPr/>
+            </p:nvSpPr>
+            <p:spPr>
+              <a:xfrm>
+                <a:off x="3045186" y="3682105"/>
+                <a:ext cx="731595" cy="424218"/>
+              </a:xfrm>
+              <a:prstGeom prst="rect">
+                <a:avLst/>
+              </a:prstGeom>
+              <a:noFill/>
+              <a:ln>
+                <a:noFill/>
+              </a:ln>
+            </p:spPr>
+            <p:style>
+              <a:lnRef idx="2">
+                <a:schemeClr val="accent1">
+                  <a:shade val="50000"/>
+                </a:schemeClr>
+              </a:lnRef>
+              <a:fillRef idx="1">
+                <a:schemeClr val="accent1"/>
+              </a:fillRef>
+              <a:effectRef idx="0">
+                <a:schemeClr val="accent1"/>
+              </a:effectRef>
+              <a:fontRef idx="minor">
+                <a:schemeClr val="lt1"/>
+              </a:fontRef>
+            </p:style>
+            <p:txBody>
+              <a:bodyPr rtlCol="0" anchor="ctr"/>
+              <a:lstStyle/>
+              <a:p>
+                <a:r>
+                  <a:rPr lang="en-US" altLang="ko-KR" sz="1100" dirty="0"/>
+                  <a:t>Write</a:t>
+                </a:r>
+              </a:p>
+              <a:p>
+                <a:r>
+                  <a:rPr lang="en-US" altLang="ko-KR" sz="1100" dirty="0"/>
+                  <a:t>register</a:t>
+                </a:r>
+                <a:endParaRPr lang="ko-KR" altLang="en-US" sz="1100" dirty="0"/>
+              </a:p>
+            </p:txBody>
+          </p:sp>
+          <p:sp>
+            <p:nvSpPr>
+              <p:cNvPr id="41" name="Rectangle 83">
+                <a:extLst>
+                  <a:ext uri="{FF2B5EF4-FFF2-40B4-BE49-F238E27FC236}">
+                    <a16:creationId xmlns:a16="http://schemas.microsoft.com/office/drawing/2014/main" id="{FFECE923-17FF-45EE-B96F-4900C010ED9F}"/>
+                  </a:ext>
+                </a:extLst>
+              </p:cNvPr>
+              <p:cNvSpPr/>
+              <p:nvPr/>
+            </p:nvSpPr>
+            <p:spPr>
+              <a:xfrm>
+                <a:off x="3045186" y="4056722"/>
+                <a:ext cx="731595" cy="424218"/>
+              </a:xfrm>
+              <a:prstGeom prst="rect">
+                <a:avLst/>
+              </a:prstGeom>
+              <a:noFill/>
+              <a:ln>
+                <a:noFill/>
+              </a:ln>
+            </p:spPr>
+            <p:style>
+              <a:lnRef idx="2">
+                <a:schemeClr val="accent1">
+                  <a:shade val="50000"/>
+                </a:schemeClr>
+              </a:lnRef>
+              <a:fillRef idx="1">
+                <a:schemeClr val="accent1"/>
+              </a:fillRef>
+              <a:effectRef idx="0">
+                <a:schemeClr val="accent1"/>
+              </a:effectRef>
+              <a:fontRef idx="minor">
+                <a:schemeClr val="lt1"/>
+              </a:fontRef>
+            </p:style>
+            <p:txBody>
+              <a:bodyPr rtlCol="0" anchor="ctr"/>
+              <a:lstStyle/>
+              <a:p>
+                <a:r>
+                  <a:rPr lang="en-US" altLang="ko-KR" sz="1100" dirty="0"/>
+                  <a:t>Write</a:t>
+                </a:r>
+              </a:p>
+              <a:p>
+                <a:r>
+                  <a:rPr lang="en-US" altLang="ko-KR" sz="1100" dirty="0"/>
+                  <a:t>Data</a:t>
+                </a:r>
+                <a:endParaRPr lang="ko-KR" altLang="en-US" sz="1100" dirty="0"/>
+              </a:p>
+            </p:txBody>
+          </p:sp>
+          <p:sp>
+            <p:nvSpPr>
+              <p:cNvPr id="49" name="Rectangle 83">
+                <a:extLst>
+                  <a:ext uri="{FF2B5EF4-FFF2-40B4-BE49-F238E27FC236}">
+                    <a16:creationId xmlns:a16="http://schemas.microsoft.com/office/drawing/2014/main" id="{A32BF652-508A-419B-8A7A-C6D2260D4AA7}"/>
+                  </a:ext>
+                </a:extLst>
+              </p:cNvPr>
+              <p:cNvSpPr/>
+              <p:nvPr/>
+            </p:nvSpPr>
+            <p:spPr>
+              <a:xfrm>
+                <a:off x="3791724" y="4439462"/>
+                <a:ext cx="666550" cy="340979"/>
+              </a:xfrm>
+              <a:prstGeom prst="rect">
+                <a:avLst/>
+              </a:prstGeom>
+              <a:noFill/>
+              <a:ln>
+                <a:noFill/>
+              </a:ln>
+            </p:spPr>
+            <p:style>
+              <a:lnRef idx="2">
+                <a:schemeClr val="accent1">
+                  <a:shade val="50000"/>
+                </a:schemeClr>
+              </a:lnRef>
+              <a:fillRef idx="1">
+                <a:schemeClr val="accent1"/>
+              </a:fillRef>
+              <a:effectRef idx="0">
+                <a:schemeClr val="accent1"/>
+              </a:effectRef>
+              <a:fontRef idx="minor">
+                <a:schemeClr val="lt1"/>
+              </a:fontRef>
+            </p:style>
+            <p:txBody>
+              <a:bodyPr rtlCol="0" anchor="ctr"/>
+              <a:lstStyle/>
+              <a:p>
+                <a:r>
+                  <a:rPr lang="en-US" altLang="ko-KR" sz="1200" dirty="0" err="1">
+                    <a:solidFill>
+                      <a:srgbClr val="0182C6"/>
+                    </a:solidFill>
+                  </a:rPr>
+                  <a:t>RegWrite</a:t>
+                </a:r>
+                <a:endParaRPr lang="en-US" altLang="ko-KR" sz="1200" dirty="0">
+                  <a:solidFill>
+                    <a:srgbClr val="0182C6"/>
+                  </a:solidFill>
+                </a:endParaRPr>
+              </a:p>
+            </p:txBody>
+          </p:sp>
+        </p:grpSp>
+        <p:cxnSp>
+          <p:nvCxnSpPr>
+            <p:cNvPr id="43" name="직선 연결선 42">
+              <a:extLst>
+                <a:ext uri="{FF2B5EF4-FFF2-40B4-BE49-F238E27FC236}">
+                  <a16:creationId xmlns:a16="http://schemas.microsoft.com/office/drawing/2014/main" id="{64F5D8A2-BE7E-4B07-8F68-5A87EB039491}"/>
+                </a:ext>
+              </a:extLst>
+            </p:cNvPr>
+            <p:cNvCxnSpPr>
+              <a:cxnSpLocks/>
+            </p:cNvCxnSpPr>
+            <p:nvPr/>
+          </p:nvCxnSpPr>
+          <p:spPr>
+            <a:xfrm>
+              <a:off x="3795750" y="4692255"/>
+              <a:ext cx="0" cy="275033"/>
+            </a:xfrm>
+            <a:prstGeom prst="line">
+              <a:avLst/>
+            </a:prstGeom>
+            <a:ln w="38100">
+              <a:solidFill>
+                <a:srgbClr val="0182C6"/>
+              </a:solidFill>
+            </a:ln>
+          </p:spPr>
+          <p:style>
+            <a:lnRef idx="1">
+              <a:schemeClr val="accent1"/>
+            </a:lnRef>
+            <a:fillRef idx="0">
+              <a:schemeClr val="accent1"/>
+            </a:fillRef>
+            <a:effectRef idx="0">
+              <a:schemeClr val="accent1"/>
+            </a:effectRef>
+            <a:fontRef idx="minor">
+              <a:schemeClr val="tx1"/>
+            </a:fontRef>
+          </p:style>
+        </p:cxnSp>
+      </p:grpSp>
+      <p:cxnSp>
+        <p:nvCxnSpPr>
+          <p:cNvPr id="56" name="Straight Arrow Connector 75">
+            <a:extLst>
+              <a:ext uri="{FF2B5EF4-FFF2-40B4-BE49-F238E27FC236}">
+                <a16:creationId xmlns:a16="http://schemas.microsoft.com/office/drawing/2014/main" id="{CEDCD815-6D45-4EDE-97C5-07A9E63BC2ED}"/>
+              </a:ext>
+            </a:extLst>
+          </p:cNvPr>
+          <p:cNvCxnSpPr>
+            <a:cxnSpLocks/>
+          </p:cNvCxnSpPr>
+          <p:nvPr/>
+        </p:nvCxnSpPr>
+        <p:spPr>
+          <a:xfrm>
+            <a:off x="7696274" y="3613051"/>
+            <a:ext cx="276771" cy="0"/>
+          </a:xfrm>
+          <a:prstGeom prst="straightConnector1">
+            <a:avLst/>
+          </a:prstGeom>
+          <a:ln w="38100">
+            <a:solidFill>
+              <a:srgbClr val="013B51">
+                <a:alpha val="60000"/>
+              </a:srgbClr>
+            </a:solidFill>
+            <a:tailEnd type="triangle"/>
+          </a:ln>
+        </p:spPr>
+        <p:style>
+          <a:lnRef idx="1">
+            <a:schemeClr val="accent1"/>
+          </a:lnRef>
+          <a:fillRef idx="0">
+            <a:schemeClr val="accent1"/>
+          </a:fillRef>
+          <a:effectRef idx="0">
+            <a:schemeClr val="accent1"/>
+          </a:effectRef>
+          <a:fontRef idx="minor">
+            <a:schemeClr val="tx1"/>
+          </a:fontRef>
+        </p:style>
+      </p:cxnSp>
+      <p:grpSp>
+        <p:nvGrpSpPr>
+          <p:cNvPr id="25" name="그룹 24">
+            <a:extLst>
+              <a:ext uri="{FF2B5EF4-FFF2-40B4-BE49-F238E27FC236}">
+                <a16:creationId xmlns:a16="http://schemas.microsoft.com/office/drawing/2014/main" id="{8066DB91-0466-4759-9BE3-A8036C6B6C95}"/>
+              </a:ext>
+            </a:extLst>
+          </p:cNvPr>
+          <p:cNvGrpSpPr/>
+          <p:nvPr/>
+        </p:nvGrpSpPr>
+        <p:grpSpPr>
+          <a:xfrm>
+            <a:off x="6554010" y="2759259"/>
+            <a:ext cx="1419032" cy="1842710"/>
+            <a:chOff x="8334565" y="2557316"/>
+            <a:chExt cx="1419032" cy="1842710"/>
+          </a:xfrm>
+        </p:grpSpPr>
+        <p:cxnSp>
+          <p:nvCxnSpPr>
+            <p:cNvPr id="58" name="직선 연결선 57">
+              <a:extLst>
+                <a:ext uri="{FF2B5EF4-FFF2-40B4-BE49-F238E27FC236}">
+                  <a16:creationId xmlns:a16="http://schemas.microsoft.com/office/drawing/2014/main" id="{0E58244F-52F2-4691-B40E-C58CC6A5E8C7}"/>
+                </a:ext>
+              </a:extLst>
+            </p:cNvPr>
+            <p:cNvCxnSpPr>
+              <a:cxnSpLocks/>
+            </p:cNvCxnSpPr>
+            <p:nvPr/>
+          </p:nvCxnSpPr>
+          <p:spPr>
+            <a:xfrm>
+              <a:off x="8640757" y="2575322"/>
+              <a:ext cx="0" cy="372509"/>
+            </a:xfrm>
+            <a:prstGeom prst="line">
+              <a:avLst/>
+            </a:prstGeom>
+            <a:ln w="38100">
+              <a:solidFill>
+                <a:srgbClr val="0182C6"/>
+              </a:solidFill>
+            </a:ln>
+          </p:spPr>
+          <p:style>
+            <a:lnRef idx="1">
+              <a:schemeClr val="accent1"/>
+            </a:lnRef>
+            <a:fillRef idx="0">
+              <a:schemeClr val="accent1"/>
+            </a:fillRef>
+            <a:effectRef idx="0">
+              <a:schemeClr val="accent1"/>
+            </a:effectRef>
+            <a:fontRef idx="minor">
+              <a:schemeClr val="tx1"/>
+            </a:fontRef>
+          </p:style>
+        </p:cxnSp>
+        <p:sp>
+          <p:nvSpPr>
+            <p:cNvPr id="50" name="자유형: 도형 49">
+              <a:extLst>
+                <a:ext uri="{FF2B5EF4-FFF2-40B4-BE49-F238E27FC236}">
+                  <a16:creationId xmlns:a16="http://schemas.microsoft.com/office/drawing/2014/main" id="{1A699FE9-3A76-4266-A62E-6E83113A5EC0}"/>
+                </a:ext>
+              </a:extLst>
+            </p:cNvPr>
+            <p:cNvSpPr/>
+            <p:nvPr/>
+          </p:nvSpPr>
+          <p:spPr>
+            <a:xfrm rot="16200000">
+              <a:off x="8207098" y="3130295"/>
+              <a:ext cx="1520636" cy="1018826"/>
+            </a:xfrm>
+            <a:custGeom>
+              <a:avLst/>
+              <a:gdLst>
+                <a:gd name="connsiteX0" fmla="*/ 1520636 w 1520636"/>
+                <a:gd name="connsiteY0" fmla="*/ 0 h 1018826"/>
+                <a:gd name="connsiteX1" fmla="*/ 1216509 w 1520636"/>
+                <a:gd name="connsiteY1" fmla="*/ 1018826 h 1018826"/>
+                <a:gd name="connsiteX2" fmla="*/ 304127 w 1520636"/>
+                <a:gd name="connsiteY2" fmla="*/ 1018826 h 1018826"/>
+                <a:gd name="connsiteX3" fmla="*/ 0 w 1520636"/>
+                <a:gd name="connsiteY3" fmla="*/ 0 h 1018826"/>
+                <a:gd name="connsiteX4" fmla="*/ 577888 w 1520636"/>
+                <a:gd name="connsiteY4" fmla="*/ 0 h 1018826"/>
+                <a:gd name="connsiteX5" fmla="*/ 771248 w 1520636"/>
+                <a:gd name="connsiteY5" fmla="*/ 202387 h 1018826"/>
+                <a:gd name="connsiteX6" fmla="*/ 964609 w 1520636"/>
+                <a:gd name="connsiteY6" fmla="*/ 0 h 1018826"/>
+              </a:gdLst>
+              <a:ahLst/>
+              <a:cxnLst>
+                <a:cxn ang="0">
+                  <a:pos x="connsiteX0" y="connsiteY0"/>
+                </a:cxn>
+                <a:cxn ang="0">
+                  <a:pos x="connsiteX1" y="connsiteY1"/>
+                </a:cxn>
+                <a:cxn ang="0">
+                  <a:pos x="connsiteX2" y="connsiteY2"/>
+                </a:cxn>
+                <a:cxn ang="0">
+                  <a:pos x="connsiteX3" y="connsiteY3"/>
+                </a:cxn>
+                <a:cxn ang="0">
+                  <a:pos x="connsiteX4" y="connsiteY4"/>
+                </a:cxn>
+                <a:cxn ang="0">
+                  <a:pos x="connsiteX5" y="connsiteY5"/>
+                </a:cxn>
+                <a:cxn ang="0">
+                  <a:pos x="connsiteX6" y="connsiteY6"/>
+                </a:cxn>
+              </a:cxnLst>
+              <a:rect l="l" t="t" r="r" b="b"/>
+              <a:pathLst>
+                <a:path w="1520636" h="1018826">
+                  <a:moveTo>
+                    <a:pt x="1520636" y="0"/>
+                  </a:moveTo>
+                  <a:lnTo>
+                    <a:pt x="1216509" y="1018826"/>
+                  </a:lnTo>
+                  <a:lnTo>
+                    <a:pt x="304127" y="1018826"/>
+                  </a:lnTo>
+                  <a:lnTo>
+                    <a:pt x="0" y="0"/>
+                  </a:lnTo>
+                  <a:lnTo>
+                    <a:pt x="577888" y="0"/>
+                  </a:lnTo>
+                  <a:lnTo>
+                    <a:pt x="771248" y="202387"/>
+                  </a:lnTo>
+                  <a:lnTo>
+                    <a:pt x="964609" y="0"/>
+                  </a:lnTo>
+                  <a:close/>
+                </a:path>
+              </a:pathLst>
+            </a:custGeom>
+            <a:solidFill>
+              <a:srgbClr val="013B51"/>
+            </a:solidFill>
+            <a:ln>
+              <a:noFill/>
+            </a:ln>
+          </p:spPr>
+          <p:style>
+            <a:lnRef idx="2">
+              <a:schemeClr val="accent1">
+                <a:shade val="50000"/>
+              </a:schemeClr>
+            </a:lnRef>
+            <a:fillRef idx="1">
+              <a:schemeClr val="accent1"/>
+            </a:fillRef>
+            <a:effectRef idx="0">
+              <a:schemeClr val="accent1"/>
+            </a:effectRef>
+            <a:fontRef idx="minor">
+              <a:schemeClr val="lt1"/>
+            </a:fontRef>
+          </p:style>
+          <p:txBody>
+            <a:bodyPr rtlCol="0" anchor="ctr"/>
+            <a:lstStyle/>
+            <a:p>
+              <a:pPr algn="ctr"/>
+              <a:endParaRPr lang="en-US" dirty="0"/>
+            </a:p>
+          </p:txBody>
+        </p:sp>
+        <p:sp>
+          <p:nvSpPr>
+            <p:cNvPr id="51" name="Rectangle 83">
+              <a:extLst>
+                <a:ext uri="{FF2B5EF4-FFF2-40B4-BE49-F238E27FC236}">
+                  <a16:creationId xmlns:a16="http://schemas.microsoft.com/office/drawing/2014/main" id="{70651820-739A-473C-84AF-8A3CE53EE8C3}"/>
+                </a:ext>
+              </a:extLst>
+            </p:cNvPr>
+            <p:cNvSpPr/>
+            <p:nvPr/>
+          </p:nvSpPr>
+          <p:spPr>
+            <a:xfrm>
+              <a:off x="8456624" y="3417094"/>
+              <a:ext cx="848468" cy="435796"/>
+            </a:xfrm>
+            <a:prstGeom prst="rect">
+              <a:avLst/>
+            </a:prstGeom>
+            <a:noFill/>
+            <a:ln>
+              <a:noFill/>
+            </a:ln>
+          </p:spPr>
+          <p:style>
+            <a:lnRef idx="2">
+              <a:schemeClr val="accent1">
+                <a:shade val="50000"/>
+              </a:schemeClr>
+            </a:lnRef>
+            <a:fillRef idx="1">
+              <a:schemeClr val="accent1"/>
+            </a:fillRef>
+            <a:effectRef idx="0">
+              <a:schemeClr val="accent1"/>
+            </a:effectRef>
+            <a:fontRef idx="minor">
+              <a:schemeClr val="lt1"/>
+            </a:fontRef>
+          </p:style>
+          <p:txBody>
+            <a:bodyPr rtlCol="0" anchor="ctr"/>
+            <a:lstStyle/>
+            <a:p>
+              <a:pPr algn="ctr"/>
+              <a:r>
+                <a:rPr lang="en-US" altLang="ko-KR" sz="1400" b="1" dirty="0"/>
+                <a:t>ALU</a:t>
+              </a:r>
+              <a:endParaRPr lang="ko-KR" altLang="en-US" sz="1400" b="1" dirty="0"/>
+            </a:p>
+          </p:txBody>
+        </p:sp>
+        <p:sp>
+          <p:nvSpPr>
+            <p:cNvPr id="52" name="Rectangle 83">
+              <a:extLst>
+                <a:ext uri="{FF2B5EF4-FFF2-40B4-BE49-F238E27FC236}">
+                  <a16:creationId xmlns:a16="http://schemas.microsoft.com/office/drawing/2014/main" id="{E058E804-13CF-4B18-8A3E-374DCD919344}"/>
+                </a:ext>
+              </a:extLst>
+            </p:cNvPr>
+            <p:cNvSpPr/>
+            <p:nvPr/>
+          </p:nvSpPr>
+          <p:spPr>
+            <a:xfrm>
+              <a:off x="8880858" y="3595669"/>
+              <a:ext cx="655507" cy="424252"/>
+            </a:xfrm>
+            <a:prstGeom prst="rect">
+              <a:avLst/>
+            </a:prstGeom>
+            <a:noFill/>
+            <a:ln>
+              <a:noFill/>
+            </a:ln>
+          </p:spPr>
+          <p:style>
+            <a:lnRef idx="2">
+              <a:schemeClr val="accent1">
+                <a:shade val="50000"/>
+              </a:schemeClr>
+            </a:lnRef>
+            <a:fillRef idx="1">
+              <a:schemeClr val="accent1"/>
+            </a:fillRef>
+            <a:effectRef idx="0">
+              <a:schemeClr val="accent1"/>
+            </a:effectRef>
+            <a:fontRef idx="minor">
+              <a:schemeClr val="lt1"/>
+            </a:fontRef>
+          </p:style>
+          <p:txBody>
+            <a:bodyPr rtlCol="0" anchor="ctr"/>
+            <a:lstStyle/>
+            <a:p>
+              <a:pPr algn="r"/>
+              <a:r>
+                <a:rPr lang="en-US" altLang="ko-KR" sz="1200" dirty="0"/>
+                <a:t>ALU</a:t>
+              </a:r>
+            </a:p>
+            <a:p>
+              <a:pPr algn="r"/>
+              <a:r>
+                <a:rPr lang="en-US" altLang="ko-KR" sz="1200" dirty="0"/>
+                <a:t>result</a:t>
+              </a:r>
+            </a:p>
+          </p:txBody>
+        </p:sp>
+        <p:sp>
+          <p:nvSpPr>
+            <p:cNvPr id="55" name="Rectangle 83">
+              <a:extLst>
+                <a:ext uri="{FF2B5EF4-FFF2-40B4-BE49-F238E27FC236}">
+                  <a16:creationId xmlns:a16="http://schemas.microsoft.com/office/drawing/2014/main" id="{4E4E3AFD-F40C-4499-ADAC-A941DECFDF00}"/>
+                </a:ext>
+              </a:extLst>
+            </p:cNvPr>
+            <p:cNvSpPr/>
+            <p:nvPr/>
+          </p:nvSpPr>
+          <p:spPr>
+            <a:xfrm>
+              <a:off x="8967416" y="3250063"/>
+              <a:ext cx="557846" cy="280884"/>
+            </a:xfrm>
+            <a:prstGeom prst="rect">
+              <a:avLst/>
+            </a:prstGeom>
+            <a:noFill/>
+            <a:ln>
+              <a:noFill/>
+            </a:ln>
+          </p:spPr>
+          <p:style>
+            <a:lnRef idx="2">
+              <a:schemeClr val="accent1">
+                <a:shade val="50000"/>
+              </a:schemeClr>
+            </a:lnRef>
+            <a:fillRef idx="1">
+              <a:schemeClr val="accent1"/>
+            </a:fillRef>
+            <a:effectRef idx="0">
+              <a:schemeClr val="accent1"/>
+            </a:effectRef>
+            <a:fontRef idx="minor">
+              <a:schemeClr val="lt1"/>
+            </a:fontRef>
+          </p:style>
+          <p:txBody>
+            <a:bodyPr rtlCol="0" anchor="ctr"/>
+            <a:lstStyle/>
+            <a:p>
+              <a:pPr algn="r"/>
+              <a:r>
+                <a:rPr lang="en-US" altLang="ko-KR" sz="1200" dirty="0">
+                  <a:solidFill>
+                    <a:schemeClr val="bg1">
+                      <a:lumMod val="75000"/>
+                    </a:schemeClr>
+                  </a:solidFill>
+                </a:rPr>
+                <a:t>Zero</a:t>
+              </a:r>
+            </a:p>
+          </p:txBody>
+        </p:sp>
+        <p:sp>
+          <p:nvSpPr>
+            <p:cNvPr id="57" name="Rectangle 83">
+              <a:extLst>
+                <a:ext uri="{FF2B5EF4-FFF2-40B4-BE49-F238E27FC236}">
+                  <a16:creationId xmlns:a16="http://schemas.microsoft.com/office/drawing/2014/main" id="{455C0EB4-F7C3-4775-9F20-05B52EC05B8F}"/>
+                </a:ext>
+              </a:extLst>
+            </p:cNvPr>
+            <p:cNvSpPr/>
+            <p:nvPr/>
+          </p:nvSpPr>
+          <p:spPr>
+            <a:xfrm>
+              <a:off x="8650068" y="2557316"/>
+              <a:ext cx="1103529" cy="275028"/>
+            </a:xfrm>
+            <a:prstGeom prst="rect">
+              <a:avLst/>
+            </a:prstGeom>
+            <a:noFill/>
+            <a:ln>
+              <a:noFill/>
+            </a:ln>
+          </p:spPr>
+          <p:style>
+            <a:lnRef idx="2">
+              <a:schemeClr val="accent1">
+                <a:shade val="50000"/>
+              </a:schemeClr>
+            </a:lnRef>
+            <a:fillRef idx="1">
+              <a:schemeClr val="accent1"/>
+            </a:fillRef>
+            <a:effectRef idx="0">
+              <a:schemeClr val="accent1"/>
+            </a:effectRef>
+            <a:fontRef idx="minor">
+              <a:schemeClr val="lt1"/>
+            </a:fontRef>
+          </p:style>
+          <p:txBody>
+            <a:bodyPr rtlCol="0" anchor="ctr"/>
+            <a:lstStyle/>
+            <a:p>
+              <a:r>
+                <a:rPr lang="en-US" altLang="ko-KR" sz="1100" dirty="0">
+                  <a:solidFill>
+                    <a:srgbClr val="0182C6"/>
+                  </a:solidFill>
+                </a:rPr>
+                <a:t>ALU operation </a:t>
+              </a:r>
+            </a:p>
+          </p:txBody>
+        </p:sp>
+        <p:cxnSp>
+          <p:nvCxnSpPr>
+            <p:cNvPr id="61" name="직선 연결선 60">
+              <a:extLst>
+                <a:ext uri="{FF2B5EF4-FFF2-40B4-BE49-F238E27FC236}">
+                  <a16:creationId xmlns:a16="http://schemas.microsoft.com/office/drawing/2014/main" id="{721C7065-0739-4EC9-8F9D-25FD08BC4B11}"/>
+                </a:ext>
+              </a:extLst>
+            </p:cNvPr>
+            <p:cNvCxnSpPr>
+              <a:cxnSpLocks/>
+            </p:cNvCxnSpPr>
+            <p:nvPr/>
+          </p:nvCxnSpPr>
+          <p:spPr>
+            <a:xfrm>
+              <a:off x="8535786" y="2673155"/>
+              <a:ext cx="209941" cy="176842"/>
+            </a:xfrm>
+            <a:prstGeom prst="line">
+              <a:avLst/>
+            </a:prstGeom>
+            <a:ln w="19050">
+              <a:solidFill>
+                <a:srgbClr val="0182C6"/>
+              </a:solidFill>
+            </a:ln>
+          </p:spPr>
+          <p:style>
+            <a:lnRef idx="1">
+              <a:schemeClr val="accent1"/>
+            </a:lnRef>
+            <a:fillRef idx="0">
+              <a:schemeClr val="accent1"/>
+            </a:fillRef>
+            <a:effectRef idx="0">
+              <a:schemeClr val="accent1"/>
+            </a:effectRef>
+            <a:fontRef idx="minor">
+              <a:schemeClr val="tx1"/>
+            </a:fontRef>
+          </p:style>
+        </p:cxnSp>
+        <p:sp>
+          <p:nvSpPr>
+            <p:cNvPr id="65" name="Rectangle 83">
+              <a:extLst>
+                <a:ext uri="{FF2B5EF4-FFF2-40B4-BE49-F238E27FC236}">
+                  <a16:creationId xmlns:a16="http://schemas.microsoft.com/office/drawing/2014/main" id="{895278AF-757C-409D-BFB9-0DCF8295EACC}"/>
+                </a:ext>
+              </a:extLst>
+            </p:cNvPr>
+            <p:cNvSpPr/>
+            <p:nvPr/>
+          </p:nvSpPr>
+          <p:spPr>
+            <a:xfrm>
+              <a:off x="8334565" y="2574845"/>
+              <a:ext cx="244117" cy="275028"/>
+            </a:xfrm>
+            <a:prstGeom prst="rect">
+              <a:avLst/>
+            </a:prstGeom>
+            <a:noFill/>
+            <a:ln>
+              <a:noFill/>
+            </a:ln>
+          </p:spPr>
+          <p:style>
+            <a:lnRef idx="2">
+              <a:schemeClr val="accent1">
+                <a:shade val="50000"/>
+              </a:schemeClr>
+            </a:lnRef>
+            <a:fillRef idx="1">
+              <a:schemeClr val="accent1"/>
+            </a:fillRef>
+            <a:effectRef idx="0">
+              <a:schemeClr val="accent1"/>
+            </a:effectRef>
+            <a:fontRef idx="minor">
+              <a:schemeClr val="lt1"/>
+            </a:fontRef>
+          </p:style>
+          <p:txBody>
+            <a:bodyPr rtlCol="0" anchor="ctr"/>
+            <a:lstStyle/>
+            <a:p>
+              <a:pPr algn="ctr"/>
+              <a:r>
+                <a:rPr lang="en-US" altLang="ko-KR" sz="1100" dirty="0">
+                  <a:solidFill>
+                    <a:srgbClr val="0182C6"/>
+                  </a:solidFill>
+                </a:rPr>
+                <a:t>4</a:t>
+              </a:r>
+            </a:p>
+          </p:txBody>
+        </p:sp>
+      </p:grpSp>
+      <p:grpSp>
+        <p:nvGrpSpPr>
+          <p:cNvPr id="60" name="그룹 59">
+            <a:extLst>
+              <a:ext uri="{FF2B5EF4-FFF2-40B4-BE49-F238E27FC236}">
+                <a16:creationId xmlns:a16="http://schemas.microsoft.com/office/drawing/2014/main" id="{8811AF30-5161-4FF5-BEAB-AE3028A9B843}"/>
+              </a:ext>
+            </a:extLst>
+          </p:cNvPr>
+          <p:cNvGrpSpPr/>
+          <p:nvPr/>
+        </p:nvGrpSpPr>
+        <p:grpSpPr>
+          <a:xfrm>
+            <a:off x="2991227" y="2820058"/>
+            <a:ext cx="571128" cy="380491"/>
+            <a:chOff x="3394739" y="2759629"/>
+            <a:chExt cx="571128" cy="380491"/>
+          </a:xfrm>
+        </p:grpSpPr>
+        <p:cxnSp>
+          <p:nvCxnSpPr>
+            <p:cNvPr id="34" name="Straight Arrow Connector 12">
+              <a:extLst>
+                <a:ext uri="{FF2B5EF4-FFF2-40B4-BE49-F238E27FC236}">
+                  <a16:creationId xmlns:a16="http://schemas.microsoft.com/office/drawing/2014/main" id="{D1EB8ED3-630B-4FF3-8555-646876B6B52D}"/>
+                </a:ext>
+              </a:extLst>
+            </p:cNvPr>
+            <p:cNvCxnSpPr>
+              <a:cxnSpLocks/>
+            </p:cNvCxnSpPr>
+            <p:nvPr/>
+          </p:nvCxnSpPr>
+          <p:spPr>
+            <a:xfrm>
+              <a:off x="3394739" y="3054674"/>
+              <a:ext cx="571128" cy="0"/>
+            </a:xfrm>
+            <a:prstGeom prst="straightConnector1">
+              <a:avLst/>
+            </a:prstGeom>
+            <a:ln w="38100">
+              <a:solidFill>
+                <a:srgbClr val="013B51"/>
+              </a:solidFill>
+              <a:tailEnd type="triangle"/>
+            </a:ln>
+          </p:spPr>
+          <p:style>
+            <a:lnRef idx="1">
+              <a:schemeClr val="accent1"/>
+            </a:lnRef>
+            <a:fillRef idx="0">
+              <a:schemeClr val="accent1"/>
+            </a:fillRef>
+            <a:effectRef idx="0">
+              <a:schemeClr val="accent1"/>
+            </a:effectRef>
+            <a:fontRef idx="minor">
+              <a:schemeClr val="tx1"/>
+            </a:fontRef>
+          </p:style>
+        </p:cxnSp>
+        <p:cxnSp>
+          <p:nvCxnSpPr>
+            <p:cNvPr id="64" name="직선 연결선 63">
+              <a:extLst>
+                <a:ext uri="{FF2B5EF4-FFF2-40B4-BE49-F238E27FC236}">
+                  <a16:creationId xmlns:a16="http://schemas.microsoft.com/office/drawing/2014/main" id="{7EEEAE46-5454-434C-83E3-2D77BF0413AD}"/>
+                </a:ext>
+              </a:extLst>
+            </p:cNvPr>
+            <p:cNvCxnSpPr>
+              <a:cxnSpLocks/>
+            </p:cNvCxnSpPr>
+            <p:nvPr/>
+          </p:nvCxnSpPr>
+          <p:spPr>
+            <a:xfrm>
+              <a:off x="3606882" y="2963278"/>
+              <a:ext cx="209941" cy="176842"/>
+            </a:xfrm>
+            <a:prstGeom prst="line">
+              <a:avLst/>
+            </a:prstGeom>
+            <a:ln w="19050">
+              <a:solidFill>
+                <a:srgbClr val="013B51"/>
+              </a:solidFill>
+            </a:ln>
+          </p:spPr>
+          <p:style>
+            <a:lnRef idx="1">
+              <a:schemeClr val="accent1"/>
+            </a:lnRef>
+            <a:fillRef idx="0">
+              <a:schemeClr val="accent1"/>
+            </a:fillRef>
+            <a:effectRef idx="0">
+              <a:schemeClr val="accent1"/>
+            </a:effectRef>
+            <a:fontRef idx="minor">
+              <a:schemeClr val="tx1"/>
+            </a:fontRef>
+          </p:style>
+        </p:cxnSp>
+        <p:sp>
+          <p:nvSpPr>
+            <p:cNvPr id="67" name="Rectangle 83">
+              <a:extLst>
+                <a:ext uri="{FF2B5EF4-FFF2-40B4-BE49-F238E27FC236}">
+                  <a16:creationId xmlns:a16="http://schemas.microsoft.com/office/drawing/2014/main" id="{3AB323AE-E7F8-457C-8A86-E3A8D029776C}"/>
+                </a:ext>
+              </a:extLst>
+            </p:cNvPr>
+            <p:cNvSpPr/>
+            <p:nvPr/>
+          </p:nvSpPr>
+          <p:spPr>
+            <a:xfrm>
+              <a:off x="3606882" y="2759629"/>
+              <a:ext cx="244117" cy="275028"/>
+            </a:xfrm>
+            <a:prstGeom prst="rect">
+              <a:avLst/>
+            </a:prstGeom>
+            <a:noFill/>
+            <a:ln>
+              <a:noFill/>
+            </a:ln>
+          </p:spPr>
+          <p:style>
+            <a:lnRef idx="2">
+              <a:schemeClr val="accent1">
+                <a:shade val="50000"/>
+              </a:schemeClr>
+            </a:lnRef>
+            <a:fillRef idx="1">
+              <a:schemeClr val="accent1"/>
+            </a:fillRef>
+            <a:effectRef idx="0">
+              <a:schemeClr val="accent1"/>
+            </a:effectRef>
+            <a:fontRef idx="minor">
+              <a:schemeClr val="lt1"/>
+            </a:fontRef>
+          </p:style>
+          <p:txBody>
+            <a:bodyPr rtlCol="0" anchor="ctr"/>
+            <a:lstStyle/>
+            <a:p>
+              <a:pPr algn="ctr"/>
+              <a:r>
+                <a:rPr lang="en-US" altLang="ko-KR" sz="1100" dirty="0">
+                  <a:solidFill>
+                    <a:srgbClr val="013B51"/>
+                  </a:solidFill>
+                </a:rPr>
+                <a:t>5</a:t>
+              </a:r>
+            </a:p>
+          </p:txBody>
+        </p:sp>
+      </p:grpSp>
+      <p:grpSp>
+        <p:nvGrpSpPr>
+          <p:cNvPr id="59" name="그룹 58">
+            <a:extLst>
+              <a:ext uri="{FF2B5EF4-FFF2-40B4-BE49-F238E27FC236}">
+                <a16:creationId xmlns:a16="http://schemas.microsoft.com/office/drawing/2014/main" id="{620D3ECB-D986-494E-9BBE-5E739A6DB235}"/>
+              </a:ext>
+            </a:extLst>
+          </p:cNvPr>
+          <p:cNvGrpSpPr/>
+          <p:nvPr/>
+        </p:nvGrpSpPr>
+        <p:grpSpPr>
+          <a:xfrm>
+            <a:off x="2991227" y="3287148"/>
+            <a:ext cx="571128" cy="380491"/>
+            <a:chOff x="3394739" y="3226719"/>
+            <a:chExt cx="571128" cy="380491"/>
+          </a:xfrm>
+        </p:grpSpPr>
+        <p:cxnSp>
+          <p:nvCxnSpPr>
+            <p:cNvPr id="27" name="Straight Arrow Connector 12">
+              <a:extLst>
+                <a:ext uri="{FF2B5EF4-FFF2-40B4-BE49-F238E27FC236}">
+                  <a16:creationId xmlns:a16="http://schemas.microsoft.com/office/drawing/2014/main" id="{FDB70F84-BBC5-4E8A-9EA3-3970293C1B8B}"/>
+                </a:ext>
+              </a:extLst>
+            </p:cNvPr>
+            <p:cNvCxnSpPr>
+              <a:cxnSpLocks/>
+            </p:cNvCxnSpPr>
+            <p:nvPr/>
+          </p:nvCxnSpPr>
+          <p:spPr>
+            <a:xfrm>
+              <a:off x="3394739" y="3512480"/>
+              <a:ext cx="571128" cy="0"/>
+            </a:xfrm>
+            <a:prstGeom prst="straightConnector1">
+              <a:avLst/>
+            </a:prstGeom>
+            <a:ln w="38100">
+              <a:solidFill>
+                <a:srgbClr val="013B51"/>
+              </a:solidFill>
+              <a:tailEnd type="triangle"/>
+            </a:ln>
+          </p:spPr>
+          <p:style>
+            <a:lnRef idx="1">
+              <a:schemeClr val="accent1"/>
+            </a:lnRef>
+            <a:fillRef idx="0">
+              <a:schemeClr val="accent1"/>
+            </a:fillRef>
+            <a:effectRef idx="0">
+              <a:schemeClr val="accent1"/>
+            </a:effectRef>
+            <a:fontRef idx="minor">
+              <a:schemeClr val="tx1"/>
+            </a:fontRef>
+          </p:style>
+        </p:cxnSp>
+        <p:cxnSp>
+          <p:nvCxnSpPr>
+            <p:cNvPr id="71" name="직선 연결선 70">
+              <a:extLst>
+                <a:ext uri="{FF2B5EF4-FFF2-40B4-BE49-F238E27FC236}">
+                  <a16:creationId xmlns:a16="http://schemas.microsoft.com/office/drawing/2014/main" id="{D7F1F692-5DB5-4F67-B1DD-8341B2D2D37C}"/>
+                </a:ext>
+              </a:extLst>
+            </p:cNvPr>
+            <p:cNvCxnSpPr>
+              <a:cxnSpLocks/>
+            </p:cNvCxnSpPr>
+            <p:nvPr/>
+          </p:nvCxnSpPr>
+          <p:spPr>
+            <a:xfrm>
+              <a:off x="3606882" y="3430368"/>
+              <a:ext cx="209941" cy="176842"/>
+            </a:xfrm>
+            <a:prstGeom prst="line">
+              <a:avLst/>
+            </a:prstGeom>
+            <a:ln w="19050">
+              <a:solidFill>
+                <a:srgbClr val="013B51"/>
+              </a:solidFill>
+            </a:ln>
+          </p:spPr>
+          <p:style>
+            <a:lnRef idx="1">
+              <a:schemeClr val="accent1"/>
+            </a:lnRef>
+            <a:fillRef idx="0">
+              <a:schemeClr val="accent1"/>
+            </a:fillRef>
+            <a:effectRef idx="0">
+              <a:schemeClr val="accent1"/>
+            </a:effectRef>
+            <a:fontRef idx="minor">
+              <a:schemeClr val="tx1"/>
+            </a:fontRef>
+          </p:style>
+        </p:cxnSp>
+        <p:sp>
+          <p:nvSpPr>
+            <p:cNvPr id="72" name="Rectangle 83">
+              <a:extLst>
+                <a:ext uri="{FF2B5EF4-FFF2-40B4-BE49-F238E27FC236}">
+                  <a16:creationId xmlns:a16="http://schemas.microsoft.com/office/drawing/2014/main" id="{A851C2B5-1AD4-43BC-84B7-9D199863804B}"/>
+                </a:ext>
+              </a:extLst>
+            </p:cNvPr>
+            <p:cNvSpPr/>
+            <p:nvPr/>
+          </p:nvSpPr>
+          <p:spPr>
+            <a:xfrm>
+              <a:off x="3606882" y="3226719"/>
+              <a:ext cx="244117" cy="275028"/>
+            </a:xfrm>
+            <a:prstGeom prst="rect">
+              <a:avLst/>
+            </a:prstGeom>
+            <a:noFill/>
+            <a:ln>
+              <a:noFill/>
+            </a:ln>
+          </p:spPr>
+          <p:style>
+            <a:lnRef idx="2">
+              <a:schemeClr val="accent1">
+                <a:shade val="50000"/>
+              </a:schemeClr>
+            </a:lnRef>
+            <a:fillRef idx="1">
+              <a:schemeClr val="accent1"/>
+            </a:fillRef>
+            <a:effectRef idx="0">
+              <a:schemeClr val="accent1"/>
+            </a:effectRef>
+            <a:fontRef idx="minor">
+              <a:schemeClr val="lt1"/>
+            </a:fontRef>
+          </p:style>
+          <p:txBody>
+            <a:bodyPr rtlCol="0" anchor="ctr"/>
+            <a:lstStyle/>
+            <a:p>
+              <a:pPr algn="ctr"/>
+              <a:r>
+                <a:rPr lang="en-US" altLang="ko-KR" sz="1100" dirty="0">
+                  <a:solidFill>
+                    <a:srgbClr val="013B51"/>
+                  </a:solidFill>
+                </a:rPr>
+                <a:t>5</a:t>
+              </a:r>
+            </a:p>
+          </p:txBody>
+        </p:sp>
+      </p:grpSp>
+      <p:grpSp>
+        <p:nvGrpSpPr>
+          <p:cNvPr id="54" name="그룹 53">
+            <a:extLst>
+              <a:ext uri="{FF2B5EF4-FFF2-40B4-BE49-F238E27FC236}">
+                <a16:creationId xmlns:a16="http://schemas.microsoft.com/office/drawing/2014/main" id="{51B7138F-6252-460F-9C46-0DB2B5BF06A7}"/>
+              </a:ext>
+            </a:extLst>
+          </p:cNvPr>
+          <p:cNvGrpSpPr/>
+          <p:nvPr/>
+        </p:nvGrpSpPr>
+        <p:grpSpPr>
+          <a:xfrm>
+            <a:off x="4791716" y="5097010"/>
+            <a:ext cx="848468" cy="1423546"/>
+            <a:chOff x="9661410" y="4010467"/>
+            <a:chExt cx="848468" cy="1423546"/>
+          </a:xfrm>
+        </p:grpSpPr>
+        <p:sp>
+          <p:nvSpPr>
+            <p:cNvPr id="62" name="타원 61">
+              <a:extLst>
+                <a:ext uri="{FF2B5EF4-FFF2-40B4-BE49-F238E27FC236}">
+                  <a16:creationId xmlns:a16="http://schemas.microsoft.com/office/drawing/2014/main" id="{3293518B-FE0E-47F9-A77B-91DDDAD4BBE4}"/>
+                </a:ext>
+              </a:extLst>
+            </p:cNvPr>
+            <p:cNvSpPr/>
+            <p:nvPr/>
+          </p:nvSpPr>
+          <p:spPr>
+            <a:xfrm>
+              <a:off x="9679064" y="4010467"/>
+              <a:ext cx="813160" cy="1423546"/>
+            </a:xfrm>
+            <a:prstGeom prst="ellipse">
+              <a:avLst/>
+            </a:prstGeom>
+            <a:solidFill>
+              <a:srgbClr val="787878"/>
+            </a:solidFill>
+            <a:ln>
+              <a:noFill/>
+            </a:ln>
+          </p:spPr>
+          <p:style>
+            <a:lnRef idx="2">
+              <a:schemeClr val="accent1">
+                <a:shade val="50000"/>
+              </a:schemeClr>
+            </a:lnRef>
+            <a:fillRef idx="1">
+              <a:schemeClr val="accent1"/>
+            </a:fillRef>
+            <a:effectRef idx="0">
+              <a:schemeClr val="accent1"/>
+            </a:effectRef>
+            <a:fontRef idx="minor">
+              <a:schemeClr val="lt1"/>
+            </a:fontRef>
+          </p:style>
+          <p:txBody>
+            <a:bodyPr rtlCol="0" anchor="ctr"/>
+            <a:lstStyle/>
+            <a:p>
+              <a:pPr algn="ctr"/>
+              <a:endParaRPr lang="en-US"/>
+            </a:p>
+          </p:txBody>
+        </p:sp>
+        <p:sp>
+          <p:nvSpPr>
+            <p:cNvPr id="63" name="Rectangle 83">
+              <a:extLst>
+                <a:ext uri="{FF2B5EF4-FFF2-40B4-BE49-F238E27FC236}">
+                  <a16:creationId xmlns:a16="http://schemas.microsoft.com/office/drawing/2014/main" id="{BC955CE2-3C38-4891-843C-60D404BDC94F}"/>
+                </a:ext>
+              </a:extLst>
+            </p:cNvPr>
+            <p:cNvSpPr/>
+            <p:nvPr/>
+          </p:nvSpPr>
+          <p:spPr>
+            <a:xfrm>
+              <a:off x="9661410" y="4504342"/>
+              <a:ext cx="848468" cy="435796"/>
+            </a:xfrm>
+            <a:prstGeom prst="rect">
+              <a:avLst/>
+            </a:prstGeom>
+            <a:noFill/>
+            <a:ln>
+              <a:noFill/>
+            </a:ln>
+          </p:spPr>
+          <p:style>
+            <a:lnRef idx="2">
+              <a:schemeClr val="accent1">
+                <a:shade val="50000"/>
+              </a:schemeClr>
+            </a:lnRef>
+            <a:fillRef idx="1">
+              <a:schemeClr val="accent1"/>
+            </a:fillRef>
+            <a:effectRef idx="0">
+              <a:schemeClr val="accent1"/>
+            </a:effectRef>
+            <a:fontRef idx="minor">
+              <a:schemeClr val="lt1"/>
+            </a:fontRef>
+          </p:style>
+          <p:txBody>
+            <a:bodyPr rtlCol="0" anchor="ctr"/>
+            <a:lstStyle/>
+            <a:p>
+              <a:pPr algn="ctr"/>
+              <a:r>
+                <a:rPr lang="en-US" altLang="ko-KR" sz="1400" b="1" dirty="0"/>
+                <a:t>Sign-</a:t>
+              </a:r>
+            </a:p>
+            <a:p>
+              <a:pPr algn="ctr"/>
+              <a:r>
+                <a:rPr lang="en-US" altLang="ko-KR" sz="1400" b="1" dirty="0"/>
+                <a:t>extend</a:t>
+              </a:r>
+              <a:endParaRPr lang="ko-KR" altLang="en-US" sz="1400" b="1" dirty="0"/>
+            </a:p>
+          </p:txBody>
+        </p:sp>
+      </p:grpSp>
+      <p:grpSp>
+        <p:nvGrpSpPr>
+          <p:cNvPr id="66" name="그룹 65">
+            <a:extLst>
+              <a:ext uri="{FF2B5EF4-FFF2-40B4-BE49-F238E27FC236}">
+                <a16:creationId xmlns:a16="http://schemas.microsoft.com/office/drawing/2014/main" id="{B766149C-6F9D-4132-A2E8-18DE889C385F}"/>
+              </a:ext>
+            </a:extLst>
+          </p:cNvPr>
+          <p:cNvGrpSpPr/>
+          <p:nvPr/>
+        </p:nvGrpSpPr>
+        <p:grpSpPr>
+          <a:xfrm>
+            <a:off x="4315301" y="5495042"/>
+            <a:ext cx="485242" cy="380491"/>
+            <a:chOff x="3480625" y="3226719"/>
+            <a:chExt cx="485242" cy="380491"/>
+          </a:xfrm>
+        </p:grpSpPr>
+        <p:cxnSp>
+          <p:nvCxnSpPr>
+            <p:cNvPr id="68" name="Straight Arrow Connector 12">
+              <a:extLst>
+                <a:ext uri="{FF2B5EF4-FFF2-40B4-BE49-F238E27FC236}">
+                  <a16:creationId xmlns:a16="http://schemas.microsoft.com/office/drawing/2014/main" id="{008DDE02-486A-40C5-8E3A-8E0D15D6177B}"/>
+                </a:ext>
+              </a:extLst>
+            </p:cNvPr>
+            <p:cNvCxnSpPr>
+              <a:cxnSpLocks/>
+            </p:cNvCxnSpPr>
+            <p:nvPr/>
+          </p:nvCxnSpPr>
+          <p:spPr>
+            <a:xfrm>
+              <a:off x="3480625" y="3512480"/>
+              <a:ext cx="485242" cy="0"/>
+            </a:xfrm>
+            <a:prstGeom prst="straightConnector1">
+              <a:avLst/>
+            </a:prstGeom>
+            <a:ln w="38100">
+              <a:solidFill>
+                <a:srgbClr val="013B51"/>
+              </a:solidFill>
+              <a:tailEnd type="triangle"/>
+            </a:ln>
+          </p:spPr>
+          <p:style>
+            <a:lnRef idx="1">
+              <a:schemeClr val="accent1"/>
+            </a:lnRef>
+            <a:fillRef idx="0">
+              <a:schemeClr val="accent1"/>
+            </a:fillRef>
+            <a:effectRef idx="0">
+              <a:schemeClr val="accent1"/>
+            </a:effectRef>
+            <a:fontRef idx="minor">
+              <a:schemeClr val="tx1"/>
+            </a:fontRef>
+          </p:style>
+        </p:cxnSp>
+        <p:cxnSp>
+          <p:nvCxnSpPr>
+            <p:cNvPr id="69" name="직선 연결선 68">
+              <a:extLst>
+                <a:ext uri="{FF2B5EF4-FFF2-40B4-BE49-F238E27FC236}">
+                  <a16:creationId xmlns:a16="http://schemas.microsoft.com/office/drawing/2014/main" id="{F396D8EE-BB71-4AA4-8004-75F902A46F5B}"/>
+                </a:ext>
+              </a:extLst>
+            </p:cNvPr>
+            <p:cNvCxnSpPr>
+              <a:cxnSpLocks/>
+            </p:cNvCxnSpPr>
+            <p:nvPr/>
+          </p:nvCxnSpPr>
+          <p:spPr>
+            <a:xfrm>
+              <a:off x="3606882" y="3430368"/>
+              <a:ext cx="209941" cy="176842"/>
+            </a:xfrm>
+            <a:prstGeom prst="line">
+              <a:avLst/>
+            </a:prstGeom>
+            <a:ln w="19050">
+              <a:solidFill>
+                <a:srgbClr val="013B51"/>
+              </a:solidFill>
+            </a:ln>
+          </p:spPr>
+          <p:style>
+            <a:lnRef idx="1">
+              <a:schemeClr val="accent1"/>
+            </a:lnRef>
+            <a:fillRef idx="0">
+              <a:schemeClr val="accent1"/>
+            </a:fillRef>
+            <a:effectRef idx="0">
+              <a:schemeClr val="accent1"/>
+            </a:effectRef>
+            <a:fontRef idx="minor">
+              <a:schemeClr val="tx1"/>
+            </a:fontRef>
+          </p:style>
+        </p:cxnSp>
+        <p:sp>
+          <p:nvSpPr>
+            <p:cNvPr id="70" name="Rectangle 83">
+              <a:extLst>
+                <a:ext uri="{FF2B5EF4-FFF2-40B4-BE49-F238E27FC236}">
+                  <a16:creationId xmlns:a16="http://schemas.microsoft.com/office/drawing/2014/main" id="{EE0C204C-8C27-4F75-AA70-FCD453EDDA7C}"/>
+                </a:ext>
+              </a:extLst>
+            </p:cNvPr>
+            <p:cNvSpPr/>
+            <p:nvPr/>
+          </p:nvSpPr>
+          <p:spPr>
+            <a:xfrm>
+              <a:off x="3518495" y="3226719"/>
+              <a:ext cx="420892" cy="275028"/>
+            </a:xfrm>
+            <a:prstGeom prst="rect">
+              <a:avLst/>
+            </a:prstGeom>
+            <a:noFill/>
+            <a:ln>
+              <a:noFill/>
+            </a:ln>
+          </p:spPr>
+          <p:style>
+            <a:lnRef idx="2">
+              <a:schemeClr val="accent1">
+                <a:shade val="50000"/>
+              </a:schemeClr>
+            </a:lnRef>
+            <a:fillRef idx="1">
+              <a:schemeClr val="accent1"/>
+            </a:fillRef>
+            <a:effectRef idx="0">
+              <a:schemeClr val="accent1"/>
+            </a:effectRef>
+            <a:fontRef idx="minor">
+              <a:schemeClr val="lt1"/>
+            </a:fontRef>
+          </p:style>
+          <p:txBody>
+            <a:bodyPr rtlCol="0" anchor="ctr"/>
+            <a:lstStyle/>
+            <a:p>
+              <a:pPr algn="ctr"/>
+              <a:r>
+                <a:rPr lang="en-US" altLang="ko-KR" sz="1100" dirty="0">
+                  <a:solidFill>
+                    <a:srgbClr val="013B51"/>
+                  </a:solidFill>
+                </a:rPr>
+                <a:t>16</a:t>
+              </a:r>
+            </a:p>
+          </p:txBody>
+        </p:sp>
+      </p:grpSp>
+      <p:cxnSp>
+        <p:nvCxnSpPr>
+          <p:cNvPr id="78" name="Straight Arrow Connector 12">
+            <a:extLst>
+              <a:ext uri="{FF2B5EF4-FFF2-40B4-BE49-F238E27FC236}">
+                <a16:creationId xmlns:a16="http://schemas.microsoft.com/office/drawing/2014/main" id="{2AEE082B-D6D2-45C0-91F6-97F49C827437}"/>
+              </a:ext>
+            </a:extLst>
+          </p:cNvPr>
+          <p:cNvCxnSpPr>
+            <a:cxnSpLocks/>
+          </p:cNvCxnSpPr>
+          <p:nvPr/>
+        </p:nvCxnSpPr>
+        <p:spPr>
+          <a:xfrm>
+            <a:off x="5937868" y="2267903"/>
+            <a:ext cx="236735" cy="0"/>
+          </a:xfrm>
+          <a:prstGeom prst="straightConnector1">
+            <a:avLst/>
+          </a:prstGeom>
+          <a:ln w="38100">
+            <a:solidFill>
+              <a:srgbClr val="013B51"/>
+            </a:solidFill>
+            <a:tailEnd type="triangle"/>
+          </a:ln>
+        </p:spPr>
+        <p:style>
+          <a:lnRef idx="1">
+            <a:schemeClr val="accent1"/>
+          </a:lnRef>
+          <a:fillRef idx="0">
+            <a:schemeClr val="accent1"/>
+          </a:fillRef>
+          <a:effectRef idx="0">
+            <a:schemeClr val="accent1"/>
+          </a:effectRef>
+          <a:fontRef idx="minor">
+            <a:schemeClr val="tx1"/>
+          </a:fontRef>
+        </p:style>
+      </p:cxnSp>
+      <p:cxnSp>
+        <p:nvCxnSpPr>
+          <p:cNvPr id="79" name="직선 연결선 78">
+            <a:extLst>
+              <a:ext uri="{FF2B5EF4-FFF2-40B4-BE49-F238E27FC236}">
+                <a16:creationId xmlns:a16="http://schemas.microsoft.com/office/drawing/2014/main" id="{08154198-C2BC-4185-8186-82ACA5032C15}"/>
+              </a:ext>
+            </a:extLst>
+          </p:cNvPr>
+          <p:cNvCxnSpPr>
+            <a:cxnSpLocks/>
+          </p:cNvCxnSpPr>
+          <p:nvPr/>
+        </p:nvCxnSpPr>
+        <p:spPr>
+          <a:xfrm>
+            <a:off x="5702090" y="5698691"/>
+            <a:ext cx="209941" cy="176842"/>
+          </a:xfrm>
+          <a:prstGeom prst="line">
+            <a:avLst/>
+          </a:prstGeom>
+          <a:ln w="19050">
+            <a:solidFill>
+              <a:srgbClr val="013B51"/>
+            </a:solidFill>
+          </a:ln>
+        </p:spPr>
+        <p:style>
+          <a:lnRef idx="1">
+            <a:schemeClr val="accent1"/>
+          </a:lnRef>
+          <a:fillRef idx="0">
+            <a:schemeClr val="accent1"/>
+          </a:fillRef>
+          <a:effectRef idx="0">
+            <a:schemeClr val="accent1"/>
+          </a:effectRef>
+          <a:fontRef idx="minor">
+            <a:schemeClr val="tx1"/>
+          </a:fontRef>
+        </p:style>
+      </p:cxnSp>
+      <p:sp>
+        <p:nvSpPr>
+          <p:cNvPr id="80" name="Rectangle 83">
+            <a:extLst>
+              <a:ext uri="{FF2B5EF4-FFF2-40B4-BE49-F238E27FC236}">
+                <a16:creationId xmlns:a16="http://schemas.microsoft.com/office/drawing/2014/main" id="{A375A863-5712-4D18-9657-9DFA18EE65FD}"/>
+              </a:ext>
+            </a:extLst>
+          </p:cNvPr>
+          <p:cNvSpPr/>
+          <p:nvPr/>
+        </p:nvSpPr>
+        <p:spPr>
+          <a:xfrm>
+            <a:off x="5613703" y="5495042"/>
+            <a:ext cx="420892" cy="275028"/>
+          </a:xfrm>
+          <a:prstGeom prst="rect">
+            <a:avLst/>
+          </a:prstGeom>
+          <a:noFill/>
+          <a:ln>
+            <a:noFill/>
+          </a:ln>
+        </p:spPr>
+        <p:style>
+          <a:lnRef idx="2">
+            <a:schemeClr val="accent1">
+              <a:shade val="50000"/>
+            </a:schemeClr>
+          </a:lnRef>
+          <a:fillRef idx="1">
+            <a:schemeClr val="accent1"/>
+          </a:fillRef>
+          <a:effectRef idx="0">
+            <a:schemeClr val="accent1"/>
+          </a:effectRef>
+          <a:fontRef idx="minor">
+            <a:schemeClr val="lt1"/>
+          </a:fontRef>
+        </p:style>
+        <p:txBody>
+          <a:bodyPr rtlCol="0" anchor="ctr"/>
+          <a:lstStyle/>
+          <a:p>
+            <a:pPr algn="ctr"/>
+            <a:r>
+              <a:rPr lang="en-US" altLang="ko-KR" sz="1100" dirty="0">
+                <a:solidFill>
+                  <a:srgbClr val="013B51"/>
+                </a:solidFill>
+              </a:rPr>
+              <a:t>32</a:t>
+            </a:r>
+          </a:p>
+        </p:txBody>
+      </p:sp>
+      <p:grpSp>
+        <p:nvGrpSpPr>
+          <p:cNvPr id="81" name="그룹 80">
+            <a:extLst>
+              <a:ext uri="{FF2B5EF4-FFF2-40B4-BE49-F238E27FC236}">
+                <a16:creationId xmlns:a16="http://schemas.microsoft.com/office/drawing/2014/main" id="{B59BDC2F-CB77-4750-8773-4B66E12D91A6}"/>
+              </a:ext>
+            </a:extLst>
+          </p:cNvPr>
+          <p:cNvGrpSpPr/>
+          <p:nvPr/>
+        </p:nvGrpSpPr>
+        <p:grpSpPr>
+          <a:xfrm>
+            <a:off x="6129606" y="1792664"/>
+            <a:ext cx="718962" cy="950479"/>
+            <a:chOff x="9661410" y="4010467"/>
+            <a:chExt cx="848468" cy="1423546"/>
+          </a:xfrm>
+        </p:grpSpPr>
+        <p:sp>
+          <p:nvSpPr>
+            <p:cNvPr id="82" name="타원 81">
+              <a:extLst>
+                <a:ext uri="{FF2B5EF4-FFF2-40B4-BE49-F238E27FC236}">
+                  <a16:creationId xmlns:a16="http://schemas.microsoft.com/office/drawing/2014/main" id="{902E5C08-F62B-4A8C-BCEB-6EF25D63605C}"/>
+                </a:ext>
+              </a:extLst>
+            </p:cNvPr>
+            <p:cNvSpPr/>
+            <p:nvPr/>
+          </p:nvSpPr>
+          <p:spPr>
+            <a:xfrm>
+              <a:off x="9679064" y="4010467"/>
+              <a:ext cx="813160" cy="1423546"/>
+            </a:xfrm>
+            <a:prstGeom prst="ellipse">
+              <a:avLst/>
+            </a:prstGeom>
+            <a:solidFill>
+              <a:srgbClr val="787878"/>
+            </a:solidFill>
+            <a:ln>
+              <a:noFill/>
+            </a:ln>
+          </p:spPr>
+          <p:style>
+            <a:lnRef idx="2">
+              <a:schemeClr val="accent1">
+                <a:shade val="50000"/>
+              </a:schemeClr>
+            </a:lnRef>
+            <a:fillRef idx="1">
+              <a:schemeClr val="accent1"/>
+            </a:fillRef>
+            <a:effectRef idx="0">
+              <a:schemeClr val="accent1"/>
+            </a:effectRef>
+            <a:fontRef idx="minor">
+              <a:schemeClr val="lt1"/>
+            </a:fontRef>
+          </p:style>
+          <p:txBody>
+            <a:bodyPr rtlCol="0" anchor="ctr"/>
+            <a:lstStyle/>
+            <a:p>
+              <a:pPr algn="ctr"/>
+              <a:endParaRPr lang="en-US"/>
+            </a:p>
+          </p:txBody>
+        </p:sp>
+        <p:sp>
+          <p:nvSpPr>
+            <p:cNvPr id="83" name="Rectangle 83">
+              <a:extLst>
+                <a:ext uri="{FF2B5EF4-FFF2-40B4-BE49-F238E27FC236}">
+                  <a16:creationId xmlns:a16="http://schemas.microsoft.com/office/drawing/2014/main" id="{A7A50833-0A48-4B7B-B347-323FCD4F6636}"/>
+                </a:ext>
+              </a:extLst>
+            </p:cNvPr>
+            <p:cNvSpPr/>
+            <p:nvPr/>
+          </p:nvSpPr>
+          <p:spPr>
+            <a:xfrm>
+              <a:off x="9661410" y="4504342"/>
+              <a:ext cx="848468" cy="435796"/>
+            </a:xfrm>
+            <a:prstGeom prst="rect">
+              <a:avLst/>
+            </a:prstGeom>
+            <a:noFill/>
+            <a:ln>
+              <a:noFill/>
+            </a:ln>
+          </p:spPr>
+          <p:style>
+            <a:lnRef idx="2">
+              <a:schemeClr val="accent1">
+                <a:shade val="50000"/>
+              </a:schemeClr>
+            </a:lnRef>
+            <a:fillRef idx="1">
+              <a:schemeClr val="accent1"/>
+            </a:fillRef>
+            <a:effectRef idx="0">
+              <a:schemeClr val="accent1"/>
+            </a:effectRef>
+            <a:fontRef idx="minor">
+              <a:schemeClr val="lt1"/>
+            </a:fontRef>
+          </p:style>
+          <p:txBody>
+            <a:bodyPr rtlCol="0" anchor="ctr"/>
+            <a:lstStyle/>
+            <a:p>
+              <a:pPr algn="ctr"/>
+              <a:r>
+                <a:rPr lang="en-US" altLang="ko-KR" sz="1400" b="1" dirty="0"/>
+                <a:t>Shift</a:t>
+              </a:r>
+            </a:p>
+            <a:p>
+              <a:pPr algn="ctr"/>
+              <a:r>
+                <a:rPr lang="en-US" altLang="ko-KR" sz="1400" b="1" dirty="0"/>
+                <a:t>left 2</a:t>
+              </a:r>
+              <a:endParaRPr lang="ko-KR" altLang="en-US" sz="1400" b="1" dirty="0"/>
+            </a:p>
+          </p:txBody>
+        </p:sp>
+      </p:grpSp>
+      <p:cxnSp>
+        <p:nvCxnSpPr>
+          <p:cNvPr id="84" name="Straight Connector 57">
+            <a:extLst>
+              <a:ext uri="{FF2B5EF4-FFF2-40B4-BE49-F238E27FC236}">
+                <a16:creationId xmlns:a16="http://schemas.microsoft.com/office/drawing/2014/main" id="{686C3282-A6E4-41BE-8A54-0A862DB07009}"/>
+              </a:ext>
+            </a:extLst>
+          </p:cNvPr>
+          <p:cNvCxnSpPr>
+            <a:cxnSpLocks/>
+          </p:cNvCxnSpPr>
+          <p:nvPr/>
+        </p:nvCxnSpPr>
+        <p:spPr>
+          <a:xfrm>
+            <a:off x="5622530" y="5780803"/>
+            <a:ext cx="348454" cy="0"/>
+          </a:xfrm>
+          <a:prstGeom prst="line">
+            <a:avLst/>
+          </a:prstGeom>
+          <a:ln w="38100">
+            <a:solidFill>
+              <a:srgbClr val="013B51"/>
+            </a:solidFill>
+          </a:ln>
+        </p:spPr>
+        <p:style>
+          <a:lnRef idx="1">
+            <a:schemeClr val="accent1"/>
+          </a:lnRef>
+          <a:fillRef idx="0">
+            <a:schemeClr val="accent1"/>
+          </a:fillRef>
+          <a:effectRef idx="0">
+            <a:schemeClr val="accent1"/>
+          </a:effectRef>
+          <a:fontRef idx="minor">
+            <a:schemeClr val="tx1"/>
+          </a:fontRef>
+        </p:style>
+      </p:cxnSp>
+      <p:cxnSp>
+        <p:nvCxnSpPr>
+          <p:cNvPr id="85" name="Straight Connector 57">
+            <a:extLst>
+              <a:ext uri="{FF2B5EF4-FFF2-40B4-BE49-F238E27FC236}">
+                <a16:creationId xmlns:a16="http://schemas.microsoft.com/office/drawing/2014/main" id="{DECADBC0-6205-4EF4-AC35-BB138985C141}"/>
+              </a:ext>
+            </a:extLst>
+          </p:cNvPr>
+          <p:cNvCxnSpPr>
+            <a:cxnSpLocks/>
+          </p:cNvCxnSpPr>
+          <p:nvPr/>
+        </p:nvCxnSpPr>
+        <p:spPr>
+          <a:xfrm flipV="1">
+            <a:off x="5956212" y="2267903"/>
+            <a:ext cx="0" cy="3512901"/>
+          </a:xfrm>
+          <a:prstGeom prst="line">
+            <a:avLst/>
+          </a:prstGeom>
+          <a:ln w="38100">
+            <a:solidFill>
+              <a:srgbClr val="013B51"/>
+            </a:solidFill>
+          </a:ln>
+        </p:spPr>
+        <p:style>
+          <a:lnRef idx="1">
+            <a:schemeClr val="accent1"/>
+          </a:lnRef>
+          <a:fillRef idx="0">
+            <a:schemeClr val="accent1"/>
+          </a:fillRef>
+          <a:effectRef idx="0">
+            <a:schemeClr val="accent1"/>
+          </a:effectRef>
+          <a:fontRef idx="minor">
+            <a:schemeClr val="tx1"/>
+          </a:fontRef>
+        </p:style>
+      </p:cxnSp>
+      <p:cxnSp>
+        <p:nvCxnSpPr>
+          <p:cNvPr id="86" name="Straight Connector 57">
+            <a:extLst>
+              <a:ext uri="{FF2B5EF4-FFF2-40B4-BE49-F238E27FC236}">
+                <a16:creationId xmlns:a16="http://schemas.microsoft.com/office/drawing/2014/main" id="{64D0A4AC-57AC-4923-A25D-B9E228513D6A}"/>
+              </a:ext>
+            </a:extLst>
+          </p:cNvPr>
+          <p:cNvCxnSpPr>
+            <a:cxnSpLocks/>
+          </p:cNvCxnSpPr>
+          <p:nvPr/>
+        </p:nvCxnSpPr>
+        <p:spPr>
+          <a:xfrm>
+            <a:off x="2991227" y="5780803"/>
+            <a:ext cx="1324074" cy="0"/>
+          </a:xfrm>
+          <a:prstGeom prst="line">
+            <a:avLst/>
+          </a:prstGeom>
+          <a:ln w="38100">
+            <a:solidFill>
+              <a:srgbClr val="013B51"/>
+            </a:solidFill>
+          </a:ln>
+        </p:spPr>
+        <p:style>
+          <a:lnRef idx="1">
+            <a:schemeClr val="accent1"/>
+          </a:lnRef>
+          <a:fillRef idx="0">
+            <a:schemeClr val="accent1"/>
+          </a:fillRef>
+          <a:effectRef idx="0">
+            <a:schemeClr val="accent1"/>
+          </a:effectRef>
+          <a:fontRef idx="minor">
+            <a:schemeClr val="tx1"/>
+          </a:fontRef>
+        </p:style>
+      </p:cxnSp>
+      <p:cxnSp>
+        <p:nvCxnSpPr>
+          <p:cNvPr id="87" name="Straight Connector 57">
+            <a:extLst>
+              <a:ext uri="{FF2B5EF4-FFF2-40B4-BE49-F238E27FC236}">
+                <a16:creationId xmlns:a16="http://schemas.microsoft.com/office/drawing/2014/main" id="{705560FA-87B1-485A-9BE9-01C2D106EA86}"/>
+              </a:ext>
+            </a:extLst>
+          </p:cNvPr>
+          <p:cNvCxnSpPr>
+            <a:cxnSpLocks/>
+          </p:cNvCxnSpPr>
+          <p:nvPr/>
+        </p:nvCxnSpPr>
+        <p:spPr>
+          <a:xfrm flipV="1">
+            <a:off x="3011082" y="3095086"/>
+            <a:ext cx="0" cy="2685719"/>
+          </a:xfrm>
+          <a:prstGeom prst="line">
+            <a:avLst/>
+          </a:prstGeom>
+          <a:ln w="38100">
+            <a:solidFill>
+              <a:srgbClr val="013B51"/>
+            </a:solidFill>
+          </a:ln>
+        </p:spPr>
+        <p:style>
+          <a:lnRef idx="1">
+            <a:schemeClr val="accent1"/>
+          </a:lnRef>
+          <a:fillRef idx="0">
+            <a:schemeClr val="accent1"/>
+          </a:fillRef>
+          <a:effectRef idx="0">
+            <a:schemeClr val="accent1"/>
+          </a:effectRef>
+          <a:fontRef idx="minor">
+            <a:schemeClr val="tx1"/>
+          </a:fontRef>
+        </p:style>
+      </p:cxnSp>
+      <p:sp>
+        <p:nvSpPr>
+          <p:cNvPr id="88" name="타원 87">
+            <a:extLst>
+              <a:ext uri="{FF2B5EF4-FFF2-40B4-BE49-F238E27FC236}">
+                <a16:creationId xmlns:a16="http://schemas.microsoft.com/office/drawing/2014/main" id="{F0611FFC-B423-440A-8FF0-B7FFE469A7A2}"/>
+              </a:ext>
+            </a:extLst>
+          </p:cNvPr>
+          <p:cNvSpPr/>
+          <p:nvPr/>
+        </p:nvSpPr>
+        <p:spPr>
+          <a:xfrm>
+            <a:off x="2959206" y="3272823"/>
+            <a:ext cx="101084" cy="101084"/>
+          </a:xfrm>
+          <a:prstGeom prst="ellipse">
+            <a:avLst/>
+          </a:prstGeom>
+          <a:solidFill>
+            <a:srgbClr val="013B51"/>
+          </a:solidFill>
+          <a:ln>
+            <a:noFill/>
+          </a:ln>
+        </p:spPr>
+        <p:style>
+          <a:lnRef idx="2">
+            <a:schemeClr val="accent1">
+              <a:shade val="50000"/>
+            </a:schemeClr>
+          </a:lnRef>
+          <a:fillRef idx="1">
+            <a:schemeClr val="accent1"/>
+          </a:fillRef>
+          <a:effectRef idx="0">
+            <a:schemeClr val="accent1"/>
+          </a:effectRef>
+          <a:fontRef idx="minor">
+            <a:schemeClr val="lt1"/>
+          </a:fontRef>
+        </p:style>
+        <p:txBody>
+          <a:bodyPr rtlCol="0" anchor="ctr"/>
+          <a:lstStyle/>
+          <a:p>
+            <a:pPr algn="ctr"/>
+            <a:endParaRPr lang="en-US"/>
+          </a:p>
+        </p:txBody>
+      </p:sp>
+      <p:sp>
+        <p:nvSpPr>
+          <p:cNvPr id="89" name="타원 88">
+            <a:extLst>
+              <a:ext uri="{FF2B5EF4-FFF2-40B4-BE49-F238E27FC236}">
+                <a16:creationId xmlns:a16="http://schemas.microsoft.com/office/drawing/2014/main" id="{1225551F-F69A-4035-9864-83F0DA16EE57}"/>
+              </a:ext>
+            </a:extLst>
+          </p:cNvPr>
+          <p:cNvSpPr/>
+          <p:nvPr/>
+        </p:nvSpPr>
+        <p:spPr>
+          <a:xfrm>
+            <a:off x="2959206" y="3515176"/>
+            <a:ext cx="101084" cy="101084"/>
+          </a:xfrm>
+          <a:prstGeom prst="ellipse">
+            <a:avLst/>
+          </a:prstGeom>
+          <a:solidFill>
+            <a:srgbClr val="013B51"/>
+          </a:solidFill>
+          <a:ln>
+            <a:noFill/>
+          </a:ln>
+        </p:spPr>
+        <p:style>
+          <a:lnRef idx="2">
+            <a:schemeClr val="accent1">
+              <a:shade val="50000"/>
+            </a:schemeClr>
+          </a:lnRef>
+          <a:fillRef idx="1">
+            <a:schemeClr val="accent1"/>
+          </a:fillRef>
+          <a:effectRef idx="0">
+            <a:schemeClr val="accent1"/>
+          </a:effectRef>
+          <a:fontRef idx="minor">
+            <a:schemeClr val="lt1"/>
+          </a:fontRef>
+        </p:style>
+        <p:txBody>
+          <a:bodyPr rtlCol="0" anchor="ctr"/>
+          <a:lstStyle/>
+          <a:p>
+            <a:pPr algn="ctr"/>
+            <a:endParaRPr lang="en-US"/>
+          </a:p>
+        </p:txBody>
+      </p:sp>
+      <p:cxnSp>
+        <p:nvCxnSpPr>
+          <p:cNvPr id="90" name="Straight Arrow Connector 75">
+            <a:extLst>
+              <a:ext uri="{FF2B5EF4-FFF2-40B4-BE49-F238E27FC236}">
+                <a16:creationId xmlns:a16="http://schemas.microsoft.com/office/drawing/2014/main" id="{00091404-D89B-4B13-B0B1-A18C1051D821}"/>
+              </a:ext>
+            </a:extLst>
+          </p:cNvPr>
+          <p:cNvCxnSpPr>
+            <a:cxnSpLocks/>
+          </p:cNvCxnSpPr>
+          <p:nvPr/>
+        </p:nvCxnSpPr>
+        <p:spPr>
+          <a:xfrm>
+            <a:off x="6822791" y="2267903"/>
+            <a:ext cx="277512" cy="0"/>
+          </a:xfrm>
+          <a:prstGeom prst="straightConnector1">
+            <a:avLst/>
+          </a:prstGeom>
+          <a:ln w="38100">
+            <a:solidFill>
+              <a:srgbClr val="013B51"/>
+            </a:solidFill>
+            <a:tailEnd type="triangle"/>
+          </a:ln>
+        </p:spPr>
+        <p:style>
+          <a:lnRef idx="1">
+            <a:schemeClr val="accent1"/>
+          </a:lnRef>
+          <a:fillRef idx="0">
+            <a:schemeClr val="accent1"/>
+          </a:fillRef>
+          <a:effectRef idx="0">
+            <a:schemeClr val="accent1"/>
+          </a:effectRef>
+          <a:fontRef idx="minor">
+            <a:schemeClr val="tx1"/>
+          </a:fontRef>
+        </p:style>
+      </p:cxnSp>
+      <p:cxnSp>
+        <p:nvCxnSpPr>
+          <p:cNvPr id="91" name="Straight Connector 57">
+            <a:extLst>
+              <a:ext uri="{FF2B5EF4-FFF2-40B4-BE49-F238E27FC236}">
+                <a16:creationId xmlns:a16="http://schemas.microsoft.com/office/drawing/2014/main" id="{67470AF7-9792-46A7-A97A-7F591B5D803B}"/>
+              </a:ext>
+            </a:extLst>
+          </p:cNvPr>
+          <p:cNvCxnSpPr>
+            <a:cxnSpLocks/>
+          </p:cNvCxnSpPr>
+          <p:nvPr/>
+        </p:nvCxnSpPr>
+        <p:spPr>
+          <a:xfrm>
+            <a:off x="2105025" y="3324941"/>
+            <a:ext cx="886202" cy="0"/>
+          </a:xfrm>
+          <a:prstGeom prst="line">
+            <a:avLst/>
+          </a:prstGeom>
+          <a:ln w="38100">
+            <a:solidFill>
+              <a:srgbClr val="013B51"/>
+            </a:solidFill>
+          </a:ln>
+        </p:spPr>
+        <p:style>
+          <a:lnRef idx="1">
+            <a:schemeClr val="accent1"/>
+          </a:lnRef>
+          <a:fillRef idx="0">
+            <a:schemeClr val="accent1"/>
+          </a:fillRef>
+          <a:effectRef idx="0">
+            <a:schemeClr val="accent1"/>
+          </a:effectRef>
+          <a:fontRef idx="minor">
+            <a:schemeClr val="tx1"/>
+          </a:fontRef>
+        </p:style>
+      </p:cxnSp>
+      <p:sp>
+        <p:nvSpPr>
+          <p:cNvPr id="92" name="Rectangle 83">
+            <a:extLst>
+              <a:ext uri="{FF2B5EF4-FFF2-40B4-BE49-F238E27FC236}">
+                <a16:creationId xmlns:a16="http://schemas.microsoft.com/office/drawing/2014/main" id="{17E4B7D1-3DC7-4F00-8F99-A67345BA09C0}"/>
+              </a:ext>
+            </a:extLst>
+          </p:cNvPr>
+          <p:cNvSpPr/>
+          <p:nvPr/>
+        </p:nvSpPr>
+        <p:spPr>
+          <a:xfrm>
+            <a:off x="2113233" y="3063035"/>
+            <a:ext cx="854413" cy="275028"/>
+          </a:xfrm>
+          <a:prstGeom prst="rect">
+            <a:avLst/>
+          </a:prstGeom>
+          <a:noFill/>
+          <a:ln>
+            <a:noFill/>
+          </a:ln>
+        </p:spPr>
+        <p:style>
+          <a:lnRef idx="2">
+            <a:schemeClr val="accent1">
+              <a:shade val="50000"/>
+            </a:schemeClr>
+          </a:lnRef>
+          <a:fillRef idx="1">
+            <a:schemeClr val="accent1"/>
+          </a:fillRef>
+          <a:effectRef idx="0">
+            <a:schemeClr val="accent1"/>
+          </a:effectRef>
+          <a:fontRef idx="minor">
+            <a:schemeClr val="lt1"/>
+          </a:fontRef>
+        </p:style>
+        <p:txBody>
+          <a:bodyPr rtlCol="0" anchor="ctr"/>
+          <a:lstStyle/>
+          <a:p>
+            <a:pPr algn="ctr"/>
+            <a:r>
+              <a:rPr lang="en-US" altLang="ko-KR" sz="1100" dirty="0">
+                <a:solidFill>
+                  <a:srgbClr val="013B51"/>
+                </a:solidFill>
+              </a:rPr>
+              <a:t>Instruction</a:t>
+            </a:r>
+          </a:p>
+        </p:txBody>
+      </p:sp>
+    </p:spTree>
+    <p:extLst>
+      <p:ext uri="{BB962C8B-B14F-4D97-AF65-F5344CB8AC3E}">
+        <p14:creationId xmlns:p14="http://schemas.microsoft.com/office/powerpoint/2010/main" val="3628961845"/>
+      </p:ext>
+    </p:extLst>
+  </p:cSld>
+  <p:clrMapOvr>
+    <a:masterClrMapping/>
+  </p:clrMapOvr>
+</p:sld>
+</file>
+
 <file path=ppt/theme/theme1.xml><?xml version="1.0" encoding="utf-8"?>
 <a:theme xmlns:a="http://schemas.openxmlformats.org/drawingml/2006/main" name="Office Theme">
   <a:themeElements>

--- a/ComputerOrganization/Chapter4.pptx
+++ b/ComputerOrganization/Chapter4.pptx
@@ -13,6 +13,7 @@
     <p:sldId id="266" r:id="rId7"/>
     <p:sldId id="267" r:id="rId8"/>
     <p:sldId id="268" r:id="rId9"/>
+    <p:sldId id="269" r:id="rId10"/>
   </p:sldIdLst>
   <p:sldSz cx="12192000" cy="6858000"/>
   <p:notesSz cx="6858000" cy="9144000"/>
@@ -268,7 +269,7 @@
           <a:p>
             <a:fld id="{37A25B79-5AFE-40DE-8D90-7CD7EC558B08}" type="datetimeFigureOut">
               <a:rPr lang="ko-KR" altLang="en-US" smtClean="0"/>
-              <a:t>2019-10-15</a:t>
+              <a:t>2019-10-17</a:t>
             </a:fld>
             <a:endParaRPr lang="ko-KR" altLang="en-US"/>
           </a:p>
@@ -468,7 +469,7 @@
           <a:p>
             <a:fld id="{37A25B79-5AFE-40DE-8D90-7CD7EC558B08}" type="datetimeFigureOut">
               <a:rPr lang="ko-KR" altLang="en-US" smtClean="0"/>
-              <a:t>2019-10-15</a:t>
+              <a:t>2019-10-17</a:t>
             </a:fld>
             <a:endParaRPr lang="ko-KR" altLang="en-US"/>
           </a:p>
@@ -678,7 +679,7 @@
           <a:p>
             <a:fld id="{37A25B79-5AFE-40DE-8D90-7CD7EC558B08}" type="datetimeFigureOut">
               <a:rPr lang="ko-KR" altLang="en-US" smtClean="0"/>
-              <a:t>2019-10-15</a:t>
+              <a:t>2019-10-17</a:t>
             </a:fld>
             <a:endParaRPr lang="ko-KR" altLang="en-US"/>
           </a:p>
@@ -878,7 +879,7 @@
           <a:p>
             <a:fld id="{37A25B79-5AFE-40DE-8D90-7CD7EC558B08}" type="datetimeFigureOut">
               <a:rPr lang="ko-KR" altLang="en-US" smtClean="0"/>
-              <a:t>2019-10-15</a:t>
+              <a:t>2019-10-17</a:t>
             </a:fld>
             <a:endParaRPr lang="ko-KR" altLang="en-US"/>
           </a:p>
@@ -1154,7 +1155,7 @@
           <a:p>
             <a:fld id="{37A25B79-5AFE-40DE-8D90-7CD7EC558B08}" type="datetimeFigureOut">
               <a:rPr lang="ko-KR" altLang="en-US" smtClean="0"/>
-              <a:t>2019-10-15</a:t>
+              <a:t>2019-10-17</a:t>
             </a:fld>
             <a:endParaRPr lang="ko-KR" altLang="en-US"/>
           </a:p>
@@ -1422,7 +1423,7 @@
           <a:p>
             <a:fld id="{37A25B79-5AFE-40DE-8D90-7CD7EC558B08}" type="datetimeFigureOut">
               <a:rPr lang="ko-KR" altLang="en-US" smtClean="0"/>
-              <a:t>2019-10-15</a:t>
+              <a:t>2019-10-17</a:t>
             </a:fld>
             <a:endParaRPr lang="ko-KR" altLang="en-US"/>
           </a:p>
@@ -1837,7 +1838,7 @@
           <a:p>
             <a:fld id="{37A25B79-5AFE-40DE-8D90-7CD7EC558B08}" type="datetimeFigureOut">
               <a:rPr lang="ko-KR" altLang="en-US" smtClean="0"/>
-              <a:t>2019-10-15</a:t>
+              <a:t>2019-10-17</a:t>
             </a:fld>
             <a:endParaRPr lang="ko-KR" altLang="en-US"/>
           </a:p>
@@ -1979,7 +1980,7 @@
           <a:p>
             <a:fld id="{37A25B79-5AFE-40DE-8D90-7CD7EC558B08}" type="datetimeFigureOut">
               <a:rPr lang="ko-KR" altLang="en-US" smtClean="0"/>
-              <a:t>2019-10-15</a:t>
+              <a:t>2019-10-17</a:t>
             </a:fld>
             <a:endParaRPr lang="ko-KR" altLang="en-US"/>
           </a:p>
@@ -2092,7 +2093,7 @@
           <a:p>
             <a:fld id="{37A25B79-5AFE-40DE-8D90-7CD7EC558B08}" type="datetimeFigureOut">
               <a:rPr lang="ko-KR" altLang="en-US" smtClean="0"/>
-              <a:t>2019-10-15</a:t>
+              <a:t>2019-10-17</a:t>
             </a:fld>
             <a:endParaRPr lang="ko-KR" altLang="en-US"/>
           </a:p>
@@ -2405,7 +2406,7 @@
           <a:p>
             <a:fld id="{37A25B79-5AFE-40DE-8D90-7CD7EC558B08}" type="datetimeFigureOut">
               <a:rPr lang="ko-KR" altLang="en-US" smtClean="0"/>
-              <a:t>2019-10-15</a:t>
+              <a:t>2019-10-17</a:t>
             </a:fld>
             <a:endParaRPr lang="ko-KR" altLang="en-US"/>
           </a:p>
@@ -2694,7 +2695,7 @@
           <a:p>
             <a:fld id="{37A25B79-5AFE-40DE-8D90-7CD7EC558B08}" type="datetimeFigureOut">
               <a:rPr lang="ko-KR" altLang="en-US" smtClean="0"/>
-              <a:t>2019-10-15</a:t>
+              <a:t>2019-10-17</a:t>
             </a:fld>
             <a:endParaRPr lang="ko-KR" altLang="en-US"/>
           </a:p>
@@ -2937,7 +2938,7 @@
           <a:p>
             <a:fld id="{37A25B79-5AFE-40DE-8D90-7CD7EC558B08}" type="datetimeFigureOut">
               <a:rPr lang="ko-KR" altLang="en-US" smtClean="0"/>
-              <a:t>2019-10-15</a:t>
+              <a:t>2019-10-17</a:t>
             </a:fld>
             <a:endParaRPr lang="ko-KR" altLang="en-US"/>
           </a:p>
@@ -27471,7 +27472,7 @@
         </p:nvSpPr>
         <p:spPr>
           <a:xfrm>
-            <a:off x="2511135" y="3566320"/>
+            <a:off x="2511135" y="3300331"/>
             <a:ext cx="359126" cy="859453"/>
           </a:xfrm>
           <a:prstGeom prst="rect">
@@ -27535,7 +27536,7 @@
         </p:nvCxnSpPr>
         <p:spPr>
           <a:xfrm>
-            <a:off x="2193254" y="3996047"/>
+            <a:off x="2193254" y="3730058"/>
             <a:ext cx="317881" cy="0"/>
           </a:xfrm>
           <a:prstGeom prst="straightConnector1">
@@ -27579,7 +27580,7 @@
         </p:nvCxnSpPr>
         <p:spPr>
           <a:xfrm>
-            <a:off x="2870936" y="3996047"/>
+            <a:off x="2870936" y="3730058"/>
             <a:ext cx="379249" cy="0"/>
           </a:xfrm>
           <a:prstGeom prst="straightConnector1">
@@ -27726,7 +27727,7 @@
             <a:p>
               <a:r>
                 <a:rPr lang="en-US" altLang="ko-KR" sz="700" dirty="0"/>
-                <a:t>Instruction</a:t>
+                <a:t>Read</a:t>
               </a:r>
             </a:p>
             <a:p>
@@ -27869,8 +27870,8 @@
         </p:nvCxnSpPr>
         <p:spPr>
           <a:xfrm>
-            <a:off x="3010532" y="2135981"/>
-            <a:ext cx="0" cy="1860065"/>
+            <a:off x="3010532" y="2136775"/>
+            <a:ext cx="0" cy="1597532"/>
           </a:xfrm>
           <a:prstGeom prst="line">
             <a:avLst/>
@@ -27910,7 +27911,7 @@
         </p:nvSpPr>
         <p:spPr>
           <a:xfrm>
-            <a:off x="2976970" y="3962485"/>
+            <a:off x="2976970" y="3696496"/>
             <a:ext cx="67123" cy="67123"/>
           </a:xfrm>
           <a:prstGeom prst="ellipse">
@@ -27965,7 +27966,7 @@
         <p:spPr>
           <a:xfrm>
             <a:off x="2205905" y="1803797"/>
-            <a:ext cx="0" cy="2209718"/>
+            <a:ext cx="0" cy="1944291"/>
           </a:xfrm>
           <a:prstGeom prst="line">
             <a:avLst/>
@@ -28961,6 +28962,9382 @@
     <p:extLst>
       <p:ext uri="{BB962C8B-B14F-4D97-AF65-F5344CB8AC3E}">
         <p14:creationId xmlns:p14="http://schemas.microsoft.com/office/powerpoint/2010/main" val="4214008708"/>
+      </p:ext>
+    </p:extLst>
+  </p:cSld>
+  <p:clrMapOvr>
+    <a:masterClrMapping/>
+  </p:clrMapOvr>
+</p:sld>
+</file>
+
+<file path=ppt/slides/slide9.xml><?xml version="1.0" encoding="utf-8"?>
+<p:sld xmlns:a="http://schemas.openxmlformats.org/drawingml/2006/main" xmlns:r="http://schemas.openxmlformats.org/officeDocument/2006/relationships" xmlns:p="http://schemas.openxmlformats.org/presentationml/2006/main">
+  <p:cSld>
+    <p:spTree>
+      <p:nvGrpSpPr>
+        <p:cNvPr id="1" name=""/>
+        <p:cNvGrpSpPr/>
+        <p:nvPr/>
+      </p:nvGrpSpPr>
+      <p:grpSpPr>
+        <a:xfrm>
+          <a:off x="0" y="0"/>
+          <a:ext cx="0" cy="0"/>
+          <a:chOff x="0" y="0"/>
+          <a:chExt cx="0" cy="0"/>
+        </a:xfrm>
+      </p:grpSpPr>
+      <p:sp>
+        <p:nvSpPr>
+          <p:cNvPr id="6" name="Rectangle 5">
+            <a:extLst>
+              <a:ext uri="{FF2B5EF4-FFF2-40B4-BE49-F238E27FC236}">
+                <a16:creationId xmlns:a16="http://schemas.microsoft.com/office/drawing/2014/main" id="{386837E1-34D3-48A7-8764-FF3A069C77A0}"/>
+              </a:ext>
+            </a:extLst>
+          </p:cNvPr>
+          <p:cNvSpPr/>
+          <p:nvPr/>
+        </p:nvSpPr>
+        <p:spPr>
+          <a:xfrm>
+            <a:off x="1" y="0"/>
+            <a:ext cx="1822612" cy="6858000"/>
+          </a:xfrm>
+          <a:prstGeom prst="rect">
+            <a:avLst/>
+          </a:prstGeom>
+          <a:solidFill>
+            <a:srgbClr val="013B51"/>
+          </a:solidFill>
+          <a:ln>
+            <a:noFill/>
+          </a:ln>
+        </p:spPr>
+        <p:style>
+          <a:lnRef idx="2">
+            <a:schemeClr val="accent1">
+              <a:shade val="50000"/>
+            </a:schemeClr>
+          </a:lnRef>
+          <a:fillRef idx="1">
+            <a:schemeClr val="accent1"/>
+          </a:fillRef>
+          <a:effectRef idx="0">
+            <a:schemeClr val="accent1"/>
+          </a:effectRef>
+          <a:fontRef idx="minor">
+            <a:schemeClr val="lt1"/>
+          </a:fontRef>
+        </p:style>
+        <p:txBody>
+          <a:bodyPr rtlCol="0" anchor="ctr"/>
+          <a:lstStyle/>
+          <a:p>
+            <a:pPr algn="ctr"/>
+            <a:endParaRPr lang="ko-KR" altLang="en-US"/>
+          </a:p>
+        </p:txBody>
+      </p:sp>
+      <p:grpSp>
+        <p:nvGrpSpPr>
+          <p:cNvPr id="4" name="Group 3">
+            <a:extLst>
+              <a:ext uri="{FF2B5EF4-FFF2-40B4-BE49-F238E27FC236}">
+                <a16:creationId xmlns:a16="http://schemas.microsoft.com/office/drawing/2014/main" id="{7072584C-6260-4990-8119-F48D43DF9D1D}"/>
+              </a:ext>
+            </a:extLst>
+          </p:cNvPr>
+          <p:cNvGrpSpPr/>
+          <p:nvPr/>
+        </p:nvGrpSpPr>
+        <p:grpSpPr>
+          <a:xfrm>
+            <a:off x="227192" y="110970"/>
+            <a:ext cx="7619352" cy="6027939"/>
+            <a:chOff x="2068497" y="372861"/>
+            <a:chExt cx="7619352" cy="6027939"/>
+          </a:xfrm>
+        </p:grpSpPr>
+        <p:grpSp>
+          <p:nvGrpSpPr>
+            <p:cNvPr id="16" name="Group 15">
+              <a:extLst>
+                <a:ext uri="{FF2B5EF4-FFF2-40B4-BE49-F238E27FC236}">
+                  <a16:creationId xmlns:a16="http://schemas.microsoft.com/office/drawing/2014/main" id="{9FED8531-C6D3-4649-A895-F74932994A64}"/>
+                </a:ext>
+              </a:extLst>
+            </p:cNvPr>
+            <p:cNvGrpSpPr/>
+            <p:nvPr/>
+          </p:nvGrpSpPr>
+          <p:grpSpPr>
+            <a:xfrm>
+              <a:off x="2183906" y="372861"/>
+              <a:ext cx="7503943" cy="5797120"/>
+              <a:chOff x="2183906" y="372861"/>
+              <a:chExt cx="7503943" cy="5797120"/>
+            </a:xfrm>
+          </p:grpSpPr>
+          <p:cxnSp>
+            <p:nvCxnSpPr>
+              <p:cNvPr id="11" name="Straight Connector 10">
+                <a:extLst>
+                  <a:ext uri="{FF2B5EF4-FFF2-40B4-BE49-F238E27FC236}">
+                    <a16:creationId xmlns:a16="http://schemas.microsoft.com/office/drawing/2014/main" id="{0FA2315E-967B-45B9-A0F4-B526CF82C921}"/>
+                  </a:ext>
+                </a:extLst>
+              </p:cNvPr>
+              <p:cNvCxnSpPr>
+                <a:stCxn id="9" idx="0"/>
+              </p:cNvCxnSpPr>
+              <p:nvPr/>
+            </p:nvCxnSpPr>
+            <p:spPr>
+              <a:xfrm flipV="1">
+                <a:off x="2183907" y="457200"/>
+                <a:ext cx="0" cy="5712781"/>
+              </a:xfrm>
+              <a:prstGeom prst="line">
+                <a:avLst/>
+              </a:prstGeom>
+              <a:ln w="57150">
+                <a:solidFill>
+                  <a:srgbClr val="DABA6F"/>
+                </a:solidFill>
+              </a:ln>
+            </p:spPr>
+            <p:style>
+              <a:lnRef idx="1">
+                <a:schemeClr val="accent1"/>
+              </a:lnRef>
+              <a:fillRef idx="0">
+                <a:schemeClr val="accent1"/>
+              </a:fillRef>
+              <a:effectRef idx="0">
+                <a:schemeClr val="accent1"/>
+              </a:effectRef>
+              <a:fontRef idx="minor">
+                <a:schemeClr val="tx1"/>
+              </a:fontRef>
+            </p:style>
+          </p:cxnSp>
+          <p:cxnSp>
+            <p:nvCxnSpPr>
+              <p:cNvPr id="12" name="Straight Connector 11">
+                <a:extLst>
+                  <a:ext uri="{FF2B5EF4-FFF2-40B4-BE49-F238E27FC236}">
+                    <a16:creationId xmlns:a16="http://schemas.microsoft.com/office/drawing/2014/main" id="{92518781-1781-40F6-9291-FD4D938DE48A}"/>
+                  </a:ext>
+                </a:extLst>
+              </p:cNvPr>
+              <p:cNvCxnSpPr>
+                <a:cxnSpLocks/>
+              </p:cNvCxnSpPr>
+              <p:nvPr/>
+            </p:nvCxnSpPr>
+            <p:spPr>
+              <a:xfrm flipH="1">
+                <a:off x="2183906" y="488271"/>
+                <a:ext cx="7273124" cy="1"/>
+              </a:xfrm>
+              <a:prstGeom prst="line">
+                <a:avLst/>
+              </a:prstGeom>
+              <a:ln w="57150">
+                <a:solidFill>
+                  <a:srgbClr val="DABA6F"/>
+                </a:solidFill>
+              </a:ln>
+            </p:spPr>
+            <p:style>
+              <a:lnRef idx="1">
+                <a:schemeClr val="accent1"/>
+              </a:lnRef>
+              <a:fillRef idx="0">
+                <a:schemeClr val="accent1"/>
+              </a:fillRef>
+              <a:effectRef idx="0">
+                <a:schemeClr val="accent1"/>
+              </a:effectRef>
+              <a:fontRef idx="minor">
+                <a:schemeClr val="tx1"/>
+              </a:fontRef>
+            </p:style>
+          </p:cxnSp>
+          <p:sp>
+            <p:nvSpPr>
+              <p:cNvPr id="15" name="Rectangle 14">
+                <a:extLst>
+                  <a:ext uri="{FF2B5EF4-FFF2-40B4-BE49-F238E27FC236}">
+                    <a16:creationId xmlns:a16="http://schemas.microsoft.com/office/drawing/2014/main" id="{57D81539-1F79-4E3F-B190-8AEB88C54CD2}"/>
+                  </a:ext>
+                </a:extLst>
+              </p:cNvPr>
+              <p:cNvSpPr/>
+              <p:nvPr/>
+            </p:nvSpPr>
+            <p:spPr>
+              <a:xfrm>
+                <a:off x="9457030" y="372861"/>
+                <a:ext cx="230819" cy="230819"/>
+              </a:xfrm>
+              <a:prstGeom prst="rect">
+                <a:avLst/>
+              </a:prstGeom>
+              <a:solidFill>
+                <a:srgbClr val="DABA6F"/>
+              </a:solidFill>
+              <a:ln>
+                <a:noFill/>
+              </a:ln>
+            </p:spPr>
+            <p:style>
+              <a:lnRef idx="2">
+                <a:schemeClr val="accent1">
+                  <a:shade val="50000"/>
+                </a:schemeClr>
+              </a:lnRef>
+              <a:fillRef idx="1">
+                <a:schemeClr val="accent1"/>
+              </a:fillRef>
+              <a:effectRef idx="0">
+                <a:schemeClr val="accent1"/>
+              </a:effectRef>
+              <a:fontRef idx="minor">
+                <a:schemeClr val="lt1"/>
+              </a:fontRef>
+            </p:style>
+            <p:txBody>
+              <a:bodyPr rtlCol="0" anchor="ctr"/>
+              <a:lstStyle/>
+              <a:p>
+                <a:pPr algn="ctr"/>
+                <a:endParaRPr lang="ko-KR" altLang="en-US"/>
+              </a:p>
+            </p:txBody>
+          </p:sp>
+        </p:grpSp>
+        <p:sp>
+          <p:nvSpPr>
+            <p:cNvPr id="9" name="Rectangle 8">
+              <a:extLst>
+                <a:ext uri="{FF2B5EF4-FFF2-40B4-BE49-F238E27FC236}">
+                  <a16:creationId xmlns:a16="http://schemas.microsoft.com/office/drawing/2014/main" id="{CD2CA69E-F38E-4DB8-82FA-239D6C25BC80}"/>
+                </a:ext>
+              </a:extLst>
+            </p:cNvPr>
+            <p:cNvSpPr/>
+            <p:nvPr/>
+          </p:nvSpPr>
+          <p:spPr>
+            <a:xfrm>
+              <a:off x="2068497" y="6169981"/>
+              <a:ext cx="230819" cy="230819"/>
+            </a:xfrm>
+            <a:prstGeom prst="rect">
+              <a:avLst/>
+            </a:prstGeom>
+            <a:solidFill>
+              <a:srgbClr val="DABA6F"/>
+            </a:solidFill>
+            <a:ln>
+              <a:noFill/>
+            </a:ln>
+          </p:spPr>
+          <p:style>
+            <a:lnRef idx="2">
+              <a:schemeClr val="accent1">
+                <a:shade val="50000"/>
+              </a:schemeClr>
+            </a:lnRef>
+            <a:fillRef idx="1">
+              <a:schemeClr val="accent1"/>
+            </a:fillRef>
+            <a:effectRef idx="0">
+              <a:schemeClr val="accent1"/>
+            </a:effectRef>
+            <a:fontRef idx="minor">
+              <a:schemeClr val="lt1"/>
+            </a:fontRef>
+          </p:style>
+          <p:txBody>
+            <a:bodyPr rtlCol="0" anchor="ctr"/>
+            <a:lstStyle/>
+            <a:p>
+              <a:pPr algn="ctr"/>
+              <a:endParaRPr lang="ko-KR" altLang="en-US" dirty="0"/>
+            </a:p>
+          </p:txBody>
+        </p:sp>
+      </p:grpSp>
+      <p:sp>
+        <p:nvSpPr>
+          <p:cNvPr id="7" name="Rectangle 6">
+            <a:extLst>
+              <a:ext uri="{FF2B5EF4-FFF2-40B4-BE49-F238E27FC236}">
+                <a16:creationId xmlns:a16="http://schemas.microsoft.com/office/drawing/2014/main" id="{2C38F449-7454-4AD1-AE1F-DA48EBB24C9F}"/>
+              </a:ext>
+            </a:extLst>
+          </p:cNvPr>
+          <p:cNvSpPr/>
+          <p:nvPr/>
+        </p:nvSpPr>
+        <p:spPr>
+          <a:xfrm>
+            <a:off x="1" y="463891"/>
+            <a:ext cx="12192000" cy="1091263"/>
+          </a:xfrm>
+          <a:prstGeom prst="rect">
+            <a:avLst/>
+          </a:prstGeom>
+          <a:solidFill>
+            <a:srgbClr val="0182C6"/>
+          </a:solidFill>
+          <a:ln>
+            <a:noFill/>
+          </a:ln>
+        </p:spPr>
+        <p:style>
+          <a:lnRef idx="2">
+            <a:schemeClr val="accent1">
+              <a:shade val="50000"/>
+            </a:schemeClr>
+          </a:lnRef>
+          <a:fillRef idx="1">
+            <a:schemeClr val="accent1"/>
+          </a:fillRef>
+          <a:effectRef idx="0">
+            <a:schemeClr val="accent1"/>
+          </a:effectRef>
+          <a:fontRef idx="minor">
+            <a:schemeClr val="lt1"/>
+          </a:fontRef>
+        </p:style>
+        <p:txBody>
+          <a:bodyPr rtlCol="0" anchor="ctr"/>
+          <a:lstStyle/>
+          <a:p>
+            <a:pPr algn="ctr"/>
+            <a:endParaRPr lang="ko-KR" altLang="en-US"/>
+          </a:p>
+        </p:txBody>
+      </p:sp>
+      <p:sp>
+        <p:nvSpPr>
+          <p:cNvPr id="2" name="Title 1">
+            <a:extLst>
+              <a:ext uri="{FF2B5EF4-FFF2-40B4-BE49-F238E27FC236}">
+                <a16:creationId xmlns:a16="http://schemas.microsoft.com/office/drawing/2014/main" id="{9DBFE3BC-27EC-435A-A2F4-B39DEF708845}"/>
+              </a:ext>
+            </a:extLst>
+          </p:cNvPr>
+          <p:cNvSpPr>
+            <a:spLocks noGrp="1"/>
+          </p:cNvSpPr>
+          <p:nvPr>
+            <p:ph type="ctrTitle"/>
+          </p:nvPr>
+        </p:nvSpPr>
+        <p:spPr>
+          <a:xfrm>
+            <a:off x="88777" y="606013"/>
+            <a:ext cx="12014446" cy="746289"/>
+          </a:xfrm>
+        </p:spPr>
+        <p:txBody>
+          <a:bodyPr>
+            <a:normAutofit/>
+          </a:bodyPr>
+          <a:lstStyle/>
+          <a:p>
+            <a:r>
+              <a:rPr lang="en-US" altLang="ko-KR" sz="4000" dirty="0" err="1">
+                <a:solidFill>
+                  <a:srgbClr val="EBFFFF"/>
+                </a:solidFill>
+                <a:latin typeface="Noto Sans CJK KR Medium" panose="020B0600000000000000" pitchFamily="34" charset="-127"/>
+                <a:ea typeface="Noto Sans CJK KR Medium" panose="020B0600000000000000" pitchFamily="34" charset="-127"/>
+              </a:rPr>
+              <a:t>DataPath</a:t>
+            </a:r>
+            <a:endParaRPr lang="ko-KR" altLang="en-US" sz="4000" dirty="0">
+              <a:solidFill>
+                <a:srgbClr val="EBFFFF"/>
+              </a:solidFill>
+              <a:latin typeface="Noto Sans CJK KR Medium" panose="020B0600000000000000" pitchFamily="34" charset="-127"/>
+              <a:ea typeface="Noto Sans CJK KR Medium" panose="020B0600000000000000" pitchFamily="34" charset="-127"/>
+            </a:endParaRPr>
+          </a:p>
+        </p:txBody>
+      </p:sp>
+      <p:cxnSp>
+        <p:nvCxnSpPr>
+          <p:cNvPr id="76" name="Straight Arrow Connector 75">
+            <a:extLst>
+              <a:ext uri="{FF2B5EF4-FFF2-40B4-BE49-F238E27FC236}">
+                <a16:creationId xmlns:a16="http://schemas.microsoft.com/office/drawing/2014/main" id="{C451B610-B71C-48DC-9A0A-22D949EFF380}"/>
+              </a:ext>
+            </a:extLst>
+          </p:cNvPr>
+          <p:cNvCxnSpPr>
+            <a:cxnSpLocks/>
+          </p:cNvCxnSpPr>
+          <p:nvPr/>
+        </p:nvCxnSpPr>
+        <p:spPr>
+          <a:xfrm>
+            <a:off x="8344930" y="4569154"/>
+            <a:ext cx="346607" cy="0"/>
+          </a:xfrm>
+          <a:prstGeom prst="straightConnector1">
+            <a:avLst/>
+          </a:prstGeom>
+          <a:ln w="38100">
+            <a:solidFill>
+              <a:srgbClr val="013B51"/>
+            </a:solidFill>
+            <a:tailEnd type="triangle"/>
+          </a:ln>
+        </p:spPr>
+        <p:style>
+          <a:lnRef idx="1">
+            <a:schemeClr val="accent1"/>
+          </a:lnRef>
+          <a:fillRef idx="0">
+            <a:schemeClr val="accent1"/>
+          </a:fillRef>
+          <a:effectRef idx="0">
+            <a:schemeClr val="accent1"/>
+          </a:effectRef>
+          <a:fontRef idx="minor">
+            <a:schemeClr val="tx1"/>
+          </a:fontRef>
+        </p:style>
+      </p:cxnSp>
+      <p:cxnSp>
+        <p:nvCxnSpPr>
+          <p:cNvPr id="33" name="Straight Arrow Connector 12">
+            <a:extLst>
+              <a:ext uri="{FF2B5EF4-FFF2-40B4-BE49-F238E27FC236}">
+                <a16:creationId xmlns:a16="http://schemas.microsoft.com/office/drawing/2014/main" id="{5BED1820-2569-4274-981F-9C248A56AEF8}"/>
+              </a:ext>
+            </a:extLst>
+          </p:cNvPr>
+          <p:cNvCxnSpPr>
+            <a:cxnSpLocks/>
+          </p:cNvCxnSpPr>
+          <p:nvPr/>
+        </p:nvCxnSpPr>
+        <p:spPr>
+          <a:xfrm>
+            <a:off x="6430129" y="4069192"/>
+            <a:ext cx="1125644" cy="0"/>
+          </a:xfrm>
+          <a:prstGeom prst="straightConnector1">
+            <a:avLst/>
+          </a:prstGeom>
+          <a:ln w="38100">
+            <a:solidFill>
+              <a:srgbClr val="013B51"/>
+            </a:solidFill>
+            <a:tailEnd type="triangle"/>
+          </a:ln>
+        </p:spPr>
+        <p:style>
+          <a:lnRef idx="1">
+            <a:schemeClr val="accent1"/>
+          </a:lnRef>
+          <a:fillRef idx="0">
+            <a:schemeClr val="accent1"/>
+          </a:fillRef>
+          <a:effectRef idx="0">
+            <a:schemeClr val="accent1"/>
+          </a:effectRef>
+          <a:fontRef idx="minor">
+            <a:schemeClr val="tx1"/>
+          </a:fontRef>
+        </p:style>
+      </p:cxnSp>
+      <p:cxnSp>
+        <p:nvCxnSpPr>
+          <p:cNvPr id="42" name="Straight Arrow Connector 12">
+            <a:extLst>
+              <a:ext uri="{FF2B5EF4-FFF2-40B4-BE49-F238E27FC236}">
+                <a16:creationId xmlns:a16="http://schemas.microsoft.com/office/drawing/2014/main" id="{EF9B9E23-72E9-46AD-9877-9227C518E606}"/>
+              </a:ext>
+            </a:extLst>
+          </p:cNvPr>
+          <p:cNvCxnSpPr>
+            <a:cxnSpLocks/>
+          </p:cNvCxnSpPr>
+          <p:nvPr/>
+        </p:nvCxnSpPr>
+        <p:spPr>
+          <a:xfrm>
+            <a:off x="7349264" y="4762467"/>
+            <a:ext cx="206509" cy="0"/>
+          </a:xfrm>
+          <a:prstGeom prst="straightConnector1">
+            <a:avLst/>
+          </a:prstGeom>
+          <a:ln w="38100">
+            <a:solidFill>
+              <a:srgbClr val="013B51"/>
+            </a:solidFill>
+            <a:tailEnd type="triangle"/>
+          </a:ln>
+        </p:spPr>
+        <p:style>
+          <a:lnRef idx="1">
+            <a:schemeClr val="accent1"/>
+          </a:lnRef>
+          <a:fillRef idx="0">
+            <a:schemeClr val="accent1"/>
+          </a:fillRef>
+          <a:effectRef idx="0">
+            <a:schemeClr val="accent1"/>
+          </a:effectRef>
+          <a:fontRef idx="minor">
+            <a:schemeClr val="tx1"/>
+          </a:fontRef>
+        </p:style>
+      </p:cxnSp>
+      <p:grpSp>
+        <p:nvGrpSpPr>
+          <p:cNvPr id="14" name="그룹 13">
+            <a:extLst>
+              <a:ext uri="{FF2B5EF4-FFF2-40B4-BE49-F238E27FC236}">
+                <a16:creationId xmlns:a16="http://schemas.microsoft.com/office/drawing/2014/main" id="{D0E30ED0-2E4D-48B9-BD98-01B4E634693E}"/>
+              </a:ext>
+            </a:extLst>
+          </p:cNvPr>
+          <p:cNvGrpSpPr/>
+          <p:nvPr/>
+        </p:nvGrpSpPr>
+        <p:grpSpPr>
+          <a:xfrm>
+            <a:off x="4912484" y="3626101"/>
+            <a:ext cx="1518721" cy="1501018"/>
+            <a:chOff x="3030241" y="2959543"/>
+            <a:chExt cx="1562369" cy="1544156"/>
+          </a:xfrm>
+        </p:grpSpPr>
+        <p:sp>
+          <p:nvSpPr>
+            <p:cNvPr id="32" name="Rectangle 83">
+              <a:extLst>
+                <a:ext uri="{FF2B5EF4-FFF2-40B4-BE49-F238E27FC236}">
+                  <a16:creationId xmlns:a16="http://schemas.microsoft.com/office/drawing/2014/main" id="{CC8C37B4-AB0B-4EEC-B803-95837F39001B}"/>
+                </a:ext>
+              </a:extLst>
+            </p:cNvPr>
+            <p:cNvSpPr/>
+            <p:nvPr/>
+          </p:nvSpPr>
+          <p:spPr>
+            <a:xfrm>
+              <a:off x="3045184" y="2959543"/>
+              <a:ext cx="1547426" cy="1544156"/>
+            </a:xfrm>
+            <a:prstGeom prst="rect">
+              <a:avLst/>
+            </a:prstGeom>
+            <a:solidFill>
+              <a:srgbClr val="787878"/>
+            </a:solidFill>
+            <a:ln>
+              <a:noFill/>
+            </a:ln>
+          </p:spPr>
+          <p:style>
+            <a:lnRef idx="2">
+              <a:schemeClr val="accent1">
+                <a:shade val="50000"/>
+              </a:schemeClr>
+            </a:lnRef>
+            <a:fillRef idx="1">
+              <a:schemeClr val="accent1"/>
+            </a:fillRef>
+            <a:effectRef idx="0">
+              <a:schemeClr val="accent1"/>
+            </a:effectRef>
+            <a:fontRef idx="minor">
+              <a:schemeClr val="lt1"/>
+            </a:fontRef>
+          </p:style>
+          <p:txBody>
+            <a:bodyPr rtlCol="0" anchor="ctr"/>
+            <a:lstStyle/>
+            <a:p>
+              <a:pPr algn="ctr"/>
+              <a:endParaRPr lang="ko-KR" altLang="en-US" sz="1050" dirty="0"/>
+            </a:p>
+          </p:txBody>
+        </p:sp>
+        <p:sp>
+          <p:nvSpPr>
+            <p:cNvPr id="36" name="Rectangle 83">
+              <a:extLst>
+                <a:ext uri="{FF2B5EF4-FFF2-40B4-BE49-F238E27FC236}">
+                  <a16:creationId xmlns:a16="http://schemas.microsoft.com/office/drawing/2014/main" id="{C55195C0-7B5D-4962-A542-FEBAB539D5B2}"/>
+                </a:ext>
+              </a:extLst>
+            </p:cNvPr>
+            <p:cNvSpPr/>
+            <p:nvPr/>
+          </p:nvSpPr>
+          <p:spPr>
+            <a:xfrm>
+              <a:off x="3045186" y="2991151"/>
+              <a:ext cx="731595" cy="424218"/>
+            </a:xfrm>
+            <a:prstGeom prst="rect">
+              <a:avLst/>
+            </a:prstGeom>
+            <a:noFill/>
+            <a:ln>
+              <a:noFill/>
+            </a:ln>
+          </p:spPr>
+          <p:style>
+            <a:lnRef idx="2">
+              <a:schemeClr val="accent1">
+                <a:shade val="50000"/>
+              </a:schemeClr>
+            </a:lnRef>
+            <a:fillRef idx="1">
+              <a:schemeClr val="accent1"/>
+            </a:fillRef>
+            <a:effectRef idx="0">
+              <a:schemeClr val="accent1"/>
+            </a:effectRef>
+            <a:fontRef idx="minor">
+              <a:schemeClr val="lt1"/>
+            </a:fontRef>
+          </p:style>
+          <p:txBody>
+            <a:bodyPr rtlCol="0" anchor="ctr"/>
+            <a:lstStyle/>
+            <a:p>
+              <a:r>
+                <a:rPr lang="en-US" altLang="ko-KR" sz="700" dirty="0"/>
+                <a:t>Read</a:t>
+              </a:r>
+            </a:p>
+            <a:p>
+              <a:r>
+                <a:rPr lang="en-US" altLang="ko-KR" sz="700" dirty="0"/>
+                <a:t>register 1</a:t>
+              </a:r>
+              <a:endParaRPr lang="ko-KR" altLang="en-US" sz="700" dirty="0"/>
+            </a:p>
+          </p:txBody>
+        </p:sp>
+        <p:sp>
+          <p:nvSpPr>
+            <p:cNvPr id="37" name="Rectangle 83">
+              <a:extLst>
+                <a:ext uri="{FF2B5EF4-FFF2-40B4-BE49-F238E27FC236}">
+                  <a16:creationId xmlns:a16="http://schemas.microsoft.com/office/drawing/2014/main" id="{8206C9B5-A940-4678-9961-82760C03F7C1}"/>
+                </a:ext>
+              </a:extLst>
+            </p:cNvPr>
+            <p:cNvSpPr/>
+            <p:nvPr/>
+          </p:nvSpPr>
+          <p:spPr>
+            <a:xfrm>
+              <a:off x="3248865" y="3488399"/>
+              <a:ext cx="1102271" cy="566157"/>
+            </a:xfrm>
+            <a:prstGeom prst="rect">
+              <a:avLst/>
+            </a:prstGeom>
+            <a:noFill/>
+            <a:ln>
+              <a:noFill/>
+            </a:ln>
+          </p:spPr>
+          <p:style>
+            <a:lnRef idx="2">
+              <a:schemeClr val="accent1">
+                <a:shade val="50000"/>
+              </a:schemeClr>
+            </a:lnRef>
+            <a:fillRef idx="1">
+              <a:schemeClr val="accent1"/>
+            </a:fillRef>
+            <a:effectRef idx="0">
+              <a:schemeClr val="accent1"/>
+            </a:effectRef>
+            <a:fontRef idx="minor">
+              <a:schemeClr val="lt1"/>
+            </a:fontRef>
+          </p:style>
+          <p:txBody>
+            <a:bodyPr rtlCol="0" anchor="ctr"/>
+            <a:lstStyle/>
+            <a:p>
+              <a:pPr algn="ctr"/>
+              <a:r>
+                <a:rPr lang="en-US" altLang="ko-KR" sz="900" b="1" dirty="0"/>
+                <a:t>Registers</a:t>
+              </a:r>
+              <a:endParaRPr lang="ko-KR" altLang="en-US" sz="900" b="1" dirty="0"/>
+            </a:p>
+          </p:txBody>
+        </p:sp>
+        <p:sp>
+          <p:nvSpPr>
+            <p:cNvPr id="35" name="Rectangle 83">
+              <a:extLst>
+                <a:ext uri="{FF2B5EF4-FFF2-40B4-BE49-F238E27FC236}">
+                  <a16:creationId xmlns:a16="http://schemas.microsoft.com/office/drawing/2014/main" id="{81F89E22-AC3E-47FF-886D-FF2107CA5EC7}"/>
+                </a:ext>
+              </a:extLst>
+            </p:cNvPr>
+            <p:cNvSpPr/>
+            <p:nvPr/>
+          </p:nvSpPr>
+          <p:spPr>
+            <a:xfrm>
+              <a:off x="4064659" y="3203260"/>
+              <a:ext cx="526843" cy="340979"/>
+            </a:xfrm>
+            <a:prstGeom prst="rect">
+              <a:avLst/>
+            </a:prstGeom>
+            <a:noFill/>
+            <a:ln>
+              <a:noFill/>
+            </a:ln>
+          </p:spPr>
+          <p:style>
+            <a:lnRef idx="2">
+              <a:schemeClr val="accent1">
+                <a:shade val="50000"/>
+              </a:schemeClr>
+            </a:lnRef>
+            <a:fillRef idx="1">
+              <a:schemeClr val="accent1"/>
+            </a:fillRef>
+            <a:effectRef idx="0">
+              <a:schemeClr val="accent1"/>
+            </a:effectRef>
+            <a:fontRef idx="minor">
+              <a:schemeClr val="lt1"/>
+            </a:fontRef>
+          </p:style>
+          <p:txBody>
+            <a:bodyPr rtlCol="0" anchor="ctr"/>
+            <a:lstStyle/>
+            <a:p>
+              <a:pPr algn="r"/>
+              <a:r>
+                <a:rPr lang="en-US" altLang="ko-KR" sz="800" dirty="0"/>
+                <a:t>Read  data</a:t>
+              </a:r>
+              <a:r>
+                <a:rPr lang="en-US" altLang="ko-KR" sz="100" dirty="0"/>
+                <a:t> </a:t>
+              </a:r>
+              <a:r>
+                <a:rPr lang="en-US" altLang="ko-KR" sz="800" dirty="0"/>
+                <a:t>1</a:t>
+              </a:r>
+            </a:p>
+          </p:txBody>
+        </p:sp>
+        <p:sp>
+          <p:nvSpPr>
+            <p:cNvPr id="38" name="Rectangle 83">
+              <a:extLst>
+                <a:ext uri="{FF2B5EF4-FFF2-40B4-BE49-F238E27FC236}">
+                  <a16:creationId xmlns:a16="http://schemas.microsoft.com/office/drawing/2014/main" id="{E8079FBD-100D-451E-A470-C9C19F19574B}"/>
+                </a:ext>
+              </a:extLst>
+            </p:cNvPr>
+            <p:cNvSpPr/>
+            <p:nvPr/>
+          </p:nvSpPr>
+          <p:spPr>
+            <a:xfrm>
+              <a:off x="4064659" y="3746210"/>
+              <a:ext cx="526843" cy="340979"/>
+            </a:xfrm>
+            <a:prstGeom prst="rect">
+              <a:avLst/>
+            </a:prstGeom>
+            <a:noFill/>
+            <a:ln>
+              <a:noFill/>
+            </a:ln>
+          </p:spPr>
+          <p:style>
+            <a:lnRef idx="2">
+              <a:schemeClr val="accent1">
+                <a:shade val="50000"/>
+              </a:schemeClr>
+            </a:lnRef>
+            <a:fillRef idx="1">
+              <a:schemeClr val="accent1"/>
+            </a:fillRef>
+            <a:effectRef idx="0">
+              <a:schemeClr val="accent1"/>
+            </a:effectRef>
+            <a:fontRef idx="minor">
+              <a:schemeClr val="lt1"/>
+            </a:fontRef>
+          </p:style>
+          <p:txBody>
+            <a:bodyPr rtlCol="0" anchor="ctr"/>
+            <a:lstStyle/>
+            <a:p>
+              <a:pPr algn="r"/>
+              <a:r>
+                <a:rPr lang="en-US" altLang="ko-KR" sz="800" dirty="0"/>
+                <a:t>Read  data</a:t>
+              </a:r>
+              <a:r>
+                <a:rPr lang="en-US" altLang="ko-KR" sz="100" dirty="0"/>
+                <a:t> </a:t>
+              </a:r>
+              <a:r>
+                <a:rPr lang="en-US" altLang="ko-KR" sz="800" dirty="0"/>
+                <a:t>2</a:t>
+              </a:r>
+            </a:p>
+          </p:txBody>
+        </p:sp>
+        <p:sp>
+          <p:nvSpPr>
+            <p:cNvPr id="39" name="Rectangle 83">
+              <a:extLst>
+                <a:ext uri="{FF2B5EF4-FFF2-40B4-BE49-F238E27FC236}">
+                  <a16:creationId xmlns:a16="http://schemas.microsoft.com/office/drawing/2014/main" id="{4FB3635F-56A6-4A48-9E1F-687B3CF1B838}"/>
+                </a:ext>
+              </a:extLst>
+            </p:cNvPr>
+            <p:cNvSpPr/>
+            <p:nvPr/>
+          </p:nvSpPr>
+          <p:spPr>
+            <a:xfrm>
+              <a:off x="3030241" y="3331840"/>
+              <a:ext cx="731595" cy="424218"/>
+            </a:xfrm>
+            <a:prstGeom prst="rect">
+              <a:avLst/>
+            </a:prstGeom>
+            <a:noFill/>
+            <a:ln>
+              <a:noFill/>
+            </a:ln>
+          </p:spPr>
+          <p:style>
+            <a:lnRef idx="2">
+              <a:schemeClr val="accent1">
+                <a:shade val="50000"/>
+              </a:schemeClr>
+            </a:lnRef>
+            <a:fillRef idx="1">
+              <a:schemeClr val="accent1"/>
+            </a:fillRef>
+            <a:effectRef idx="0">
+              <a:schemeClr val="accent1"/>
+            </a:effectRef>
+            <a:fontRef idx="minor">
+              <a:schemeClr val="lt1"/>
+            </a:fontRef>
+          </p:style>
+          <p:txBody>
+            <a:bodyPr rtlCol="0" anchor="ctr"/>
+            <a:lstStyle/>
+            <a:p>
+              <a:r>
+                <a:rPr lang="en-US" altLang="ko-KR" sz="700" dirty="0"/>
+                <a:t>Read</a:t>
+              </a:r>
+            </a:p>
+            <a:p>
+              <a:r>
+                <a:rPr lang="en-US" altLang="ko-KR" sz="700" dirty="0"/>
+                <a:t>register 2</a:t>
+              </a:r>
+              <a:endParaRPr lang="ko-KR" altLang="en-US" sz="700" dirty="0"/>
+            </a:p>
+          </p:txBody>
+        </p:sp>
+        <p:sp>
+          <p:nvSpPr>
+            <p:cNvPr id="40" name="Rectangle 83">
+              <a:extLst>
+                <a:ext uri="{FF2B5EF4-FFF2-40B4-BE49-F238E27FC236}">
+                  <a16:creationId xmlns:a16="http://schemas.microsoft.com/office/drawing/2014/main" id="{9701391F-308A-4582-BAB3-6ED4C124CCE1}"/>
+                </a:ext>
+              </a:extLst>
+            </p:cNvPr>
+            <p:cNvSpPr/>
+            <p:nvPr/>
+          </p:nvSpPr>
+          <p:spPr>
+            <a:xfrm>
+              <a:off x="3045186" y="3682105"/>
+              <a:ext cx="731595" cy="424218"/>
+            </a:xfrm>
+            <a:prstGeom prst="rect">
+              <a:avLst/>
+            </a:prstGeom>
+            <a:noFill/>
+            <a:ln>
+              <a:noFill/>
+            </a:ln>
+          </p:spPr>
+          <p:style>
+            <a:lnRef idx="2">
+              <a:schemeClr val="accent1">
+                <a:shade val="50000"/>
+              </a:schemeClr>
+            </a:lnRef>
+            <a:fillRef idx="1">
+              <a:schemeClr val="accent1"/>
+            </a:fillRef>
+            <a:effectRef idx="0">
+              <a:schemeClr val="accent1"/>
+            </a:effectRef>
+            <a:fontRef idx="minor">
+              <a:schemeClr val="lt1"/>
+            </a:fontRef>
+          </p:style>
+          <p:txBody>
+            <a:bodyPr rtlCol="0" anchor="ctr"/>
+            <a:lstStyle/>
+            <a:p>
+              <a:r>
+                <a:rPr lang="en-US" altLang="ko-KR" sz="700" dirty="0"/>
+                <a:t>Write</a:t>
+              </a:r>
+            </a:p>
+            <a:p>
+              <a:r>
+                <a:rPr lang="en-US" altLang="ko-KR" sz="700" dirty="0"/>
+                <a:t>register</a:t>
+              </a:r>
+              <a:endParaRPr lang="ko-KR" altLang="en-US" sz="700" dirty="0"/>
+            </a:p>
+          </p:txBody>
+        </p:sp>
+        <p:sp>
+          <p:nvSpPr>
+            <p:cNvPr id="41" name="Rectangle 83">
+              <a:extLst>
+                <a:ext uri="{FF2B5EF4-FFF2-40B4-BE49-F238E27FC236}">
+                  <a16:creationId xmlns:a16="http://schemas.microsoft.com/office/drawing/2014/main" id="{FFECE923-17FF-45EE-B96F-4900C010ED9F}"/>
+                </a:ext>
+              </a:extLst>
+            </p:cNvPr>
+            <p:cNvSpPr/>
+            <p:nvPr/>
+          </p:nvSpPr>
+          <p:spPr>
+            <a:xfrm>
+              <a:off x="3045186" y="4056722"/>
+              <a:ext cx="731595" cy="424218"/>
+            </a:xfrm>
+            <a:prstGeom prst="rect">
+              <a:avLst/>
+            </a:prstGeom>
+            <a:noFill/>
+            <a:ln>
+              <a:noFill/>
+            </a:ln>
+          </p:spPr>
+          <p:style>
+            <a:lnRef idx="2">
+              <a:schemeClr val="accent1">
+                <a:shade val="50000"/>
+              </a:schemeClr>
+            </a:lnRef>
+            <a:fillRef idx="1">
+              <a:schemeClr val="accent1"/>
+            </a:fillRef>
+            <a:effectRef idx="0">
+              <a:schemeClr val="accent1"/>
+            </a:effectRef>
+            <a:fontRef idx="minor">
+              <a:schemeClr val="lt1"/>
+            </a:fontRef>
+          </p:style>
+          <p:txBody>
+            <a:bodyPr rtlCol="0" anchor="ctr"/>
+            <a:lstStyle/>
+            <a:p>
+              <a:r>
+                <a:rPr lang="en-US" altLang="ko-KR" sz="700" dirty="0"/>
+                <a:t>Write</a:t>
+              </a:r>
+            </a:p>
+            <a:p>
+              <a:r>
+                <a:rPr lang="en-US" altLang="ko-KR" sz="700" dirty="0"/>
+                <a:t>Data</a:t>
+              </a:r>
+              <a:endParaRPr lang="ko-KR" altLang="en-US" sz="700" dirty="0"/>
+            </a:p>
+          </p:txBody>
+        </p:sp>
+      </p:grpSp>
+      <p:cxnSp>
+        <p:nvCxnSpPr>
+          <p:cNvPr id="34" name="Straight Arrow Connector 12">
+            <a:extLst>
+              <a:ext uri="{FF2B5EF4-FFF2-40B4-BE49-F238E27FC236}">
+                <a16:creationId xmlns:a16="http://schemas.microsoft.com/office/drawing/2014/main" id="{D1EB8ED3-630B-4FF3-8555-646876B6B52D}"/>
+              </a:ext>
+            </a:extLst>
+          </p:cNvPr>
+          <p:cNvCxnSpPr>
+            <a:cxnSpLocks/>
+          </p:cNvCxnSpPr>
+          <p:nvPr/>
+        </p:nvCxnSpPr>
+        <p:spPr>
+          <a:xfrm>
+            <a:off x="3715941" y="3847734"/>
+            <a:ext cx="1211071" cy="0"/>
+          </a:xfrm>
+          <a:prstGeom prst="straightConnector1">
+            <a:avLst/>
+          </a:prstGeom>
+          <a:ln w="38100">
+            <a:solidFill>
+              <a:srgbClr val="013B51"/>
+            </a:solidFill>
+            <a:tailEnd type="triangle"/>
+          </a:ln>
+        </p:spPr>
+        <p:style>
+          <a:lnRef idx="1">
+            <a:schemeClr val="accent1"/>
+          </a:lnRef>
+          <a:fillRef idx="0">
+            <a:schemeClr val="accent1"/>
+          </a:fillRef>
+          <a:effectRef idx="0">
+            <a:schemeClr val="accent1"/>
+          </a:effectRef>
+          <a:fontRef idx="minor">
+            <a:schemeClr val="tx1"/>
+          </a:fontRef>
+        </p:style>
+      </p:cxnSp>
+      <p:sp>
+        <p:nvSpPr>
+          <p:cNvPr id="67" name="Rectangle 83">
+            <a:extLst>
+              <a:ext uri="{FF2B5EF4-FFF2-40B4-BE49-F238E27FC236}">
+                <a16:creationId xmlns:a16="http://schemas.microsoft.com/office/drawing/2014/main" id="{3AB323AE-E7F8-457C-8A86-E3A8D029776C}"/>
+              </a:ext>
+            </a:extLst>
+          </p:cNvPr>
+          <p:cNvSpPr/>
+          <p:nvPr/>
+        </p:nvSpPr>
+        <p:spPr>
+          <a:xfrm>
+            <a:off x="3751758" y="3617226"/>
+            <a:ext cx="923847" cy="214869"/>
+          </a:xfrm>
+          <a:prstGeom prst="rect">
+            <a:avLst/>
+          </a:prstGeom>
+          <a:noFill/>
+          <a:ln>
+            <a:noFill/>
+          </a:ln>
+        </p:spPr>
+        <p:style>
+          <a:lnRef idx="2">
+            <a:schemeClr val="accent1">
+              <a:shade val="50000"/>
+            </a:schemeClr>
+          </a:lnRef>
+          <a:fillRef idx="1">
+            <a:schemeClr val="accent1"/>
+          </a:fillRef>
+          <a:effectRef idx="0">
+            <a:schemeClr val="accent1"/>
+          </a:effectRef>
+          <a:fontRef idx="minor">
+            <a:schemeClr val="lt1"/>
+          </a:fontRef>
+        </p:style>
+        <p:txBody>
+          <a:bodyPr rtlCol="0" anchor="ctr"/>
+          <a:lstStyle/>
+          <a:p>
+            <a:pPr algn="r"/>
+            <a:r>
+              <a:rPr lang="en-US" altLang="ko-KR" sz="700" dirty="0">
+                <a:solidFill>
+                  <a:srgbClr val="013B51"/>
+                </a:solidFill>
+              </a:rPr>
+              <a:t>Instruction [25-21]</a:t>
+            </a:r>
+          </a:p>
+        </p:txBody>
+      </p:sp>
+      <p:cxnSp>
+        <p:nvCxnSpPr>
+          <p:cNvPr id="27" name="Straight Arrow Connector 12">
+            <a:extLst>
+              <a:ext uri="{FF2B5EF4-FFF2-40B4-BE49-F238E27FC236}">
+                <a16:creationId xmlns:a16="http://schemas.microsoft.com/office/drawing/2014/main" id="{FDB70F84-BBC5-4E8A-9EA3-3970293C1B8B}"/>
+              </a:ext>
+            </a:extLst>
+          </p:cNvPr>
+          <p:cNvCxnSpPr>
+            <a:cxnSpLocks/>
+          </p:cNvCxnSpPr>
+          <p:nvPr/>
+        </p:nvCxnSpPr>
+        <p:spPr>
+          <a:xfrm>
+            <a:off x="3715940" y="4205405"/>
+            <a:ext cx="1211072" cy="0"/>
+          </a:xfrm>
+          <a:prstGeom prst="straightConnector1">
+            <a:avLst/>
+          </a:prstGeom>
+          <a:ln w="38100">
+            <a:solidFill>
+              <a:srgbClr val="013B51"/>
+            </a:solidFill>
+            <a:tailEnd type="triangle"/>
+          </a:ln>
+        </p:spPr>
+        <p:style>
+          <a:lnRef idx="1">
+            <a:schemeClr val="accent1"/>
+          </a:lnRef>
+          <a:fillRef idx="0">
+            <a:schemeClr val="accent1"/>
+          </a:fillRef>
+          <a:effectRef idx="0">
+            <a:schemeClr val="accent1"/>
+          </a:effectRef>
+          <a:fontRef idx="minor">
+            <a:schemeClr val="tx1"/>
+          </a:fontRef>
+        </p:style>
+      </p:cxnSp>
+      <p:sp>
+        <p:nvSpPr>
+          <p:cNvPr id="72" name="Rectangle 83">
+            <a:extLst>
+              <a:ext uri="{FF2B5EF4-FFF2-40B4-BE49-F238E27FC236}">
+                <a16:creationId xmlns:a16="http://schemas.microsoft.com/office/drawing/2014/main" id="{A851C2B5-1AD4-43BC-84B7-9D199863804B}"/>
+              </a:ext>
+            </a:extLst>
+          </p:cNvPr>
+          <p:cNvSpPr/>
+          <p:nvPr/>
+        </p:nvSpPr>
+        <p:spPr>
+          <a:xfrm>
+            <a:off x="3757784" y="3982150"/>
+            <a:ext cx="911795" cy="214870"/>
+          </a:xfrm>
+          <a:prstGeom prst="rect">
+            <a:avLst/>
+          </a:prstGeom>
+          <a:noFill/>
+          <a:ln>
+            <a:noFill/>
+          </a:ln>
+        </p:spPr>
+        <p:style>
+          <a:lnRef idx="2">
+            <a:schemeClr val="accent1">
+              <a:shade val="50000"/>
+            </a:schemeClr>
+          </a:lnRef>
+          <a:fillRef idx="1">
+            <a:schemeClr val="accent1"/>
+          </a:fillRef>
+          <a:effectRef idx="0">
+            <a:schemeClr val="accent1"/>
+          </a:effectRef>
+          <a:fontRef idx="minor">
+            <a:schemeClr val="lt1"/>
+          </a:fontRef>
+        </p:style>
+        <p:txBody>
+          <a:bodyPr rtlCol="0" anchor="ctr"/>
+          <a:lstStyle/>
+          <a:p>
+            <a:pPr algn="r"/>
+            <a:r>
+              <a:rPr lang="en-US" altLang="ko-KR" sz="700" dirty="0">
+                <a:solidFill>
+                  <a:srgbClr val="013B51"/>
+                </a:solidFill>
+              </a:rPr>
+              <a:t>Instruction [20-16]</a:t>
+            </a:r>
+          </a:p>
+        </p:txBody>
+      </p:sp>
+      <p:grpSp>
+        <p:nvGrpSpPr>
+          <p:cNvPr id="77" name="그룹 76">
+            <a:extLst>
+              <a:ext uri="{FF2B5EF4-FFF2-40B4-BE49-F238E27FC236}">
+                <a16:creationId xmlns:a16="http://schemas.microsoft.com/office/drawing/2014/main" id="{B9B9F473-244A-4AA6-A0D5-2267B4E527C8}"/>
+              </a:ext>
+            </a:extLst>
+          </p:cNvPr>
+          <p:cNvGrpSpPr/>
+          <p:nvPr/>
+        </p:nvGrpSpPr>
+        <p:grpSpPr>
+          <a:xfrm>
+            <a:off x="5700345" y="5560242"/>
+            <a:ext cx="662878" cy="783942"/>
+            <a:chOff x="5887468" y="5560242"/>
+            <a:chExt cx="662878" cy="783942"/>
+          </a:xfrm>
+        </p:grpSpPr>
+        <p:sp>
+          <p:nvSpPr>
+            <p:cNvPr id="62" name="타원 61">
+              <a:extLst>
+                <a:ext uri="{FF2B5EF4-FFF2-40B4-BE49-F238E27FC236}">
+                  <a16:creationId xmlns:a16="http://schemas.microsoft.com/office/drawing/2014/main" id="{3293518B-FE0E-47F9-A77B-91DDDAD4BBE4}"/>
+                </a:ext>
+              </a:extLst>
+            </p:cNvPr>
+            <p:cNvSpPr/>
+            <p:nvPr/>
+          </p:nvSpPr>
+          <p:spPr>
+            <a:xfrm>
+              <a:off x="5901260" y="5560242"/>
+              <a:ext cx="635293" cy="783942"/>
+            </a:xfrm>
+            <a:prstGeom prst="ellipse">
+              <a:avLst/>
+            </a:prstGeom>
+            <a:solidFill>
+              <a:srgbClr val="787878"/>
+            </a:solidFill>
+            <a:ln>
+              <a:noFill/>
+            </a:ln>
+          </p:spPr>
+          <p:style>
+            <a:lnRef idx="2">
+              <a:schemeClr val="accent1">
+                <a:shade val="50000"/>
+              </a:schemeClr>
+            </a:lnRef>
+            <a:fillRef idx="1">
+              <a:schemeClr val="accent1"/>
+            </a:fillRef>
+            <a:effectRef idx="0">
+              <a:schemeClr val="accent1"/>
+            </a:effectRef>
+            <a:fontRef idx="minor">
+              <a:schemeClr val="lt1"/>
+            </a:fontRef>
+          </p:style>
+          <p:txBody>
+            <a:bodyPr rtlCol="0" anchor="ctr"/>
+            <a:lstStyle/>
+            <a:p>
+              <a:pPr algn="ctr"/>
+              <a:endParaRPr lang="en-US" sz="1050"/>
+            </a:p>
+          </p:txBody>
+        </p:sp>
+        <p:sp>
+          <p:nvSpPr>
+            <p:cNvPr id="63" name="Rectangle 83">
+              <a:extLst>
+                <a:ext uri="{FF2B5EF4-FFF2-40B4-BE49-F238E27FC236}">
+                  <a16:creationId xmlns:a16="http://schemas.microsoft.com/office/drawing/2014/main" id="{BC955CE2-3C38-4891-843C-60D404BDC94F}"/>
+                </a:ext>
+              </a:extLst>
+            </p:cNvPr>
+            <p:cNvSpPr/>
+            <p:nvPr/>
+          </p:nvSpPr>
+          <p:spPr>
+            <a:xfrm>
+              <a:off x="5887468" y="5781976"/>
+              <a:ext cx="662878" cy="340472"/>
+            </a:xfrm>
+            <a:prstGeom prst="rect">
+              <a:avLst/>
+            </a:prstGeom>
+            <a:noFill/>
+            <a:ln>
+              <a:noFill/>
+            </a:ln>
+          </p:spPr>
+          <p:style>
+            <a:lnRef idx="2">
+              <a:schemeClr val="accent1">
+                <a:shade val="50000"/>
+              </a:schemeClr>
+            </a:lnRef>
+            <a:fillRef idx="1">
+              <a:schemeClr val="accent1"/>
+            </a:fillRef>
+            <a:effectRef idx="0">
+              <a:schemeClr val="accent1"/>
+            </a:effectRef>
+            <a:fontRef idx="minor">
+              <a:schemeClr val="lt1"/>
+            </a:fontRef>
+          </p:style>
+          <p:txBody>
+            <a:bodyPr rtlCol="0" anchor="ctr"/>
+            <a:lstStyle/>
+            <a:p>
+              <a:pPr algn="ctr"/>
+              <a:r>
+                <a:rPr lang="en-US" altLang="ko-KR" sz="900" b="1" dirty="0"/>
+                <a:t>Sign-</a:t>
+              </a:r>
+            </a:p>
+            <a:p>
+              <a:pPr algn="ctr"/>
+              <a:r>
+                <a:rPr lang="en-US" altLang="ko-KR" sz="900" b="1" dirty="0"/>
+                <a:t>extend</a:t>
+              </a:r>
+              <a:endParaRPr lang="ko-KR" altLang="en-US" sz="900" b="1" dirty="0"/>
+            </a:p>
+          </p:txBody>
+        </p:sp>
+      </p:grpSp>
+      <p:grpSp>
+        <p:nvGrpSpPr>
+          <p:cNvPr id="66" name="그룹 65">
+            <a:extLst>
+              <a:ext uri="{FF2B5EF4-FFF2-40B4-BE49-F238E27FC236}">
+                <a16:creationId xmlns:a16="http://schemas.microsoft.com/office/drawing/2014/main" id="{B766149C-6F9D-4132-A2E8-18DE889C385F}"/>
+              </a:ext>
+            </a:extLst>
+          </p:cNvPr>
+          <p:cNvGrpSpPr/>
+          <p:nvPr/>
+        </p:nvGrpSpPr>
+        <p:grpSpPr>
+          <a:xfrm>
+            <a:off x="5330872" y="5707098"/>
+            <a:ext cx="379103" cy="297264"/>
+            <a:chOff x="3480625" y="3226719"/>
+            <a:chExt cx="485242" cy="380491"/>
+          </a:xfrm>
+        </p:grpSpPr>
+        <p:cxnSp>
+          <p:nvCxnSpPr>
+            <p:cNvPr id="68" name="Straight Arrow Connector 12">
+              <a:extLst>
+                <a:ext uri="{FF2B5EF4-FFF2-40B4-BE49-F238E27FC236}">
+                  <a16:creationId xmlns:a16="http://schemas.microsoft.com/office/drawing/2014/main" id="{008DDE02-486A-40C5-8E3A-8E0D15D6177B}"/>
+                </a:ext>
+              </a:extLst>
+            </p:cNvPr>
+            <p:cNvCxnSpPr>
+              <a:cxnSpLocks/>
+            </p:cNvCxnSpPr>
+            <p:nvPr/>
+          </p:nvCxnSpPr>
+          <p:spPr>
+            <a:xfrm>
+              <a:off x="3480625" y="3512480"/>
+              <a:ext cx="485242" cy="0"/>
+            </a:xfrm>
+            <a:prstGeom prst="straightConnector1">
+              <a:avLst/>
+            </a:prstGeom>
+            <a:ln w="38100">
+              <a:solidFill>
+                <a:srgbClr val="013B51"/>
+              </a:solidFill>
+              <a:tailEnd type="triangle"/>
+            </a:ln>
+          </p:spPr>
+          <p:style>
+            <a:lnRef idx="1">
+              <a:schemeClr val="accent1"/>
+            </a:lnRef>
+            <a:fillRef idx="0">
+              <a:schemeClr val="accent1"/>
+            </a:fillRef>
+            <a:effectRef idx="0">
+              <a:schemeClr val="accent1"/>
+            </a:effectRef>
+            <a:fontRef idx="minor">
+              <a:schemeClr val="tx1"/>
+            </a:fontRef>
+          </p:style>
+        </p:cxnSp>
+        <p:cxnSp>
+          <p:nvCxnSpPr>
+            <p:cNvPr id="69" name="직선 연결선 68">
+              <a:extLst>
+                <a:ext uri="{FF2B5EF4-FFF2-40B4-BE49-F238E27FC236}">
+                  <a16:creationId xmlns:a16="http://schemas.microsoft.com/office/drawing/2014/main" id="{F396D8EE-BB71-4AA4-8004-75F902A46F5B}"/>
+                </a:ext>
+              </a:extLst>
+            </p:cNvPr>
+            <p:cNvCxnSpPr>
+              <a:cxnSpLocks/>
+            </p:cNvCxnSpPr>
+            <p:nvPr/>
+          </p:nvCxnSpPr>
+          <p:spPr>
+            <a:xfrm>
+              <a:off x="3606882" y="3430368"/>
+              <a:ext cx="209941" cy="176842"/>
+            </a:xfrm>
+            <a:prstGeom prst="line">
+              <a:avLst/>
+            </a:prstGeom>
+            <a:ln w="19050">
+              <a:solidFill>
+                <a:srgbClr val="013B51"/>
+              </a:solidFill>
+            </a:ln>
+          </p:spPr>
+          <p:style>
+            <a:lnRef idx="1">
+              <a:schemeClr val="accent1"/>
+            </a:lnRef>
+            <a:fillRef idx="0">
+              <a:schemeClr val="accent1"/>
+            </a:fillRef>
+            <a:effectRef idx="0">
+              <a:schemeClr val="accent1"/>
+            </a:effectRef>
+            <a:fontRef idx="minor">
+              <a:schemeClr val="tx1"/>
+            </a:fontRef>
+          </p:style>
+        </p:cxnSp>
+        <p:sp>
+          <p:nvSpPr>
+            <p:cNvPr id="70" name="Rectangle 83">
+              <a:extLst>
+                <a:ext uri="{FF2B5EF4-FFF2-40B4-BE49-F238E27FC236}">
+                  <a16:creationId xmlns:a16="http://schemas.microsoft.com/office/drawing/2014/main" id="{EE0C204C-8C27-4F75-AA70-FCD453EDDA7C}"/>
+                </a:ext>
+              </a:extLst>
+            </p:cNvPr>
+            <p:cNvSpPr/>
+            <p:nvPr/>
+          </p:nvSpPr>
+          <p:spPr>
+            <a:xfrm>
+              <a:off x="3518495" y="3226719"/>
+              <a:ext cx="420892" cy="275028"/>
+            </a:xfrm>
+            <a:prstGeom prst="rect">
+              <a:avLst/>
+            </a:prstGeom>
+            <a:noFill/>
+            <a:ln>
+              <a:noFill/>
+            </a:ln>
+          </p:spPr>
+          <p:style>
+            <a:lnRef idx="2">
+              <a:schemeClr val="accent1">
+                <a:shade val="50000"/>
+              </a:schemeClr>
+            </a:lnRef>
+            <a:fillRef idx="1">
+              <a:schemeClr val="accent1"/>
+            </a:fillRef>
+            <a:effectRef idx="0">
+              <a:schemeClr val="accent1"/>
+            </a:effectRef>
+            <a:fontRef idx="minor">
+              <a:schemeClr val="lt1"/>
+            </a:fontRef>
+          </p:style>
+          <p:txBody>
+            <a:bodyPr rtlCol="0" anchor="ctr"/>
+            <a:lstStyle/>
+            <a:p>
+              <a:pPr algn="ctr"/>
+              <a:r>
+                <a:rPr lang="en-US" altLang="ko-KR" sz="700" dirty="0">
+                  <a:solidFill>
+                    <a:srgbClr val="013B51"/>
+                  </a:solidFill>
+                </a:rPr>
+                <a:t>16</a:t>
+              </a:r>
+            </a:p>
+          </p:txBody>
+        </p:sp>
+      </p:grpSp>
+      <p:cxnSp>
+        <p:nvCxnSpPr>
+          <p:cNvPr id="78" name="Straight Arrow Connector 12">
+            <a:extLst>
+              <a:ext uri="{FF2B5EF4-FFF2-40B4-BE49-F238E27FC236}">
+                <a16:creationId xmlns:a16="http://schemas.microsoft.com/office/drawing/2014/main" id="{2AEE082B-D6D2-45C0-91F6-97F49C827437}"/>
+              </a:ext>
+            </a:extLst>
+          </p:cNvPr>
+          <p:cNvCxnSpPr>
+            <a:cxnSpLocks/>
+          </p:cNvCxnSpPr>
+          <p:nvPr/>
+        </p:nvCxnSpPr>
+        <p:spPr>
+          <a:xfrm>
+            <a:off x="6919166" y="2831672"/>
+            <a:ext cx="188823" cy="0"/>
+          </a:xfrm>
+          <a:prstGeom prst="straightConnector1">
+            <a:avLst/>
+          </a:prstGeom>
+          <a:ln w="38100">
+            <a:solidFill>
+              <a:srgbClr val="013B51"/>
+            </a:solidFill>
+            <a:tailEnd type="triangle"/>
+          </a:ln>
+        </p:spPr>
+        <p:style>
+          <a:lnRef idx="1">
+            <a:schemeClr val="accent1"/>
+          </a:lnRef>
+          <a:fillRef idx="0">
+            <a:schemeClr val="accent1"/>
+          </a:fillRef>
+          <a:effectRef idx="0">
+            <a:schemeClr val="accent1"/>
+          </a:effectRef>
+          <a:fontRef idx="minor">
+            <a:schemeClr val="tx1"/>
+          </a:fontRef>
+        </p:style>
+      </p:cxnSp>
+      <p:cxnSp>
+        <p:nvCxnSpPr>
+          <p:cNvPr id="79" name="직선 연결선 78">
+            <a:extLst>
+              <a:ext uri="{FF2B5EF4-FFF2-40B4-BE49-F238E27FC236}">
+                <a16:creationId xmlns:a16="http://schemas.microsoft.com/office/drawing/2014/main" id="{08154198-C2BC-4185-8186-82ACA5032C15}"/>
+              </a:ext>
+            </a:extLst>
+          </p:cNvPr>
+          <p:cNvCxnSpPr>
+            <a:cxnSpLocks/>
+          </p:cNvCxnSpPr>
+          <p:nvPr/>
+        </p:nvCxnSpPr>
+        <p:spPr>
+          <a:xfrm>
+            <a:off x="6449678" y="5866202"/>
+            <a:ext cx="164020" cy="138160"/>
+          </a:xfrm>
+          <a:prstGeom prst="line">
+            <a:avLst/>
+          </a:prstGeom>
+          <a:ln w="19050">
+            <a:solidFill>
+              <a:srgbClr val="013B51"/>
+            </a:solidFill>
+          </a:ln>
+        </p:spPr>
+        <p:style>
+          <a:lnRef idx="1">
+            <a:schemeClr val="accent1"/>
+          </a:lnRef>
+          <a:fillRef idx="0">
+            <a:schemeClr val="accent1"/>
+          </a:fillRef>
+          <a:effectRef idx="0">
+            <a:schemeClr val="accent1"/>
+          </a:effectRef>
+          <a:fontRef idx="minor">
+            <a:schemeClr val="tx1"/>
+          </a:fontRef>
+        </p:style>
+      </p:cxnSp>
+      <p:sp>
+        <p:nvSpPr>
+          <p:cNvPr id="80" name="Rectangle 83">
+            <a:extLst>
+              <a:ext uri="{FF2B5EF4-FFF2-40B4-BE49-F238E27FC236}">
+                <a16:creationId xmlns:a16="http://schemas.microsoft.com/office/drawing/2014/main" id="{A375A863-5712-4D18-9657-9DFA18EE65FD}"/>
+              </a:ext>
+            </a:extLst>
+          </p:cNvPr>
+          <p:cNvSpPr/>
+          <p:nvPr/>
+        </p:nvSpPr>
+        <p:spPr>
+          <a:xfrm>
+            <a:off x="6380624" y="5707098"/>
+            <a:ext cx="328828" cy="214870"/>
+          </a:xfrm>
+          <a:prstGeom prst="rect">
+            <a:avLst/>
+          </a:prstGeom>
+          <a:noFill/>
+          <a:ln>
+            <a:noFill/>
+          </a:ln>
+        </p:spPr>
+        <p:style>
+          <a:lnRef idx="2">
+            <a:schemeClr val="accent1">
+              <a:shade val="50000"/>
+            </a:schemeClr>
+          </a:lnRef>
+          <a:fillRef idx="1">
+            <a:schemeClr val="accent1"/>
+          </a:fillRef>
+          <a:effectRef idx="0">
+            <a:schemeClr val="accent1"/>
+          </a:effectRef>
+          <a:fontRef idx="minor">
+            <a:schemeClr val="lt1"/>
+          </a:fontRef>
+        </p:style>
+        <p:txBody>
+          <a:bodyPr rtlCol="0" anchor="ctr"/>
+          <a:lstStyle/>
+          <a:p>
+            <a:pPr algn="ctr"/>
+            <a:r>
+              <a:rPr lang="en-US" altLang="ko-KR" sz="700" dirty="0">
+                <a:solidFill>
+                  <a:srgbClr val="013B51"/>
+                </a:solidFill>
+              </a:rPr>
+              <a:t>32</a:t>
+            </a:r>
+          </a:p>
+        </p:txBody>
+      </p:sp>
+      <p:cxnSp>
+        <p:nvCxnSpPr>
+          <p:cNvPr id="84" name="Straight Connector 57">
+            <a:extLst>
+              <a:ext uri="{FF2B5EF4-FFF2-40B4-BE49-F238E27FC236}">
+                <a16:creationId xmlns:a16="http://schemas.microsoft.com/office/drawing/2014/main" id="{686C3282-A6E4-41BE-8A54-0A862DB07009}"/>
+              </a:ext>
+            </a:extLst>
+          </p:cNvPr>
+          <p:cNvCxnSpPr>
+            <a:cxnSpLocks/>
+            <a:stCxn id="62" idx="6"/>
+          </p:cNvCxnSpPr>
+          <p:nvPr/>
+        </p:nvCxnSpPr>
+        <p:spPr>
+          <a:xfrm flipV="1">
+            <a:off x="6349430" y="5951695"/>
+            <a:ext cx="569736" cy="518"/>
+          </a:xfrm>
+          <a:prstGeom prst="line">
+            <a:avLst/>
+          </a:prstGeom>
+          <a:ln w="38100">
+            <a:solidFill>
+              <a:srgbClr val="013B51"/>
+            </a:solidFill>
+          </a:ln>
+        </p:spPr>
+        <p:style>
+          <a:lnRef idx="1">
+            <a:schemeClr val="accent1"/>
+          </a:lnRef>
+          <a:fillRef idx="0">
+            <a:schemeClr val="accent1"/>
+          </a:fillRef>
+          <a:effectRef idx="0">
+            <a:schemeClr val="accent1"/>
+          </a:effectRef>
+          <a:fontRef idx="minor">
+            <a:schemeClr val="tx1"/>
+          </a:fontRef>
+        </p:style>
+      </p:cxnSp>
+      <p:cxnSp>
+        <p:nvCxnSpPr>
+          <p:cNvPr id="85" name="Straight Connector 57">
+            <a:extLst>
+              <a:ext uri="{FF2B5EF4-FFF2-40B4-BE49-F238E27FC236}">
+                <a16:creationId xmlns:a16="http://schemas.microsoft.com/office/drawing/2014/main" id="{DECADBC0-6205-4EF4-AC35-BB138985C141}"/>
+              </a:ext>
+            </a:extLst>
+          </p:cNvPr>
+          <p:cNvCxnSpPr>
+            <a:cxnSpLocks/>
+          </p:cNvCxnSpPr>
+          <p:nvPr/>
+        </p:nvCxnSpPr>
+        <p:spPr>
+          <a:xfrm flipV="1">
+            <a:off x="6919166" y="2813052"/>
+            <a:ext cx="0" cy="3157536"/>
+          </a:xfrm>
+          <a:prstGeom prst="line">
+            <a:avLst/>
+          </a:prstGeom>
+          <a:ln w="38100">
+            <a:solidFill>
+              <a:srgbClr val="013B51"/>
+            </a:solidFill>
+          </a:ln>
+        </p:spPr>
+        <p:style>
+          <a:lnRef idx="1">
+            <a:schemeClr val="accent1"/>
+          </a:lnRef>
+          <a:fillRef idx="0">
+            <a:schemeClr val="accent1"/>
+          </a:fillRef>
+          <a:effectRef idx="0">
+            <a:schemeClr val="accent1"/>
+          </a:effectRef>
+          <a:fontRef idx="minor">
+            <a:schemeClr val="tx1"/>
+          </a:fontRef>
+        </p:style>
+      </p:cxnSp>
+      <p:cxnSp>
+        <p:nvCxnSpPr>
+          <p:cNvPr id="86" name="Straight Connector 57">
+            <a:extLst>
+              <a:ext uri="{FF2B5EF4-FFF2-40B4-BE49-F238E27FC236}">
+                <a16:creationId xmlns:a16="http://schemas.microsoft.com/office/drawing/2014/main" id="{64D0A4AC-57AC-4923-A25D-B9E228513D6A}"/>
+              </a:ext>
+            </a:extLst>
+          </p:cNvPr>
+          <p:cNvCxnSpPr>
+            <a:cxnSpLocks/>
+          </p:cNvCxnSpPr>
+          <p:nvPr/>
+        </p:nvCxnSpPr>
+        <p:spPr>
+          <a:xfrm>
+            <a:off x="3715940" y="5930353"/>
+            <a:ext cx="1799323" cy="0"/>
+          </a:xfrm>
+          <a:prstGeom prst="line">
+            <a:avLst/>
+          </a:prstGeom>
+          <a:ln w="38100">
+            <a:solidFill>
+              <a:srgbClr val="013B51"/>
+            </a:solidFill>
+          </a:ln>
+        </p:spPr>
+        <p:style>
+          <a:lnRef idx="1">
+            <a:schemeClr val="accent1"/>
+          </a:lnRef>
+          <a:fillRef idx="0">
+            <a:schemeClr val="accent1"/>
+          </a:fillRef>
+          <a:effectRef idx="0">
+            <a:schemeClr val="accent1"/>
+          </a:effectRef>
+          <a:fontRef idx="minor">
+            <a:schemeClr val="tx1"/>
+          </a:fontRef>
+        </p:style>
+      </p:cxnSp>
+      <p:cxnSp>
+        <p:nvCxnSpPr>
+          <p:cNvPr id="87" name="Straight Connector 57">
+            <a:extLst>
+              <a:ext uri="{FF2B5EF4-FFF2-40B4-BE49-F238E27FC236}">
+                <a16:creationId xmlns:a16="http://schemas.microsoft.com/office/drawing/2014/main" id="{705560FA-87B1-485A-9BE9-01C2D106EA86}"/>
+              </a:ext>
+            </a:extLst>
+          </p:cNvPr>
+          <p:cNvCxnSpPr>
+            <a:cxnSpLocks/>
+          </p:cNvCxnSpPr>
+          <p:nvPr/>
+        </p:nvCxnSpPr>
+        <p:spPr>
+          <a:xfrm flipV="1">
+            <a:off x="3733800" y="2990852"/>
+            <a:ext cx="0" cy="2944267"/>
+          </a:xfrm>
+          <a:prstGeom prst="line">
+            <a:avLst/>
+          </a:prstGeom>
+          <a:ln w="38100">
+            <a:solidFill>
+              <a:srgbClr val="013B51"/>
+            </a:solidFill>
+          </a:ln>
+        </p:spPr>
+        <p:style>
+          <a:lnRef idx="1">
+            <a:schemeClr val="accent1"/>
+          </a:lnRef>
+          <a:fillRef idx="0">
+            <a:schemeClr val="accent1"/>
+          </a:fillRef>
+          <a:effectRef idx="0">
+            <a:schemeClr val="accent1"/>
+          </a:effectRef>
+          <a:fontRef idx="minor">
+            <a:schemeClr val="tx1"/>
+          </a:fontRef>
+        </p:style>
+      </p:cxnSp>
+      <p:sp>
+        <p:nvSpPr>
+          <p:cNvPr id="88" name="타원 87">
+            <a:extLst>
+              <a:ext uri="{FF2B5EF4-FFF2-40B4-BE49-F238E27FC236}">
+                <a16:creationId xmlns:a16="http://schemas.microsoft.com/office/drawing/2014/main" id="{F0611FFC-B423-440A-8FF0-B7FFE469A7A2}"/>
+              </a:ext>
+            </a:extLst>
+          </p:cNvPr>
+          <p:cNvSpPr/>
+          <p:nvPr/>
+        </p:nvSpPr>
+        <p:spPr>
+          <a:xfrm>
+            <a:off x="3698675" y="3970956"/>
+            <a:ext cx="78973" cy="78973"/>
+          </a:xfrm>
+          <a:prstGeom prst="ellipse">
+            <a:avLst/>
+          </a:prstGeom>
+          <a:solidFill>
+            <a:srgbClr val="013B51"/>
+          </a:solidFill>
+          <a:ln>
+            <a:noFill/>
+          </a:ln>
+        </p:spPr>
+        <p:style>
+          <a:lnRef idx="2">
+            <a:schemeClr val="accent1">
+              <a:shade val="50000"/>
+            </a:schemeClr>
+          </a:lnRef>
+          <a:fillRef idx="1">
+            <a:schemeClr val="accent1"/>
+          </a:fillRef>
+          <a:effectRef idx="0">
+            <a:schemeClr val="accent1"/>
+          </a:effectRef>
+          <a:fontRef idx="minor">
+            <a:schemeClr val="lt1"/>
+          </a:fontRef>
+        </p:style>
+        <p:txBody>
+          <a:bodyPr rtlCol="0" anchor="ctr"/>
+          <a:lstStyle/>
+          <a:p>
+            <a:pPr algn="ctr"/>
+            <a:endParaRPr lang="en-US" sz="1050"/>
+          </a:p>
+        </p:txBody>
+      </p:sp>
+      <p:sp>
+        <p:nvSpPr>
+          <p:cNvPr id="89" name="타원 88">
+            <a:extLst>
+              <a:ext uri="{FF2B5EF4-FFF2-40B4-BE49-F238E27FC236}">
+                <a16:creationId xmlns:a16="http://schemas.microsoft.com/office/drawing/2014/main" id="{1225551F-F69A-4035-9864-83F0DA16EE57}"/>
+              </a:ext>
+            </a:extLst>
+          </p:cNvPr>
+          <p:cNvSpPr/>
+          <p:nvPr/>
+        </p:nvSpPr>
+        <p:spPr>
+          <a:xfrm>
+            <a:off x="4292640" y="4160298"/>
+            <a:ext cx="78973" cy="78973"/>
+          </a:xfrm>
+          <a:prstGeom prst="ellipse">
+            <a:avLst/>
+          </a:prstGeom>
+          <a:solidFill>
+            <a:srgbClr val="013B51"/>
+          </a:solidFill>
+          <a:ln>
+            <a:noFill/>
+          </a:ln>
+        </p:spPr>
+        <p:style>
+          <a:lnRef idx="2">
+            <a:schemeClr val="accent1">
+              <a:shade val="50000"/>
+            </a:schemeClr>
+          </a:lnRef>
+          <a:fillRef idx="1">
+            <a:schemeClr val="accent1"/>
+          </a:fillRef>
+          <a:effectRef idx="0">
+            <a:schemeClr val="accent1"/>
+          </a:effectRef>
+          <a:fontRef idx="minor">
+            <a:schemeClr val="lt1"/>
+          </a:fontRef>
+        </p:style>
+        <p:txBody>
+          <a:bodyPr rtlCol="0" anchor="ctr"/>
+          <a:lstStyle/>
+          <a:p>
+            <a:pPr algn="ctr"/>
+            <a:endParaRPr lang="en-US" sz="1050"/>
+          </a:p>
+        </p:txBody>
+      </p:sp>
+      <p:cxnSp>
+        <p:nvCxnSpPr>
+          <p:cNvPr id="90" name="Straight Arrow Connector 75">
+            <a:extLst>
+              <a:ext uri="{FF2B5EF4-FFF2-40B4-BE49-F238E27FC236}">
+                <a16:creationId xmlns:a16="http://schemas.microsoft.com/office/drawing/2014/main" id="{00091404-D89B-4B13-B0B1-A18C1051D821}"/>
+              </a:ext>
+            </a:extLst>
+          </p:cNvPr>
+          <p:cNvCxnSpPr>
+            <a:cxnSpLocks/>
+          </p:cNvCxnSpPr>
+          <p:nvPr/>
+        </p:nvCxnSpPr>
+        <p:spPr>
+          <a:xfrm>
+            <a:off x="7474276" y="2830481"/>
+            <a:ext cx="216810" cy="0"/>
+          </a:xfrm>
+          <a:prstGeom prst="straightConnector1">
+            <a:avLst/>
+          </a:prstGeom>
+          <a:ln w="38100">
+            <a:solidFill>
+              <a:srgbClr val="013B51"/>
+            </a:solidFill>
+            <a:tailEnd type="triangle"/>
+          </a:ln>
+        </p:spPr>
+        <p:style>
+          <a:lnRef idx="1">
+            <a:schemeClr val="accent1"/>
+          </a:lnRef>
+          <a:fillRef idx="0">
+            <a:schemeClr val="accent1"/>
+          </a:fillRef>
+          <a:effectRef idx="0">
+            <a:schemeClr val="accent1"/>
+          </a:effectRef>
+          <a:fontRef idx="minor">
+            <a:schemeClr val="tx1"/>
+          </a:fontRef>
+        </p:style>
+      </p:cxnSp>
+      <p:cxnSp>
+        <p:nvCxnSpPr>
+          <p:cNvPr id="91" name="Straight Connector 57">
+            <a:extLst>
+              <a:ext uri="{FF2B5EF4-FFF2-40B4-BE49-F238E27FC236}">
+                <a16:creationId xmlns:a16="http://schemas.microsoft.com/office/drawing/2014/main" id="{67470AF7-9792-46A7-A97A-7F591B5D803B}"/>
+              </a:ext>
+            </a:extLst>
+          </p:cNvPr>
+          <p:cNvCxnSpPr>
+            <a:cxnSpLocks/>
+          </p:cNvCxnSpPr>
+          <p:nvPr/>
+        </p:nvCxnSpPr>
+        <p:spPr>
+          <a:xfrm>
+            <a:off x="3627597" y="4011674"/>
+            <a:ext cx="106203" cy="0"/>
+          </a:xfrm>
+          <a:prstGeom prst="line">
+            <a:avLst/>
+          </a:prstGeom>
+          <a:ln w="38100">
+            <a:solidFill>
+              <a:srgbClr val="013B51"/>
+            </a:solidFill>
+          </a:ln>
+        </p:spPr>
+        <p:style>
+          <a:lnRef idx="1">
+            <a:schemeClr val="accent1"/>
+          </a:lnRef>
+          <a:fillRef idx="0">
+            <a:schemeClr val="accent1"/>
+          </a:fillRef>
+          <a:effectRef idx="0">
+            <a:schemeClr val="accent1"/>
+          </a:effectRef>
+          <a:fontRef idx="minor">
+            <a:schemeClr val="tx1"/>
+          </a:fontRef>
+        </p:style>
+      </p:cxnSp>
+      <p:cxnSp>
+        <p:nvCxnSpPr>
+          <p:cNvPr id="75" name="Straight Arrow Connector 12">
+            <a:extLst>
+              <a:ext uri="{FF2B5EF4-FFF2-40B4-BE49-F238E27FC236}">
+                <a16:creationId xmlns:a16="http://schemas.microsoft.com/office/drawing/2014/main" id="{7A501299-111B-4302-9303-C0B059152521}"/>
+              </a:ext>
+            </a:extLst>
+          </p:cNvPr>
+          <p:cNvCxnSpPr>
+            <a:cxnSpLocks/>
+          </p:cNvCxnSpPr>
+          <p:nvPr/>
+        </p:nvCxnSpPr>
+        <p:spPr>
+          <a:xfrm>
+            <a:off x="6919166" y="4952536"/>
+            <a:ext cx="188823" cy="0"/>
+          </a:xfrm>
+          <a:prstGeom prst="straightConnector1">
+            <a:avLst/>
+          </a:prstGeom>
+          <a:ln w="38100">
+            <a:solidFill>
+              <a:srgbClr val="013B51"/>
+            </a:solidFill>
+            <a:tailEnd type="triangle"/>
+          </a:ln>
+        </p:spPr>
+        <p:style>
+          <a:lnRef idx="1">
+            <a:schemeClr val="accent1"/>
+          </a:lnRef>
+          <a:fillRef idx="0">
+            <a:schemeClr val="accent1"/>
+          </a:fillRef>
+          <a:effectRef idx="0">
+            <a:schemeClr val="accent1"/>
+          </a:effectRef>
+          <a:fontRef idx="minor">
+            <a:schemeClr val="tx1"/>
+          </a:fontRef>
+        </p:style>
+      </p:cxnSp>
+      <p:sp>
+        <p:nvSpPr>
+          <p:cNvPr id="93" name="타원 92">
+            <a:extLst>
+              <a:ext uri="{FF2B5EF4-FFF2-40B4-BE49-F238E27FC236}">
+                <a16:creationId xmlns:a16="http://schemas.microsoft.com/office/drawing/2014/main" id="{130AC145-90B3-4180-A673-877117FD4459}"/>
+              </a:ext>
+            </a:extLst>
+          </p:cNvPr>
+          <p:cNvSpPr/>
+          <p:nvPr/>
+        </p:nvSpPr>
+        <p:spPr>
+          <a:xfrm>
+            <a:off x="6884650" y="4916022"/>
+            <a:ext cx="78973" cy="78973"/>
+          </a:xfrm>
+          <a:prstGeom prst="ellipse">
+            <a:avLst/>
+          </a:prstGeom>
+          <a:solidFill>
+            <a:srgbClr val="013B51"/>
+          </a:solidFill>
+          <a:ln>
+            <a:noFill/>
+          </a:ln>
+        </p:spPr>
+        <p:style>
+          <a:lnRef idx="2">
+            <a:schemeClr val="accent1">
+              <a:shade val="50000"/>
+            </a:schemeClr>
+          </a:lnRef>
+          <a:fillRef idx="1">
+            <a:schemeClr val="accent1"/>
+          </a:fillRef>
+          <a:effectRef idx="0">
+            <a:schemeClr val="accent1"/>
+          </a:effectRef>
+          <a:fontRef idx="minor">
+            <a:schemeClr val="lt1"/>
+          </a:fontRef>
+        </p:style>
+        <p:txBody>
+          <a:bodyPr rtlCol="0" anchor="ctr"/>
+          <a:lstStyle/>
+          <a:p>
+            <a:pPr algn="ctr"/>
+            <a:endParaRPr lang="en-US" sz="1050"/>
+          </a:p>
+        </p:txBody>
+      </p:sp>
+      <p:cxnSp>
+        <p:nvCxnSpPr>
+          <p:cNvPr id="94" name="Straight Arrow Connector 12">
+            <a:extLst>
+              <a:ext uri="{FF2B5EF4-FFF2-40B4-BE49-F238E27FC236}">
+                <a16:creationId xmlns:a16="http://schemas.microsoft.com/office/drawing/2014/main" id="{C5A47BB3-4DD4-44BD-AD7C-78EFC0E48326}"/>
+              </a:ext>
+            </a:extLst>
+          </p:cNvPr>
+          <p:cNvCxnSpPr>
+            <a:cxnSpLocks/>
+          </p:cNvCxnSpPr>
+          <p:nvPr/>
+        </p:nvCxnSpPr>
+        <p:spPr>
+          <a:xfrm>
+            <a:off x="6430128" y="4581914"/>
+            <a:ext cx="678040" cy="0"/>
+          </a:xfrm>
+          <a:prstGeom prst="straightConnector1">
+            <a:avLst/>
+          </a:prstGeom>
+          <a:ln w="38100">
+            <a:solidFill>
+              <a:srgbClr val="013B51"/>
+            </a:solidFill>
+            <a:tailEnd type="triangle"/>
+          </a:ln>
+        </p:spPr>
+        <p:style>
+          <a:lnRef idx="1">
+            <a:schemeClr val="accent1"/>
+          </a:lnRef>
+          <a:fillRef idx="0">
+            <a:schemeClr val="accent1"/>
+          </a:fillRef>
+          <a:effectRef idx="0">
+            <a:schemeClr val="accent1"/>
+          </a:effectRef>
+          <a:fontRef idx="minor">
+            <a:schemeClr val="tx1"/>
+          </a:fontRef>
+        </p:style>
+      </p:cxnSp>
+      <p:cxnSp>
+        <p:nvCxnSpPr>
+          <p:cNvPr id="95" name="Straight Connector 57">
+            <a:extLst>
+              <a:ext uri="{FF2B5EF4-FFF2-40B4-BE49-F238E27FC236}">
+                <a16:creationId xmlns:a16="http://schemas.microsoft.com/office/drawing/2014/main" id="{31DEE154-EB75-44F0-A674-D5556176300D}"/>
+              </a:ext>
+            </a:extLst>
+          </p:cNvPr>
+          <p:cNvCxnSpPr>
+            <a:cxnSpLocks/>
+          </p:cNvCxnSpPr>
+          <p:nvPr/>
+        </p:nvCxnSpPr>
+        <p:spPr>
+          <a:xfrm flipV="1">
+            <a:off x="6579579" y="4565490"/>
+            <a:ext cx="0" cy="765960"/>
+          </a:xfrm>
+          <a:prstGeom prst="line">
+            <a:avLst/>
+          </a:prstGeom>
+          <a:ln w="38100">
+            <a:solidFill>
+              <a:srgbClr val="013B51"/>
+            </a:solidFill>
+          </a:ln>
+        </p:spPr>
+        <p:style>
+          <a:lnRef idx="1">
+            <a:schemeClr val="accent1"/>
+          </a:lnRef>
+          <a:fillRef idx="0">
+            <a:schemeClr val="accent1"/>
+          </a:fillRef>
+          <a:effectRef idx="0">
+            <a:schemeClr val="accent1"/>
+          </a:effectRef>
+          <a:fontRef idx="minor">
+            <a:schemeClr val="tx1"/>
+          </a:fontRef>
+        </p:style>
+      </p:cxnSp>
+      <p:grpSp>
+        <p:nvGrpSpPr>
+          <p:cNvPr id="26" name="그룹 25">
+            <a:extLst>
+              <a:ext uri="{FF2B5EF4-FFF2-40B4-BE49-F238E27FC236}">
+                <a16:creationId xmlns:a16="http://schemas.microsoft.com/office/drawing/2014/main" id="{A96AADEE-595F-4B5B-9ADA-6F35784BCBD7}"/>
+              </a:ext>
+            </a:extLst>
+          </p:cNvPr>
+          <p:cNvGrpSpPr/>
+          <p:nvPr/>
+        </p:nvGrpSpPr>
+        <p:grpSpPr>
+          <a:xfrm>
+            <a:off x="6579580" y="4110944"/>
+            <a:ext cx="3956657" cy="1541033"/>
+            <a:chOff x="5508697" y="3539036"/>
+            <a:chExt cx="4872872" cy="1897885"/>
+          </a:xfrm>
+        </p:grpSpPr>
+        <p:cxnSp>
+          <p:nvCxnSpPr>
+            <p:cNvPr id="96" name="Straight Arrow Connector 12">
+              <a:extLst>
+                <a:ext uri="{FF2B5EF4-FFF2-40B4-BE49-F238E27FC236}">
+                  <a16:creationId xmlns:a16="http://schemas.microsoft.com/office/drawing/2014/main" id="{97C72A0F-9A5E-448A-B28B-A0AC0E1B5A89}"/>
+                </a:ext>
+              </a:extLst>
+            </p:cNvPr>
+            <p:cNvCxnSpPr>
+              <a:cxnSpLocks/>
+            </p:cNvCxnSpPr>
+            <p:nvPr/>
+          </p:nvCxnSpPr>
+          <p:spPr>
+            <a:xfrm>
+              <a:off x="9810441" y="4094445"/>
+              <a:ext cx="571128" cy="0"/>
+            </a:xfrm>
+            <a:prstGeom prst="straightConnector1">
+              <a:avLst/>
+            </a:prstGeom>
+            <a:ln w="38100">
+              <a:solidFill>
+                <a:srgbClr val="013B51"/>
+              </a:solidFill>
+              <a:tailEnd type="triangle"/>
+            </a:ln>
+          </p:spPr>
+          <p:style>
+            <a:lnRef idx="1">
+              <a:schemeClr val="accent1"/>
+            </a:lnRef>
+            <a:fillRef idx="0">
+              <a:schemeClr val="accent1"/>
+            </a:fillRef>
+            <a:effectRef idx="0">
+              <a:schemeClr val="accent1"/>
+            </a:effectRef>
+            <a:fontRef idx="minor">
+              <a:schemeClr val="tx1"/>
+            </a:fontRef>
+          </p:style>
+        </p:cxnSp>
+        <p:cxnSp>
+          <p:nvCxnSpPr>
+            <p:cNvPr id="97" name="Straight Arrow Connector 12">
+              <a:extLst>
+                <a:ext uri="{FF2B5EF4-FFF2-40B4-BE49-F238E27FC236}">
+                  <a16:creationId xmlns:a16="http://schemas.microsoft.com/office/drawing/2014/main" id="{1D53B98C-A1A7-47A8-8876-65434064F821}"/>
+                </a:ext>
+              </a:extLst>
+            </p:cNvPr>
+            <p:cNvCxnSpPr>
+              <a:cxnSpLocks/>
+            </p:cNvCxnSpPr>
+            <p:nvPr/>
+          </p:nvCxnSpPr>
+          <p:spPr>
+            <a:xfrm>
+              <a:off x="5508697" y="5018161"/>
+              <a:ext cx="2580026" cy="0"/>
+            </a:xfrm>
+            <a:prstGeom prst="straightConnector1">
+              <a:avLst/>
+            </a:prstGeom>
+            <a:ln w="38100">
+              <a:solidFill>
+                <a:srgbClr val="013B51"/>
+              </a:solidFill>
+              <a:tailEnd type="triangle"/>
+            </a:ln>
+          </p:spPr>
+          <p:style>
+            <a:lnRef idx="1">
+              <a:schemeClr val="accent1"/>
+            </a:lnRef>
+            <a:fillRef idx="0">
+              <a:schemeClr val="accent1"/>
+            </a:fillRef>
+            <a:effectRef idx="0">
+              <a:schemeClr val="accent1"/>
+            </a:effectRef>
+            <a:fontRef idx="minor">
+              <a:schemeClr val="tx1"/>
+            </a:fontRef>
+          </p:style>
+        </p:cxnSp>
+        <p:grpSp>
+          <p:nvGrpSpPr>
+            <p:cNvPr id="99" name="그룹 98">
+              <a:extLst>
+                <a:ext uri="{FF2B5EF4-FFF2-40B4-BE49-F238E27FC236}">
+                  <a16:creationId xmlns:a16="http://schemas.microsoft.com/office/drawing/2014/main" id="{C72EE263-E029-455E-A560-A9AA064579F2}"/>
+                </a:ext>
+              </a:extLst>
+            </p:cNvPr>
+            <p:cNvGrpSpPr/>
+            <p:nvPr/>
+          </p:nvGrpSpPr>
+          <p:grpSpPr>
+            <a:xfrm>
+              <a:off x="8088723" y="3539036"/>
+              <a:ext cx="1806640" cy="1897885"/>
+              <a:chOff x="3045184" y="2799161"/>
+              <a:chExt cx="1622588" cy="1704539"/>
+            </a:xfrm>
+          </p:grpSpPr>
+          <p:sp>
+            <p:nvSpPr>
+              <p:cNvPr id="102" name="Rectangle 83">
+                <a:extLst>
+                  <a:ext uri="{FF2B5EF4-FFF2-40B4-BE49-F238E27FC236}">
+                    <a16:creationId xmlns:a16="http://schemas.microsoft.com/office/drawing/2014/main" id="{FEFC045E-AE09-4713-A6F4-66A0E899BDBF}"/>
+                  </a:ext>
+                </a:extLst>
+              </p:cNvPr>
+              <p:cNvSpPr/>
+              <p:nvPr/>
+            </p:nvSpPr>
+            <p:spPr>
+              <a:xfrm>
+                <a:off x="3045184" y="2799161"/>
+                <a:ext cx="1547426" cy="1704539"/>
+              </a:xfrm>
+              <a:prstGeom prst="rect">
+                <a:avLst/>
+              </a:prstGeom>
+              <a:solidFill>
+                <a:srgbClr val="787878"/>
+              </a:solidFill>
+              <a:ln>
+                <a:noFill/>
+              </a:ln>
+            </p:spPr>
+            <p:style>
+              <a:lnRef idx="2">
+                <a:schemeClr val="accent1">
+                  <a:shade val="50000"/>
+                </a:schemeClr>
+              </a:lnRef>
+              <a:fillRef idx="1">
+                <a:schemeClr val="accent1"/>
+              </a:fillRef>
+              <a:effectRef idx="0">
+                <a:schemeClr val="accent1"/>
+              </a:effectRef>
+              <a:fontRef idx="minor">
+                <a:schemeClr val="lt1"/>
+              </a:fontRef>
+            </p:style>
+            <p:txBody>
+              <a:bodyPr rtlCol="0" anchor="ctr"/>
+              <a:lstStyle/>
+              <a:p>
+                <a:pPr algn="ctr"/>
+                <a:endParaRPr lang="ko-KR" altLang="en-US" sz="1200" dirty="0"/>
+              </a:p>
+            </p:txBody>
+          </p:sp>
+          <p:sp>
+            <p:nvSpPr>
+              <p:cNvPr id="103" name="Rectangle 83">
+                <a:extLst>
+                  <a:ext uri="{FF2B5EF4-FFF2-40B4-BE49-F238E27FC236}">
+                    <a16:creationId xmlns:a16="http://schemas.microsoft.com/office/drawing/2014/main" id="{601A9AC8-40D4-44F9-9DEE-2FA4A62AF43F}"/>
+                  </a:ext>
+                </a:extLst>
+              </p:cNvPr>
+              <p:cNvSpPr/>
+              <p:nvPr/>
+            </p:nvSpPr>
+            <p:spPr>
+              <a:xfrm>
+                <a:off x="3045186" y="3085865"/>
+                <a:ext cx="731595" cy="424218"/>
+              </a:xfrm>
+              <a:prstGeom prst="rect">
+                <a:avLst/>
+              </a:prstGeom>
+              <a:noFill/>
+              <a:ln>
+                <a:noFill/>
+              </a:ln>
+            </p:spPr>
+            <p:style>
+              <a:lnRef idx="2">
+                <a:schemeClr val="accent1">
+                  <a:shade val="50000"/>
+                </a:schemeClr>
+              </a:lnRef>
+              <a:fillRef idx="1">
+                <a:schemeClr val="accent1"/>
+              </a:fillRef>
+              <a:effectRef idx="0">
+                <a:schemeClr val="accent1"/>
+              </a:effectRef>
+              <a:fontRef idx="minor">
+                <a:schemeClr val="lt1"/>
+              </a:fontRef>
+            </p:style>
+            <p:txBody>
+              <a:bodyPr rtlCol="0" anchor="ctr"/>
+              <a:lstStyle/>
+              <a:p>
+                <a:r>
+                  <a:rPr lang="en-US" altLang="ko-KR" sz="900" dirty="0"/>
+                  <a:t>Address</a:t>
+                </a:r>
+                <a:endParaRPr lang="ko-KR" altLang="en-US" sz="900" dirty="0"/>
+              </a:p>
+            </p:txBody>
+          </p:sp>
+          <p:sp>
+            <p:nvSpPr>
+              <p:cNvPr id="104" name="Rectangle 83">
+                <a:extLst>
+                  <a:ext uri="{FF2B5EF4-FFF2-40B4-BE49-F238E27FC236}">
+                    <a16:creationId xmlns:a16="http://schemas.microsoft.com/office/drawing/2014/main" id="{F27A303E-F15C-4EAB-90FB-41245168654B}"/>
+                  </a:ext>
+                </a:extLst>
+              </p:cNvPr>
+              <p:cNvSpPr/>
+              <p:nvPr/>
+            </p:nvSpPr>
+            <p:spPr>
+              <a:xfrm>
+                <a:off x="3565501" y="3661778"/>
+                <a:ext cx="1102271" cy="566157"/>
+              </a:xfrm>
+              <a:prstGeom prst="rect">
+                <a:avLst/>
+              </a:prstGeom>
+              <a:noFill/>
+              <a:ln>
+                <a:noFill/>
+              </a:ln>
+            </p:spPr>
+            <p:style>
+              <a:lnRef idx="2">
+                <a:schemeClr val="accent1">
+                  <a:shade val="50000"/>
+                </a:schemeClr>
+              </a:lnRef>
+              <a:fillRef idx="1">
+                <a:schemeClr val="accent1"/>
+              </a:fillRef>
+              <a:effectRef idx="0">
+                <a:schemeClr val="accent1"/>
+              </a:effectRef>
+              <a:fontRef idx="minor">
+                <a:schemeClr val="lt1"/>
+              </a:fontRef>
+            </p:style>
+            <p:txBody>
+              <a:bodyPr rtlCol="0" anchor="ctr"/>
+              <a:lstStyle/>
+              <a:p>
+                <a:pPr algn="ctr"/>
+                <a:r>
+                  <a:rPr lang="en-US" altLang="ko-KR" sz="1050" b="1" dirty="0"/>
+                  <a:t>Data</a:t>
+                </a:r>
+              </a:p>
+              <a:p>
+                <a:pPr algn="ctr"/>
+                <a:r>
+                  <a:rPr lang="en-US" altLang="ko-KR" sz="1050" b="1" dirty="0"/>
+                  <a:t>memory</a:t>
+                </a:r>
+                <a:endParaRPr lang="ko-KR" altLang="en-US" sz="1050" b="1" dirty="0"/>
+              </a:p>
+            </p:txBody>
+          </p:sp>
+          <p:sp>
+            <p:nvSpPr>
+              <p:cNvPr id="105" name="Rectangle 83">
+                <a:extLst>
+                  <a:ext uri="{FF2B5EF4-FFF2-40B4-BE49-F238E27FC236}">
+                    <a16:creationId xmlns:a16="http://schemas.microsoft.com/office/drawing/2014/main" id="{EB1398B1-700C-4E3E-92D0-035F9483FC02}"/>
+                  </a:ext>
+                </a:extLst>
+              </p:cNvPr>
+              <p:cNvSpPr/>
+              <p:nvPr/>
+            </p:nvSpPr>
+            <p:spPr>
+              <a:xfrm>
+                <a:off x="4064659" y="3127484"/>
+                <a:ext cx="526843" cy="340979"/>
+              </a:xfrm>
+              <a:prstGeom prst="rect">
+                <a:avLst/>
+              </a:prstGeom>
+              <a:noFill/>
+              <a:ln>
+                <a:noFill/>
+              </a:ln>
+            </p:spPr>
+            <p:style>
+              <a:lnRef idx="2">
+                <a:schemeClr val="accent1">
+                  <a:shade val="50000"/>
+                </a:schemeClr>
+              </a:lnRef>
+              <a:fillRef idx="1">
+                <a:schemeClr val="accent1"/>
+              </a:fillRef>
+              <a:effectRef idx="0">
+                <a:schemeClr val="accent1"/>
+              </a:effectRef>
+              <a:fontRef idx="minor">
+                <a:schemeClr val="lt1"/>
+              </a:fontRef>
+            </p:style>
+            <p:txBody>
+              <a:bodyPr rtlCol="0" anchor="ctr"/>
+              <a:lstStyle/>
+              <a:p>
+                <a:pPr algn="r"/>
+                <a:r>
+                  <a:rPr lang="en-US" altLang="ko-KR" sz="1000" dirty="0"/>
+                  <a:t>Read  data</a:t>
+                </a:r>
+              </a:p>
+            </p:txBody>
+          </p:sp>
+          <p:sp>
+            <p:nvSpPr>
+              <p:cNvPr id="106" name="Rectangle 83">
+                <a:extLst>
+                  <a:ext uri="{FF2B5EF4-FFF2-40B4-BE49-F238E27FC236}">
+                    <a16:creationId xmlns:a16="http://schemas.microsoft.com/office/drawing/2014/main" id="{6822B9A4-D0C7-479C-9125-B6997C49E23E}"/>
+                  </a:ext>
+                </a:extLst>
+              </p:cNvPr>
+              <p:cNvSpPr/>
+              <p:nvPr/>
+            </p:nvSpPr>
+            <p:spPr>
+              <a:xfrm>
+                <a:off x="3045186" y="3915476"/>
+                <a:ext cx="731595" cy="424218"/>
+              </a:xfrm>
+              <a:prstGeom prst="rect">
+                <a:avLst/>
+              </a:prstGeom>
+              <a:noFill/>
+              <a:ln>
+                <a:noFill/>
+              </a:ln>
+            </p:spPr>
+            <p:style>
+              <a:lnRef idx="2">
+                <a:schemeClr val="accent1">
+                  <a:shade val="50000"/>
+                </a:schemeClr>
+              </a:lnRef>
+              <a:fillRef idx="1">
+                <a:schemeClr val="accent1"/>
+              </a:fillRef>
+              <a:effectRef idx="0">
+                <a:schemeClr val="accent1"/>
+              </a:effectRef>
+              <a:fontRef idx="minor">
+                <a:schemeClr val="lt1"/>
+              </a:fontRef>
+            </p:style>
+            <p:txBody>
+              <a:bodyPr rtlCol="0" anchor="ctr"/>
+              <a:lstStyle/>
+              <a:p>
+                <a:r>
+                  <a:rPr lang="en-US" altLang="ko-KR" sz="900" dirty="0"/>
+                  <a:t>Write</a:t>
+                </a:r>
+              </a:p>
+              <a:p>
+                <a:r>
+                  <a:rPr lang="en-US" altLang="ko-KR" sz="900" dirty="0"/>
+                  <a:t>Data</a:t>
+                </a:r>
+                <a:endParaRPr lang="ko-KR" altLang="en-US" sz="900" dirty="0"/>
+              </a:p>
+            </p:txBody>
+          </p:sp>
+        </p:grpSp>
+        <p:cxnSp>
+          <p:nvCxnSpPr>
+            <p:cNvPr id="116" name="Straight Arrow Connector 12">
+              <a:extLst>
+                <a:ext uri="{FF2B5EF4-FFF2-40B4-BE49-F238E27FC236}">
+                  <a16:creationId xmlns:a16="http://schemas.microsoft.com/office/drawing/2014/main" id="{412EBB5A-27FB-498A-B1F7-BE5FEC27E39F}"/>
+                </a:ext>
+              </a:extLst>
+            </p:cNvPr>
+            <p:cNvCxnSpPr>
+              <a:cxnSpLocks/>
+            </p:cNvCxnSpPr>
+            <p:nvPr/>
+          </p:nvCxnSpPr>
+          <p:spPr>
+            <a:xfrm>
+              <a:off x="9988523" y="4543268"/>
+              <a:ext cx="393046" cy="0"/>
+            </a:xfrm>
+            <a:prstGeom prst="straightConnector1">
+              <a:avLst/>
+            </a:prstGeom>
+            <a:ln w="38100">
+              <a:solidFill>
+                <a:srgbClr val="013B51"/>
+              </a:solidFill>
+              <a:tailEnd type="triangle"/>
+            </a:ln>
+          </p:spPr>
+          <p:style>
+            <a:lnRef idx="1">
+              <a:schemeClr val="accent1"/>
+            </a:lnRef>
+            <a:fillRef idx="0">
+              <a:schemeClr val="accent1"/>
+            </a:fillRef>
+            <a:effectRef idx="0">
+              <a:schemeClr val="accent1"/>
+            </a:effectRef>
+            <a:fontRef idx="minor">
+              <a:schemeClr val="tx1"/>
+            </a:fontRef>
+          </p:style>
+        </p:cxnSp>
+      </p:grpSp>
+      <p:sp>
+        <p:nvSpPr>
+          <p:cNvPr id="110" name="타원 109">
+            <a:extLst>
+              <a:ext uri="{FF2B5EF4-FFF2-40B4-BE49-F238E27FC236}">
+                <a16:creationId xmlns:a16="http://schemas.microsoft.com/office/drawing/2014/main" id="{520D9AE1-20C4-4909-A497-B5E14DBD7649}"/>
+              </a:ext>
+            </a:extLst>
+          </p:cNvPr>
+          <p:cNvSpPr/>
+          <p:nvPr/>
+        </p:nvSpPr>
+        <p:spPr>
+          <a:xfrm>
+            <a:off x="6543038" y="4548491"/>
+            <a:ext cx="78973" cy="78973"/>
+          </a:xfrm>
+          <a:prstGeom prst="ellipse">
+            <a:avLst/>
+          </a:prstGeom>
+          <a:solidFill>
+            <a:srgbClr val="013B51"/>
+          </a:solidFill>
+          <a:ln>
+            <a:noFill/>
+          </a:ln>
+        </p:spPr>
+        <p:style>
+          <a:lnRef idx="2">
+            <a:schemeClr val="accent1">
+              <a:shade val="50000"/>
+            </a:schemeClr>
+          </a:lnRef>
+          <a:fillRef idx="1">
+            <a:schemeClr val="accent1"/>
+          </a:fillRef>
+          <a:effectRef idx="0">
+            <a:schemeClr val="accent1"/>
+          </a:effectRef>
+          <a:fontRef idx="minor">
+            <a:schemeClr val="lt1"/>
+          </a:fontRef>
+        </p:style>
+        <p:txBody>
+          <a:bodyPr rtlCol="0" anchor="ctr"/>
+          <a:lstStyle/>
+          <a:p>
+            <a:pPr algn="ctr"/>
+            <a:endParaRPr lang="en-US" sz="1050"/>
+          </a:p>
+        </p:txBody>
+      </p:sp>
+      <p:grpSp>
+        <p:nvGrpSpPr>
+          <p:cNvPr id="111" name="그룹 110">
+            <a:extLst>
+              <a:ext uri="{FF2B5EF4-FFF2-40B4-BE49-F238E27FC236}">
+                <a16:creationId xmlns:a16="http://schemas.microsoft.com/office/drawing/2014/main" id="{F1AFBF46-6F7F-4D4B-8648-47B8E5ADA3EE}"/>
+              </a:ext>
+            </a:extLst>
+          </p:cNvPr>
+          <p:cNvGrpSpPr/>
+          <p:nvPr/>
+        </p:nvGrpSpPr>
+        <p:grpSpPr>
+          <a:xfrm>
+            <a:off x="10536237" y="4417408"/>
+            <a:ext cx="244751" cy="609671"/>
+            <a:chOff x="7208142" y="3166689"/>
+            <a:chExt cx="244751" cy="609671"/>
+          </a:xfrm>
+        </p:grpSpPr>
+        <p:sp>
+          <p:nvSpPr>
+            <p:cNvPr id="112" name="자유형: 도형 111">
+              <a:extLst>
+                <a:ext uri="{FF2B5EF4-FFF2-40B4-BE49-F238E27FC236}">
+                  <a16:creationId xmlns:a16="http://schemas.microsoft.com/office/drawing/2014/main" id="{9B98E85A-455B-401E-AAFF-39D09F78AD0A}"/>
+                </a:ext>
+              </a:extLst>
+            </p:cNvPr>
+            <p:cNvSpPr/>
+            <p:nvPr/>
+          </p:nvSpPr>
+          <p:spPr>
+            <a:xfrm>
+              <a:off x="7208142" y="3166689"/>
+              <a:ext cx="244751" cy="609671"/>
+            </a:xfrm>
+            <a:custGeom>
+              <a:avLst/>
+              <a:gdLst>
+                <a:gd name="connsiteX0" fmla="*/ 122376 w 244751"/>
+                <a:gd name="connsiteY0" fmla="*/ 0 h 609671"/>
+                <a:gd name="connsiteX1" fmla="*/ 235134 w 244751"/>
+                <a:gd name="connsiteY1" fmla="*/ 74741 h 609671"/>
+                <a:gd name="connsiteX2" fmla="*/ 242931 w 244751"/>
+                <a:gd name="connsiteY2" fmla="*/ 113359 h 609671"/>
+                <a:gd name="connsiteX3" fmla="*/ 244749 w 244751"/>
+                <a:gd name="connsiteY3" fmla="*/ 113359 h 609671"/>
+                <a:gd name="connsiteX4" fmla="*/ 244749 w 244751"/>
+                <a:gd name="connsiteY4" fmla="*/ 122365 h 609671"/>
+                <a:gd name="connsiteX5" fmla="*/ 244751 w 244751"/>
+                <a:gd name="connsiteY5" fmla="*/ 122375 h 609671"/>
+                <a:gd name="connsiteX6" fmla="*/ 244749 w 244751"/>
+                <a:gd name="connsiteY6" fmla="*/ 122385 h 609671"/>
+                <a:gd name="connsiteX7" fmla="*/ 244749 w 244751"/>
+                <a:gd name="connsiteY7" fmla="*/ 487286 h 609671"/>
+                <a:gd name="connsiteX8" fmla="*/ 244751 w 244751"/>
+                <a:gd name="connsiteY8" fmla="*/ 487296 h 609671"/>
+                <a:gd name="connsiteX9" fmla="*/ 244749 w 244751"/>
+                <a:gd name="connsiteY9" fmla="*/ 487306 h 609671"/>
+                <a:gd name="connsiteX10" fmla="*/ 244749 w 244751"/>
+                <a:gd name="connsiteY10" fmla="*/ 493719 h 609671"/>
+                <a:gd name="connsiteX11" fmla="*/ 243455 w 244751"/>
+                <a:gd name="connsiteY11" fmla="*/ 493719 h 609671"/>
+                <a:gd name="connsiteX12" fmla="*/ 235134 w 244751"/>
+                <a:gd name="connsiteY12" fmla="*/ 534930 h 609671"/>
+                <a:gd name="connsiteX13" fmla="*/ 122376 w 244751"/>
+                <a:gd name="connsiteY13" fmla="*/ 609671 h 609671"/>
+                <a:gd name="connsiteX14" fmla="*/ 9618 w 244751"/>
+                <a:gd name="connsiteY14" fmla="*/ 534930 h 609671"/>
+                <a:gd name="connsiteX15" fmla="*/ 1298 w 244751"/>
+                <a:gd name="connsiteY15" fmla="*/ 493719 h 609671"/>
+                <a:gd name="connsiteX16" fmla="*/ 0 w 244751"/>
+                <a:gd name="connsiteY16" fmla="*/ 493719 h 609671"/>
+                <a:gd name="connsiteX17" fmla="*/ 0 w 244751"/>
+                <a:gd name="connsiteY17" fmla="*/ 113359 h 609671"/>
+                <a:gd name="connsiteX18" fmla="*/ 1821 w 244751"/>
+                <a:gd name="connsiteY18" fmla="*/ 113359 h 609671"/>
+                <a:gd name="connsiteX19" fmla="*/ 9618 w 244751"/>
+                <a:gd name="connsiteY19" fmla="*/ 74741 h 609671"/>
+                <a:gd name="connsiteX20" fmla="*/ 122376 w 244751"/>
+                <a:gd name="connsiteY20" fmla="*/ 0 h 609671"/>
+              </a:gdLst>
+              <a:ahLst/>
+              <a:cxnLst>
+                <a:cxn ang="0">
+                  <a:pos x="connsiteX0" y="connsiteY0"/>
+                </a:cxn>
+                <a:cxn ang="0">
+                  <a:pos x="connsiteX1" y="connsiteY1"/>
+                </a:cxn>
+                <a:cxn ang="0">
+                  <a:pos x="connsiteX2" y="connsiteY2"/>
+                </a:cxn>
+                <a:cxn ang="0">
+                  <a:pos x="connsiteX3" y="connsiteY3"/>
+                </a:cxn>
+                <a:cxn ang="0">
+                  <a:pos x="connsiteX4" y="connsiteY4"/>
+                </a:cxn>
+                <a:cxn ang="0">
+                  <a:pos x="connsiteX5" y="connsiteY5"/>
+                </a:cxn>
+                <a:cxn ang="0">
+                  <a:pos x="connsiteX6" y="connsiteY6"/>
+                </a:cxn>
+                <a:cxn ang="0">
+                  <a:pos x="connsiteX7" y="connsiteY7"/>
+                </a:cxn>
+                <a:cxn ang="0">
+                  <a:pos x="connsiteX8" y="connsiteY8"/>
+                </a:cxn>
+                <a:cxn ang="0">
+                  <a:pos x="connsiteX9" y="connsiteY9"/>
+                </a:cxn>
+                <a:cxn ang="0">
+                  <a:pos x="connsiteX10" y="connsiteY10"/>
+                </a:cxn>
+                <a:cxn ang="0">
+                  <a:pos x="connsiteX11" y="connsiteY11"/>
+                </a:cxn>
+                <a:cxn ang="0">
+                  <a:pos x="connsiteX12" y="connsiteY12"/>
+                </a:cxn>
+                <a:cxn ang="0">
+                  <a:pos x="connsiteX13" y="connsiteY13"/>
+                </a:cxn>
+                <a:cxn ang="0">
+                  <a:pos x="connsiteX14" y="connsiteY14"/>
+                </a:cxn>
+                <a:cxn ang="0">
+                  <a:pos x="connsiteX15" y="connsiteY15"/>
+                </a:cxn>
+                <a:cxn ang="0">
+                  <a:pos x="connsiteX16" y="connsiteY16"/>
+                </a:cxn>
+                <a:cxn ang="0">
+                  <a:pos x="connsiteX17" y="connsiteY17"/>
+                </a:cxn>
+                <a:cxn ang="0">
+                  <a:pos x="connsiteX18" y="connsiteY18"/>
+                </a:cxn>
+                <a:cxn ang="0">
+                  <a:pos x="connsiteX19" y="connsiteY19"/>
+                </a:cxn>
+                <a:cxn ang="0">
+                  <a:pos x="connsiteX20" y="connsiteY20"/>
+                </a:cxn>
+              </a:cxnLst>
+              <a:rect l="l" t="t" r="r" b="b"/>
+              <a:pathLst>
+                <a:path w="244751" h="609671">
+                  <a:moveTo>
+                    <a:pt x="122376" y="0"/>
+                  </a:moveTo>
+                  <a:cubicBezTo>
+                    <a:pt x="173066" y="0"/>
+                    <a:pt x="216557" y="30819"/>
+                    <a:pt x="235134" y="74741"/>
+                  </a:cubicBezTo>
+                  <a:lnTo>
+                    <a:pt x="242931" y="113359"/>
+                  </a:lnTo>
+                  <a:lnTo>
+                    <a:pt x="244749" y="113359"/>
+                  </a:lnTo>
+                  <a:lnTo>
+                    <a:pt x="244749" y="122365"/>
+                  </a:lnTo>
+                  <a:lnTo>
+                    <a:pt x="244751" y="122375"/>
+                  </a:lnTo>
+                  <a:lnTo>
+                    <a:pt x="244749" y="122385"/>
+                  </a:lnTo>
+                  <a:lnTo>
+                    <a:pt x="244749" y="487286"/>
+                  </a:lnTo>
+                  <a:lnTo>
+                    <a:pt x="244751" y="487296"/>
+                  </a:lnTo>
+                  <a:lnTo>
+                    <a:pt x="244749" y="487306"/>
+                  </a:lnTo>
+                  <a:lnTo>
+                    <a:pt x="244749" y="493719"/>
+                  </a:lnTo>
+                  <a:lnTo>
+                    <a:pt x="243455" y="493719"/>
+                  </a:lnTo>
+                  <a:lnTo>
+                    <a:pt x="235134" y="534930"/>
+                  </a:lnTo>
+                  <a:cubicBezTo>
+                    <a:pt x="216557" y="578852"/>
+                    <a:pt x="173066" y="609671"/>
+                    <a:pt x="122376" y="609671"/>
+                  </a:cubicBezTo>
+                  <a:cubicBezTo>
+                    <a:pt x="71687" y="609671"/>
+                    <a:pt x="28196" y="578852"/>
+                    <a:pt x="9618" y="534930"/>
+                  </a:cubicBezTo>
+                  <a:lnTo>
+                    <a:pt x="1298" y="493719"/>
+                  </a:lnTo>
+                  <a:lnTo>
+                    <a:pt x="0" y="493719"/>
+                  </a:lnTo>
+                  <a:lnTo>
+                    <a:pt x="0" y="113359"/>
+                  </a:lnTo>
+                  <a:lnTo>
+                    <a:pt x="1821" y="113359"/>
+                  </a:lnTo>
+                  <a:lnTo>
+                    <a:pt x="9618" y="74741"/>
+                  </a:lnTo>
+                  <a:cubicBezTo>
+                    <a:pt x="28196" y="30819"/>
+                    <a:pt x="71687" y="0"/>
+                    <a:pt x="122376" y="0"/>
+                  </a:cubicBezTo>
+                  <a:close/>
+                </a:path>
+              </a:pathLst>
+            </a:custGeom>
+            <a:solidFill>
+              <a:srgbClr val="787878"/>
+            </a:solidFill>
+            <a:ln>
+              <a:noFill/>
+            </a:ln>
+          </p:spPr>
+          <p:style>
+            <a:lnRef idx="2">
+              <a:schemeClr val="accent1">
+                <a:shade val="50000"/>
+              </a:schemeClr>
+            </a:lnRef>
+            <a:fillRef idx="1">
+              <a:schemeClr val="accent1"/>
+            </a:fillRef>
+            <a:effectRef idx="0">
+              <a:schemeClr val="accent1"/>
+            </a:effectRef>
+            <a:fontRef idx="minor">
+              <a:schemeClr val="lt1"/>
+            </a:fontRef>
+          </p:style>
+          <p:txBody>
+            <a:bodyPr vert="wordArtVert" tIns="72000" bIns="72000" rtlCol="0" anchor="ctr" anchorCtr="1"/>
+            <a:lstStyle/>
+            <a:p>
+              <a:pPr algn="ctr"/>
+              <a:endParaRPr lang="en-US" sz="800" b="1" spc="-300" dirty="0"/>
+            </a:p>
+          </p:txBody>
+        </p:sp>
+        <p:sp>
+          <p:nvSpPr>
+            <p:cNvPr id="113" name="TextBox 112">
+              <a:extLst>
+                <a:ext uri="{FF2B5EF4-FFF2-40B4-BE49-F238E27FC236}">
+                  <a16:creationId xmlns:a16="http://schemas.microsoft.com/office/drawing/2014/main" id="{E897B4B8-AAE7-4F3E-AA9C-42CD2E5C1564}"/>
+                </a:ext>
+              </a:extLst>
+            </p:cNvPr>
+            <p:cNvSpPr txBox="1"/>
+            <p:nvPr/>
+          </p:nvSpPr>
+          <p:spPr>
+            <a:xfrm>
+              <a:off x="7250944" y="3253639"/>
+              <a:ext cx="159146" cy="435769"/>
+            </a:xfrm>
+            <a:prstGeom prst="rect">
+              <a:avLst/>
+            </a:prstGeom>
+            <a:noFill/>
+          </p:spPr>
+          <p:txBody>
+            <a:bodyPr vert="wordArtVert" wrap="square" lIns="0" tIns="0" rIns="0" bIns="0" rtlCol="0">
+              <a:spAutoFit/>
+            </a:bodyPr>
+            <a:lstStyle/>
+            <a:p>
+              <a:r>
+                <a:rPr lang="en-US" sz="800" b="1" spc="-300" dirty="0">
+                  <a:solidFill>
+                    <a:schemeClr val="bg1"/>
+                  </a:solidFill>
+                </a:rPr>
+                <a:t>Mux</a:t>
+              </a:r>
+            </a:p>
+          </p:txBody>
+        </p:sp>
+      </p:grpSp>
+      <p:cxnSp>
+        <p:nvCxnSpPr>
+          <p:cNvPr id="114" name="Straight Connector 57">
+            <a:extLst>
+              <a:ext uri="{FF2B5EF4-FFF2-40B4-BE49-F238E27FC236}">
+                <a16:creationId xmlns:a16="http://schemas.microsoft.com/office/drawing/2014/main" id="{AFEB7B49-177E-4BC0-A9EE-C326A8C53B95}"/>
+              </a:ext>
+            </a:extLst>
+          </p:cNvPr>
+          <p:cNvCxnSpPr>
+            <a:cxnSpLocks/>
+          </p:cNvCxnSpPr>
+          <p:nvPr/>
+        </p:nvCxnSpPr>
+        <p:spPr>
+          <a:xfrm flipV="1">
+            <a:off x="8453045" y="4566446"/>
+            <a:ext cx="0" cy="1385766"/>
+          </a:xfrm>
+          <a:prstGeom prst="line">
+            <a:avLst/>
+          </a:prstGeom>
+          <a:ln w="38100">
+            <a:solidFill>
+              <a:srgbClr val="013B51"/>
+            </a:solidFill>
+          </a:ln>
+        </p:spPr>
+        <p:style>
+          <a:lnRef idx="1">
+            <a:schemeClr val="accent1"/>
+          </a:lnRef>
+          <a:fillRef idx="0">
+            <a:schemeClr val="accent1"/>
+          </a:fillRef>
+          <a:effectRef idx="0">
+            <a:schemeClr val="accent1"/>
+          </a:effectRef>
+          <a:fontRef idx="minor">
+            <a:schemeClr val="tx1"/>
+          </a:fontRef>
+        </p:style>
+      </p:cxnSp>
+      <p:cxnSp>
+        <p:nvCxnSpPr>
+          <p:cNvPr id="115" name="Straight Connector 57">
+            <a:extLst>
+              <a:ext uri="{FF2B5EF4-FFF2-40B4-BE49-F238E27FC236}">
+                <a16:creationId xmlns:a16="http://schemas.microsoft.com/office/drawing/2014/main" id="{626BCFDA-6CF3-4D1F-99DC-D40254D47C25}"/>
+              </a:ext>
+            </a:extLst>
+          </p:cNvPr>
+          <p:cNvCxnSpPr>
+            <a:cxnSpLocks/>
+          </p:cNvCxnSpPr>
+          <p:nvPr/>
+        </p:nvCxnSpPr>
+        <p:spPr>
+          <a:xfrm>
+            <a:off x="8453045" y="5932267"/>
+            <a:ext cx="1784289" cy="0"/>
+          </a:xfrm>
+          <a:prstGeom prst="line">
+            <a:avLst/>
+          </a:prstGeom>
+          <a:ln w="38100">
+            <a:solidFill>
+              <a:srgbClr val="013B51"/>
+            </a:solidFill>
+          </a:ln>
+        </p:spPr>
+        <p:style>
+          <a:lnRef idx="1">
+            <a:schemeClr val="accent1"/>
+          </a:lnRef>
+          <a:fillRef idx="0">
+            <a:schemeClr val="accent1"/>
+          </a:fillRef>
+          <a:effectRef idx="0">
+            <a:schemeClr val="accent1"/>
+          </a:effectRef>
+          <a:fontRef idx="minor">
+            <a:schemeClr val="tx1"/>
+          </a:fontRef>
+        </p:style>
+      </p:cxnSp>
+      <p:cxnSp>
+        <p:nvCxnSpPr>
+          <p:cNvPr id="117" name="Straight Connector 57">
+            <a:extLst>
+              <a:ext uri="{FF2B5EF4-FFF2-40B4-BE49-F238E27FC236}">
+                <a16:creationId xmlns:a16="http://schemas.microsoft.com/office/drawing/2014/main" id="{E389460E-AEB1-4043-A9FD-580A7755F79C}"/>
+              </a:ext>
+            </a:extLst>
+          </p:cNvPr>
+          <p:cNvCxnSpPr>
+            <a:cxnSpLocks/>
+          </p:cNvCxnSpPr>
+          <p:nvPr/>
+        </p:nvCxnSpPr>
+        <p:spPr>
+          <a:xfrm flipV="1">
+            <a:off x="10236143" y="4925179"/>
+            <a:ext cx="0" cy="1025842"/>
+          </a:xfrm>
+          <a:prstGeom prst="line">
+            <a:avLst/>
+          </a:prstGeom>
+          <a:ln w="38100">
+            <a:solidFill>
+              <a:srgbClr val="013B51"/>
+            </a:solidFill>
+          </a:ln>
+        </p:spPr>
+        <p:style>
+          <a:lnRef idx="1">
+            <a:schemeClr val="accent1"/>
+          </a:lnRef>
+          <a:fillRef idx="0">
+            <a:schemeClr val="accent1"/>
+          </a:fillRef>
+          <a:effectRef idx="0">
+            <a:schemeClr val="accent1"/>
+          </a:effectRef>
+          <a:fontRef idx="minor">
+            <a:schemeClr val="tx1"/>
+          </a:fontRef>
+        </p:style>
+      </p:cxnSp>
+      <p:sp>
+        <p:nvSpPr>
+          <p:cNvPr id="118" name="타원 117">
+            <a:extLst>
+              <a:ext uri="{FF2B5EF4-FFF2-40B4-BE49-F238E27FC236}">
+                <a16:creationId xmlns:a16="http://schemas.microsoft.com/office/drawing/2014/main" id="{5A8D9719-7700-4B95-A693-B17ECDEEE954}"/>
+              </a:ext>
+            </a:extLst>
+          </p:cNvPr>
+          <p:cNvSpPr/>
+          <p:nvPr/>
+        </p:nvSpPr>
+        <p:spPr>
+          <a:xfrm>
+            <a:off x="8410445" y="4527414"/>
+            <a:ext cx="78973" cy="78973"/>
+          </a:xfrm>
+          <a:prstGeom prst="ellipse">
+            <a:avLst/>
+          </a:prstGeom>
+          <a:solidFill>
+            <a:srgbClr val="013B51"/>
+          </a:solidFill>
+          <a:ln>
+            <a:noFill/>
+          </a:ln>
+        </p:spPr>
+        <p:style>
+          <a:lnRef idx="2">
+            <a:schemeClr val="accent1">
+              <a:shade val="50000"/>
+            </a:schemeClr>
+          </a:lnRef>
+          <a:fillRef idx="1">
+            <a:schemeClr val="accent1"/>
+          </a:fillRef>
+          <a:effectRef idx="0">
+            <a:schemeClr val="accent1"/>
+          </a:effectRef>
+          <a:fontRef idx="minor">
+            <a:schemeClr val="lt1"/>
+          </a:fontRef>
+        </p:style>
+        <p:txBody>
+          <a:bodyPr rtlCol="0" anchor="ctr"/>
+          <a:lstStyle/>
+          <a:p>
+            <a:pPr algn="ctr"/>
+            <a:endParaRPr lang="en-US" sz="1050"/>
+          </a:p>
+        </p:txBody>
+      </p:sp>
+      <p:cxnSp>
+        <p:nvCxnSpPr>
+          <p:cNvPr id="120" name="Straight Arrow Connector 12">
+            <a:extLst>
+              <a:ext uri="{FF2B5EF4-FFF2-40B4-BE49-F238E27FC236}">
+                <a16:creationId xmlns:a16="http://schemas.microsoft.com/office/drawing/2014/main" id="{C334D29F-FF0E-4AE6-8DB8-DD7EC640D85F}"/>
+              </a:ext>
+            </a:extLst>
+          </p:cNvPr>
+          <p:cNvCxnSpPr>
+            <a:cxnSpLocks/>
+          </p:cNvCxnSpPr>
+          <p:nvPr/>
+        </p:nvCxnSpPr>
+        <p:spPr>
+          <a:xfrm>
+            <a:off x="3733800" y="4668802"/>
+            <a:ext cx="878788" cy="0"/>
+          </a:xfrm>
+          <a:prstGeom prst="straightConnector1">
+            <a:avLst/>
+          </a:prstGeom>
+          <a:ln w="38100">
+            <a:solidFill>
+              <a:srgbClr val="013B51"/>
+            </a:solidFill>
+            <a:tailEnd type="triangle"/>
+          </a:ln>
+        </p:spPr>
+        <p:style>
+          <a:lnRef idx="1">
+            <a:schemeClr val="accent1"/>
+          </a:lnRef>
+          <a:fillRef idx="0">
+            <a:schemeClr val="accent1"/>
+          </a:fillRef>
+          <a:effectRef idx="0">
+            <a:schemeClr val="accent1"/>
+          </a:effectRef>
+          <a:fontRef idx="minor">
+            <a:schemeClr val="tx1"/>
+          </a:fontRef>
+        </p:style>
+      </p:cxnSp>
+      <p:sp>
+        <p:nvSpPr>
+          <p:cNvPr id="122" name="Rectangle 83">
+            <a:extLst>
+              <a:ext uri="{FF2B5EF4-FFF2-40B4-BE49-F238E27FC236}">
+                <a16:creationId xmlns:a16="http://schemas.microsoft.com/office/drawing/2014/main" id="{280A5840-7F26-4ED4-8441-C0FA703F4966}"/>
+              </a:ext>
+            </a:extLst>
+          </p:cNvPr>
+          <p:cNvSpPr/>
+          <p:nvPr/>
+        </p:nvSpPr>
+        <p:spPr>
+          <a:xfrm>
+            <a:off x="3760586" y="4445547"/>
+            <a:ext cx="906191" cy="214870"/>
+          </a:xfrm>
+          <a:prstGeom prst="rect">
+            <a:avLst/>
+          </a:prstGeom>
+          <a:noFill/>
+          <a:ln>
+            <a:noFill/>
+          </a:ln>
+        </p:spPr>
+        <p:style>
+          <a:lnRef idx="2">
+            <a:schemeClr val="accent1">
+              <a:shade val="50000"/>
+            </a:schemeClr>
+          </a:lnRef>
+          <a:fillRef idx="1">
+            <a:schemeClr val="accent1"/>
+          </a:fillRef>
+          <a:effectRef idx="0">
+            <a:schemeClr val="accent1"/>
+          </a:effectRef>
+          <a:fontRef idx="minor">
+            <a:schemeClr val="lt1"/>
+          </a:fontRef>
+        </p:style>
+        <p:txBody>
+          <a:bodyPr rtlCol="0" anchor="ctr"/>
+          <a:lstStyle/>
+          <a:p>
+            <a:pPr algn="r"/>
+            <a:r>
+              <a:rPr lang="en-US" altLang="ko-KR" sz="700" dirty="0">
+                <a:solidFill>
+                  <a:srgbClr val="013B51"/>
+                </a:solidFill>
+              </a:rPr>
+              <a:t>Instruction [15-11]</a:t>
+            </a:r>
+          </a:p>
+        </p:txBody>
+      </p:sp>
+      <p:sp>
+        <p:nvSpPr>
+          <p:cNvPr id="123" name="타원 122">
+            <a:extLst>
+              <a:ext uri="{FF2B5EF4-FFF2-40B4-BE49-F238E27FC236}">
+                <a16:creationId xmlns:a16="http://schemas.microsoft.com/office/drawing/2014/main" id="{5F9B1680-03F9-4346-B537-6EAEDF0F9B99}"/>
+              </a:ext>
+            </a:extLst>
+          </p:cNvPr>
+          <p:cNvSpPr/>
+          <p:nvPr/>
+        </p:nvSpPr>
+        <p:spPr>
+          <a:xfrm>
+            <a:off x="3698674" y="4624234"/>
+            <a:ext cx="78973" cy="78973"/>
+          </a:xfrm>
+          <a:prstGeom prst="ellipse">
+            <a:avLst/>
+          </a:prstGeom>
+          <a:solidFill>
+            <a:srgbClr val="013B51"/>
+          </a:solidFill>
+          <a:ln>
+            <a:noFill/>
+          </a:ln>
+        </p:spPr>
+        <p:style>
+          <a:lnRef idx="2">
+            <a:schemeClr val="accent1">
+              <a:shade val="50000"/>
+            </a:schemeClr>
+          </a:lnRef>
+          <a:fillRef idx="1">
+            <a:schemeClr val="accent1"/>
+          </a:fillRef>
+          <a:effectRef idx="0">
+            <a:schemeClr val="accent1"/>
+          </a:effectRef>
+          <a:fontRef idx="minor">
+            <a:schemeClr val="lt1"/>
+          </a:fontRef>
+        </p:style>
+        <p:txBody>
+          <a:bodyPr rtlCol="0" anchor="ctr"/>
+          <a:lstStyle/>
+          <a:p>
+            <a:pPr algn="ctr"/>
+            <a:endParaRPr lang="en-US" sz="1050"/>
+          </a:p>
+        </p:txBody>
+      </p:sp>
+      <p:cxnSp>
+        <p:nvCxnSpPr>
+          <p:cNvPr id="124" name="Straight Connector 57">
+            <a:extLst>
+              <a:ext uri="{FF2B5EF4-FFF2-40B4-BE49-F238E27FC236}">
+                <a16:creationId xmlns:a16="http://schemas.microsoft.com/office/drawing/2014/main" id="{0B3BA852-2C06-4DF2-9ED6-9FF0E646AB9A}"/>
+              </a:ext>
+            </a:extLst>
+          </p:cNvPr>
+          <p:cNvCxnSpPr>
+            <a:cxnSpLocks/>
+          </p:cNvCxnSpPr>
+          <p:nvPr/>
+        </p:nvCxnSpPr>
+        <p:spPr>
+          <a:xfrm>
+            <a:off x="10780988" y="4722244"/>
+            <a:ext cx="144051" cy="0"/>
+          </a:xfrm>
+          <a:prstGeom prst="line">
+            <a:avLst/>
+          </a:prstGeom>
+          <a:ln w="38100">
+            <a:solidFill>
+              <a:srgbClr val="013B51"/>
+            </a:solidFill>
+          </a:ln>
+        </p:spPr>
+        <p:style>
+          <a:lnRef idx="1">
+            <a:schemeClr val="accent1"/>
+          </a:lnRef>
+          <a:fillRef idx="0">
+            <a:schemeClr val="accent1"/>
+          </a:fillRef>
+          <a:effectRef idx="0">
+            <a:schemeClr val="accent1"/>
+          </a:effectRef>
+          <a:fontRef idx="minor">
+            <a:schemeClr val="tx1"/>
+          </a:fontRef>
+        </p:style>
+      </p:cxnSp>
+      <p:cxnSp>
+        <p:nvCxnSpPr>
+          <p:cNvPr id="126" name="Straight Connector 57">
+            <a:extLst>
+              <a:ext uri="{FF2B5EF4-FFF2-40B4-BE49-F238E27FC236}">
+                <a16:creationId xmlns:a16="http://schemas.microsoft.com/office/drawing/2014/main" id="{3C5A62D8-94F7-4048-B5A9-2F64B258A250}"/>
+              </a:ext>
+            </a:extLst>
+          </p:cNvPr>
+          <p:cNvCxnSpPr>
+            <a:cxnSpLocks/>
+          </p:cNvCxnSpPr>
+          <p:nvPr/>
+        </p:nvCxnSpPr>
+        <p:spPr>
+          <a:xfrm flipV="1">
+            <a:off x="10925039" y="4703246"/>
+            <a:ext cx="0" cy="1962893"/>
+          </a:xfrm>
+          <a:prstGeom prst="line">
+            <a:avLst/>
+          </a:prstGeom>
+          <a:ln w="38100">
+            <a:solidFill>
+              <a:srgbClr val="013B51"/>
+            </a:solidFill>
+          </a:ln>
+        </p:spPr>
+        <p:style>
+          <a:lnRef idx="1">
+            <a:schemeClr val="accent1"/>
+          </a:lnRef>
+          <a:fillRef idx="0">
+            <a:schemeClr val="accent1"/>
+          </a:fillRef>
+          <a:effectRef idx="0">
+            <a:schemeClr val="accent1"/>
+          </a:effectRef>
+          <a:fontRef idx="minor">
+            <a:schemeClr val="tx1"/>
+          </a:fontRef>
+        </p:style>
+      </p:cxnSp>
+      <p:cxnSp>
+        <p:nvCxnSpPr>
+          <p:cNvPr id="128" name="Straight Connector 57">
+            <a:extLst>
+              <a:ext uri="{FF2B5EF4-FFF2-40B4-BE49-F238E27FC236}">
+                <a16:creationId xmlns:a16="http://schemas.microsoft.com/office/drawing/2014/main" id="{1235D251-F41A-4FA9-AB6E-BAF792DCA0D1}"/>
+              </a:ext>
+            </a:extLst>
+          </p:cNvPr>
+          <p:cNvCxnSpPr>
+            <a:cxnSpLocks/>
+          </p:cNvCxnSpPr>
+          <p:nvPr/>
+        </p:nvCxnSpPr>
+        <p:spPr>
+          <a:xfrm>
+            <a:off x="4755697" y="6649023"/>
+            <a:ext cx="6169342" cy="0"/>
+          </a:xfrm>
+          <a:prstGeom prst="line">
+            <a:avLst/>
+          </a:prstGeom>
+          <a:ln w="38100">
+            <a:solidFill>
+              <a:srgbClr val="013B51"/>
+            </a:solidFill>
+          </a:ln>
+        </p:spPr>
+        <p:style>
+          <a:lnRef idx="1">
+            <a:schemeClr val="accent1"/>
+          </a:lnRef>
+          <a:fillRef idx="0">
+            <a:schemeClr val="accent1"/>
+          </a:fillRef>
+          <a:effectRef idx="0">
+            <a:schemeClr val="accent1"/>
+          </a:effectRef>
+          <a:fontRef idx="minor">
+            <a:schemeClr val="tx1"/>
+          </a:fontRef>
+        </p:style>
+      </p:cxnSp>
+      <p:cxnSp>
+        <p:nvCxnSpPr>
+          <p:cNvPr id="130" name="Straight Connector 57">
+            <a:extLst>
+              <a:ext uri="{FF2B5EF4-FFF2-40B4-BE49-F238E27FC236}">
+                <a16:creationId xmlns:a16="http://schemas.microsoft.com/office/drawing/2014/main" id="{C6978619-FDF8-4B7C-A776-46C155CA90CF}"/>
+              </a:ext>
+            </a:extLst>
+          </p:cNvPr>
+          <p:cNvCxnSpPr>
+            <a:cxnSpLocks/>
+          </p:cNvCxnSpPr>
+          <p:nvPr/>
+        </p:nvCxnSpPr>
+        <p:spPr>
+          <a:xfrm flipV="1">
+            <a:off x="4774374" y="4925179"/>
+            <a:ext cx="0" cy="1740961"/>
+          </a:xfrm>
+          <a:prstGeom prst="line">
+            <a:avLst/>
+          </a:prstGeom>
+          <a:ln w="38100">
+            <a:solidFill>
+              <a:srgbClr val="013B51"/>
+            </a:solidFill>
+          </a:ln>
+        </p:spPr>
+        <p:style>
+          <a:lnRef idx="1">
+            <a:schemeClr val="accent1"/>
+          </a:lnRef>
+          <a:fillRef idx="0">
+            <a:schemeClr val="accent1"/>
+          </a:fillRef>
+          <a:effectRef idx="0">
+            <a:schemeClr val="accent1"/>
+          </a:effectRef>
+          <a:fontRef idx="minor">
+            <a:schemeClr val="tx1"/>
+          </a:fontRef>
+        </p:style>
+      </p:cxnSp>
+      <p:cxnSp>
+        <p:nvCxnSpPr>
+          <p:cNvPr id="133" name="Straight Arrow Connector 12">
+            <a:extLst>
+              <a:ext uri="{FF2B5EF4-FFF2-40B4-BE49-F238E27FC236}">
+                <a16:creationId xmlns:a16="http://schemas.microsoft.com/office/drawing/2014/main" id="{6733CB1E-D0F6-4F36-914F-6FD24EA49E66}"/>
+              </a:ext>
+            </a:extLst>
+          </p:cNvPr>
+          <p:cNvCxnSpPr>
+            <a:cxnSpLocks/>
+          </p:cNvCxnSpPr>
+          <p:nvPr/>
+        </p:nvCxnSpPr>
+        <p:spPr>
+          <a:xfrm>
+            <a:off x="4755697" y="4909260"/>
+            <a:ext cx="171313" cy="0"/>
+          </a:xfrm>
+          <a:prstGeom prst="straightConnector1">
+            <a:avLst/>
+          </a:prstGeom>
+          <a:ln w="38100">
+            <a:solidFill>
+              <a:srgbClr val="013B51"/>
+            </a:solidFill>
+            <a:tailEnd type="triangle"/>
+          </a:ln>
+        </p:spPr>
+        <p:style>
+          <a:lnRef idx="1">
+            <a:schemeClr val="accent1"/>
+          </a:lnRef>
+          <a:fillRef idx="0">
+            <a:schemeClr val="accent1"/>
+          </a:fillRef>
+          <a:effectRef idx="0">
+            <a:schemeClr val="accent1"/>
+          </a:effectRef>
+          <a:fontRef idx="minor">
+            <a:schemeClr val="tx1"/>
+          </a:fontRef>
+        </p:style>
+      </p:cxnSp>
+      <p:cxnSp>
+        <p:nvCxnSpPr>
+          <p:cNvPr id="135" name="직선 연결선 134">
+            <a:extLst>
+              <a:ext uri="{FF2B5EF4-FFF2-40B4-BE49-F238E27FC236}">
+                <a16:creationId xmlns:a16="http://schemas.microsoft.com/office/drawing/2014/main" id="{CFD596C8-F130-49BC-A36A-DB6ACF318A09}"/>
+              </a:ext>
+            </a:extLst>
+          </p:cNvPr>
+          <p:cNvCxnSpPr>
+            <a:cxnSpLocks/>
+          </p:cNvCxnSpPr>
+          <p:nvPr/>
+        </p:nvCxnSpPr>
+        <p:spPr>
+          <a:xfrm>
+            <a:off x="7225538" y="3356395"/>
+            <a:ext cx="0" cy="1129629"/>
+          </a:xfrm>
+          <a:prstGeom prst="line">
+            <a:avLst/>
+          </a:prstGeom>
+          <a:ln w="19050">
+            <a:solidFill>
+              <a:srgbClr val="0182C6"/>
+            </a:solidFill>
+          </a:ln>
+        </p:spPr>
+        <p:style>
+          <a:lnRef idx="1">
+            <a:schemeClr val="accent1"/>
+          </a:lnRef>
+          <a:fillRef idx="0">
+            <a:schemeClr val="accent1"/>
+          </a:fillRef>
+          <a:effectRef idx="0">
+            <a:schemeClr val="accent1"/>
+          </a:effectRef>
+          <a:fontRef idx="minor">
+            <a:schemeClr val="tx1"/>
+          </a:fontRef>
+        </p:style>
+      </p:cxnSp>
+      <p:cxnSp>
+        <p:nvCxnSpPr>
+          <p:cNvPr id="127" name="Straight Arrow Connector 12">
+            <a:extLst>
+              <a:ext uri="{FF2B5EF4-FFF2-40B4-BE49-F238E27FC236}">
+                <a16:creationId xmlns:a16="http://schemas.microsoft.com/office/drawing/2014/main" id="{9FA092E7-DB10-4DD9-880E-F2193142BC82}"/>
+              </a:ext>
+            </a:extLst>
+          </p:cNvPr>
+          <p:cNvCxnSpPr>
+            <a:cxnSpLocks/>
+          </p:cNvCxnSpPr>
+          <p:nvPr/>
+        </p:nvCxnSpPr>
+        <p:spPr>
+          <a:xfrm>
+            <a:off x="2924122" y="2497619"/>
+            <a:ext cx="227253" cy="0"/>
+          </a:xfrm>
+          <a:prstGeom prst="straightConnector1">
+            <a:avLst/>
+          </a:prstGeom>
+          <a:ln w="38100">
+            <a:solidFill>
+              <a:srgbClr val="013B51"/>
+            </a:solidFill>
+            <a:tailEnd type="triangle"/>
+          </a:ln>
+        </p:spPr>
+        <p:style>
+          <a:lnRef idx="1">
+            <a:schemeClr val="accent1"/>
+          </a:lnRef>
+          <a:fillRef idx="0">
+            <a:schemeClr val="accent1"/>
+          </a:fillRef>
+          <a:effectRef idx="0">
+            <a:schemeClr val="accent1"/>
+          </a:effectRef>
+          <a:fontRef idx="minor">
+            <a:schemeClr val="tx1"/>
+          </a:fontRef>
+        </p:style>
+      </p:cxnSp>
+      <p:cxnSp>
+        <p:nvCxnSpPr>
+          <p:cNvPr id="129" name="Straight Arrow Connector 72">
+            <a:extLst>
+              <a:ext uri="{FF2B5EF4-FFF2-40B4-BE49-F238E27FC236}">
+                <a16:creationId xmlns:a16="http://schemas.microsoft.com/office/drawing/2014/main" id="{9124B438-86C4-4D92-8E7B-D305F3B41D3F}"/>
+              </a:ext>
+            </a:extLst>
+          </p:cNvPr>
+          <p:cNvCxnSpPr>
+            <a:cxnSpLocks/>
+          </p:cNvCxnSpPr>
+          <p:nvPr/>
+        </p:nvCxnSpPr>
+        <p:spPr>
+          <a:xfrm>
+            <a:off x="2692400" y="1823315"/>
+            <a:ext cx="458976" cy="0"/>
+          </a:xfrm>
+          <a:prstGeom prst="straightConnector1">
+            <a:avLst/>
+          </a:prstGeom>
+          <a:ln w="38100">
+            <a:solidFill>
+              <a:srgbClr val="013B51"/>
+            </a:solidFill>
+            <a:tailEnd type="triangle"/>
+          </a:ln>
+        </p:spPr>
+        <p:style>
+          <a:lnRef idx="1">
+            <a:schemeClr val="accent1"/>
+          </a:lnRef>
+          <a:fillRef idx="0">
+            <a:schemeClr val="accent1"/>
+          </a:fillRef>
+          <a:effectRef idx="0">
+            <a:schemeClr val="accent1"/>
+          </a:effectRef>
+          <a:fontRef idx="minor">
+            <a:schemeClr val="tx1"/>
+          </a:fontRef>
+        </p:style>
+      </p:cxnSp>
+      <p:grpSp>
+        <p:nvGrpSpPr>
+          <p:cNvPr id="131" name="그룹 130">
+            <a:extLst>
+              <a:ext uri="{FF2B5EF4-FFF2-40B4-BE49-F238E27FC236}">
+                <a16:creationId xmlns:a16="http://schemas.microsoft.com/office/drawing/2014/main" id="{A327D85E-2512-4BFD-BB18-0FA9CD72B456}"/>
+              </a:ext>
+            </a:extLst>
+          </p:cNvPr>
+          <p:cNvGrpSpPr/>
+          <p:nvPr/>
+        </p:nvGrpSpPr>
+        <p:grpSpPr>
+          <a:xfrm>
+            <a:off x="3152430" y="1700163"/>
+            <a:ext cx="499768" cy="927168"/>
+            <a:chOff x="8512274" y="2661900"/>
+            <a:chExt cx="1052765" cy="1953087"/>
+          </a:xfrm>
+        </p:grpSpPr>
+        <p:sp>
+          <p:nvSpPr>
+            <p:cNvPr id="154" name="Freeform: Shape 68">
+              <a:extLst>
+                <a:ext uri="{FF2B5EF4-FFF2-40B4-BE49-F238E27FC236}">
+                  <a16:creationId xmlns:a16="http://schemas.microsoft.com/office/drawing/2014/main" id="{8FA40891-EC69-4987-97D3-4C86B65456B4}"/>
+                </a:ext>
+              </a:extLst>
+            </p:cNvPr>
+            <p:cNvSpPr/>
+            <p:nvPr/>
+          </p:nvSpPr>
+          <p:spPr>
+            <a:xfrm rot="5400000">
+              <a:off x="8028441" y="3145733"/>
+              <a:ext cx="1953087" cy="985422"/>
+            </a:xfrm>
+            <a:custGeom>
+              <a:avLst/>
+              <a:gdLst>
+                <a:gd name="connsiteX0" fmla="*/ 468302 w 1953087"/>
+                <a:gd name="connsiteY0" fmla="*/ 0 h 985422"/>
+                <a:gd name="connsiteX1" fmla="*/ 1484785 w 1953087"/>
+                <a:gd name="connsiteY1" fmla="*/ 0 h 985422"/>
+                <a:gd name="connsiteX2" fmla="*/ 1953087 w 1953087"/>
+                <a:gd name="connsiteY2" fmla="*/ 985422 h 985422"/>
+                <a:gd name="connsiteX3" fmla="*/ 1428729 w 1953087"/>
+                <a:gd name="connsiteY3" fmla="*/ 985422 h 985422"/>
+                <a:gd name="connsiteX4" fmla="*/ 1286109 w 1953087"/>
+                <a:gd name="connsiteY4" fmla="*/ 685316 h 985422"/>
+                <a:gd name="connsiteX5" fmla="*/ 666979 w 1953087"/>
+                <a:gd name="connsiteY5" fmla="*/ 685316 h 985422"/>
+                <a:gd name="connsiteX6" fmla="*/ 524360 w 1953087"/>
+                <a:gd name="connsiteY6" fmla="*/ 985422 h 985422"/>
+                <a:gd name="connsiteX7" fmla="*/ 0 w 1953087"/>
+                <a:gd name="connsiteY7" fmla="*/ 985422 h 985422"/>
+              </a:gdLst>
+              <a:ahLst/>
+              <a:cxnLst>
+                <a:cxn ang="0">
+                  <a:pos x="connsiteX0" y="connsiteY0"/>
+                </a:cxn>
+                <a:cxn ang="0">
+                  <a:pos x="connsiteX1" y="connsiteY1"/>
+                </a:cxn>
+                <a:cxn ang="0">
+                  <a:pos x="connsiteX2" y="connsiteY2"/>
+                </a:cxn>
+                <a:cxn ang="0">
+                  <a:pos x="connsiteX3" y="connsiteY3"/>
+                </a:cxn>
+                <a:cxn ang="0">
+                  <a:pos x="connsiteX4" y="connsiteY4"/>
+                </a:cxn>
+                <a:cxn ang="0">
+                  <a:pos x="connsiteX5" y="connsiteY5"/>
+                </a:cxn>
+                <a:cxn ang="0">
+                  <a:pos x="connsiteX6" y="connsiteY6"/>
+                </a:cxn>
+                <a:cxn ang="0">
+                  <a:pos x="connsiteX7" y="connsiteY7"/>
+                </a:cxn>
+              </a:cxnLst>
+              <a:rect l="l" t="t" r="r" b="b"/>
+              <a:pathLst>
+                <a:path w="1953087" h="985422">
+                  <a:moveTo>
+                    <a:pt x="468302" y="0"/>
+                  </a:moveTo>
+                  <a:lnTo>
+                    <a:pt x="1484785" y="0"/>
+                  </a:lnTo>
+                  <a:lnTo>
+                    <a:pt x="1953087" y="985422"/>
+                  </a:lnTo>
+                  <a:lnTo>
+                    <a:pt x="1428729" y="985422"/>
+                  </a:lnTo>
+                  <a:lnTo>
+                    <a:pt x="1286109" y="685316"/>
+                  </a:lnTo>
+                  <a:lnTo>
+                    <a:pt x="666979" y="685316"/>
+                  </a:lnTo>
+                  <a:lnTo>
+                    <a:pt x="524360" y="985422"/>
+                  </a:lnTo>
+                  <a:lnTo>
+                    <a:pt x="0" y="985422"/>
+                  </a:lnTo>
+                  <a:close/>
+                </a:path>
+              </a:pathLst>
+            </a:custGeom>
+            <a:solidFill>
+              <a:srgbClr val="013B51"/>
+            </a:solidFill>
+            <a:ln>
+              <a:noFill/>
+            </a:ln>
+          </p:spPr>
+          <p:style>
+            <a:lnRef idx="2">
+              <a:schemeClr val="accent1">
+                <a:shade val="50000"/>
+              </a:schemeClr>
+            </a:lnRef>
+            <a:fillRef idx="1">
+              <a:schemeClr val="accent1"/>
+            </a:fillRef>
+            <a:effectRef idx="0">
+              <a:schemeClr val="accent1"/>
+            </a:effectRef>
+            <a:fontRef idx="minor">
+              <a:schemeClr val="lt1"/>
+            </a:fontRef>
+          </p:style>
+          <p:txBody>
+            <a:bodyPr rtlCol="0" anchor="ctr"/>
+            <a:lstStyle/>
+            <a:p>
+              <a:pPr algn="ctr"/>
+              <a:endParaRPr lang="ko-KR" altLang="en-US" sz="1000" dirty="0"/>
+            </a:p>
+          </p:txBody>
+        </p:sp>
+        <p:sp>
+          <p:nvSpPr>
+            <p:cNvPr id="155" name="Rectangle 84">
+              <a:extLst>
+                <a:ext uri="{FF2B5EF4-FFF2-40B4-BE49-F238E27FC236}">
+                  <a16:creationId xmlns:a16="http://schemas.microsoft.com/office/drawing/2014/main" id="{E8B6FE6C-0F2C-42C4-936B-17328783AAA0}"/>
+                </a:ext>
+              </a:extLst>
+            </p:cNvPr>
+            <p:cNvSpPr/>
+            <p:nvPr/>
+          </p:nvSpPr>
+          <p:spPr>
+            <a:xfrm>
+              <a:off x="8650675" y="3186961"/>
+              <a:ext cx="914364" cy="914364"/>
+            </a:xfrm>
+            <a:prstGeom prst="rect">
+              <a:avLst/>
+            </a:prstGeom>
+            <a:noFill/>
+            <a:ln>
+              <a:noFill/>
+            </a:ln>
+          </p:spPr>
+          <p:style>
+            <a:lnRef idx="2">
+              <a:schemeClr val="accent1">
+                <a:shade val="50000"/>
+              </a:schemeClr>
+            </a:lnRef>
+            <a:fillRef idx="1">
+              <a:schemeClr val="accent1"/>
+            </a:fillRef>
+            <a:effectRef idx="0">
+              <a:schemeClr val="accent1"/>
+            </a:effectRef>
+            <a:fontRef idx="minor">
+              <a:schemeClr val="lt1"/>
+            </a:fontRef>
+          </p:style>
+          <p:txBody>
+            <a:bodyPr rtlCol="0" anchor="ctr"/>
+            <a:lstStyle/>
+            <a:p>
+              <a:pPr algn="ctr"/>
+              <a:r>
+                <a:rPr lang="en-US" altLang="ko-KR" sz="600" dirty="0">
+                  <a:solidFill>
+                    <a:srgbClr val="EBFFFF"/>
+                  </a:solidFill>
+                  <a:latin typeface="Noto Sans CJK KR Medium" panose="020B0600000000000000" pitchFamily="34" charset="-127"/>
+                  <a:ea typeface="Noto Sans CJK KR Medium" panose="020B0600000000000000" pitchFamily="34" charset="-127"/>
+                </a:rPr>
+                <a:t>Adder</a:t>
+              </a:r>
+              <a:endParaRPr lang="ko-KR" altLang="en-US" sz="600" dirty="0"/>
+            </a:p>
+          </p:txBody>
+        </p:sp>
+      </p:grpSp>
+      <p:sp>
+        <p:nvSpPr>
+          <p:cNvPr id="132" name="Rectangle 83">
+            <a:extLst>
+              <a:ext uri="{FF2B5EF4-FFF2-40B4-BE49-F238E27FC236}">
+                <a16:creationId xmlns:a16="http://schemas.microsoft.com/office/drawing/2014/main" id="{6AE52717-016E-422F-9B13-EC96236FAD2B}"/>
+              </a:ext>
+            </a:extLst>
+          </p:cNvPr>
+          <p:cNvSpPr/>
+          <p:nvPr/>
+        </p:nvSpPr>
+        <p:spPr>
+          <a:xfrm>
+            <a:off x="2211581" y="3300331"/>
+            <a:ext cx="359126" cy="859453"/>
+          </a:xfrm>
+          <a:prstGeom prst="rect">
+            <a:avLst/>
+          </a:prstGeom>
+          <a:solidFill>
+            <a:srgbClr val="787878"/>
+          </a:solidFill>
+          <a:ln>
+            <a:noFill/>
+          </a:ln>
+        </p:spPr>
+        <p:style>
+          <a:lnRef idx="2">
+            <a:schemeClr val="accent1">
+              <a:shade val="50000"/>
+            </a:schemeClr>
+          </a:lnRef>
+          <a:fillRef idx="1">
+            <a:schemeClr val="accent1"/>
+          </a:fillRef>
+          <a:effectRef idx="0">
+            <a:schemeClr val="accent1"/>
+          </a:effectRef>
+          <a:fontRef idx="minor">
+            <a:schemeClr val="lt1"/>
+          </a:fontRef>
+        </p:style>
+        <p:txBody>
+          <a:bodyPr rtlCol="0" anchor="ctr"/>
+          <a:lstStyle/>
+          <a:p>
+            <a:pPr algn="ctr"/>
+            <a:r>
+              <a:rPr lang="en-US" altLang="ko-KR" sz="1000" dirty="0">
+                <a:solidFill>
+                  <a:srgbClr val="EBFFFF"/>
+                </a:solidFill>
+                <a:latin typeface="Noto Sans CJK KR Medium" panose="020B0600000000000000" pitchFamily="34" charset="-127"/>
+                <a:ea typeface="Noto Sans CJK KR Medium" panose="020B0600000000000000" pitchFamily="34" charset="-127"/>
+              </a:rPr>
+              <a:t>PC</a:t>
+            </a:r>
+            <a:endParaRPr lang="ko-KR" altLang="en-US" sz="1000" dirty="0"/>
+          </a:p>
+        </p:txBody>
+      </p:sp>
+      <p:cxnSp>
+        <p:nvCxnSpPr>
+          <p:cNvPr id="134" name="Straight Arrow Connector 12">
+            <a:extLst>
+              <a:ext uri="{FF2B5EF4-FFF2-40B4-BE49-F238E27FC236}">
+                <a16:creationId xmlns:a16="http://schemas.microsoft.com/office/drawing/2014/main" id="{209E24C5-5B0E-4B09-9E37-DFF2AAE921F1}"/>
+              </a:ext>
+            </a:extLst>
+          </p:cNvPr>
+          <p:cNvCxnSpPr>
+            <a:cxnSpLocks/>
+          </p:cNvCxnSpPr>
+          <p:nvPr/>
+        </p:nvCxnSpPr>
+        <p:spPr>
+          <a:xfrm>
+            <a:off x="1893700" y="3730058"/>
+            <a:ext cx="317881" cy="0"/>
+          </a:xfrm>
+          <a:prstGeom prst="straightConnector1">
+            <a:avLst/>
+          </a:prstGeom>
+          <a:ln w="38100">
+            <a:solidFill>
+              <a:srgbClr val="013B51"/>
+            </a:solidFill>
+            <a:tailEnd type="triangle"/>
+          </a:ln>
+        </p:spPr>
+        <p:style>
+          <a:lnRef idx="1">
+            <a:schemeClr val="accent1"/>
+          </a:lnRef>
+          <a:fillRef idx="0">
+            <a:schemeClr val="accent1"/>
+          </a:fillRef>
+          <a:effectRef idx="0">
+            <a:schemeClr val="accent1"/>
+          </a:effectRef>
+          <a:fontRef idx="minor">
+            <a:schemeClr val="tx1"/>
+          </a:fontRef>
+        </p:style>
+      </p:cxnSp>
+      <p:cxnSp>
+        <p:nvCxnSpPr>
+          <p:cNvPr id="141" name="Straight Arrow Connector 12">
+            <a:extLst>
+              <a:ext uri="{FF2B5EF4-FFF2-40B4-BE49-F238E27FC236}">
+                <a16:creationId xmlns:a16="http://schemas.microsoft.com/office/drawing/2014/main" id="{9686E5EA-761A-4AFA-9EA6-3454F2422D69}"/>
+              </a:ext>
+            </a:extLst>
+          </p:cNvPr>
+          <p:cNvCxnSpPr>
+            <a:cxnSpLocks/>
+          </p:cNvCxnSpPr>
+          <p:nvPr/>
+        </p:nvCxnSpPr>
+        <p:spPr>
+          <a:xfrm>
+            <a:off x="2571382" y="3730058"/>
+            <a:ext cx="379249" cy="0"/>
+          </a:xfrm>
+          <a:prstGeom prst="straightConnector1">
+            <a:avLst/>
+          </a:prstGeom>
+          <a:ln w="38100">
+            <a:solidFill>
+              <a:srgbClr val="013B51"/>
+            </a:solidFill>
+            <a:tailEnd type="triangle"/>
+          </a:ln>
+        </p:spPr>
+        <p:style>
+          <a:lnRef idx="1">
+            <a:schemeClr val="accent1"/>
+          </a:lnRef>
+          <a:fillRef idx="0">
+            <a:schemeClr val="accent1"/>
+          </a:fillRef>
+          <a:effectRef idx="0">
+            <a:schemeClr val="accent1"/>
+          </a:effectRef>
+          <a:fontRef idx="minor">
+            <a:schemeClr val="tx1"/>
+          </a:fontRef>
+        </p:style>
+      </p:cxnSp>
+      <p:sp>
+        <p:nvSpPr>
+          <p:cNvPr id="150" name="Rectangle 83">
+            <a:extLst>
+              <a:ext uri="{FF2B5EF4-FFF2-40B4-BE49-F238E27FC236}">
+                <a16:creationId xmlns:a16="http://schemas.microsoft.com/office/drawing/2014/main" id="{E8BA804D-E9CB-47F3-9381-C42B7092356B}"/>
+              </a:ext>
+            </a:extLst>
+          </p:cNvPr>
+          <p:cNvSpPr/>
+          <p:nvPr/>
+        </p:nvSpPr>
+        <p:spPr>
+          <a:xfrm>
+            <a:off x="2950632" y="3487104"/>
+            <a:ext cx="695668" cy="1025374"/>
+          </a:xfrm>
+          <a:prstGeom prst="rect">
+            <a:avLst/>
+          </a:prstGeom>
+          <a:solidFill>
+            <a:srgbClr val="787878"/>
+          </a:solidFill>
+          <a:ln>
+            <a:noFill/>
+          </a:ln>
+        </p:spPr>
+        <p:style>
+          <a:lnRef idx="2">
+            <a:schemeClr val="accent1">
+              <a:shade val="50000"/>
+            </a:schemeClr>
+          </a:lnRef>
+          <a:fillRef idx="1">
+            <a:schemeClr val="accent1"/>
+          </a:fillRef>
+          <a:effectRef idx="0">
+            <a:schemeClr val="accent1"/>
+          </a:effectRef>
+          <a:fontRef idx="minor">
+            <a:schemeClr val="lt1"/>
+          </a:fontRef>
+        </p:style>
+        <p:txBody>
+          <a:bodyPr rtlCol="0" anchor="ctr"/>
+          <a:lstStyle/>
+          <a:p>
+            <a:pPr algn="ctr"/>
+            <a:endParaRPr lang="ko-KR" altLang="en-US" sz="1000" dirty="0"/>
+          </a:p>
+        </p:txBody>
+      </p:sp>
+      <p:sp>
+        <p:nvSpPr>
+          <p:cNvPr id="151" name="Rectangle 83">
+            <a:extLst>
+              <a:ext uri="{FF2B5EF4-FFF2-40B4-BE49-F238E27FC236}">
+                <a16:creationId xmlns:a16="http://schemas.microsoft.com/office/drawing/2014/main" id="{E26432F6-AA38-4399-A6F2-0C64DA541851}"/>
+              </a:ext>
+            </a:extLst>
+          </p:cNvPr>
+          <p:cNvSpPr/>
+          <p:nvPr/>
+        </p:nvSpPr>
+        <p:spPr>
+          <a:xfrm>
+            <a:off x="2950631" y="3536250"/>
+            <a:ext cx="676966" cy="375948"/>
+          </a:xfrm>
+          <a:prstGeom prst="rect">
+            <a:avLst/>
+          </a:prstGeom>
+          <a:noFill/>
+          <a:ln>
+            <a:noFill/>
+          </a:ln>
+        </p:spPr>
+        <p:style>
+          <a:lnRef idx="2">
+            <a:schemeClr val="accent1">
+              <a:shade val="50000"/>
+            </a:schemeClr>
+          </a:lnRef>
+          <a:fillRef idx="1">
+            <a:schemeClr val="accent1"/>
+          </a:fillRef>
+          <a:effectRef idx="0">
+            <a:schemeClr val="accent1"/>
+          </a:effectRef>
+          <a:fontRef idx="minor">
+            <a:schemeClr val="lt1"/>
+          </a:fontRef>
+        </p:style>
+        <p:txBody>
+          <a:bodyPr rtlCol="0" anchor="ctr"/>
+          <a:lstStyle/>
+          <a:p>
+            <a:r>
+              <a:rPr lang="en-US" altLang="ko-KR" sz="700" dirty="0"/>
+              <a:t>Read</a:t>
+            </a:r>
+          </a:p>
+          <a:p>
+            <a:r>
+              <a:rPr lang="en-US" altLang="ko-KR" sz="700" dirty="0"/>
+              <a:t>address</a:t>
+            </a:r>
+            <a:endParaRPr lang="ko-KR" altLang="en-US" sz="700" dirty="0"/>
+          </a:p>
+        </p:txBody>
+      </p:sp>
+      <p:sp>
+        <p:nvSpPr>
+          <p:cNvPr id="152" name="Rectangle 83">
+            <a:extLst>
+              <a:ext uri="{FF2B5EF4-FFF2-40B4-BE49-F238E27FC236}">
+                <a16:creationId xmlns:a16="http://schemas.microsoft.com/office/drawing/2014/main" id="{A2DAD9E3-BEA2-453E-B9F9-F7F6E20F786F}"/>
+              </a:ext>
+            </a:extLst>
+          </p:cNvPr>
+          <p:cNvSpPr/>
+          <p:nvPr/>
+        </p:nvSpPr>
+        <p:spPr>
+          <a:xfrm>
+            <a:off x="2931015" y="4127206"/>
+            <a:ext cx="731947" cy="375948"/>
+          </a:xfrm>
+          <a:prstGeom prst="rect">
+            <a:avLst/>
+          </a:prstGeom>
+          <a:noFill/>
+          <a:ln>
+            <a:noFill/>
+          </a:ln>
+        </p:spPr>
+        <p:style>
+          <a:lnRef idx="2">
+            <a:schemeClr val="accent1">
+              <a:shade val="50000"/>
+            </a:schemeClr>
+          </a:lnRef>
+          <a:fillRef idx="1">
+            <a:schemeClr val="accent1"/>
+          </a:fillRef>
+          <a:effectRef idx="0">
+            <a:schemeClr val="accent1"/>
+          </a:effectRef>
+          <a:fontRef idx="minor">
+            <a:schemeClr val="lt1"/>
+          </a:fontRef>
+        </p:style>
+        <p:txBody>
+          <a:bodyPr rtlCol="0" anchor="ctr"/>
+          <a:lstStyle/>
+          <a:p>
+            <a:pPr algn="ctr"/>
+            <a:r>
+              <a:rPr lang="en-US" altLang="ko-KR" sz="800" b="1" dirty="0"/>
+              <a:t>Instruction</a:t>
+            </a:r>
+          </a:p>
+          <a:p>
+            <a:pPr algn="ctr"/>
+            <a:r>
+              <a:rPr lang="en-US" altLang="ko-KR" sz="800" b="1" dirty="0"/>
+              <a:t>memory</a:t>
+            </a:r>
+            <a:endParaRPr lang="ko-KR" altLang="en-US" sz="800" b="1" dirty="0"/>
+          </a:p>
+        </p:txBody>
+      </p:sp>
+      <p:sp>
+        <p:nvSpPr>
+          <p:cNvPr id="153" name="Rectangle 83">
+            <a:extLst>
+              <a:ext uri="{FF2B5EF4-FFF2-40B4-BE49-F238E27FC236}">
+                <a16:creationId xmlns:a16="http://schemas.microsoft.com/office/drawing/2014/main" id="{0A9DD267-5F58-47AD-B1B9-763AACF83771}"/>
+              </a:ext>
+            </a:extLst>
+          </p:cNvPr>
+          <p:cNvSpPr/>
+          <p:nvPr/>
+        </p:nvSpPr>
+        <p:spPr>
+          <a:xfrm>
+            <a:off x="3020969" y="3882836"/>
+            <a:ext cx="647559" cy="226422"/>
+          </a:xfrm>
+          <a:prstGeom prst="rect">
+            <a:avLst/>
+          </a:prstGeom>
+          <a:noFill/>
+          <a:ln>
+            <a:noFill/>
+          </a:ln>
+        </p:spPr>
+        <p:style>
+          <a:lnRef idx="2">
+            <a:schemeClr val="accent1">
+              <a:shade val="50000"/>
+            </a:schemeClr>
+          </a:lnRef>
+          <a:fillRef idx="1">
+            <a:schemeClr val="accent1"/>
+          </a:fillRef>
+          <a:effectRef idx="0">
+            <a:schemeClr val="accent1"/>
+          </a:effectRef>
+          <a:fontRef idx="minor">
+            <a:schemeClr val="lt1"/>
+          </a:fontRef>
+        </p:style>
+        <p:txBody>
+          <a:bodyPr rtlCol="0" anchor="ctr"/>
+          <a:lstStyle/>
+          <a:p>
+            <a:pPr algn="r"/>
+            <a:r>
+              <a:rPr lang="en-US" altLang="ko-KR" sz="700" dirty="0"/>
+              <a:t>Instruction</a:t>
+            </a:r>
+          </a:p>
+        </p:txBody>
+      </p:sp>
+      <p:cxnSp>
+        <p:nvCxnSpPr>
+          <p:cNvPr id="143" name="Straight Connector 55">
+            <a:extLst>
+              <a:ext uri="{FF2B5EF4-FFF2-40B4-BE49-F238E27FC236}">
+                <a16:creationId xmlns:a16="http://schemas.microsoft.com/office/drawing/2014/main" id="{EE18D02A-7C14-4D34-A2EF-7C76E7D51886}"/>
+              </a:ext>
+            </a:extLst>
+          </p:cNvPr>
+          <p:cNvCxnSpPr>
+            <a:cxnSpLocks/>
+          </p:cNvCxnSpPr>
+          <p:nvPr/>
+        </p:nvCxnSpPr>
+        <p:spPr>
+          <a:xfrm>
+            <a:off x="2710978" y="1839239"/>
+            <a:ext cx="0" cy="1895068"/>
+          </a:xfrm>
+          <a:prstGeom prst="line">
+            <a:avLst/>
+          </a:prstGeom>
+          <a:ln w="38100">
+            <a:solidFill>
+              <a:srgbClr val="013B51"/>
+            </a:solidFill>
+          </a:ln>
+        </p:spPr>
+        <p:style>
+          <a:lnRef idx="1">
+            <a:schemeClr val="accent1"/>
+          </a:lnRef>
+          <a:fillRef idx="0">
+            <a:schemeClr val="accent1"/>
+          </a:fillRef>
+          <a:effectRef idx="0">
+            <a:schemeClr val="accent1"/>
+          </a:effectRef>
+          <a:fontRef idx="minor">
+            <a:schemeClr val="tx1"/>
+          </a:fontRef>
+        </p:style>
+      </p:cxnSp>
+      <p:sp>
+        <p:nvSpPr>
+          <p:cNvPr id="144" name="타원 143">
+            <a:extLst>
+              <a:ext uri="{FF2B5EF4-FFF2-40B4-BE49-F238E27FC236}">
+                <a16:creationId xmlns:a16="http://schemas.microsoft.com/office/drawing/2014/main" id="{644286D4-DCE2-410F-A5D3-8786CE7A1564}"/>
+              </a:ext>
+            </a:extLst>
+          </p:cNvPr>
+          <p:cNvSpPr/>
+          <p:nvPr/>
+        </p:nvSpPr>
+        <p:spPr>
+          <a:xfrm>
+            <a:off x="2677416" y="3696496"/>
+            <a:ext cx="67123" cy="67123"/>
+          </a:xfrm>
+          <a:prstGeom prst="ellipse">
+            <a:avLst/>
+          </a:prstGeom>
+          <a:solidFill>
+            <a:srgbClr val="013B51"/>
+          </a:solidFill>
+          <a:ln>
+            <a:noFill/>
+          </a:ln>
+        </p:spPr>
+        <p:style>
+          <a:lnRef idx="2">
+            <a:schemeClr val="accent1">
+              <a:shade val="50000"/>
+            </a:schemeClr>
+          </a:lnRef>
+          <a:fillRef idx="1">
+            <a:schemeClr val="accent1"/>
+          </a:fillRef>
+          <a:effectRef idx="0">
+            <a:schemeClr val="accent1"/>
+          </a:effectRef>
+          <a:fontRef idx="minor">
+            <a:schemeClr val="lt1"/>
+          </a:fontRef>
+        </p:style>
+        <p:txBody>
+          <a:bodyPr rtlCol="0" anchor="ctr"/>
+          <a:lstStyle/>
+          <a:p>
+            <a:pPr algn="ctr"/>
+            <a:endParaRPr lang="en-US" sz="1000"/>
+          </a:p>
+        </p:txBody>
+      </p:sp>
+      <p:cxnSp>
+        <p:nvCxnSpPr>
+          <p:cNvPr id="145" name="Straight Connector 55">
+            <a:extLst>
+              <a:ext uri="{FF2B5EF4-FFF2-40B4-BE49-F238E27FC236}">
+                <a16:creationId xmlns:a16="http://schemas.microsoft.com/office/drawing/2014/main" id="{FA667A0E-1CE4-430F-BAFA-D03402D93096}"/>
+              </a:ext>
+            </a:extLst>
+          </p:cNvPr>
+          <p:cNvCxnSpPr>
+            <a:cxnSpLocks/>
+          </p:cNvCxnSpPr>
+          <p:nvPr/>
+        </p:nvCxnSpPr>
+        <p:spPr>
+          <a:xfrm>
+            <a:off x="1906351" y="1635419"/>
+            <a:ext cx="0" cy="2112669"/>
+          </a:xfrm>
+          <a:prstGeom prst="line">
+            <a:avLst/>
+          </a:prstGeom>
+          <a:ln w="38100">
+            <a:solidFill>
+              <a:srgbClr val="013B51"/>
+            </a:solidFill>
+          </a:ln>
+        </p:spPr>
+        <p:style>
+          <a:lnRef idx="1">
+            <a:schemeClr val="accent1"/>
+          </a:lnRef>
+          <a:fillRef idx="0">
+            <a:schemeClr val="accent1"/>
+          </a:fillRef>
+          <a:effectRef idx="0">
+            <a:schemeClr val="accent1"/>
+          </a:effectRef>
+          <a:fontRef idx="minor">
+            <a:schemeClr val="tx1"/>
+          </a:fontRef>
+        </p:style>
+      </p:cxnSp>
+      <p:cxnSp>
+        <p:nvCxnSpPr>
+          <p:cNvPr id="147" name="Straight Connector 57">
+            <a:extLst>
+              <a:ext uri="{FF2B5EF4-FFF2-40B4-BE49-F238E27FC236}">
+                <a16:creationId xmlns:a16="http://schemas.microsoft.com/office/drawing/2014/main" id="{014E1A03-2C06-448B-9758-7EA02408670B}"/>
+              </a:ext>
+            </a:extLst>
+          </p:cNvPr>
+          <p:cNvCxnSpPr>
+            <a:cxnSpLocks/>
+          </p:cNvCxnSpPr>
+          <p:nvPr/>
+        </p:nvCxnSpPr>
+        <p:spPr>
+          <a:xfrm>
+            <a:off x="1893700" y="1652814"/>
+            <a:ext cx="7509459" cy="0"/>
+          </a:xfrm>
+          <a:prstGeom prst="line">
+            <a:avLst/>
+          </a:prstGeom>
+          <a:ln w="38100">
+            <a:solidFill>
+              <a:srgbClr val="013B51"/>
+            </a:solidFill>
+          </a:ln>
+        </p:spPr>
+        <p:style>
+          <a:lnRef idx="1">
+            <a:schemeClr val="accent1"/>
+          </a:lnRef>
+          <a:fillRef idx="0">
+            <a:schemeClr val="accent1"/>
+          </a:fillRef>
+          <a:effectRef idx="0">
+            <a:schemeClr val="accent1"/>
+          </a:effectRef>
+          <a:fontRef idx="minor">
+            <a:schemeClr val="tx1"/>
+          </a:fontRef>
+        </p:style>
+      </p:cxnSp>
+      <p:cxnSp>
+        <p:nvCxnSpPr>
+          <p:cNvPr id="148" name="Straight Connector 55">
+            <a:extLst>
+              <a:ext uri="{FF2B5EF4-FFF2-40B4-BE49-F238E27FC236}">
+                <a16:creationId xmlns:a16="http://schemas.microsoft.com/office/drawing/2014/main" id="{91AFDCB9-430A-4B47-9F24-AFE819F01265}"/>
+              </a:ext>
+            </a:extLst>
+          </p:cNvPr>
+          <p:cNvCxnSpPr>
+            <a:cxnSpLocks/>
+          </p:cNvCxnSpPr>
+          <p:nvPr/>
+        </p:nvCxnSpPr>
+        <p:spPr>
+          <a:xfrm>
+            <a:off x="9384528" y="1635419"/>
+            <a:ext cx="0" cy="606276"/>
+          </a:xfrm>
+          <a:prstGeom prst="line">
+            <a:avLst/>
+          </a:prstGeom>
+          <a:ln w="38100">
+            <a:solidFill>
+              <a:srgbClr val="013B51"/>
+            </a:solidFill>
+          </a:ln>
+        </p:spPr>
+        <p:style>
+          <a:lnRef idx="1">
+            <a:schemeClr val="accent1"/>
+          </a:lnRef>
+          <a:fillRef idx="0">
+            <a:schemeClr val="accent1"/>
+          </a:fillRef>
+          <a:effectRef idx="0">
+            <a:schemeClr val="accent1"/>
+          </a:effectRef>
+          <a:fontRef idx="minor">
+            <a:schemeClr val="tx1"/>
+          </a:fontRef>
+        </p:style>
+      </p:cxnSp>
+      <p:sp>
+        <p:nvSpPr>
+          <p:cNvPr id="149" name="Rectangle 83">
+            <a:extLst>
+              <a:ext uri="{FF2B5EF4-FFF2-40B4-BE49-F238E27FC236}">
+                <a16:creationId xmlns:a16="http://schemas.microsoft.com/office/drawing/2014/main" id="{6ED4E232-36E6-437D-9AED-A851EE8F7DDB}"/>
+              </a:ext>
+            </a:extLst>
+          </p:cNvPr>
+          <p:cNvSpPr/>
+          <p:nvPr/>
+        </p:nvSpPr>
+        <p:spPr>
+          <a:xfrm>
+            <a:off x="2712957" y="2377271"/>
+            <a:ext cx="227252" cy="209143"/>
+          </a:xfrm>
+          <a:prstGeom prst="rect">
+            <a:avLst/>
+          </a:prstGeom>
+          <a:noFill/>
+          <a:ln>
+            <a:noFill/>
+          </a:ln>
+        </p:spPr>
+        <p:style>
+          <a:lnRef idx="2">
+            <a:schemeClr val="accent1">
+              <a:shade val="50000"/>
+            </a:schemeClr>
+          </a:lnRef>
+          <a:fillRef idx="1">
+            <a:schemeClr val="accent1"/>
+          </a:fillRef>
+          <a:effectRef idx="0">
+            <a:schemeClr val="accent1"/>
+          </a:effectRef>
+          <a:fontRef idx="minor">
+            <a:schemeClr val="lt1"/>
+          </a:fontRef>
+        </p:style>
+        <p:txBody>
+          <a:bodyPr rtlCol="0" anchor="ctr"/>
+          <a:lstStyle/>
+          <a:p>
+            <a:pPr algn="ctr"/>
+            <a:r>
+              <a:rPr lang="en-US" altLang="ko-KR" sz="800" b="1" dirty="0">
+                <a:solidFill>
+                  <a:srgbClr val="013B51"/>
+                </a:solidFill>
+              </a:rPr>
+              <a:t>4</a:t>
+            </a:r>
+            <a:endParaRPr lang="ko-KR" altLang="en-US" sz="800" b="1" dirty="0">
+              <a:solidFill>
+                <a:srgbClr val="013B51"/>
+              </a:solidFill>
+            </a:endParaRPr>
+          </a:p>
+        </p:txBody>
+      </p:sp>
+      <p:grpSp>
+        <p:nvGrpSpPr>
+          <p:cNvPr id="156" name="그룹 155">
+            <a:extLst>
+              <a:ext uri="{FF2B5EF4-FFF2-40B4-BE49-F238E27FC236}">
+                <a16:creationId xmlns:a16="http://schemas.microsoft.com/office/drawing/2014/main" id="{9937F817-AEE2-461B-A56B-4BFF83E7B954}"/>
+              </a:ext>
+            </a:extLst>
+          </p:cNvPr>
+          <p:cNvGrpSpPr/>
+          <p:nvPr/>
+        </p:nvGrpSpPr>
+        <p:grpSpPr>
+          <a:xfrm>
+            <a:off x="7665088" y="2031077"/>
+            <a:ext cx="499768" cy="927168"/>
+            <a:chOff x="8512274" y="2661900"/>
+            <a:chExt cx="1052765" cy="1953087"/>
+          </a:xfrm>
+        </p:grpSpPr>
+        <p:sp>
+          <p:nvSpPr>
+            <p:cNvPr id="157" name="Freeform: Shape 68">
+              <a:extLst>
+                <a:ext uri="{FF2B5EF4-FFF2-40B4-BE49-F238E27FC236}">
+                  <a16:creationId xmlns:a16="http://schemas.microsoft.com/office/drawing/2014/main" id="{8380A434-F6BA-4AE3-AE75-A9174700BF08}"/>
+                </a:ext>
+              </a:extLst>
+            </p:cNvPr>
+            <p:cNvSpPr/>
+            <p:nvPr/>
+          </p:nvSpPr>
+          <p:spPr>
+            <a:xfrm rot="5400000">
+              <a:off x="8028441" y="3145733"/>
+              <a:ext cx="1953087" cy="985422"/>
+            </a:xfrm>
+            <a:custGeom>
+              <a:avLst/>
+              <a:gdLst>
+                <a:gd name="connsiteX0" fmla="*/ 468302 w 1953087"/>
+                <a:gd name="connsiteY0" fmla="*/ 0 h 985422"/>
+                <a:gd name="connsiteX1" fmla="*/ 1484785 w 1953087"/>
+                <a:gd name="connsiteY1" fmla="*/ 0 h 985422"/>
+                <a:gd name="connsiteX2" fmla="*/ 1953087 w 1953087"/>
+                <a:gd name="connsiteY2" fmla="*/ 985422 h 985422"/>
+                <a:gd name="connsiteX3" fmla="*/ 1428729 w 1953087"/>
+                <a:gd name="connsiteY3" fmla="*/ 985422 h 985422"/>
+                <a:gd name="connsiteX4" fmla="*/ 1286109 w 1953087"/>
+                <a:gd name="connsiteY4" fmla="*/ 685316 h 985422"/>
+                <a:gd name="connsiteX5" fmla="*/ 666979 w 1953087"/>
+                <a:gd name="connsiteY5" fmla="*/ 685316 h 985422"/>
+                <a:gd name="connsiteX6" fmla="*/ 524360 w 1953087"/>
+                <a:gd name="connsiteY6" fmla="*/ 985422 h 985422"/>
+                <a:gd name="connsiteX7" fmla="*/ 0 w 1953087"/>
+                <a:gd name="connsiteY7" fmla="*/ 985422 h 985422"/>
+              </a:gdLst>
+              <a:ahLst/>
+              <a:cxnLst>
+                <a:cxn ang="0">
+                  <a:pos x="connsiteX0" y="connsiteY0"/>
+                </a:cxn>
+                <a:cxn ang="0">
+                  <a:pos x="connsiteX1" y="connsiteY1"/>
+                </a:cxn>
+                <a:cxn ang="0">
+                  <a:pos x="connsiteX2" y="connsiteY2"/>
+                </a:cxn>
+                <a:cxn ang="0">
+                  <a:pos x="connsiteX3" y="connsiteY3"/>
+                </a:cxn>
+                <a:cxn ang="0">
+                  <a:pos x="connsiteX4" y="connsiteY4"/>
+                </a:cxn>
+                <a:cxn ang="0">
+                  <a:pos x="connsiteX5" y="connsiteY5"/>
+                </a:cxn>
+                <a:cxn ang="0">
+                  <a:pos x="connsiteX6" y="connsiteY6"/>
+                </a:cxn>
+                <a:cxn ang="0">
+                  <a:pos x="connsiteX7" y="connsiteY7"/>
+                </a:cxn>
+              </a:cxnLst>
+              <a:rect l="l" t="t" r="r" b="b"/>
+              <a:pathLst>
+                <a:path w="1953087" h="985422">
+                  <a:moveTo>
+                    <a:pt x="468302" y="0"/>
+                  </a:moveTo>
+                  <a:lnTo>
+                    <a:pt x="1484785" y="0"/>
+                  </a:lnTo>
+                  <a:lnTo>
+                    <a:pt x="1953087" y="985422"/>
+                  </a:lnTo>
+                  <a:lnTo>
+                    <a:pt x="1428729" y="985422"/>
+                  </a:lnTo>
+                  <a:lnTo>
+                    <a:pt x="1286109" y="685316"/>
+                  </a:lnTo>
+                  <a:lnTo>
+                    <a:pt x="666979" y="685316"/>
+                  </a:lnTo>
+                  <a:lnTo>
+                    <a:pt x="524360" y="985422"/>
+                  </a:lnTo>
+                  <a:lnTo>
+                    <a:pt x="0" y="985422"/>
+                  </a:lnTo>
+                  <a:close/>
+                </a:path>
+              </a:pathLst>
+            </a:custGeom>
+            <a:solidFill>
+              <a:srgbClr val="013B51"/>
+            </a:solidFill>
+            <a:ln>
+              <a:noFill/>
+            </a:ln>
+          </p:spPr>
+          <p:style>
+            <a:lnRef idx="2">
+              <a:schemeClr val="accent1">
+                <a:shade val="50000"/>
+              </a:schemeClr>
+            </a:lnRef>
+            <a:fillRef idx="1">
+              <a:schemeClr val="accent1"/>
+            </a:fillRef>
+            <a:effectRef idx="0">
+              <a:schemeClr val="accent1"/>
+            </a:effectRef>
+            <a:fontRef idx="minor">
+              <a:schemeClr val="lt1"/>
+            </a:fontRef>
+          </p:style>
+          <p:txBody>
+            <a:bodyPr rtlCol="0" anchor="ctr"/>
+            <a:lstStyle/>
+            <a:p>
+              <a:pPr algn="ctr"/>
+              <a:endParaRPr lang="ko-KR" altLang="en-US" sz="1000" dirty="0"/>
+            </a:p>
+          </p:txBody>
+        </p:sp>
+        <p:sp>
+          <p:nvSpPr>
+            <p:cNvPr id="158" name="Rectangle 84">
+              <a:extLst>
+                <a:ext uri="{FF2B5EF4-FFF2-40B4-BE49-F238E27FC236}">
+                  <a16:creationId xmlns:a16="http://schemas.microsoft.com/office/drawing/2014/main" id="{D9CE677D-EB2B-415E-8C32-89710078A908}"/>
+                </a:ext>
+              </a:extLst>
+            </p:cNvPr>
+            <p:cNvSpPr/>
+            <p:nvPr/>
+          </p:nvSpPr>
+          <p:spPr>
+            <a:xfrm>
+              <a:off x="8650675" y="3186961"/>
+              <a:ext cx="914364" cy="914364"/>
+            </a:xfrm>
+            <a:prstGeom prst="rect">
+              <a:avLst/>
+            </a:prstGeom>
+            <a:noFill/>
+            <a:ln>
+              <a:noFill/>
+            </a:ln>
+          </p:spPr>
+          <p:style>
+            <a:lnRef idx="2">
+              <a:schemeClr val="accent1">
+                <a:shade val="50000"/>
+              </a:schemeClr>
+            </a:lnRef>
+            <a:fillRef idx="1">
+              <a:schemeClr val="accent1"/>
+            </a:fillRef>
+            <a:effectRef idx="0">
+              <a:schemeClr val="accent1"/>
+            </a:effectRef>
+            <a:fontRef idx="minor">
+              <a:schemeClr val="lt1"/>
+            </a:fontRef>
+          </p:style>
+          <p:txBody>
+            <a:bodyPr rtlCol="0" anchor="ctr"/>
+            <a:lstStyle/>
+            <a:p>
+              <a:pPr algn="ctr"/>
+              <a:r>
+                <a:rPr lang="en-US" altLang="ko-KR" sz="600" dirty="0">
+                  <a:solidFill>
+                    <a:srgbClr val="EBFFFF"/>
+                  </a:solidFill>
+                  <a:latin typeface="Noto Sans CJK KR Medium" panose="020B0600000000000000" pitchFamily="34" charset="-127"/>
+                  <a:ea typeface="Noto Sans CJK KR Medium" panose="020B0600000000000000" pitchFamily="34" charset="-127"/>
+                </a:rPr>
+                <a:t>Adder</a:t>
+              </a:r>
+              <a:endParaRPr lang="ko-KR" altLang="en-US" sz="600" dirty="0"/>
+            </a:p>
+          </p:txBody>
+        </p:sp>
+      </p:grpSp>
+      <p:cxnSp>
+        <p:nvCxnSpPr>
+          <p:cNvPr id="162" name="Straight Arrow Connector 75">
+            <a:extLst>
+              <a:ext uri="{FF2B5EF4-FFF2-40B4-BE49-F238E27FC236}">
+                <a16:creationId xmlns:a16="http://schemas.microsoft.com/office/drawing/2014/main" id="{DB2BE018-628C-4BD8-BE5E-9A3B95EEB3FB}"/>
+              </a:ext>
+            </a:extLst>
+          </p:cNvPr>
+          <p:cNvCxnSpPr>
+            <a:cxnSpLocks/>
+          </p:cNvCxnSpPr>
+          <p:nvPr/>
+        </p:nvCxnSpPr>
+        <p:spPr>
+          <a:xfrm>
+            <a:off x="3620229" y="2162185"/>
+            <a:ext cx="4044858" cy="0"/>
+          </a:xfrm>
+          <a:prstGeom prst="straightConnector1">
+            <a:avLst/>
+          </a:prstGeom>
+          <a:ln w="38100">
+            <a:solidFill>
+              <a:srgbClr val="013B51"/>
+            </a:solidFill>
+            <a:tailEnd type="triangle"/>
+          </a:ln>
+        </p:spPr>
+        <p:style>
+          <a:lnRef idx="1">
+            <a:schemeClr val="accent1"/>
+          </a:lnRef>
+          <a:fillRef idx="0">
+            <a:schemeClr val="accent1"/>
+          </a:fillRef>
+          <a:effectRef idx="0">
+            <a:schemeClr val="accent1"/>
+          </a:effectRef>
+          <a:fontRef idx="minor">
+            <a:schemeClr val="tx1"/>
+          </a:fontRef>
+        </p:style>
+      </p:cxnSp>
+      <p:sp>
+        <p:nvSpPr>
+          <p:cNvPr id="167" name="자유형: 도형 166">
+            <a:extLst>
+              <a:ext uri="{FF2B5EF4-FFF2-40B4-BE49-F238E27FC236}">
+                <a16:creationId xmlns:a16="http://schemas.microsoft.com/office/drawing/2014/main" id="{ABBCFF2A-59E2-41D2-85F3-0650B82BC1F5}"/>
+              </a:ext>
+            </a:extLst>
+          </p:cNvPr>
+          <p:cNvSpPr/>
+          <p:nvPr/>
+        </p:nvSpPr>
+        <p:spPr>
+          <a:xfrm>
+            <a:off x="8808770" y="1822421"/>
+            <a:ext cx="244751" cy="819042"/>
+          </a:xfrm>
+          <a:custGeom>
+            <a:avLst/>
+            <a:gdLst>
+              <a:gd name="connsiteX0" fmla="*/ 122376 w 244751"/>
+              <a:gd name="connsiteY0" fmla="*/ 0 h 609671"/>
+              <a:gd name="connsiteX1" fmla="*/ 235134 w 244751"/>
+              <a:gd name="connsiteY1" fmla="*/ 74741 h 609671"/>
+              <a:gd name="connsiteX2" fmla="*/ 242931 w 244751"/>
+              <a:gd name="connsiteY2" fmla="*/ 113359 h 609671"/>
+              <a:gd name="connsiteX3" fmla="*/ 244749 w 244751"/>
+              <a:gd name="connsiteY3" fmla="*/ 113359 h 609671"/>
+              <a:gd name="connsiteX4" fmla="*/ 244749 w 244751"/>
+              <a:gd name="connsiteY4" fmla="*/ 122365 h 609671"/>
+              <a:gd name="connsiteX5" fmla="*/ 244751 w 244751"/>
+              <a:gd name="connsiteY5" fmla="*/ 122375 h 609671"/>
+              <a:gd name="connsiteX6" fmla="*/ 244749 w 244751"/>
+              <a:gd name="connsiteY6" fmla="*/ 122385 h 609671"/>
+              <a:gd name="connsiteX7" fmla="*/ 244749 w 244751"/>
+              <a:gd name="connsiteY7" fmla="*/ 487286 h 609671"/>
+              <a:gd name="connsiteX8" fmla="*/ 244751 w 244751"/>
+              <a:gd name="connsiteY8" fmla="*/ 487296 h 609671"/>
+              <a:gd name="connsiteX9" fmla="*/ 244749 w 244751"/>
+              <a:gd name="connsiteY9" fmla="*/ 487306 h 609671"/>
+              <a:gd name="connsiteX10" fmla="*/ 244749 w 244751"/>
+              <a:gd name="connsiteY10" fmla="*/ 493719 h 609671"/>
+              <a:gd name="connsiteX11" fmla="*/ 243455 w 244751"/>
+              <a:gd name="connsiteY11" fmla="*/ 493719 h 609671"/>
+              <a:gd name="connsiteX12" fmla="*/ 235134 w 244751"/>
+              <a:gd name="connsiteY12" fmla="*/ 534930 h 609671"/>
+              <a:gd name="connsiteX13" fmla="*/ 122376 w 244751"/>
+              <a:gd name="connsiteY13" fmla="*/ 609671 h 609671"/>
+              <a:gd name="connsiteX14" fmla="*/ 9618 w 244751"/>
+              <a:gd name="connsiteY14" fmla="*/ 534930 h 609671"/>
+              <a:gd name="connsiteX15" fmla="*/ 1298 w 244751"/>
+              <a:gd name="connsiteY15" fmla="*/ 493719 h 609671"/>
+              <a:gd name="connsiteX16" fmla="*/ 0 w 244751"/>
+              <a:gd name="connsiteY16" fmla="*/ 493719 h 609671"/>
+              <a:gd name="connsiteX17" fmla="*/ 0 w 244751"/>
+              <a:gd name="connsiteY17" fmla="*/ 113359 h 609671"/>
+              <a:gd name="connsiteX18" fmla="*/ 1821 w 244751"/>
+              <a:gd name="connsiteY18" fmla="*/ 113359 h 609671"/>
+              <a:gd name="connsiteX19" fmla="*/ 9618 w 244751"/>
+              <a:gd name="connsiteY19" fmla="*/ 74741 h 609671"/>
+              <a:gd name="connsiteX20" fmla="*/ 122376 w 244751"/>
+              <a:gd name="connsiteY20" fmla="*/ 0 h 609671"/>
+            </a:gdLst>
+            <a:ahLst/>
+            <a:cxnLst>
+              <a:cxn ang="0">
+                <a:pos x="connsiteX0" y="connsiteY0"/>
+              </a:cxn>
+              <a:cxn ang="0">
+                <a:pos x="connsiteX1" y="connsiteY1"/>
+              </a:cxn>
+              <a:cxn ang="0">
+                <a:pos x="connsiteX2" y="connsiteY2"/>
+              </a:cxn>
+              <a:cxn ang="0">
+                <a:pos x="connsiteX3" y="connsiteY3"/>
+              </a:cxn>
+              <a:cxn ang="0">
+                <a:pos x="connsiteX4" y="connsiteY4"/>
+              </a:cxn>
+              <a:cxn ang="0">
+                <a:pos x="connsiteX5" y="connsiteY5"/>
+              </a:cxn>
+              <a:cxn ang="0">
+                <a:pos x="connsiteX6" y="connsiteY6"/>
+              </a:cxn>
+              <a:cxn ang="0">
+                <a:pos x="connsiteX7" y="connsiteY7"/>
+              </a:cxn>
+              <a:cxn ang="0">
+                <a:pos x="connsiteX8" y="connsiteY8"/>
+              </a:cxn>
+              <a:cxn ang="0">
+                <a:pos x="connsiteX9" y="connsiteY9"/>
+              </a:cxn>
+              <a:cxn ang="0">
+                <a:pos x="connsiteX10" y="connsiteY10"/>
+              </a:cxn>
+              <a:cxn ang="0">
+                <a:pos x="connsiteX11" y="connsiteY11"/>
+              </a:cxn>
+              <a:cxn ang="0">
+                <a:pos x="connsiteX12" y="connsiteY12"/>
+              </a:cxn>
+              <a:cxn ang="0">
+                <a:pos x="connsiteX13" y="connsiteY13"/>
+              </a:cxn>
+              <a:cxn ang="0">
+                <a:pos x="connsiteX14" y="connsiteY14"/>
+              </a:cxn>
+              <a:cxn ang="0">
+                <a:pos x="connsiteX15" y="connsiteY15"/>
+              </a:cxn>
+              <a:cxn ang="0">
+                <a:pos x="connsiteX16" y="connsiteY16"/>
+              </a:cxn>
+              <a:cxn ang="0">
+                <a:pos x="connsiteX17" y="connsiteY17"/>
+              </a:cxn>
+              <a:cxn ang="0">
+                <a:pos x="connsiteX18" y="connsiteY18"/>
+              </a:cxn>
+              <a:cxn ang="0">
+                <a:pos x="connsiteX19" y="connsiteY19"/>
+              </a:cxn>
+              <a:cxn ang="0">
+                <a:pos x="connsiteX20" y="connsiteY20"/>
+              </a:cxn>
+            </a:cxnLst>
+            <a:rect l="l" t="t" r="r" b="b"/>
+            <a:pathLst>
+              <a:path w="244751" h="609671">
+                <a:moveTo>
+                  <a:pt x="122376" y="0"/>
+                </a:moveTo>
+                <a:cubicBezTo>
+                  <a:pt x="173066" y="0"/>
+                  <a:pt x="216557" y="30819"/>
+                  <a:pt x="235134" y="74741"/>
+                </a:cubicBezTo>
+                <a:lnTo>
+                  <a:pt x="242931" y="113359"/>
+                </a:lnTo>
+                <a:lnTo>
+                  <a:pt x="244749" y="113359"/>
+                </a:lnTo>
+                <a:lnTo>
+                  <a:pt x="244749" y="122365"/>
+                </a:lnTo>
+                <a:lnTo>
+                  <a:pt x="244751" y="122375"/>
+                </a:lnTo>
+                <a:lnTo>
+                  <a:pt x="244749" y="122385"/>
+                </a:lnTo>
+                <a:lnTo>
+                  <a:pt x="244749" y="487286"/>
+                </a:lnTo>
+                <a:lnTo>
+                  <a:pt x="244751" y="487296"/>
+                </a:lnTo>
+                <a:lnTo>
+                  <a:pt x="244749" y="487306"/>
+                </a:lnTo>
+                <a:lnTo>
+                  <a:pt x="244749" y="493719"/>
+                </a:lnTo>
+                <a:lnTo>
+                  <a:pt x="243455" y="493719"/>
+                </a:lnTo>
+                <a:lnTo>
+                  <a:pt x="235134" y="534930"/>
+                </a:lnTo>
+                <a:cubicBezTo>
+                  <a:pt x="216557" y="578852"/>
+                  <a:pt x="173066" y="609671"/>
+                  <a:pt x="122376" y="609671"/>
+                </a:cubicBezTo>
+                <a:cubicBezTo>
+                  <a:pt x="71687" y="609671"/>
+                  <a:pt x="28196" y="578852"/>
+                  <a:pt x="9618" y="534930"/>
+                </a:cubicBezTo>
+                <a:lnTo>
+                  <a:pt x="1298" y="493719"/>
+                </a:lnTo>
+                <a:lnTo>
+                  <a:pt x="0" y="493719"/>
+                </a:lnTo>
+                <a:lnTo>
+                  <a:pt x="0" y="113359"/>
+                </a:lnTo>
+                <a:lnTo>
+                  <a:pt x="1821" y="113359"/>
+                </a:lnTo>
+                <a:lnTo>
+                  <a:pt x="9618" y="74741"/>
+                </a:lnTo>
+                <a:cubicBezTo>
+                  <a:pt x="28196" y="30819"/>
+                  <a:pt x="71687" y="0"/>
+                  <a:pt x="122376" y="0"/>
+                </a:cubicBezTo>
+                <a:close/>
+              </a:path>
+            </a:pathLst>
+          </a:custGeom>
+          <a:solidFill>
+            <a:srgbClr val="787878"/>
+          </a:solidFill>
+          <a:ln>
+            <a:noFill/>
+          </a:ln>
+        </p:spPr>
+        <p:style>
+          <a:lnRef idx="2">
+            <a:schemeClr val="accent1">
+              <a:shade val="50000"/>
+            </a:schemeClr>
+          </a:lnRef>
+          <a:fillRef idx="1">
+            <a:schemeClr val="accent1"/>
+          </a:fillRef>
+          <a:effectRef idx="0">
+            <a:schemeClr val="accent1"/>
+          </a:effectRef>
+          <a:fontRef idx="minor">
+            <a:schemeClr val="lt1"/>
+          </a:fontRef>
+        </p:style>
+        <p:txBody>
+          <a:bodyPr vert="wordArtVert" tIns="72000" bIns="72000" rtlCol="0" anchor="ctr" anchorCtr="1"/>
+          <a:lstStyle/>
+          <a:p>
+            <a:pPr algn="ctr"/>
+            <a:endParaRPr lang="en-US" sz="800" b="1" spc="-300" dirty="0"/>
+          </a:p>
+        </p:txBody>
+      </p:sp>
+      <p:sp>
+        <p:nvSpPr>
+          <p:cNvPr id="168" name="TextBox 167">
+            <a:extLst>
+              <a:ext uri="{FF2B5EF4-FFF2-40B4-BE49-F238E27FC236}">
+                <a16:creationId xmlns:a16="http://schemas.microsoft.com/office/drawing/2014/main" id="{4C043AC1-DA55-47B3-8FCB-CB98971BDE4B}"/>
+              </a:ext>
+            </a:extLst>
+          </p:cNvPr>
+          <p:cNvSpPr txBox="1"/>
+          <p:nvPr/>
+        </p:nvSpPr>
+        <p:spPr>
+          <a:xfrm>
+            <a:off x="8851572" y="2010649"/>
+            <a:ext cx="159146" cy="435769"/>
+          </a:xfrm>
+          <a:prstGeom prst="rect">
+            <a:avLst/>
+          </a:prstGeom>
+          <a:noFill/>
+        </p:spPr>
+        <p:txBody>
+          <a:bodyPr vert="wordArtVert" wrap="square" lIns="0" tIns="0" rIns="0" bIns="0" rtlCol="0">
+            <a:spAutoFit/>
+          </a:bodyPr>
+          <a:lstStyle/>
+          <a:p>
+            <a:r>
+              <a:rPr lang="en-US" sz="800" b="1" spc="-300" dirty="0">
+                <a:solidFill>
+                  <a:schemeClr val="bg1"/>
+                </a:solidFill>
+              </a:rPr>
+              <a:t>Mux</a:t>
+            </a:r>
+          </a:p>
+        </p:txBody>
+      </p:sp>
+      <p:cxnSp>
+        <p:nvCxnSpPr>
+          <p:cNvPr id="171" name="Straight Arrow Connector 12">
+            <a:extLst>
+              <a:ext uri="{FF2B5EF4-FFF2-40B4-BE49-F238E27FC236}">
+                <a16:creationId xmlns:a16="http://schemas.microsoft.com/office/drawing/2014/main" id="{275DBE9D-7DFE-478F-92FD-BD3DE39C0D7B}"/>
+              </a:ext>
+            </a:extLst>
+          </p:cNvPr>
+          <p:cNvCxnSpPr>
+            <a:cxnSpLocks/>
+          </p:cNvCxnSpPr>
+          <p:nvPr/>
+        </p:nvCxnSpPr>
+        <p:spPr>
+          <a:xfrm>
+            <a:off x="8320539" y="2494661"/>
+            <a:ext cx="493216" cy="0"/>
+          </a:xfrm>
+          <a:prstGeom prst="straightConnector1">
+            <a:avLst/>
+          </a:prstGeom>
+          <a:ln w="38100">
+            <a:solidFill>
+              <a:srgbClr val="013B51"/>
+            </a:solidFill>
+            <a:tailEnd type="triangle"/>
+          </a:ln>
+        </p:spPr>
+        <p:style>
+          <a:lnRef idx="1">
+            <a:schemeClr val="accent1"/>
+          </a:lnRef>
+          <a:fillRef idx="0">
+            <a:schemeClr val="accent1"/>
+          </a:fillRef>
+          <a:effectRef idx="0">
+            <a:schemeClr val="accent1"/>
+          </a:effectRef>
+          <a:fontRef idx="minor">
+            <a:schemeClr val="tx1"/>
+          </a:fontRef>
+        </p:style>
+      </p:cxnSp>
+      <p:cxnSp>
+        <p:nvCxnSpPr>
+          <p:cNvPr id="172" name="Straight Arrow Connector 12">
+            <a:extLst>
+              <a:ext uri="{FF2B5EF4-FFF2-40B4-BE49-F238E27FC236}">
+                <a16:creationId xmlns:a16="http://schemas.microsoft.com/office/drawing/2014/main" id="{B8FE3A3C-1BE9-4B31-A91B-88E9DE256C1F}"/>
+              </a:ext>
+            </a:extLst>
+          </p:cNvPr>
+          <p:cNvCxnSpPr>
+            <a:cxnSpLocks/>
+          </p:cNvCxnSpPr>
+          <p:nvPr/>
+        </p:nvCxnSpPr>
+        <p:spPr>
+          <a:xfrm>
+            <a:off x="6598712" y="1949420"/>
+            <a:ext cx="2215043" cy="0"/>
+          </a:xfrm>
+          <a:prstGeom prst="straightConnector1">
+            <a:avLst/>
+          </a:prstGeom>
+          <a:ln w="38100">
+            <a:solidFill>
+              <a:srgbClr val="013B51"/>
+            </a:solidFill>
+            <a:tailEnd type="triangle"/>
+          </a:ln>
+        </p:spPr>
+        <p:style>
+          <a:lnRef idx="1">
+            <a:schemeClr val="accent1"/>
+          </a:lnRef>
+          <a:fillRef idx="0">
+            <a:schemeClr val="accent1"/>
+          </a:fillRef>
+          <a:effectRef idx="0">
+            <a:schemeClr val="accent1"/>
+          </a:effectRef>
+          <a:fontRef idx="minor">
+            <a:schemeClr val="tx1"/>
+          </a:fontRef>
+        </p:style>
+      </p:cxnSp>
+      <p:cxnSp>
+        <p:nvCxnSpPr>
+          <p:cNvPr id="173" name="Straight Connector 55">
+            <a:extLst>
+              <a:ext uri="{FF2B5EF4-FFF2-40B4-BE49-F238E27FC236}">
+                <a16:creationId xmlns:a16="http://schemas.microsoft.com/office/drawing/2014/main" id="{560ECB78-7AD5-434A-B0FB-0E40B814659B}"/>
+              </a:ext>
+            </a:extLst>
+          </p:cNvPr>
+          <p:cNvCxnSpPr>
+            <a:cxnSpLocks/>
+          </p:cNvCxnSpPr>
+          <p:nvPr/>
+        </p:nvCxnSpPr>
+        <p:spPr>
+          <a:xfrm>
+            <a:off x="6617247" y="1949420"/>
+            <a:ext cx="0" cy="212765"/>
+          </a:xfrm>
+          <a:prstGeom prst="line">
+            <a:avLst/>
+          </a:prstGeom>
+          <a:ln w="38100">
+            <a:solidFill>
+              <a:srgbClr val="013B51"/>
+            </a:solidFill>
+          </a:ln>
+        </p:spPr>
+        <p:style>
+          <a:lnRef idx="1">
+            <a:schemeClr val="accent1"/>
+          </a:lnRef>
+          <a:fillRef idx="0">
+            <a:schemeClr val="accent1"/>
+          </a:fillRef>
+          <a:effectRef idx="0">
+            <a:schemeClr val="accent1"/>
+          </a:effectRef>
+          <a:fontRef idx="minor">
+            <a:schemeClr val="tx1"/>
+          </a:fontRef>
+        </p:style>
+      </p:cxnSp>
+      <p:sp>
+        <p:nvSpPr>
+          <p:cNvPr id="174" name="타원 173">
+            <a:extLst>
+              <a:ext uri="{FF2B5EF4-FFF2-40B4-BE49-F238E27FC236}">
+                <a16:creationId xmlns:a16="http://schemas.microsoft.com/office/drawing/2014/main" id="{1DEC614A-C774-47BF-846B-BA8F65563692}"/>
+              </a:ext>
+            </a:extLst>
+          </p:cNvPr>
+          <p:cNvSpPr/>
+          <p:nvPr/>
+        </p:nvSpPr>
+        <p:spPr>
+          <a:xfrm>
+            <a:off x="6579579" y="2120216"/>
+            <a:ext cx="78973" cy="78973"/>
+          </a:xfrm>
+          <a:prstGeom prst="ellipse">
+            <a:avLst/>
+          </a:prstGeom>
+          <a:solidFill>
+            <a:srgbClr val="013B51"/>
+          </a:solidFill>
+          <a:ln>
+            <a:noFill/>
+          </a:ln>
+        </p:spPr>
+        <p:style>
+          <a:lnRef idx="2">
+            <a:schemeClr val="accent1">
+              <a:shade val="50000"/>
+            </a:schemeClr>
+          </a:lnRef>
+          <a:fillRef idx="1">
+            <a:schemeClr val="accent1"/>
+          </a:fillRef>
+          <a:effectRef idx="0">
+            <a:schemeClr val="accent1"/>
+          </a:effectRef>
+          <a:fontRef idx="minor">
+            <a:schemeClr val="lt1"/>
+          </a:fontRef>
+        </p:style>
+        <p:txBody>
+          <a:bodyPr rtlCol="0" anchor="ctr"/>
+          <a:lstStyle/>
+          <a:p>
+            <a:pPr algn="ctr"/>
+            <a:endParaRPr lang="en-US" sz="1050"/>
+          </a:p>
+        </p:txBody>
+      </p:sp>
+      <p:cxnSp>
+        <p:nvCxnSpPr>
+          <p:cNvPr id="175" name="Straight Connector 57">
+            <a:extLst>
+              <a:ext uri="{FF2B5EF4-FFF2-40B4-BE49-F238E27FC236}">
+                <a16:creationId xmlns:a16="http://schemas.microsoft.com/office/drawing/2014/main" id="{1535568E-296A-454F-AE54-669FC1C7F640}"/>
+              </a:ext>
+            </a:extLst>
+          </p:cNvPr>
+          <p:cNvCxnSpPr>
+            <a:cxnSpLocks/>
+          </p:cNvCxnSpPr>
+          <p:nvPr/>
+        </p:nvCxnSpPr>
+        <p:spPr>
+          <a:xfrm>
+            <a:off x="9053521" y="2241695"/>
+            <a:ext cx="349638" cy="0"/>
+          </a:xfrm>
+          <a:prstGeom prst="line">
+            <a:avLst/>
+          </a:prstGeom>
+          <a:ln w="38100">
+            <a:solidFill>
+              <a:srgbClr val="013B51"/>
+            </a:solidFill>
+          </a:ln>
+        </p:spPr>
+        <p:style>
+          <a:lnRef idx="1">
+            <a:schemeClr val="accent1"/>
+          </a:lnRef>
+          <a:fillRef idx="0">
+            <a:schemeClr val="accent1"/>
+          </a:fillRef>
+          <a:effectRef idx="0">
+            <a:schemeClr val="accent1"/>
+          </a:effectRef>
+          <a:fontRef idx="minor">
+            <a:schemeClr val="tx1"/>
+          </a:fontRef>
+        </p:style>
+      </p:cxnSp>
+      <p:grpSp>
+        <p:nvGrpSpPr>
+          <p:cNvPr id="159" name="그룹 158">
+            <a:extLst>
+              <a:ext uri="{FF2B5EF4-FFF2-40B4-BE49-F238E27FC236}">
+                <a16:creationId xmlns:a16="http://schemas.microsoft.com/office/drawing/2014/main" id="{6BA8D824-8C72-4BA1-BFF1-BE5500AC6609}"/>
+              </a:ext>
+            </a:extLst>
+          </p:cNvPr>
+          <p:cNvGrpSpPr/>
+          <p:nvPr/>
+        </p:nvGrpSpPr>
+        <p:grpSpPr>
+          <a:xfrm>
+            <a:off x="4614550" y="4330955"/>
+            <a:ext cx="180972" cy="450794"/>
+            <a:chOff x="7208151" y="3166689"/>
+            <a:chExt cx="244751" cy="609671"/>
+          </a:xfrm>
+        </p:grpSpPr>
+        <p:sp>
+          <p:nvSpPr>
+            <p:cNvPr id="160" name="자유형: 도형 159">
+              <a:extLst>
+                <a:ext uri="{FF2B5EF4-FFF2-40B4-BE49-F238E27FC236}">
+                  <a16:creationId xmlns:a16="http://schemas.microsoft.com/office/drawing/2014/main" id="{D57D747E-3DB3-4D27-AA80-E8826210EDEE}"/>
+                </a:ext>
+              </a:extLst>
+            </p:cNvPr>
+            <p:cNvSpPr/>
+            <p:nvPr/>
+          </p:nvSpPr>
+          <p:spPr>
+            <a:xfrm>
+              <a:off x="7208151" y="3166689"/>
+              <a:ext cx="244751" cy="609671"/>
+            </a:xfrm>
+            <a:custGeom>
+              <a:avLst/>
+              <a:gdLst>
+                <a:gd name="connsiteX0" fmla="*/ 122376 w 244751"/>
+                <a:gd name="connsiteY0" fmla="*/ 0 h 609671"/>
+                <a:gd name="connsiteX1" fmla="*/ 235134 w 244751"/>
+                <a:gd name="connsiteY1" fmla="*/ 74741 h 609671"/>
+                <a:gd name="connsiteX2" fmla="*/ 242931 w 244751"/>
+                <a:gd name="connsiteY2" fmla="*/ 113359 h 609671"/>
+                <a:gd name="connsiteX3" fmla="*/ 244749 w 244751"/>
+                <a:gd name="connsiteY3" fmla="*/ 113359 h 609671"/>
+                <a:gd name="connsiteX4" fmla="*/ 244749 w 244751"/>
+                <a:gd name="connsiteY4" fmla="*/ 122365 h 609671"/>
+                <a:gd name="connsiteX5" fmla="*/ 244751 w 244751"/>
+                <a:gd name="connsiteY5" fmla="*/ 122375 h 609671"/>
+                <a:gd name="connsiteX6" fmla="*/ 244749 w 244751"/>
+                <a:gd name="connsiteY6" fmla="*/ 122385 h 609671"/>
+                <a:gd name="connsiteX7" fmla="*/ 244749 w 244751"/>
+                <a:gd name="connsiteY7" fmla="*/ 487286 h 609671"/>
+                <a:gd name="connsiteX8" fmla="*/ 244751 w 244751"/>
+                <a:gd name="connsiteY8" fmla="*/ 487296 h 609671"/>
+                <a:gd name="connsiteX9" fmla="*/ 244749 w 244751"/>
+                <a:gd name="connsiteY9" fmla="*/ 487306 h 609671"/>
+                <a:gd name="connsiteX10" fmla="*/ 244749 w 244751"/>
+                <a:gd name="connsiteY10" fmla="*/ 493719 h 609671"/>
+                <a:gd name="connsiteX11" fmla="*/ 243455 w 244751"/>
+                <a:gd name="connsiteY11" fmla="*/ 493719 h 609671"/>
+                <a:gd name="connsiteX12" fmla="*/ 235134 w 244751"/>
+                <a:gd name="connsiteY12" fmla="*/ 534930 h 609671"/>
+                <a:gd name="connsiteX13" fmla="*/ 122376 w 244751"/>
+                <a:gd name="connsiteY13" fmla="*/ 609671 h 609671"/>
+                <a:gd name="connsiteX14" fmla="*/ 9618 w 244751"/>
+                <a:gd name="connsiteY14" fmla="*/ 534930 h 609671"/>
+                <a:gd name="connsiteX15" fmla="*/ 1298 w 244751"/>
+                <a:gd name="connsiteY15" fmla="*/ 493719 h 609671"/>
+                <a:gd name="connsiteX16" fmla="*/ 0 w 244751"/>
+                <a:gd name="connsiteY16" fmla="*/ 493719 h 609671"/>
+                <a:gd name="connsiteX17" fmla="*/ 0 w 244751"/>
+                <a:gd name="connsiteY17" fmla="*/ 113359 h 609671"/>
+                <a:gd name="connsiteX18" fmla="*/ 1821 w 244751"/>
+                <a:gd name="connsiteY18" fmla="*/ 113359 h 609671"/>
+                <a:gd name="connsiteX19" fmla="*/ 9618 w 244751"/>
+                <a:gd name="connsiteY19" fmla="*/ 74741 h 609671"/>
+                <a:gd name="connsiteX20" fmla="*/ 122376 w 244751"/>
+                <a:gd name="connsiteY20" fmla="*/ 0 h 609671"/>
+              </a:gdLst>
+              <a:ahLst/>
+              <a:cxnLst>
+                <a:cxn ang="0">
+                  <a:pos x="connsiteX0" y="connsiteY0"/>
+                </a:cxn>
+                <a:cxn ang="0">
+                  <a:pos x="connsiteX1" y="connsiteY1"/>
+                </a:cxn>
+                <a:cxn ang="0">
+                  <a:pos x="connsiteX2" y="connsiteY2"/>
+                </a:cxn>
+                <a:cxn ang="0">
+                  <a:pos x="connsiteX3" y="connsiteY3"/>
+                </a:cxn>
+                <a:cxn ang="0">
+                  <a:pos x="connsiteX4" y="connsiteY4"/>
+                </a:cxn>
+                <a:cxn ang="0">
+                  <a:pos x="connsiteX5" y="connsiteY5"/>
+                </a:cxn>
+                <a:cxn ang="0">
+                  <a:pos x="connsiteX6" y="connsiteY6"/>
+                </a:cxn>
+                <a:cxn ang="0">
+                  <a:pos x="connsiteX7" y="connsiteY7"/>
+                </a:cxn>
+                <a:cxn ang="0">
+                  <a:pos x="connsiteX8" y="connsiteY8"/>
+                </a:cxn>
+                <a:cxn ang="0">
+                  <a:pos x="connsiteX9" y="connsiteY9"/>
+                </a:cxn>
+                <a:cxn ang="0">
+                  <a:pos x="connsiteX10" y="connsiteY10"/>
+                </a:cxn>
+                <a:cxn ang="0">
+                  <a:pos x="connsiteX11" y="connsiteY11"/>
+                </a:cxn>
+                <a:cxn ang="0">
+                  <a:pos x="connsiteX12" y="connsiteY12"/>
+                </a:cxn>
+                <a:cxn ang="0">
+                  <a:pos x="connsiteX13" y="connsiteY13"/>
+                </a:cxn>
+                <a:cxn ang="0">
+                  <a:pos x="connsiteX14" y="connsiteY14"/>
+                </a:cxn>
+                <a:cxn ang="0">
+                  <a:pos x="connsiteX15" y="connsiteY15"/>
+                </a:cxn>
+                <a:cxn ang="0">
+                  <a:pos x="connsiteX16" y="connsiteY16"/>
+                </a:cxn>
+                <a:cxn ang="0">
+                  <a:pos x="connsiteX17" y="connsiteY17"/>
+                </a:cxn>
+                <a:cxn ang="0">
+                  <a:pos x="connsiteX18" y="connsiteY18"/>
+                </a:cxn>
+                <a:cxn ang="0">
+                  <a:pos x="connsiteX19" y="connsiteY19"/>
+                </a:cxn>
+                <a:cxn ang="0">
+                  <a:pos x="connsiteX20" y="connsiteY20"/>
+                </a:cxn>
+              </a:cxnLst>
+              <a:rect l="l" t="t" r="r" b="b"/>
+              <a:pathLst>
+                <a:path w="244751" h="609671">
+                  <a:moveTo>
+                    <a:pt x="122376" y="0"/>
+                  </a:moveTo>
+                  <a:cubicBezTo>
+                    <a:pt x="173066" y="0"/>
+                    <a:pt x="216557" y="30819"/>
+                    <a:pt x="235134" y="74741"/>
+                  </a:cubicBezTo>
+                  <a:lnTo>
+                    <a:pt x="242931" y="113359"/>
+                  </a:lnTo>
+                  <a:lnTo>
+                    <a:pt x="244749" y="113359"/>
+                  </a:lnTo>
+                  <a:lnTo>
+                    <a:pt x="244749" y="122365"/>
+                  </a:lnTo>
+                  <a:lnTo>
+                    <a:pt x="244751" y="122375"/>
+                  </a:lnTo>
+                  <a:lnTo>
+                    <a:pt x="244749" y="122385"/>
+                  </a:lnTo>
+                  <a:lnTo>
+                    <a:pt x="244749" y="487286"/>
+                  </a:lnTo>
+                  <a:lnTo>
+                    <a:pt x="244751" y="487296"/>
+                  </a:lnTo>
+                  <a:lnTo>
+                    <a:pt x="244749" y="487306"/>
+                  </a:lnTo>
+                  <a:lnTo>
+                    <a:pt x="244749" y="493719"/>
+                  </a:lnTo>
+                  <a:lnTo>
+                    <a:pt x="243455" y="493719"/>
+                  </a:lnTo>
+                  <a:lnTo>
+                    <a:pt x="235134" y="534930"/>
+                  </a:lnTo>
+                  <a:cubicBezTo>
+                    <a:pt x="216557" y="578852"/>
+                    <a:pt x="173066" y="609671"/>
+                    <a:pt x="122376" y="609671"/>
+                  </a:cubicBezTo>
+                  <a:cubicBezTo>
+                    <a:pt x="71687" y="609671"/>
+                    <a:pt x="28196" y="578852"/>
+                    <a:pt x="9618" y="534930"/>
+                  </a:cubicBezTo>
+                  <a:lnTo>
+                    <a:pt x="1298" y="493719"/>
+                  </a:lnTo>
+                  <a:lnTo>
+                    <a:pt x="0" y="493719"/>
+                  </a:lnTo>
+                  <a:lnTo>
+                    <a:pt x="0" y="113359"/>
+                  </a:lnTo>
+                  <a:lnTo>
+                    <a:pt x="1821" y="113359"/>
+                  </a:lnTo>
+                  <a:lnTo>
+                    <a:pt x="9618" y="74741"/>
+                  </a:lnTo>
+                  <a:cubicBezTo>
+                    <a:pt x="28196" y="30819"/>
+                    <a:pt x="71687" y="0"/>
+                    <a:pt x="122376" y="0"/>
+                  </a:cubicBezTo>
+                  <a:close/>
+                </a:path>
+              </a:pathLst>
+            </a:custGeom>
+            <a:solidFill>
+              <a:srgbClr val="787878"/>
+            </a:solidFill>
+            <a:ln>
+              <a:noFill/>
+            </a:ln>
+          </p:spPr>
+          <p:style>
+            <a:lnRef idx="2">
+              <a:schemeClr val="accent1">
+                <a:shade val="50000"/>
+              </a:schemeClr>
+            </a:lnRef>
+            <a:fillRef idx="1">
+              <a:schemeClr val="accent1"/>
+            </a:fillRef>
+            <a:effectRef idx="0">
+              <a:schemeClr val="accent1"/>
+            </a:effectRef>
+            <a:fontRef idx="minor">
+              <a:schemeClr val="lt1"/>
+            </a:fontRef>
+          </p:style>
+          <p:txBody>
+            <a:bodyPr vert="wordArtVert" tIns="72000" bIns="72000" rtlCol="0" anchor="ctr" anchorCtr="1"/>
+            <a:lstStyle/>
+            <a:p>
+              <a:pPr algn="ctr"/>
+              <a:endParaRPr lang="en-US" sz="800" b="1" spc="-300" dirty="0"/>
+            </a:p>
+          </p:txBody>
+        </p:sp>
+        <p:sp>
+          <p:nvSpPr>
+            <p:cNvPr id="161" name="TextBox 160">
+              <a:extLst>
+                <a:ext uri="{FF2B5EF4-FFF2-40B4-BE49-F238E27FC236}">
+                  <a16:creationId xmlns:a16="http://schemas.microsoft.com/office/drawing/2014/main" id="{0F01A3DC-76BF-4229-BAEC-1AC810673FB5}"/>
+                </a:ext>
+              </a:extLst>
+            </p:cNvPr>
+            <p:cNvSpPr txBox="1"/>
+            <p:nvPr/>
+          </p:nvSpPr>
+          <p:spPr>
+            <a:xfrm>
+              <a:off x="7250944" y="3253639"/>
+              <a:ext cx="161469" cy="435769"/>
+            </a:xfrm>
+            <a:prstGeom prst="rect">
+              <a:avLst/>
+            </a:prstGeom>
+            <a:noFill/>
+          </p:spPr>
+          <p:txBody>
+            <a:bodyPr vert="wordArtVert" wrap="square" lIns="0" tIns="0" rIns="0" bIns="0" rtlCol="0">
+              <a:spAutoFit/>
+            </a:bodyPr>
+            <a:lstStyle/>
+            <a:p>
+              <a:r>
+                <a:rPr lang="en-US" sz="600" b="1" spc="-300" dirty="0">
+                  <a:solidFill>
+                    <a:schemeClr val="bg1"/>
+                  </a:solidFill>
+                </a:rPr>
+                <a:t>Mux</a:t>
+              </a:r>
+            </a:p>
+          </p:txBody>
+        </p:sp>
+      </p:grpSp>
+      <p:cxnSp>
+        <p:nvCxnSpPr>
+          <p:cNvPr id="164" name="Straight Arrow Connector 12">
+            <a:extLst>
+              <a:ext uri="{FF2B5EF4-FFF2-40B4-BE49-F238E27FC236}">
+                <a16:creationId xmlns:a16="http://schemas.microsoft.com/office/drawing/2014/main" id="{0ACACC0F-CAA9-4E14-B19A-9149875F8B27}"/>
+              </a:ext>
+            </a:extLst>
+          </p:cNvPr>
+          <p:cNvCxnSpPr>
+            <a:cxnSpLocks/>
+          </p:cNvCxnSpPr>
+          <p:nvPr/>
+        </p:nvCxnSpPr>
+        <p:spPr>
+          <a:xfrm>
+            <a:off x="4794250" y="4546682"/>
+            <a:ext cx="132760" cy="0"/>
+          </a:xfrm>
+          <a:prstGeom prst="straightConnector1">
+            <a:avLst/>
+          </a:prstGeom>
+          <a:ln w="38100">
+            <a:solidFill>
+              <a:srgbClr val="013B51"/>
+            </a:solidFill>
+            <a:tailEnd type="triangle"/>
+          </a:ln>
+        </p:spPr>
+        <p:style>
+          <a:lnRef idx="1">
+            <a:schemeClr val="accent1"/>
+          </a:lnRef>
+          <a:fillRef idx="0">
+            <a:schemeClr val="accent1"/>
+          </a:fillRef>
+          <a:effectRef idx="0">
+            <a:schemeClr val="accent1"/>
+          </a:effectRef>
+          <a:fontRef idx="minor">
+            <a:schemeClr val="tx1"/>
+          </a:fontRef>
+        </p:style>
+      </p:cxnSp>
+      <p:cxnSp>
+        <p:nvCxnSpPr>
+          <p:cNvPr id="165" name="Straight Arrow Connector 12">
+            <a:extLst>
+              <a:ext uri="{FF2B5EF4-FFF2-40B4-BE49-F238E27FC236}">
+                <a16:creationId xmlns:a16="http://schemas.microsoft.com/office/drawing/2014/main" id="{EA1ADF5A-AB85-4B1D-B590-484366657A84}"/>
+              </a:ext>
+            </a:extLst>
+          </p:cNvPr>
+          <p:cNvCxnSpPr>
+            <a:cxnSpLocks/>
+          </p:cNvCxnSpPr>
+          <p:nvPr/>
+        </p:nvCxnSpPr>
+        <p:spPr>
+          <a:xfrm>
+            <a:off x="4319992" y="4415352"/>
+            <a:ext cx="292597" cy="0"/>
+          </a:xfrm>
+          <a:prstGeom prst="straightConnector1">
+            <a:avLst/>
+          </a:prstGeom>
+          <a:ln w="38100">
+            <a:solidFill>
+              <a:srgbClr val="013B51"/>
+            </a:solidFill>
+            <a:tailEnd type="triangle"/>
+          </a:ln>
+        </p:spPr>
+        <p:style>
+          <a:lnRef idx="1">
+            <a:schemeClr val="accent1"/>
+          </a:lnRef>
+          <a:fillRef idx="0">
+            <a:schemeClr val="accent1"/>
+          </a:fillRef>
+          <a:effectRef idx="0">
+            <a:schemeClr val="accent1"/>
+          </a:effectRef>
+          <a:fontRef idx="minor">
+            <a:schemeClr val="tx1"/>
+          </a:fontRef>
+        </p:style>
+      </p:cxnSp>
+      <p:cxnSp>
+        <p:nvCxnSpPr>
+          <p:cNvPr id="166" name="Straight Connector 57">
+            <a:extLst>
+              <a:ext uri="{FF2B5EF4-FFF2-40B4-BE49-F238E27FC236}">
+                <a16:creationId xmlns:a16="http://schemas.microsoft.com/office/drawing/2014/main" id="{1291D904-6F5D-477B-9618-3D568F0C14A0}"/>
+              </a:ext>
+            </a:extLst>
+          </p:cNvPr>
+          <p:cNvCxnSpPr>
+            <a:cxnSpLocks/>
+          </p:cNvCxnSpPr>
+          <p:nvPr/>
+        </p:nvCxnSpPr>
+        <p:spPr>
+          <a:xfrm flipV="1">
+            <a:off x="4332127" y="4194180"/>
+            <a:ext cx="0" cy="239100"/>
+          </a:xfrm>
+          <a:prstGeom prst="line">
+            <a:avLst/>
+          </a:prstGeom>
+          <a:ln w="38100">
+            <a:solidFill>
+              <a:srgbClr val="013B51"/>
+            </a:solidFill>
+          </a:ln>
+        </p:spPr>
+        <p:style>
+          <a:lnRef idx="1">
+            <a:schemeClr val="accent1"/>
+          </a:lnRef>
+          <a:fillRef idx="0">
+            <a:schemeClr val="accent1"/>
+          </a:fillRef>
+          <a:effectRef idx="0">
+            <a:schemeClr val="accent1"/>
+          </a:effectRef>
+          <a:fontRef idx="minor">
+            <a:schemeClr val="tx1"/>
+          </a:fontRef>
+        </p:style>
+      </p:cxnSp>
+      <p:cxnSp>
+        <p:nvCxnSpPr>
+          <p:cNvPr id="176" name="Straight Connector 57">
+            <a:extLst>
+              <a:ext uri="{FF2B5EF4-FFF2-40B4-BE49-F238E27FC236}">
+                <a16:creationId xmlns:a16="http://schemas.microsoft.com/office/drawing/2014/main" id="{2F0CE2B8-EEAD-4B13-A9C2-DDF18186BF6B}"/>
+              </a:ext>
+            </a:extLst>
+          </p:cNvPr>
+          <p:cNvCxnSpPr>
+            <a:cxnSpLocks/>
+          </p:cNvCxnSpPr>
+          <p:nvPr/>
+        </p:nvCxnSpPr>
+        <p:spPr>
+          <a:xfrm>
+            <a:off x="5196338" y="6518182"/>
+            <a:ext cx="1799323" cy="0"/>
+          </a:xfrm>
+          <a:prstGeom prst="line">
+            <a:avLst/>
+          </a:prstGeom>
+          <a:ln w="38100">
+            <a:solidFill>
+              <a:srgbClr val="013B51"/>
+            </a:solidFill>
+          </a:ln>
+        </p:spPr>
+        <p:style>
+          <a:lnRef idx="1">
+            <a:schemeClr val="accent1"/>
+          </a:lnRef>
+          <a:fillRef idx="0">
+            <a:schemeClr val="accent1"/>
+          </a:fillRef>
+          <a:effectRef idx="0">
+            <a:schemeClr val="accent1"/>
+          </a:effectRef>
+          <a:fontRef idx="minor">
+            <a:schemeClr val="tx1"/>
+          </a:fontRef>
+        </p:style>
+      </p:cxnSp>
+      <p:cxnSp>
+        <p:nvCxnSpPr>
+          <p:cNvPr id="177" name="Straight Connector 57">
+            <a:extLst>
+              <a:ext uri="{FF2B5EF4-FFF2-40B4-BE49-F238E27FC236}">
+                <a16:creationId xmlns:a16="http://schemas.microsoft.com/office/drawing/2014/main" id="{90C3903E-CAC4-466B-AB8F-AFC8A06B98FC}"/>
+              </a:ext>
+            </a:extLst>
+          </p:cNvPr>
+          <p:cNvCxnSpPr>
+            <a:cxnSpLocks/>
+          </p:cNvCxnSpPr>
+          <p:nvPr/>
+        </p:nvCxnSpPr>
+        <p:spPr>
+          <a:xfrm flipV="1">
+            <a:off x="5214198" y="5921968"/>
+            <a:ext cx="0" cy="596216"/>
+          </a:xfrm>
+          <a:prstGeom prst="line">
+            <a:avLst/>
+          </a:prstGeom>
+          <a:ln w="38100">
+            <a:solidFill>
+              <a:srgbClr val="013B51"/>
+            </a:solidFill>
+          </a:ln>
+        </p:spPr>
+        <p:style>
+          <a:lnRef idx="1">
+            <a:schemeClr val="accent1"/>
+          </a:lnRef>
+          <a:fillRef idx="0">
+            <a:schemeClr val="accent1"/>
+          </a:fillRef>
+          <a:effectRef idx="0">
+            <a:schemeClr val="accent1"/>
+          </a:effectRef>
+          <a:fontRef idx="minor">
+            <a:schemeClr val="tx1"/>
+          </a:fontRef>
+        </p:style>
+      </p:cxnSp>
+      <p:cxnSp>
+        <p:nvCxnSpPr>
+          <p:cNvPr id="178" name="Straight Connector 57">
+            <a:extLst>
+              <a:ext uri="{FF2B5EF4-FFF2-40B4-BE49-F238E27FC236}">
+                <a16:creationId xmlns:a16="http://schemas.microsoft.com/office/drawing/2014/main" id="{6DFFEF9A-B911-4903-9890-F6FAC408914F}"/>
+              </a:ext>
+            </a:extLst>
+          </p:cNvPr>
+          <p:cNvCxnSpPr>
+            <a:cxnSpLocks/>
+          </p:cNvCxnSpPr>
+          <p:nvPr/>
+        </p:nvCxnSpPr>
+        <p:spPr>
+          <a:xfrm flipV="1">
+            <a:off x="6975722" y="6004362"/>
+            <a:ext cx="0" cy="513822"/>
+          </a:xfrm>
+          <a:prstGeom prst="line">
+            <a:avLst/>
+          </a:prstGeom>
+          <a:ln w="38100">
+            <a:solidFill>
+              <a:srgbClr val="013B51"/>
+            </a:solidFill>
+          </a:ln>
+        </p:spPr>
+        <p:style>
+          <a:lnRef idx="1">
+            <a:schemeClr val="accent1"/>
+          </a:lnRef>
+          <a:fillRef idx="0">
+            <a:schemeClr val="accent1"/>
+          </a:fillRef>
+          <a:effectRef idx="0">
+            <a:schemeClr val="accent1"/>
+          </a:effectRef>
+          <a:fontRef idx="minor">
+            <a:schemeClr val="tx1"/>
+          </a:fontRef>
+        </p:style>
+      </p:cxnSp>
+      <p:grpSp>
+        <p:nvGrpSpPr>
+          <p:cNvPr id="179" name="그룹 178">
+            <a:extLst>
+              <a:ext uri="{FF2B5EF4-FFF2-40B4-BE49-F238E27FC236}">
+                <a16:creationId xmlns:a16="http://schemas.microsoft.com/office/drawing/2014/main" id="{499B4830-25C0-44EB-9058-D0BD49D4D604}"/>
+              </a:ext>
+            </a:extLst>
+          </p:cNvPr>
+          <p:cNvGrpSpPr/>
+          <p:nvPr/>
+        </p:nvGrpSpPr>
+        <p:grpSpPr>
+          <a:xfrm>
+            <a:off x="7205576" y="5624619"/>
+            <a:ext cx="662878" cy="783942"/>
+            <a:chOff x="5887468" y="5560242"/>
+            <a:chExt cx="662878" cy="783942"/>
+          </a:xfrm>
+        </p:grpSpPr>
+        <p:sp>
+          <p:nvSpPr>
+            <p:cNvPr id="180" name="타원 179">
+              <a:extLst>
+                <a:ext uri="{FF2B5EF4-FFF2-40B4-BE49-F238E27FC236}">
+                  <a16:creationId xmlns:a16="http://schemas.microsoft.com/office/drawing/2014/main" id="{B188A12A-9E76-4BF4-B31E-07AAE1F3D7DC}"/>
+                </a:ext>
+              </a:extLst>
+            </p:cNvPr>
+            <p:cNvSpPr/>
+            <p:nvPr/>
+          </p:nvSpPr>
+          <p:spPr>
+            <a:xfrm>
+              <a:off x="5901260" y="5560242"/>
+              <a:ext cx="635293" cy="783942"/>
+            </a:xfrm>
+            <a:prstGeom prst="ellipse">
+              <a:avLst/>
+            </a:prstGeom>
+            <a:solidFill>
+              <a:srgbClr val="0182C6"/>
+            </a:solidFill>
+            <a:ln>
+              <a:noFill/>
+            </a:ln>
+          </p:spPr>
+          <p:style>
+            <a:lnRef idx="2">
+              <a:schemeClr val="accent1">
+                <a:shade val="50000"/>
+              </a:schemeClr>
+            </a:lnRef>
+            <a:fillRef idx="1">
+              <a:schemeClr val="accent1"/>
+            </a:fillRef>
+            <a:effectRef idx="0">
+              <a:schemeClr val="accent1"/>
+            </a:effectRef>
+            <a:fontRef idx="minor">
+              <a:schemeClr val="lt1"/>
+            </a:fontRef>
+          </p:style>
+          <p:txBody>
+            <a:bodyPr rtlCol="0" anchor="ctr"/>
+            <a:lstStyle/>
+            <a:p>
+              <a:pPr algn="ctr"/>
+              <a:endParaRPr lang="en-US" sz="1050"/>
+            </a:p>
+          </p:txBody>
+        </p:sp>
+        <p:sp>
+          <p:nvSpPr>
+            <p:cNvPr id="181" name="Rectangle 83">
+              <a:extLst>
+                <a:ext uri="{FF2B5EF4-FFF2-40B4-BE49-F238E27FC236}">
+                  <a16:creationId xmlns:a16="http://schemas.microsoft.com/office/drawing/2014/main" id="{48BC82A1-4F73-43C0-B7B2-E2DD257E0887}"/>
+                </a:ext>
+              </a:extLst>
+            </p:cNvPr>
+            <p:cNvSpPr/>
+            <p:nvPr/>
+          </p:nvSpPr>
+          <p:spPr>
+            <a:xfrm>
+              <a:off x="5887468" y="5781976"/>
+              <a:ext cx="662878" cy="340472"/>
+            </a:xfrm>
+            <a:prstGeom prst="rect">
+              <a:avLst/>
+            </a:prstGeom>
+            <a:noFill/>
+            <a:ln>
+              <a:noFill/>
+            </a:ln>
+          </p:spPr>
+          <p:style>
+            <a:lnRef idx="2">
+              <a:schemeClr val="accent1">
+                <a:shade val="50000"/>
+              </a:schemeClr>
+            </a:lnRef>
+            <a:fillRef idx="1">
+              <a:schemeClr val="accent1"/>
+            </a:fillRef>
+            <a:effectRef idx="0">
+              <a:schemeClr val="accent1"/>
+            </a:effectRef>
+            <a:fontRef idx="minor">
+              <a:schemeClr val="lt1"/>
+            </a:fontRef>
+          </p:style>
+          <p:txBody>
+            <a:bodyPr rtlCol="0" anchor="ctr"/>
+            <a:lstStyle/>
+            <a:p>
+              <a:pPr algn="ctr"/>
+              <a:r>
+                <a:rPr lang="en-US" altLang="ko-KR" sz="900" b="1" dirty="0"/>
+                <a:t>ALU</a:t>
+              </a:r>
+            </a:p>
+            <a:p>
+              <a:pPr algn="ctr"/>
+              <a:r>
+                <a:rPr lang="en-US" altLang="ko-KR" sz="900" b="1" dirty="0"/>
+                <a:t>control</a:t>
+              </a:r>
+              <a:endParaRPr lang="ko-KR" altLang="en-US" sz="900" b="1" dirty="0"/>
+            </a:p>
+          </p:txBody>
+        </p:sp>
+      </p:grpSp>
+      <p:cxnSp>
+        <p:nvCxnSpPr>
+          <p:cNvPr id="182" name="Straight Arrow Connector 12">
+            <a:extLst>
+              <a:ext uri="{FF2B5EF4-FFF2-40B4-BE49-F238E27FC236}">
+                <a16:creationId xmlns:a16="http://schemas.microsoft.com/office/drawing/2014/main" id="{15C98CE1-68C1-4481-A602-55804BF669C1}"/>
+              </a:ext>
+            </a:extLst>
+          </p:cNvPr>
+          <p:cNvCxnSpPr>
+            <a:cxnSpLocks/>
+          </p:cNvCxnSpPr>
+          <p:nvPr/>
+        </p:nvCxnSpPr>
+        <p:spPr>
+          <a:xfrm>
+            <a:off x="6982868" y="6023499"/>
+            <a:ext cx="240372" cy="0"/>
+          </a:xfrm>
+          <a:prstGeom prst="straightConnector1">
+            <a:avLst/>
+          </a:prstGeom>
+          <a:ln w="38100">
+            <a:solidFill>
+              <a:srgbClr val="013B51"/>
+            </a:solidFill>
+            <a:tailEnd type="triangle"/>
+          </a:ln>
+        </p:spPr>
+        <p:style>
+          <a:lnRef idx="1">
+            <a:schemeClr val="accent1"/>
+          </a:lnRef>
+          <a:fillRef idx="0">
+            <a:schemeClr val="accent1"/>
+          </a:fillRef>
+          <a:effectRef idx="0">
+            <a:schemeClr val="accent1"/>
+          </a:effectRef>
+          <a:fontRef idx="minor">
+            <a:schemeClr val="tx1"/>
+          </a:fontRef>
+        </p:style>
+      </p:cxnSp>
+      <p:cxnSp>
+        <p:nvCxnSpPr>
+          <p:cNvPr id="204" name="직선 연결선 203">
+            <a:extLst>
+              <a:ext uri="{FF2B5EF4-FFF2-40B4-BE49-F238E27FC236}">
+                <a16:creationId xmlns:a16="http://schemas.microsoft.com/office/drawing/2014/main" id="{CAC0D6BC-674A-4372-B94B-87A0432D81E8}"/>
+              </a:ext>
+            </a:extLst>
+          </p:cNvPr>
+          <p:cNvCxnSpPr>
+            <a:cxnSpLocks/>
+          </p:cNvCxnSpPr>
+          <p:nvPr/>
+        </p:nvCxnSpPr>
+        <p:spPr>
+          <a:xfrm flipH="1">
+            <a:off x="5023314" y="2477546"/>
+            <a:ext cx="225607" cy="0"/>
+          </a:xfrm>
+          <a:prstGeom prst="line">
+            <a:avLst/>
+          </a:prstGeom>
+          <a:ln w="19050">
+            <a:solidFill>
+              <a:srgbClr val="0182C6"/>
+            </a:solidFill>
+          </a:ln>
+        </p:spPr>
+        <p:style>
+          <a:lnRef idx="1">
+            <a:schemeClr val="accent1"/>
+          </a:lnRef>
+          <a:fillRef idx="0">
+            <a:schemeClr val="accent1"/>
+          </a:fillRef>
+          <a:effectRef idx="0">
+            <a:schemeClr val="accent1"/>
+          </a:effectRef>
+          <a:fontRef idx="minor">
+            <a:schemeClr val="tx1"/>
+          </a:fontRef>
+        </p:style>
+      </p:cxnSp>
+      <p:cxnSp>
+        <p:nvCxnSpPr>
+          <p:cNvPr id="207" name="직선 연결선 206">
+            <a:extLst>
+              <a:ext uri="{FF2B5EF4-FFF2-40B4-BE49-F238E27FC236}">
+                <a16:creationId xmlns:a16="http://schemas.microsoft.com/office/drawing/2014/main" id="{6C32F123-32E3-40D9-9C42-CCB858F02EA1}"/>
+              </a:ext>
+            </a:extLst>
+          </p:cNvPr>
+          <p:cNvCxnSpPr>
+            <a:cxnSpLocks/>
+          </p:cNvCxnSpPr>
+          <p:nvPr/>
+        </p:nvCxnSpPr>
+        <p:spPr>
+          <a:xfrm flipH="1">
+            <a:off x="4787653" y="2625570"/>
+            <a:ext cx="2700423" cy="0"/>
+          </a:xfrm>
+          <a:prstGeom prst="line">
+            <a:avLst/>
+          </a:prstGeom>
+          <a:ln w="19050">
+            <a:solidFill>
+              <a:srgbClr val="0182C6"/>
+            </a:solidFill>
+          </a:ln>
+        </p:spPr>
+        <p:style>
+          <a:lnRef idx="1">
+            <a:schemeClr val="accent1"/>
+          </a:lnRef>
+          <a:fillRef idx="0">
+            <a:schemeClr val="accent1"/>
+          </a:fillRef>
+          <a:effectRef idx="0">
+            <a:schemeClr val="accent1"/>
+          </a:effectRef>
+          <a:fontRef idx="minor">
+            <a:schemeClr val="tx1"/>
+          </a:fontRef>
+        </p:style>
+      </p:cxnSp>
+      <p:sp>
+        <p:nvSpPr>
+          <p:cNvPr id="210" name="Rectangle 83">
+            <a:extLst>
+              <a:ext uri="{FF2B5EF4-FFF2-40B4-BE49-F238E27FC236}">
+                <a16:creationId xmlns:a16="http://schemas.microsoft.com/office/drawing/2014/main" id="{D368070F-C7B6-4312-B340-C71DB3955B16}"/>
+              </a:ext>
+            </a:extLst>
+          </p:cNvPr>
+          <p:cNvSpPr/>
+          <p:nvPr/>
+        </p:nvSpPr>
+        <p:spPr>
+          <a:xfrm>
+            <a:off x="5212861" y="2501508"/>
+            <a:ext cx="480744" cy="112436"/>
+          </a:xfrm>
+          <a:prstGeom prst="rect">
+            <a:avLst/>
+          </a:prstGeom>
+          <a:noFill/>
+          <a:ln>
+            <a:noFill/>
+          </a:ln>
+        </p:spPr>
+        <p:style>
+          <a:lnRef idx="2">
+            <a:schemeClr val="accent1">
+              <a:shade val="50000"/>
+            </a:schemeClr>
+          </a:lnRef>
+          <a:fillRef idx="1">
+            <a:schemeClr val="accent1"/>
+          </a:fillRef>
+          <a:effectRef idx="0">
+            <a:schemeClr val="accent1"/>
+          </a:effectRef>
+          <a:fontRef idx="minor">
+            <a:schemeClr val="lt1"/>
+          </a:fontRef>
+        </p:style>
+        <p:txBody>
+          <a:bodyPr rtlCol="0" anchor="ctr"/>
+          <a:lstStyle/>
+          <a:p>
+            <a:r>
+              <a:rPr lang="en-US" altLang="ko-KR" sz="700" dirty="0">
+                <a:solidFill>
+                  <a:srgbClr val="0182C6"/>
+                </a:solidFill>
+              </a:rPr>
+              <a:t>Branch</a:t>
+            </a:r>
+          </a:p>
+        </p:txBody>
+      </p:sp>
+      <p:sp>
+        <p:nvSpPr>
+          <p:cNvPr id="213" name="Rectangle 83">
+            <a:extLst>
+              <a:ext uri="{FF2B5EF4-FFF2-40B4-BE49-F238E27FC236}">
+                <a16:creationId xmlns:a16="http://schemas.microsoft.com/office/drawing/2014/main" id="{54D286F9-5A05-4D4D-950E-9C9B5D9FE4D1}"/>
+              </a:ext>
+            </a:extLst>
+          </p:cNvPr>
+          <p:cNvSpPr/>
+          <p:nvPr/>
+        </p:nvSpPr>
+        <p:spPr>
+          <a:xfrm>
+            <a:off x="5212861" y="2353256"/>
+            <a:ext cx="480744" cy="112436"/>
+          </a:xfrm>
+          <a:prstGeom prst="rect">
+            <a:avLst/>
+          </a:prstGeom>
+          <a:noFill/>
+          <a:ln>
+            <a:noFill/>
+          </a:ln>
+        </p:spPr>
+        <p:style>
+          <a:lnRef idx="2">
+            <a:schemeClr val="accent1">
+              <a:shade val="50000"/>
+            </a:schemeClr>
+          </a:lnRef>
+          <a:fillRef idx="1">
+            <a:schemeClr val="accent1"/>
+          </a:fillRef>
+          <a:effectRef idx="0">
+            <a:schemeClr val="accent1"/>
+          </a:effectRef>
+          <a:fontRef idx="minor">
+            <a:schemeClr val="lt1"/>
+          </a:fontRef>
+        </p:style>
+        <p:txBody>
+          <a:bodyPr rtlCol="0" anchor="ctr"/>
+          <a:lstStyle/>
+          <a:p>
+            <a:r>
+              <a:rPr lang="en-US" altLang="ko-KR" sz="700" dirty="0" err="1">
+                <a:solidFill>
+                  <a:srgbClr val="0182C6"/>
+                </a:solidFill>
+              </a:rPr>
+              <a:t>RegDst</a:t>
+            </a:r>
+            <a:endParaRPr lang="en-US" altLang="ko-KR" sz="700" dirty="0">
+              <a:solidFill>
+                <a:srgbClr val="0182C6"/>
+              </a:solidFill>
+            </a:endParaRPr>
+          </a:p>
+        </p:txBody>
+      </p:sp>
+      <p:sp>
+        <p:nvSpPr>
+          <p:cNvPr id="214" name="Rectangle 83">
+            <a:extLst>
+              <a:ext uri="{FF2B5EF4-FFF2-40B4-BE49-F238E27FC236}">
+                <a16:creationId xmlns:a16="http://schemas.microsoft.com/office/drawing/2014/main" id="{5E202DD7-30AE-4848-9274-2DADA46B3C18}"/>
+              </a:ext>
+            </a:extLst>
+          </p:cNvPr>
+          <p:cNvSpPr/>
+          <p:nvPr/>
+        </p:nvSpPr>
+        <p:spPr>
+          <a:xfrm>
+            <a:off x="5212860" y="2798012"/>
+            <a:ext cx="675639" cy="112436"/>
+          </a:xfrm>
+          <a:prstGeom prst="rect">
+            <a:avLst/>
+          </a:prstGeom>
+          <a:noFill/>
+          <a:ln>
+            <a:noFill/>
+          </a:ln>
+        </p:spPr>
+        <p:style>
+          <a:lnRef idx="2">
+            <a:schemeClr val="accent1">
+              <a:shade val="50000"/>
+            </a:schemeClr>
+          </a:lnRef>
+          <a:fillRef idx="1">
+            <a:schemeClr val="accent1"/>
+          </a:fillRef>
+          <a:effectRef idx="0">
+            <a:schemeClr val="accent1"/>
+          </a:effectRef>
+          <a:fontRef idx="minor">
+            <a:schemeClr val="lt1"/>
+          </a:fontRef>
+        </p:style>
+        <p:txBody>
+          <a:bodyPr rtlCol="0" anchor="ctr"/>
+          <a:lstStyle/>
+          <a:p>
+            <a:r>
+              <a:rPr lang="en-US" altLang="ko-KR" sz="700" dirty="0" err="1">
+                <a:solidFill>
+                  <a:srgbClr val="0182C6"/>
+                </a:solidFill>
+              </a:rPr>
+              <a:t>MemtoReg</a:t>
+            </a:r>
+            <a:endParaRPr lang="en-US" altLang="ko-KR" sz="700" dirty="0">
+              <a:solidFill>
+                <a:srgbClr val="0182C6"/>
+              </a:solidFill>
+            </a:endParaRPr>
+          </a:p>
+        </p:txBody>
+      </p:sp>
+      <p:sp>
+        <p:nvSpPr>
+          <p:cNvPr id="215" name="Rectangle 83">
+            <a:extLst>
+              <a:ext uri="{FF2B5EF4-FFF2-40B4-BE49-F238E27FC236}">
+                <a16:creationId xmlns:a16="http://schemas.microsoft.com/office/drawing/2014/main" id="{18676CF3-3D16-4283-8D29-6DC5712E4C11}"/>
+              </a:ext>
+            </a:extLst>
+          </p:cNvPr>
+          <p:cNvSpPr/>
+          <p:nvPr/>
+        </p:nvSpPr>
+        <p:spPr>
+          <a:xfrm>
+            <a:off x="5212861" y="2649760"/>
+            <a:ext cx="793116" cy="112436"/>
+          </a:xfrm>
+          <a:prstGeom prst="rect">
+            <a:avLst/>
+          </a:prstGeom>
+          <a:noFill/>
+          <a:ln>
+            <a:noFill/>
+          </a:ln>
+        </p:spPr>
+        <p:style>
+          <a:lnRef idx="2">
+            <a:schemeClr val="accent1">
+              <a:shade val="50000"/>
+            </a:schemeClr>
+          </a:lnRef>
+          <a:fillRef idx="1">
+            <a:schemeClr val="accent1"/>
+          </a:fillRef>
+          <a:effectRef idx="0">
+            <a:schemeClr val="accent1"/>
+          </a:effectRef>
+          <a:fontRef idx="minor">
+            <a:schemeClr val="lt1"/>
+          </a:fontRef>
+        </p:style>
+        <p:txBody>
+          <a:bodyPr rtlCol="0" anchor="ctr"/>
+          <a:lstStyle/>
+          <a:p>
+            <a:r>
+              <a:rPr lang="en-US" altLang="ko-KR" sz="700" dirty="0" err="1">
+                <a:solidFill>
+                  <a:srgbClr val="0182C6"/>
+                </a:solidFill>
+              </a:rPr>
+              <a:t>MemtoRead</a:t>
+            </a:r>
+            <a:endParaRPr lang="en-US" altLang="ko-KR" sz="700" dirty="0">
+              <a:solidFill>
+                <a:srgbClr val="0182C6"/>
+              </a:solidFill>
+            </a:endParaRPr>
+          </a:p>
+        </p:txBody>
+      </p:sp>
+      <p:sp>
+        <p:nvSpPr>
+          <p:cNvPr id="216" name="Rectangle 83">
+            <a:extLst>
+              <a:ext uri="{FF2B5EF4-FFF2-40B4-BE49-F238E27FC236}">
+                <a16:creationId xmlns:a16="http://schemas.microsoft.com/office/drawing/2014/main" id="{0792EE07-726F-4F3F-AAA1-B0D9B0ED7A9E}"/>
+              </a:ext>
+            </a:extLst>
+          </p:cNvPr>
+          <p:cNvSpPr/>
+          <p:nvPr/>
+        </p:nvSpPr>
+        <p:spPr>
+          <a:xfrm>
+            <a:off x="5212860" y="3094516"/>
+            <a:ext cx="714929" cy="112436"/>
+          </a:xfrm>
+          <a:prstGeom prst="rect">
+            <a:avLst/>
+          </a:prstGeom>
+          <a:noFill/>
+          <a:ln>
+            <a:noFill/>
+          </a:ln>
+        </p:spPr>
+        <p:style>
+          <a:lnRef idx="2">
+            <a:schemeClr val="accent1">
+              <a:shade val="50000"/>
+            </a:schemeClr>
+          </a:lnRef>
+          <a:fillRef idx="1">
+            <a:schemeClr val="accent1"/>
+          </a:fillRef>
+          <a:effectRef idx="0">
+            <a:schemeClr val="accent1"/>
+          </a:effectRef>
+          <a:fontRef idx="minor">
+            <a:schemeClr val="lt1"/>
+          </a:fontRef>
+        </p:style>
+        <p:txBody>
+          <a:bodyPr rtlCol="0" anchor="ctr"/>
+          <a:lstStyle/>
+          <a:p>
+            <a:r>
+              <a:rPr lang="en-US" altLang="ko-KR" sz="700" dirty="0" err="1">
+                <a:solidFill>
+                  <a:srgbClr val="0182C6"/>
+                </a:solidFill>
+              </a:rPr>
+              <a:t>MemtoWrite</a:t>
+            </a:r>
+            <a:endParaRPr lang="en-US" altLang="ko-KR" sz="700" dirty="0">
+              <a:solidFill>
+                <a:srgbClr val="0182C6"/>
+              </a:solidFill>
+            </a:endParaRPr>
+          </a:p>
+        </p:txBody>
+      </p:sp>
+      <p:sp>
+        <p:nvSpPr>
+          <p:cNvPr id="217" name="Rectangle 83">
+            <a:extLst>
+              <a:ext uri="{FF2B5EF4-FFF2-40B4-BE49-F238E27FC236}">
+                <a16:creationId xmlns:a16="http://schemas.microsoft.com/office/drawing/2014/main" id="{72FB2380-F396-4DB5-8DE7-786AD0E0A956}"/>
+              </a:ext>
+            </a:extLst>
+          </p:cNvPr>
+          <p:cNvSpPr/>
+          <p:nvPr/>
+        </p:nvSpPr>
+        <p:spPr>
+          <a:xfrm>
+            <a:off x="5212861" y="2946264"/>
+            <a:ext cx="480744" cy="112436"/>
+          </a:xfrm>
+          <a:prstGeom prst="rect">
+            <a:avLst/>
+          </a:prstGeom>
+          <a:noFill/>
+          <a:ln>
+            <a:noFill/>
+          </a:ln>
+        </p:spPr>
+        <p:style>
+          <a:lnRef idx="2">
+            <a:schemeClr val="accent1">
+              <a:shade val="50000"/>
+            </a:schemeClr>
+          </a:lnRef>
+          <a:fillRef idx="1">
+            <a:schemeClr val="accent1"/>
+          </a:fillRef>
+          <a:effectRef idx="0">
+            <a:schemeClr val="accent1"/>
+          </a:effectRef>
+          <a:fontRef idx="minor">
+            <a:schemeClr val="lt1"/>
+          </a:fontRef>
+        </p:style>
+        <p:txBody>
+          <a:bodyPr rtlCol="0" anchor="ctr"/>
+          <a:lstStyle/>
+          <a:p>
+            <a:r>
+              <a:rPr lang="en-US" altLang="ko-KR" sz="700" dirty="0" err="1">
+                <a:solidFill>
+                  <a:srgbClr val="0182C6"/>
+                </a:solidFill>
+              </a:rPr>
+              <a:t>ALUOp</a:t>
+            </a:r>
+            <a:endParaRPr lang="en-US" altLang="ko-KR" sz="700" dirty="0">
+              <a:solidFill>
+                <a:srgbClr val="0182C6"/>
+              </a:solidFill>
+            </a:endParaRPr>
+          </a:p>
+        </p:txBody>
+      </p:sp>
+      <p:sp>
+        <p:nvSpPr>
+          <p:cNvPr id="218" name="Rectangle 83">
+            <a:extLst>
+              <a:ext uri="{FF2B5EF4-FFF2-40B4-BE49-F238E27FC236}">
+                <a16:creationId xmlns:a16="http://schemas.microsoft.com/office/drawing/2014/main" id="{FE75197A-B6C6-4C8C-A99D-6F4E6BFD7189}"/>
+              </a:ext>
+            </a:extLst>
+          </p:cNvPr>
+          <p:cNvSpPr/>
+          <p:nvPr/>
+        </p:nvSpPr>
+        <p:spPr>
+          <a:xfrm>
+            <a:off x="5212861" y="3391020"/>
+            <a:ext cx="598250" cy="112436"/>
+          </a:xfrm>
+          <a:prstGeom prst="rect">
+            <a:avLst/>
+          </a:prstGeom>
+          <a:noFill/>
+          <a:ln>
+            <a:noFill/>
+          </a:ln>
+        </p:spPr>
+        <p:style>
+          <a:lnRef idx="2">
+            <a:schemeClr val="accent1">
+              <a:shade val="50000"/>
+            </a:schemeClr>
+          </a:lnRef>
+          <a:fillRef idx="1">
+            <a:schemeClr val="accent1"/>
+          </a:fillRef>
+          <a:effectRef idx="0">
+            <a:schemeClr val="accent1"/>
+          </a:effectRef>
+          <a:fontRef idx="minor">
+            <a:schemeClr val="lt1"/>
+          </a:fontRef>
+        </p:style>
+        <p:txBody>
+          <a:bodyPr rtlCol="0" anchor="ctr"/>
+          <a:lstStyle/>
+          <a:p>
+            <a:r>
+              <a:rPr lang="en-US" altLang="ko-KR" sz="700" dirty="0" err="1">
+                <a:solidFill>
+                  <a:srgbClr val="0182C6"/>
+                </a:solidFill>
+              </a:rPr>
+              <a:t>RegWrite</a:t>
+            </a:r>
+            <a:endParaRPr lang="en-US" altLang="ko-KR" sz="700" dirty="0">
+              <a:solidFill>
+                <a:srgbClr val="0182C6"/>
+              </a:solidFill>
+            </a:endParaRPr>
+          </a:p>
+        </p:txBody>
+      </p:sp>
+      <p:sp>
+        <p:nvSpPr>
+          <p:cNvPr id="219" name="Rectangle 83">
+            <a:extLst>
+              <a:ext uri="{FF2B5EF4-FFF2-40B4-BE49-F238E27FC236}">
+                <a16:creationId xmlns:a16="http://schemas.microsoft.com/office/drawing/2014/main" id="{D981FE88-661B-4344-9C12-89D26D3478CA}"/>
+              </a:ext>
+            </a:extLst>
+          </p:cNvPr>
+          <p:cNvSpPr/>
+          <p:nvPr/>
+        </p:nvSpPr>
+        <p:spPr>
+          <a:xfrm>
+            <a:off x="5212861" y="3242768"/>
+            <a:ext cx="480744" cy="112436"/>
+          </a:xfrm>
+          <a:prstGeom prst="rect">
+            <a:avLst/>
+          </a:prstGeom>
+          <a:noFill/>
+          <a:ln>
+            <a:noFill/>
+          </a:ln>
+        </p:spPr>
+        <p:style>
+          <a:lnRef idx="2">
+            <a:schemeClr val="accent1">
+              <a:shade val="50000"/>
+            </a:schemeClr>
+          </a:lnRef>
+          <a:fillRef idx="1">
+            <a:schemeClr val="accent1"/>
+          </a:fillRef>
+          <a:effectRef idx="0">
+            <a:schemeClr val="accent1"/>
+          </a:effectRef>
+          <a:fontRef idx="minor">
+            <a:schemeClr val="lt1"/>
+          </a:fontRef>
+        </p:style>
+        <p:txBody>
+          <a:bodyPr rtlCol="0" anchor="ctr"/>
+          <a:lstStyle/>
+          <a:p>
+            <a:r>
+              <a:rPr lang="en-US" altLang="ko-KR" sz="700" dirty="0" err="1">
+                <a:solidFill>
+                  <a:srgbClr val="0182C6"/>
+                </a:solidFill>
+              </a:rPr>
+              <a:t>ALUSrc</a:t>
+            </a:r>
+            <a:endParaRPr lang="en-US" altLang="ko-KR" sz="700" dirty="0">
+              <a:solidFill>
+                <a:srgbClr val="0182C6"/>
+              </a:solidFill>
+            </a:endParaRPr>
+          </a:p>
+        </p:txBody>
+      </p:sp>
+      <p:cxnSp>
+        <p:nvCxnSpPr>
+          <p:cNvPr id="220" name="직선 연결선 219">
+            <a:extLst>
+              <a:ext uri="{FF2B5EF4-FFF2-40B4-BE49-F238E27FC236}">
+                <a16:creationId xmlns:a16="http://schemas.microsoft.com/office/drawing/2014/main" id="{8C4FA3C8-4D93-41EA-9C47-6FBD13EF56BB}"/>
+              </a:ext>
+            </a:extLst>
+          </p:cNvPr>
+          <p:cNvCxnSpPr>
+            <a:cxnSpLocks/>
+          </p:cNvCxnSpPr>
+          <p:nvPr/>
+        </p:nvCxnSpPr>
+        <p:spPr>
+          <a:xfrm flipH="1">
+            <a:off x="4829924" y="2773594"/>
+            <a:ext cx="2011781" cy="0"/>
+          </a:xfrm>
+          <a:prstGeom prst="line">
+            <a:avLst/>
+          </a:prstGeom>
+          <a:ln w="19050">
+            <a:solidFill>
+              <a:srgbClr val="0182C6"/>
+            </a:solidFill>
+          </a:ln>
+        </p:spPr>
+        <p:style>
+          <a:lnRef idx="1">
+            <a:schemeClr val="accent1"/>
+          </a:lnRef>
+          <a:fillRef idx="0">
+            <a:schemeClr val="accent1"/>
+          </a:fillRef>
+          <a:effectRef idx="0">
+            <a:schemeClr val="accent1"/>
+          </a:effectRef>
+          <a:fontRef idx="minor">
+            <a:schemeClr val="tx1"/>
+          </a:fontRef>
+        </p:style>
+      </p:cxnSp>
+      <p:cxnSp>
+        <p:nvCxnSpPr>
+          <p:cNvPr id="221" name="직선 연결선 220">
+            <a:extLst>
+              <a:ext uri="{FF2B5EF4-FFF2-40B4-BE49-F238E27FC236}">
+                <a16:creationId xmlns:a16="http://schemas.microsoft.com/office/drawing/2014/main" id="{52595800-7286-4AD8-A23A-AE4BEE8F86F8}"/>
+              </a:ext>
+            </a:extLst>
+          </p:cNvPr>
+          <p:cNvCxnSpPr>
+            <a:cxnSpLocks/>
+          </p:cNvCxnSpPr>
+          <p:nvPr/>
+        </p:nvCxnSpPr>
+        <p:spPr>
+          <a:xfrm flipH="1">
+            <a:off x="4863089" y="2921618"/>
+            <a:ext cx="1899643" cy="0"/>
+          </a:xfrm>
+          <a:prstGeom prst="line">
+            <a:avLst/>
+          </a:prstGeom>
+          <a:ln w="19050">
+            <a:solidFill>
+              <a:srgbClr val="0182C6"/>
+            </a:solidFill>
+          </a:ln>
+        </p:spPr>
+        <p:style>
+          <a:lnRef idx="1">
+            <a:schemeClr val="accent1"/>
+          </a:lnRef>
+          <a:fillRef idx="0">
+            <a:schemeClr val="accent1"/>
+          </a:fillRef>
+          <a:effectRef idx="0">
+            <a:schemeClr val="accent1"/>
+          </a:effectRef>
+          <a:fontRef idx="minor">
+            <a:schemeClr val="tx1"/>
+          </a:fontRef>
+        </p:style>
+      </p:cxnSp>
+      <p:cxnSp>
+        <p:nvCxnSpPr>
+          <p:cNvPr id="222" name="직선 연결선 221">
+            <a:extLst>
+              <a:ext uri="{FF2B5EF4-FFF2-40B4-BE49-F238E27FC236}">
+                <a16:creationId xmlns:a16="http://schemas.microsoft.com/office/drawing/2014/main" id="{8C22DE6D-1F58-4FBA-9A44-6F694973C8DA}"/>
+              </a:ext>
+            </a:extLst>
+          </p:cNvPr>
+          <p:cNvCxnSpPr>
+            <a:cxnSpLocks/>
+          </p:cNvCxnSpPr>
+          <p:nvPr/>
+        </p:nvCxnSpPr>
+        <p:spPr>
+          <a:xfrm flipH="1">
+            <a:off x="4860632" y="3069642"/>
+            <a:ext cx="1844968" cy="0"/>
+          </a:xfrm>
+          <a:prstGeom prst="line">
+            <a:avLst/>
+          </a:prstGeom>
+          <a:ln w="38100">
+            <a:solidFill>
+              <a:srgbClr val="0182C6"/>
+            </a:solidFill>
+          </a:ln>
+        </p:spPr>
+        <p:style>
+          <a:lnRef idx="1">
+            <a:schemeClr val="accent1"/>
+          </a:lnRef>
+          <a:fillRef idx="0">
+            <a:schemeClr val="accent1"/>
+          </a:fillRef>
+          <a:effectRef idx="0">
+            <a:schemeClr val="accent1"/>
+          </a:effectRef>
+          <a:fontRef idx="minor">
+            <a:schemeClr val="tx1"/>
+          </a:fontRef>
+        </p:style>
+      </p:cxnSp>
+      <p:cxnSp>
+        <p:nvCxnSpPr>
+          <p:cNvPr id="223" name="직선 연결선 222">
+            <a:extLst>
+              <a:ext uri="{FF2B5EF4-FFF2-40B4-BE49-F238E27FC236}">
+                <a16:creationId xmlns:a16="http://schemas.microsoft.com/office/drawing/2014/main" id="{B03DAA7C-6293-473F-8DF2-6EF416327C22}"/>
+              </a:ext>
+            </a:extLst>
+          </p:cNvPr>
+          <p:cNvCxnSpPr>
+            <a:cxnSpLocks/>
+          </p:cNvCxnSpPr>
+          <p:nvPr/>
+        </p:nvCxnSpPr>
+        <p:spPr>
+          <a:xfrm flipH="1">
+            <a:off x="4817357" y="3217666"/>
+            <a:ext cx="4539822" cy="0"/>
+          </a:xfrm>
+          <a:prstGeom prst="line">
+            <a:avLst/>
+          </a:prstGeom>
+          <a:ln w="19050">
+            <a:solidFill>
+              <a:srgbClr val="0182C6"/>
+            </a:solidFill>
+          </a:ln>
+        </p:spPr>
+        <p:style>
+          <a:lnRef idx="1">
+            <a:schemeClr val="accent1"/>
+          </a:lnRef>
+          <a:fillRef idx="0">
+            <a:schemeClr val="accent1"/>
+          </a:fillRef>
+          <a:effectRef idx="0">
+            <a:schemeClr val="accent1"/>
+          </a:effectRef>
+          <a:fontRef idx="minor">
+            <a:schemeClr val="tx1"/>
+          </a:fontRef>
+        </p:style>
+      </p:cxnSp>
+      <p:cxnSp>
+        <p:nvCxnSpPr>
+          <p:cNvPr id="224" name="직선 연결선 223">
+            <a:extLst>
+              <a:ext uri="{FF2B5EF4-FFF2-40B4-BE49-F238E27FC236}">
+                <a16:creationId xmlns:a16="http://schemas.microsoft.com/office/drawing/2014/main" id="{1127117F-12DB-4464-A32C-758D3349D71F}"/>
+              </a:ext>
+            </a:extLst>
+          </p:cNvPr>
+          <p:cNvCxnSpPr>
+            <a:cxnSpLocks/>
+          </p:cNvCxnSpPr>
+          <p:nvPr/>
+        </p:nvCxnSpPr>
+        <p:spPr>
+          <a:xfrm flipH="1">
+            <a:off x="4804363" y="3365690"/>
+            <a:ext cx="2423921" cy="0"/>
+          </a:xfrm>
+          <a:prstGeom prst="line">
+            <a:avLst/>
+          </a:prstGeom>
+          <a:ln w="19050">
+            <a:solidFill>
+              <a:srgbClr val="0182C6"/>
+            </a:solidFill>
+          </a:ln>
+        </p:spPr>
+        <p:style>
+          <a:lnRef idx="1">
+            <a:schemeClr val="accent1"/>
+          </a:lnRef>
+          <a:fillRef idx="0">
+            <a:schemeClr val="accent1"/>
+          </a:fillRef>
+          <a:effectRef idx="0">
+            <a:schemeClr val="accent1"/>
+          </a:effectRef>
+          <a:fontRef idx="minor">
+            <a:schemeClr val="tx1"/>
+          </a:fontRef>
+        </p:style>
+      </p:cxnSp>
+      <p:cxnSp>
+        <p:nvCxnSpPr>
+          <p:cNvPr id="225" name="직선 연결선 224">
+            <a:extLst>
+              <a:ext uri="{FF2B5EF4-FFF2-40B4-BE49-F238E27FC236}">
+                <a16:creationId xmlns:a16="http://schemas.microsoft.com/office/drawing/2014/main" id="{D0E6CAFD-098A-4C1A-BE59-258D8A0C0C3E}"/>
+              </a:ext>
+            </a:extLst>
+          </p:cNvPr>
+          <p:cNvCxnSpPr>
+            <a:cxnSpLocks/>
+          </p:cNvCxnSpPr>
+          <p:nvPr/>
+        </p:nvCxnSpPr>
+        <p:spPr>
+          <a:xfrm flipH="1">
+            <a:off x="5062538" y="3511968"/>
+            <a:ext cx="615790" cy="0"/>
+          </a:xfrm>
+          <a:prstGeom prst="line">
+            <a:avLst/>
+          </a:prstGeom>
+          <a:ln w="19050">
+            <a:solidFill>
+              <a:srgbClr val="0182C6"/>
+            </a:solidFill>
+          </a:ln>
+        </p:spPr>
+        <p:style>
+          <a:lnRef idx="1">
+            <a:schemeClr val="accent1"/>
+          </a:lnRef>
+          <a:fillRef idx="0">
+            <a:schemeClr val="accent1"/>
+          </a:fillRef>
+          <a:effectRef idx="0">
+            <a:schemeClr val="accent1"/>
+          </a:effectRef>
+          <a:fontRef idx="minor">
+            <a:schemeClr val="tx1"/>
+          </a:fontRef>
+        </p:style>
+      </p:cxnSp>
+      <p:cxnSp>
+        <p:nvCxnSpPr>
+          <p:cNvPr id="244" name="직선 연결선 243">
+            <a:extLst>
+              <a:ext uri="{FF2B5EF4-FFF2-40B4-BE49-F238E27FC236}">
+                <a16:creationId xmlns:a16="http://schemas.microsoft.com/office/drawing/2014/main" id="{CB453061-B674-49A6-A555-D6BE99C0B029}"/>
+              </a:ext>
+            </a:extLst>
+          </p:cNvPr>
+          <p:cNvCxnSpPr>
+            <a:cxnSpLocks/>
+            <a:stCxn id="32" idx="0"/>
+          </p:cNvCxnSpPr>
+          <p:nvPr/>
+        </p:nvCxnSpPr>
+        <p:spPr>
+          <a:xfrm flipV="1">
+            <a:off x="5679108" y="3503456"/>
+            <a:ext cx="0" cy="122645"/>
+          </a:xfrm>
+          <a:prstGeom prst="line">
+            <a:avLst/>
+          </a:prstGeom>
+          <a:ln w="19050">
+            <a:solidFill>
+              <a:srgbClr val="0182C6"/>
+            </a:solidFill>
+          </a:ln>
+        </p:spPr>
+        <p:style>
+          <a:lnRef idx="1">
+            <a:schemeClr val="accent1"/>
+          </a:lnRef>
+          <a:fillRef idx="0">
+            <a:schemeClr val="accent1"/>
+          </a:fillRef>
+          <a:effectRef idx="0">
+            <a:schemeClr val="accent1"/>
+          </a:effectRef>
+          <a:fontRef idx="minor">
+            <a:schemeClr val="tx1"/>
+          </a:fontRef>
+        </p:style>
+      </p:cxnSp>
+      <p:cxnSp>
+        <p:nvCxnSpPr>
+          <p:cNvPr id="253" name="직선 연결선 252">
+            <a:extLst>
+              <a:ext uri="{FF2B5EF4-FFF2-40B4-BE49-F238E27FC236}">
+                <a16:creationId xmlns:a16="http://schemas.microsoft.com/office/drawing/2014/main" id="{A2D3EE7E-8411-4D5D-8581-8FA6BD7CFAFC}"/>
+              </a:ext>
+            </a:extLst>
+          </p:cNvPr>
+          <p:cNvCxnSpPr>
+            <a:cxnSpLocks/>
+          </p:cNvCxnSpPr>
+          <p:nvPr/>
+        </p:nvCxnSpPr>
+        <p:spPr>
+          <a:xfrm flipV="1">
+            <a:off x="5239840" y="2241695"/>
+            <a:ext cx="0" cy="235852"/>
+          </a:xfrm>
+          <a:prstGeom prst="line">
+            <a:avLst/>
+          </a:prstGeom>
+          <a:ln w="19050">
+            <a:solidFill>
+              <a:srgbClr val="0182C6"/>
+            </a:solidFill>
+          </a:ln>
+        </p:spPr>
+        <p:style>
+          <a:lnRef idx="1">
+            <a:schemeClr val="accent1"/>
+          </a:lnRef>
+          <a:fillRef idx="0">
+            <a:schemeClr val="accent1"/>
+          </a:fillRef>
+          <a:effectRef idx="0">
+            <a:schemeClr val="accent1"/>
+          </a:effectRef>
+          <a:fontRef idx="minor">
+            <a:schemeClr val="tx1"/>
+          </a:fontRef>
+        </p:style>
+      </p:cxnSp>
+      <p:cxnSp>
+        <p:nvCxnSpPr>
+          <p:cNvPr id="255" name="직선 연결선 254">
+            <a:extLst>
+              <a:ext uri="{FF2B5EF4-FFF2-40B4-BE49-F238E27FC236}">
+                <a16:creationId xmlns:a16="http://schemas.microsoft.com/office/drawing/2014/main" id="{BD00737B-1DED-4311-BC0B-98A28511FD67}"/>
+              </a:ext>
+            </a:extLst>
+          </p:cNvPr>
+          <p:cNvCxnSpPr>
+            <a:cxnSpLocks/>
+          </p:cNvCxnSpPr>
+          <p:nvPr/>
+        </p:nvCxnSpPr>
+        <p:spPr>
+          <a:xfrm flipH="1">
+            <a:off x="3678636" y="2252266"/>
+            <a:ext cx="1569438" cy="0"/>
+          </a:xfrm>
+          <a:prstGeom prst="line">
+            <a:avLst/>
+          </a:prstGeom>
+          <a:ln w="19050">
+            <a:solidFill>
+              <a:srgbClr val="0182C6"/>
+            </a:solidFill>
+          </a:ln>
+        </p:spPr>
+        <p:style>
+          <a:lnRef idx="1">
+            <a:schemeClr val="accent1"/>
+          </a:lnRef>
+          <a:fillRef idx="0">
+            <a:schemeClr val="accent1"/>
+          </a:fillRef>
+          <a:effectRef idx="0">
+            <a:schemeClr val="accent1"/>
+          </a:effectRef>
+          <a:fontRef idx="minor">
+            <a:schemeClr val="tx1"/>
+          </a:fontRef>
+        </p:style>
+      </p:cxnSp>
+      <p:grpSp>
+        <p:nvGrpSpPr>
+          <p:cNvPr id="81" name="그룹 80">
+            <a:extLst>
+              <a:ext uri="{FF2B5EF4-FFF2-40B4-BE49-F238E27FC236}">
+                <a16:creationId xmlns:a16="http://schemas.microsoft.com/office/drawing/2014/main" id="{B59BDC2F-CB77-4750-8773-4B66E12D91A6}"/>
+              </a:ext>
+            </a:extLst>
+          </p:cNvPr>
+          <p:cNvGrpSpPr/>
+          <p:nvPr/>
+        </p:nvGrpSpPr>
+        <p:grpSpPr>
+          <a:xfrm>
+            <a:off x="7090780" y="2660961"/>
+            <a:ext cx="397296" cy="339040"/>
+            <a:chOff x="9661410" y="4144723"/>
+            <a:chExt cx="848468" cy="1155034"/>
+          </a:xfrm>
+        </p:grpSpPr>
+        <p:sp>
+          <p:nvSpPr>
+            <p:cNvPr id="82" name="타원 81">
+              <a:extLst>
+                <a:ext uri="{FF2B5EF4-FFF2-40B4-BE49-F238E27FC236}">
+                  <a16:creationId xmlns:a16="http://schemas.microsoft.com/office/drawing/2014/main" id="{902E5C08-F62B-4A8C-BCEB-6EF25D63605C}"/>
+                </a:ext>
+              </a:extLst>
+            </p:cNvPr>
+            <p:cNvSpPr/>
+            <p:nvPr/>
+          </p:nvSpPr>
+          <p:spPr>
+            <a:xfrm>
+              <a:off x="9679064" y="4144723"/>
+              <a:ext cx="813161" cy="1155034"/>
+            </a:xfrm>
+            <a:prstGeom prst="ellipse">
+              <a:avLst/>
+            </a:prstGeom>
+            <a:solidFill>
+              <a:srgbClr val="787878"/>
+            </a:solidFill>
+            <a:ln>
+              <a:noFill/>
+            </a:ln>
+          </p:spPr>
+          <p:style>
+            <a:lnRef idx="2">
+              <a:schemeClr val="accent1">
+                <a:shade val="50000"/>
+              </a:schemeClr>
+            </a:lnRef>
+            <a:fillRef idx="1">
+              <a:schemeClr val="accent1"/>
+            </a:fillRef>
+            <a:effectRef idx="0">
+              <a:schemeClr val="accent1"/>
+            </a:effectRef>
+            <a:fontRef idx="minor">
+              <a:schemeClr val="lt1"/>
+            </a:fontRef>
+          </p:style>
+          <p:txBody>
+            <a:bodyPr rtlCol="0" anchor="ctr"/>
+            <a:lstStyle/>
+            <a:p>
+              <a:pPr algn="ctr"/>
+              <a:endParaRPr lang="en-US" sz="1050"/>
+            </a:p>
+          </p:txBody>
+        </p:sp>
+        <p:sp>
+          <p:nvSpPr>
+            <p:cNvPr id="83" name="Rectangle 83">
+              <a:extLst>
+                <a:ext uri="{FF2B5EF4-FFF2-40B4-BE49-F238E27FC236}">
+                  <a16:creationId xmlns:a16="http://schemas.microsoft.com/office/drawing/2014/main" id="{A7A50833-0A48-4B7B-B347-323FCD4F6636}"/>
+                </a:ext>
+              </a:extLst>
+            </p:cNvPr>
+            <p:cNvSpPr/>
+            <p:nvPr/>
+          </p:nvSpPr>
+          <p:spPr>
+            <a:xfrm>
+              <a:off x="9661410" y="4504342"/>
+              <a:ext cx="848468" cy="435796"/>
+            </a:xfrm>
+            <a:prstGeom prst="rect">
+              <a:avLst/>
+            </a:prstGeom>
+            <a:noFill/>
+            <a:ln>
+              <a:noFill/>
+            </a:ln>
+          </p:spPr>
+          <p:style>
+            <a:lnRef idx="2">
+              <a:schemeClr val="accent1">
+                <a:shade val="50000"/>
+              </a:schemeClr>
+            </a:lnRef>
+            <a:fillRef idx="1">
+              <a:schemeClr val="accent1"/>
+            </a:fillRef>
+            <a:effectRef idx="0">
+              <a:schemeClr val="accent1"/>
+            </a:effectRef>
+            <a:fontRef idx="minor">
+              <a:schemeClr val="lt1"/>
+            </a:fontRef>
+          </p:style>
+          <p:txBody>
+            <a:bodyPr rtlCol="0" anchor="ctr"/>
+            <a:lstStyle/>
+            <a:p>
+              <a:pPr algn="ctr"/>
+              <a:r>
+                <a:rPr lang="en-US" altLang="ko-KR" sz="600" b="1" dirty="0"/>
+                <a:t>Shift</a:t>
+              </a:r>
+            </a:p>
+            <a:p>
+              <a:pPr algn="ctr"/>
+              <a:r>
+                <a:rPr lang="en-US" altLang="ko-KR" sz="600" b="1" dirty="0"/>
+                <a:t>left 2</a:t>
+              </a:r>
+              <a:endParaRPr lang="ko-KR" altLang="en-US" sz="600" b="1" dirty="0"/>
+            </a:p>
+          </p:txBody>
+        </p:sp>
+      </p:grpSp>
+      <p:cxnSp>
+        <p:nvCxnSpPr>
+          <p:cNvPr id="264" name="직선 연결선 263">
+            <a:extLst>
+              <a:ext uri="{FF2B5EF4-FFF2-40B4-BE49-F238E27FC236}">
+                <a16:creationId xmlns:a16="http://schemas.microsoft.com/office/drawing/2014/main" id="{B4A5C29E-CD58-488A-8C75-C7BEEB9D41FA}"/>
+              </a:ext>
+            </a:extLst>
+          </p:cNvPr>
+          <p:cNvCxnSpPr>
+            <a:cxnSpLocks/>
+          </p:cNvCxnSpPr>
+          <p:nvPr/>
+        </p:nvCxnSpPr>
+        <p:spPr>
+          <a:xfrm flipV="1">
+            <a:off x="3678636" y="2241695"/>
+            <a:ext cx="0" cy="2683484"/>
+          </a:xfrm>
+          <a:prstGeom prst="line">
+            <a:avLst/>
+          </a:prstGeom>
+          <a:ln w="19050">
+            <a:solidFill>
+              <a:srgbClr val="0182C6"/>
+            </a:solidFill>
+          </a:ln>
+        </p:spPr>
+        <p:style>
+          <a:lnRef idx="1">
+            <a:schemeClr val="accent1"/>
+          </a:lnRef>
+          <a:fillRef idx="0">
+            <a:schemeClr val="accent1"/>
+          </a:fillRef>
+          <a:effectRef idx="0">
+            <a:schemeClr val="accent1"/>
+          </a:effectRef>
+          <a:fontRef idx="minor">
+            <a:schemeClr val="tx1"/>
+          </a:fontRef>
+        </p:style>
+      </p:cxnSp>
+      <p:cxnSp>
+        <p:nvCxnSpPr>
+          <p:cNvPr id="268" name="직선 연결선 267">
+            <a:extLst>
+              <a:ext uri="{FF2B5EF4-FFF2-40B4-BE49-F238E27FC236}">
+                <a16:creationId xmlns:a16="http://schemas.microsoft.com/office/drawing/2014/main" id="{EF39E83C-1CF6-4B56-B953-258F865145E4}"/>
+              </a:ext>
+            </a:extLst>
+          </p:cNvPr>
+          <p:cNvCxnSpPr>
+            <a:cxnSpLocks/>
+          </p:cNvCxnSpPr>
+          <p:nvPr/>
+        </p:nvCxnSpPr>
+        <p:spPr>
+          <a:xfrm flipH="1">
+            <a:off x="3678636" y="4916022"/>
+            <a:ext cx="1030286" cy="0"/>
+          </a:xfrm>
+          <a:prstGeom prst="line">
+            <a:avLst/>
+          </a:prstGeom>
+          <a:ln w="19050">
+            <a:solidFill>
+              <a:srgbClr val="0182C6"/>
+            </a:solidFill>
+          </a:ln>
+        </p:spPr>
+        <p:style>
+          <a:lnRef idx="1">
+            <a:schemeClr val="accent1"/>
+          </a:lnRef>
+          <a:fillRef idx="0">
+            <a:schemeClr val="accent1"/>
+          </a:fillRef>
+          <a:effectRef idx="0">
+            <a:schemeClr val="accent1"/>
+          </a:effectRef>
+          <a:fontRef idx="minor">
+            <a:schemeClr val="tx1"/>
+          </a:fontRef>
+        </p:style>
+      </p:cxnSp>
+      <p:cxnSp>
+        <p:nvCxnSpPr>
+          <p:cNvPr id="270" name="직선 연결선 269">
+            <a:extLst>
+              <a:ext uri="{FF2B5EF4-FFF2-40B4-BE49-F238E27FC236}">
+                <a16:creationId xmlns:a16="http://schemas.microsoft.com/office/drawing/2014/main" id="{FDB3AC0F-ADBA-4B34-9E45-0B369BA8DCE4}"/>
+              </a:ext>
+            </a:extLst>
+          </p:cNvPr>
+          <p:cNvCxnSpPr>
+            <a:cxnSpLocks/>
+          </p:cNvCxnSpPr>
+          <p:nvPr/>
+        </p:nvCxnSpPr>
+        <p:spPr>
+          <a:xfrm flipV="1">
+            <a:off x="4708922" y="4780204"/>
+            <a:ext cx="0" cy="144975"/>
+          </a:xfrm>
+          <a:prstGeom prst="line">
+            <a:avLst/>
+          </a:prstGeom>
+          <a:ln w="19050">
+            <a:solidFill>
+              <a:srgbClr val="0182C6"/>
+            </a:solidFill>
+          </a:ln>
+        </p:spPr>
+        <p:style>
+          <a:lnRef idx="1">
+            <a:schemeClr val="accent1"/>
+          </a:lnRef>
+          <a:fillRef idx="0">
+            <a:schemeClr val="accent1"/>
+          </a:fillRef>
+          <a:effectRef idx="0">
+            <a:schemeClr val="accent1"/>
+          </a:effectRef>
+          <a:fontRef idx="minor">
+            <a:schemeClr val="tx1"/>
+          </a:fontRef>
+        </p:style>
+      </p:cxnSp>
+      <p:grpSp>
+        <p:nvGrpSpPr>
+          <p:cNvPr id="19" name="그룹 18">
+            <a:extLst>
+              <a:ext uri="{FF2B5EF4-FFF2-40B4-BE49-F238E27FC236}">
+                <a16:creationId xmlns:a16="http://schemas.microsoft.com/office/drawing/2014/main" id="{2C688F55-0884-4E1C-AC20-E1D9D192B32C}"/>
+              </a:ext>
+            </a:extLst>
+          </p:cNvPr>
+          <p:cNvGrpSpPr/>
+          <p:nvPr/>
+        </p:nvGrpSpPr>
+        <p:grpSpPr>
+          <a:xfrm>
+            <a:off x="7104517" y="4474967"/>
+            <a:ext cx="244751" cy="609671"/>
+            <a:chOff x="7208142" y="3166689"/>
+            <a:chExt cx="244751" cy="609671"/>
+          </a:xfrm>
+        </p:grpSpPr>
+        <p:sp>
+          <p:nvSpPr>
+            <p:cNvPr id="74" name="자유형: 도형 73">
+              <a:extLst>
+                <a:ext uri="{FF2B5EF4-FFF2-40B4-BE49-F238E27FC236}">
+                  <a16:creationId xmlns:a16="http://schemas.microsoft.com/office/drawing/2014/main" id="{91D6F865-83A9-4B0B-923C-EEC555F4EC20}"/>
+                </a:ext>
+              </a:extLst>
+            </p:cNvPr>
+            <p:cNvSpPr/>
+            <p:nvPr/>
+          </p:nvSpPr>
+          <p:spPr>
+            <a:xfrm>
+              <a:off x="7208142" y="3166689"/>
+              <a:ext cx="244751" cy="609671"/>
+            </a:xfrm>
+            <a:custGeom>
+              <a:avLst/>
+              <a:gdLst>
+                <a:gd name="connsiteX0" fmla="*/ 122376 w 244751"/>
+                <a:gd name="connsiteY0" fmla="*/ 0 h 609671"/>
+                <a:gd name="connsiteX1" fmla="*/ 235134 w 244751"/>
+                <a:gd name="connsiteY1" fmla="*/ 74741 h 609671"/>
+                <a:gd name="connsiteX2" fmla="*/ 242931 w 244751"/>
+                <a:gd name="connsiteY2" fmla="*/ 113359 h 609671"/>
+                <a:gd name="connsiteX3" fmla="*/ 244749 w 244751"/>
+                <a:gd name="connsiteY3" fmla="*/ 113359 h 609671"/>
+                <a:gd name="connsiteX4" fmla="*/ 244749 w 244751"/>
+                <a:gd name="connsiteY4" fmla="*/ 122365 h 609671"/>
+                <a:gd name="connsiteX5" fmla="*/ 244751 w 244751"/>
+                <a:gd name="connsiteY5" fmla="*/ 122375 h 609671"/>
+                <a:gd name="connsiteX6" fmla="*/ 244749 w 244751"/>
+                <a:gd name="connsiteY6" fmla="*/ 122385 h 609671"/>
+                <a:gd name="connsiteX7" fmla="*/ 244749 w 244751"/>
+                <a:gd name="connsiteY7" fmla="*/ 487286 h 609671"/>
+                <a:gd name="connsiteX8" fmla="*/ 244751 w 244751"/>
+                <a:gd name="connsiteY8" fmla="*/ 487296 h 609671"/>
+                <a:gd name="connsiteX9" fmla="*/ 244749 w 244751"/>
+                <a:gd name="connsiteY9" fmla="*/ 487306 h 609671"/>
+                <a:gd name="connsiteX10" fmla="*/ 244749 w 244751"/>
+                <a:gd name="connsiteY10" fmla="*/ 493719 h 609671"/>
+                <a:gd name="connsiteX11" fmla="*/ 243455 w 244751"/>
+                <a:gd name="connsiteY11" fmla="*/ 493719 h 609671"/>
+                <a:gd name="connsiteX12" fmla="*/ 235134 w 244751"/>
+                <a:gd name="connsiteY12" fmla="*/ 534930 h 609671"/>
+                <a:gd name="connsiteX13" fmla="*/ 122376 w 244751"/>
+                <a:gd name="connsiteY13" fmla="*/ 609671 h 609671"/>
+                <a:gd name="connsiteX14" fmla="*/ 9618 w 244751"/>
+                <a:gd name="connsiteY14" fmla="*/ 534930 h 609671"/>
+                <a:gd name="connsiteX15" fmla="*/ 1298 w 244751"/>
+                <a:gd name="connsiteY15" fmla="*/ 493719 h 609671"/>
+                <a:gd name="connsiteX16" fmla="*/ 0 w 244751"/>
+                <a:gd name="connsiteY16" fmla="*/ 493719 h 609671"/>
+                <a:gd name="connsiteX17" fmla="*/ 0 w 244751"/>
+                <a:gd name="connsiteY17" fmla="*/ 113359 h 609671"/>
+                <a:gd name="connsiteX18" fmla="*/ 1821 w 244751"/>
+                <a:gd name="connsiteY18" fmla="*/ 113359 h 609671"/>
+                <a:gd name="connsiteX19" fmla="*/ 9618 w 244751"/>
+                <a:gd name="connsiteY19" fmla="*/ 74741 h 609671"/>
+                <a:gd name="connsiteX20" fmla="*/ 122376 w 244751"/>
+                <a:gd name="connsiteY20" fmla="*/ 0 h 609671"/>
+              </a:gdLst>
+              <a:ahLst/>
+              <a:cxnLst>
+                <a:cxn ang="0">
+                  <a:pos x="connsiteX0" y="connsiteY0"/>
+                </a:cxn>
+                <a:cxn ang="0">
+                  <a:pos x="connsiteX1" y="connsiteY1"/>
+                </a:cxn>
+                <a:cxn ang="0">
+                  <a:pos x="connsiteX2" y="connsiteY2"/>
+                </a:cxn>
+                <a:cxn ang="0">
+                  <a:pos x="connsiteX3" y="connsiteY3"/>
+                </a:cxn>
+                <a:cxn ang="0">
+                  <a:pos x="connsiteX4" y="connsiteY4"/>
+                </a:cxn>
+                <a:cxn ang="0">
+                  <a:pos x="connsiteX5" y="connsiteY5"/>
+                </a:cxn>
+                <a:cxn ang="0">
+                  <a:pos x="connsiteX6" y="connsiteY6"/>
+                </a:cxn>
+                <a:cxn ang="0">
+                  <a:pos x="connsiteX7" y="connsiteY7"/>
+                </a:cxn>
+                <a:cxn ang="0">
+                  <a:pos x="connsiteX8" y="connsiteY8"/>
+                </a:cxn>
+                <a:cxn ang="0">
+                  <a:pos x="connsiteX9" y="connsiteY9"/>
+                </a:cxn>
+                <a:cxn ang="0">
+                  <a:pos x="connsiteX10" y="connsiteY10"/>
+                </a:cxn>
+                <a:cxn ang="0">
+                  <a:pos x="connsiteX11" y="connsiteY11"/>
+                </a:cxn>
+                <a:cxn ang="0">
+                  <a:pos x="connsiteX12" y="connsiteY12"/>
+                </a:cxn>
+                <a:cxn ang="0">
+                  <a:pos x="connsiteX13" y="connsiteY13"/>
+                </a:cxn>
+                <a:cxn ang="0">
+                  <a:pos x="connsiteX14" y="connsiteY14"/>
+                </a:cxn>
+                <a:cxn ang="0">
+                  <a:pos x="connsiteX15" y="connsiteY15"/>
+                </a:cxn>
+                <a:cxn ang="0">
+                  <a:pos x="connsiteX16" y="connsiteY16"/>
+                </a:cxn>
+                <a:cxn ang="0">
+                  <a:pos x="connsiteX17" y="connsiteY17"/>
+                </a:cxn>
+                <a:cxn ang="0">
+                  <a:pos x="connsiteX18" y="connsiteY18"/>
+                </a:cxn>
+                <a:cxn ang="0">
+                  <a:pos x="connsiteX19" y="connsiteY19"/>
+                </a:cxn>
+                <a:cxn ang="0">
+                  <a:pos x="connsiteX20" y="connsiteY20"/>
+                </a:cxn>
+              </a:cxnLst>
+              <a:rect l="l" t="t" r="r" b="b"/>
+              <a:pathLst>
+                <a:path w="244751" h="609671">
+                  <a:moveTo>
+                    <a:pt x="122376" y="0"/>
+                  </a:moveTo>
+                  <a:cubicBezTo>
+                    <a:pt x="173066" y="0"/>
+                    <a:pt x="216557" y="30819"/>
+                    <a:pt x="235134" y="74741"/>
+                  </a:cubicBezTo>
+                  <a:lnTo>
+                    <a:pt x="242931" y="113359"/>
+                  </a:lnTo>
+                  <a:lnTo>
+                    <a:pt x="244749" y="113359"/>
+                  </a:lnTo>
+                  <a:lnTo>
+                    <a:pt x="244749" y="122365"/>
+                  </a:lnTo>
+                  <a:lnTo>
+                    <a:pt x="244751" y="122375"/>
+                  </a:lnTo>
+                  <a:lnTo>
+                    <a:pt x="244749" y="122385"/>
+                  </a:lnTo>
+                  <a:lnTo>
+                    <a:pt x="244749" y="487286"/>
+                  </a:lnTo>
+                  <a:lnTo>
+                    <a:pt x="244751" y="487296"/>
+                  </a:lnTo>
+                  <a:lnTo>
+                    <a:pt x="244749" y="487306"/>
+                  </a:lnTo>
+                  <a:lnTo>
+                    <a:pt x="244749" y="493719"/>
+                  </a:lnTo>
+                  <a:lnTo>
+                    <a:pt x="243455" y="493719"/>
+                  </a:lnTo>
+                  <a:lnTo>
+                    <a:pt x="235134" y="534930"/>
+                  </a:lnTo>
+                  <a:cubicBezTo>
+                    <a:pt x="216557" y="578852"/>
+                    <a:pt x="173066" y="609671"/>
+                    <a:pt x="122376" y="609671"/>
+                  </a:cubicBezTo>
+                  <a:cubicBezTo>
+                    <a:pt x="71687" y="609671"/>
+                    <a:pt x="28196" y="578852"/>
+                    <a:pt x="9618" y="534930"/>
+                  </a:cubicBezTo>
+                  <a:lnTo>
+                    <a:pt x="1298" y="493719"/>
+                  </a:lnTo>
+                  <a:lnTo>
+                    <a:pt x="0" y="493719"/>
+                  </a:lnTo>
+                  <a:lnTo>
+                    <a:pt x="0" y="113359"/>
+                  </a:lnTo>
+                  <a:lnTo>
+                    <a:pt x="1821" y="113359"/>
+                  </a:lnTo>
+                  <a:lnTo>
+                    <a:pt x="9618" y="74741"/>
+                  </a:lnTo>
+                  <a:cubicBezTo>
+                    <a:pt x="28196" y="30819"/>
+                    <a:pt x="71687" y="0"/>
+                    <a:pt x="122376" y="0"/>
+                  </a:cubicBezTo>
+                  <a:close/>
+                </a:path>
+              </a:pathLst>
+            </a:custGeom>
+            <a:solidFill>
+              <a:srgbClr val="787878"/>
+            </a:solidFill>
+            <a:ln>
+              <a:noFill/>
+            </a:ln>
+          </p:spPr>
+          <p:style>
+            <a:lnRef idx="2">
+              <a:schemeClr val="accent1">
+                <a:shade val="50000"/>
+              </a:schemeClr>
+            </a:lnRef>
+            <a:fillRef idx="1">
+              <a:schemeClr val="accent1"/>
+            </a:fillRef>
+            <a:effectRef idx="0">
+              <a:schemeClr val="accent1"/>
+            </a:effectRef>
+            <a:fontRef idx="minor">
+              <a:schemeClr val="lt1"/>
+            </a:fontRef>
+          </p:style>
+          <p:txBody>
+            <a:bodyPr vert="wordArtVert" tIns="72000" bIns="72000" rtlCol="0" anchor="ctr" anchorCtr="1"/>
+            <a:lstStyle/>
+            <a:p>
+              <a:pPr algn="ctr"/>
+              <a:endParaRPr lang="en-US" sz="800" b="1" spc="-300" dirty="0"/>
+            </a:p>
+          </p:txBody>
+        </p:sp>
+        <p:sp>
+          <p:nvSpPr>
+            <p:cNvPr id="17" name="TextBox 16">
+              <a:extLst>
+                <a:ext uri="{FF2B5EF4-FFF2-40B4-BE49-F238E27FC236}">
+                  <a16:creationId xmlns:a16="http://schemas.microsoft.com/office/drawing/2014/main" id="{FDD40A4E-0169-47F4-81CE-917B45106229}"/>
+                </a:ext>
+              </a:extLst>
+            </p:cNvPr>
+            <p:cNvSpPr txBox="1"/>
+            <p:nvPr/>
+          </p:nvSpPr>
+          <p:spPr>
+            <a:xfrm>
+              <a:off x="7250944" y="3253639"/>
+              <a:ext cx="159146" cy="435769"/>
+            </a:xfrm>
+            <a:prstGeom prst="rect">
+              <a:avLst/>
+            </a:prstGeom>
+            <a:noFill/>
+          </p:spPr>
+          <p:txBody>
+            <a:bodyPr vert="wordArtVert" wrap="square" lIns="0" tIns="0" rIns="0" bIns="0" rtlCol="0">
+              <a:spAutoFit/>
+            </a:bodyPr>
+            <a:lstStyle/>
+            <a:p>
+              <a:r>
+                <a:rPr lang="en-US" sz="800" b="1" spc="-300" dirty="0">
+                  <a:solidFill>
+                    <a:schemeClr val="bg1"/>
+                  </a:solidFill>
+                </a:rPr>
+                <a:t>Mux</a:t>
+              </a:r>
+            </a:p>
+          </p:txBody>
+        </p:sp>
+      </p:grpSp>
+      <p:cxnSp>
+        <p:nvCxnSpPr>
+          <p:cNvPr id="279" name="직선 연결선 278">
+            <a:extLst>
+              <a:ext uri="{FF2B5EF4-FFF2-40B4-BE49-F238E27FC236}">
+                <a16:creationId xmlns:a16="http://schemas.microsoft.com/office/drawing/2014/main" id="{A082937F-F5FF-4627-BFCC-24C752C9BB93}"/>
+              </a:ext>
+            </a:extLst>
+          </p:cNvPr>
+          <p:cNvCxnSpPr>
+            <a:cxnSpLocks/>
+          </p:cNvCxnSpPr>
+          <p:nvPr/>
+        </p:nvCxnSpPr>
+        <p:spPr>
+          <a:xfrm>
+            <a:off x="9357179" y="3206952"/>
+            <a:ext cx="0" cy="904688"/>
+          </a:xfrm>
+          <a:prstGeom prst="line">
+            <a:avLst/>
+          </a:prstGeom>
+          <a:ln w="19050">
+            <a:solidFill>
+              <a:srgbClr val="0182C6"/>
+            </a:solidFill>
+          </a:ln>
+        </p:spPr>
+        <p:style>
+          <a:lnRef idx="1">
+            <a:schemeClr val="accent1"/>
+          </a:lnRef>
+          <a:fillRef idx="0">
+            <a:schemeClr val="accent1"/>
+          </a:fillRef>
+          <a:effectRef idx="0">
+            <a:schemeClr val="accent1"/>
+          </a:effectRef>
+          <a:fontRef idx="minor">
+            <a:schemeClr val="tx1"/>
+          </a:fontRef>
+        </p:style>
+      </p:cxnSp>
+      <p:cxnSp>
+        <p:nvCxnSpPr>
+          <p:cNvPr id="282" name="직선 연결선 281">
+            <a:extLst>
+              <a:ext uri="{FF2B5EF4-FFF2-40B4-BE49-F238E27FC236}">
+                <a16:creationId xmlns:a16="http://schemas.microsoft.com/office/drawing/2014/main" id="{18429618-52A4-4D31-A86A-F7F4697E6AF9}"/>
+              </a:ext>
+            </a:extLst>
+          </p:cNvPr>
+          <p:cNvCxnSpPr>
+            <a:cxnSpLocks/>
+          </p:cNvCxnSpPr>
+          <p:nvPr/>
+        </p:nvCxnSpPr>
+        <p:spPr>
+          <a:xfrm flipH="1">
+            <a:off x="6762733" y="3148950"/>
+            <a:ext cx="3906458" cy="0"/>
+          </a:xfrm>
+          <a:prstGeom prst="line">
+            <a:avLst/>
+          </a:prstGeom>
+          <a:ln w="19050">
+            <a:solidFill>
+              <a:srgbClr val="0182C6"/>
+            </a:solidFill>
+          </a:ln>
+        </p:spPr>
+        <p:style>
+          <a:lnRef idx="1">
+            <a:schemeClr val="accent1"/>
+          </a:lnRef>
+          <a:fillRef idx="0">
+            <a:schemeClr val="accent1"/>
+          </a:fillRef>
+          <a:effectRef idx="0">
+            <a:schemeClr val="accent1"/>
+          </a:effectRef>
+          <a:fontRef idx="minor">
+            <a:schemeClr val="tx1"/>
+          </a:fontRef>
+        </p:style>
+      </p:cxnSp>
+      <p:cxnSp>
+        <p:nvCxnSpPr>
+          <p:cNvPr id="286" name="직선 연결선 285">
+            <a:extLst>
+              <a:ext uri="{FF2B5EF4-FFF2-40B4-BE49-F238E27FC236}">
+                <a16:creationId xmlns:a16="http://schemas.microsoft.com/office/drawing/2014/main" id="{5DCD1974-5428-43DE-A326-B546D42ACC51}"/>
+              </a:ext>
+            </a:extLst>
+          </p:cNvPr>
+          <p:cNvCxnSpPr>
+            <a:cxnSpLocks/>
+          </p:cNvCxnSpPr>
+          <p:nvPr/>
+        </p:nvCxnSpPr>
+        <p:spPr>
+          <a:xfrm>
+            <a:off x="6762732" y="2910448"/>
+            <a:ext cx="0" cy="249471"/>
+          </a:xfrm>
+          <a:prstGeom prst="line">
+            <a:avLst/>
+          </a:prstGeom>
+          <a:ln w="19050">
+            <a:solidFill>
+              <a:srgbClr val="0182C6"/>
+            </a:solidFill>
+          </a:ln>
+        </p:spPr>
+        <p:style>
+          <a:lnRef idx="1">
+            <a:schemeClr val="accent1"/>
+          </a:lnRef>
+          <a:fillRef idx="0">
+            <a:schemeClr val="accent1"/>
+          </a:fillRef>
+          <a:effectRef idx="0">
+            <a:schemeClr val="accent1"/>
+          </a:effectRef>
+          <a:fontRef idx="minor">
+            <a:schemeClr val="tx1"/>
+          </a:fontRef>
+        </p:style>
+      </p:cxnSp>
+      <p:cxnSp>
+        <p:nvCxnSpPr>
+          <p:cNvPr id="301" name="직선 연결선 300">
+            <a:extLst>
+              <a:ext uri="{FF2B5EF4-FFF2-40B4-BE49-F238E27FC236}">
+                <a16:creationId xmlns:a16="http://schemas.microsoft.com/office/drawing/2014/main" id="{5DDD2349-A1FD-47E6-9A8B-0130276A7CAE}"/>
+              </a:ext>
+            </a:extLst>
+          </p:cNvPr>
+          <p:cNvCxnSpPr>
+            <a:cxnSpLocks/>
+          </p:cNvCxnSpPr>
+          <p:nvPr/>
+        </p:nvCxnSpPr>
+        <p:spPr>
+          <a:xfrm flipH="1">
+            <a:off x="6841706" y="3077723"/>
+            <a:ext cx="4470184" cy="0"/>
+          </a:xfrm>
+          <a:prstGeom prst="line">
+            <a:avLst/>
+          </a:prstGeom>
+          <a:ln w="19050">
+            <a:solidFill>
+              <a:srgbClr val="0182C6"/>
+            </a:solidFill>
+          </a:ln>
+        </p:spPr>
+        <p:style>
+          <a:lnRef idx="1">
+            <a:schemeClr val="accent1"/>
+          </a:lnRef>
+          <a:fillRef idx="0">
+            <a:schemeClr val="accent1"/>
+          </a:fillRef>
+          <a:effectRef idx="0">
+            <a:schemeClr val="accent1"/>
+          </a:effectRef>
+          <a:fontRef idx="minor">
+            <a:schemeClr val="tx1"/>
+          </a:fontRef>
+        </p:style>
+      </p:cxnSp>
+      <p:cxnSp>
+        <p:nvCxnSpPr>
+          <p:cNvPr id="302" name="직선 연결선 301">
+            <a:extLst>
+              <a:ext uri="{FF2B5EF4-FFF2-40B4-BE49-F238E27FC236}">
+                <a16:creationId xmlns:a16="http://schemas.microsoft.com/office/drawing/2014/main" id="{7078B00A-DCA2-45B8-9E29-6B0A4C0883C1}"/>
+              </a:ext>
+            </a:extLst>
+          </p:cNvPr>
+          <p:cNvCxnSpPr>
+            <a:cxnSpLocks/>
+          </p:cNvCxnSpPr>
+          <p:nvPr/>
+        </p:nvCxnSpPr>
+        <p:spPr>
+          <a:xfrm>
+            <a:off x="6841705" y="2762196"/>
+            <a:ext cx="0" cy="326496"/>
+          </a:xfrm>
+          <a:prstGeom prst="line">
+            <a:avLst/>
+          </a:prstGeom>
+          <a:ln w="19050">
+            <a:solidFill>
+              <a:srgbClr val="0182C6"/>
+            </a:solidFill>
+          </a:ln>
+        </p:spPr>
+        <p:style>
+          <a:lnRef idx="1">
+            <a:schemeClr val="accent1"/>
+          </a:lnRef>
+          <a:fillRef idx="0">
+            <a:schemeClr val="accent1"/>
+          </a:fillRef>
+          <a:effectRef idx="0">
+            <a:schemeClr val="accent1"/>
+          </a:effectRef>
+          <a:fontRef idx="minor">
+            <a:schemeClr val="tx1"/>
+          </a:fontRef>
+        </p:style>
+      </p:cxnSp>
+      <p:cxnSp>
+        <p:nvCxnSpPr>
+          <p:cNvPr id="314" name="직선 연결선 313">
+            <a:extLst>
+              <a:ext uri="{FF2B5EF4-FFF2-40B4-BE49-F238E27FC236}">
+                <a16:creationId xmlns:a16="http://schemas.microsoft.com/office/drawing/2014/main" id="{1E3592C7-B71C-426C-BE64-A147209492F0}"/>
+              </a:ext>
+            </a:extLst>
+          </p:cNvPr>
+          <p:cNvCxnSpPr>
+            <a:cxnSpLocks/>
+          </p:cNvCxnSpPr>
+          <p:nvPr/>
+        </p:nvCxnSpPr>
+        <p:spPr>
+          <a:xfrm flipH="1">
+            <a:off x="7495374" y="3000001"/>
+            <a:ext cx="715385" cy="0"/>
+          </a:xfrm>
+          <a:prstGeom prst="line">
+            <a:avLst/>
+          </a:prstGeom>
+          <a:ln w="19050">
+            <a:solidFill>
+              <a:srgbClr val="0182C6"/>
+            </a:solidFill>
+          </a:ln>
+        </p:spPr>
+        <p:style>
+          <a:lnRef idx="1">
+            <a:schemeClr val="accent1"/>
+          </a:lnRef>
+          <a:fillRef idx="0">
+            <a:schemeClr val="accent1"/>
+          </a:fillRef>
+          <a:effectRef idx="0">
+            <a:schemeClr val="accent1"/>
+          </a:effectRef>
+          <a:fontRef idx="minor">
+            <a:schemeClr val="tx1"/>
+          </a:fontRef>
+        </p:style>
+      </p:cxnSp>
+      <p:cxnSp>
+        <p:nvCxnSpPr>
+          <p:cNvPr id="315" name="직선 연결선 314">
+            <a:extLst>
+              <a:ext uri="{FF2B5EF4-FFF2-40B4-BE49-F238E27FC236}">
+                <a16:creationId xmlns:a16="http://schemas.microsoft.com/office/drawing/2014/main" id="{A136798A-E516-434E-95EC-41A30196DA9D}"/>
+              </a:ext>
+            </a:extLst>
+          </p:cNvPr>
+          <p:cNvCxnSpPr>
+            <a:cxnSpLocks/>
+          </p:cNvCxnSpPr>
+          <p:nvPr/>
+        </p:nvCxnSpPr>
+        <p:spPr>
+          <a:xfrm>
+            <a:off x="7495372" y="2613944"/>
+            <a:ext cx="0" cy="397026"/>
+          </a:xfrm>
+          <a:prstGeom prst="line">
+            <a:avLst/>
+          </a:prstGeom>
+          <a:ln w="19050">
+            <a:solidFill>
+              <a:srgbClr val="0182C6"/>
+            </a:solidFill>
+          </a:ln>
+        </p:spPr>
+        <p:style>
+          <a:lnRef idx="1">
+            <a:schemeClr val="accent1"/>
+          </a:lnRef>
+          <a:fillRef idx="0">
+            <a:schemeClr val="accent1"/>
+          </a:fillRef>
+          <a:effectRef idx="0">
+            <a:schemeClr val="accent1"/>
+          </a:effectRef>
+          <a:fontRef idx="minor">
+            <a:schemeClr val="tx1"/>
+          </a:fontRef>
+        </p:style>
+      </p:cxnSp>
+      <p:sp>
+        <p:nvSpPr>
+          <p:cNvPr id="322" name="자유형: 도형 321">
+            <a:extLst>
+              <a:ext uri="{FF2B5EF4-FFF2-40B4-BE49-F238E27FC236}">
+                <a16:creationId xmlns:a16="http://schemas.microsoft.com/office/drawing/2014/main" id="{A72DB1EB-4247-45DE-9DDD-D76E63F6084F}"/>
+              </a:ext>
+            </a:extLst>
+          </p:cNvPr>
+          <p:cNvSpPr/>
+          <p:nvPr/>
+        </p:nvSpPr>
+        <p:spPr>
+          <a:xfrm flipV="1">
+            <a:off x="8582791" y="2730220"/>
+            <a:ext cx="274899" cy="276436"/>
+          </a:xfrm>
+          <a:custGeom>
+            <a:avLst/>
+            <a:gdLst>
+              <a:gd name="connsiteX0" fmla="*/ 0 w 697505"/>
+              <a:gd name="connsiteY0" fmla="*/ 701408 h 701408"/>
+              <a:gd name="connsiteX1" fmla="*/ 422140 w 697505"/>
+              <a:gd name="connsiteY1" fmla="*/ 701408 h 701408"/>
+              <a:gd name="connsiteX2" fmla="*/ 422140 w 697505"/>
+              <a:gd name="connsiteY2" fmla="*/ 698552 h 701408"/>
+              <a:gd name="connsiteX3" fmla="*/ 473691 w 697505"/>
+              <a:gd name="connsiteY3" fmla="*/ 692071 h 701408"/>
+              <a:gd name="connsiteX4" fmla="*/ 697505 w 697505"/>
+              <a:gd name="connsiteY4" fmla="*/ 349587 h 701408"/>
+              <a:gd name="connsiteX5" fmla="*/ 473691 w 697505"/>
+              <a:gd name="connsiteY5" fmla="*/ 7103 h 701408"/>
+              <a:gd name="connsiteX6" fmla="*/ 422140 w 697505"/>
+              <a:gd name="connsiteY6" fmla="*/ 622 h 701408"/>
+              <a:gd name="connsiteX7" fmla="*/ 422140 w 697505"/>
+              <a:gd name="connsiteY7" fmla="*/ 0 h 701408"/>
+              <a:gd name="connsiteX8" fmla="*/ 0 w 697505"/>
+              <a:gd name="connsiteY8" fmla="*/ 0 h 701408"/>
+            </a:gdLst>
+            <a:ahLst/>
+            <a:cxnLst>
+              <a:cxn ang="0">
+                <a:pos x="connsiteX0" y="connsiteY0"/>
+              </a:cxn>
+              <a:cxn ang="0">
+                <a:pos x="connsiteX1" y="connsiteY1"/>
+              </a:cxn>
+              <a:cxn ang="0">
+                <a:pos x="connsiteX2" y="connsiteY2"/>
+              </a:cxn>
+              <a:cxn ang="0">
+                <a:pos x="connsiteX3" y="connsiteY3"/>
+              </a:cxn>
+              <a:cxn ang="0">
+                <a:pos x="connsiteX4" y="connsiteY4"/>
+              </a:cxn>
+              <a:cxn ang="0">
+                <a:pos x="connsiteX5" y="connsiteY5"/>
+              </a:cxn>
+              <a:cxn ang="0">
+                <a:pos x="connsiteX6" y="connsiteY6"/>
+              </a:cxn>
+              <a:cxn ang="0">
+                <a:pos x="connsiteX7" y="connsiteY7"/>
+              </a:cxn>
+              <a:cxn ang="0">
+                <a:pos x="connsiteX8" y="connsiteY8"/>
+              </a:cxn>
+            </a:cxnLst>
+            <a:rect l="l" t="t" r="r" b="b"/>
+            <a:pathLst>
+              <a:path w="697505" h="701408">
+                <a:moveTo>
+                  <a:pt x="0" y="701408"/>
+                </a:moveTo>
+                <a:lnTo>
+                  <a:pt x="422140" y="701408"/>
+                </a:lnTo>
+                <a:lnTo>
+                  <a:pt x="422140" y="698552"/>
+                </a:lnTo>
+                <a:lnTo>
+                  <a:pt x="473691" y="692071"/>
+                </a:lnTo>
+                <a:cubicBezTo>
+                  <a:pt x="601421" y="659473"/>
+                  <a:pt x="697505" y="518524"/>
+                  <a:pt x="697505" y="349587"/>
+                </a:cubicBezTo>
+                <a:cubicBezTo>
+                  <a:pt x="697505" y="180650"/>
+                  <a:pt x="601421" y="39701"/>
+                  <a:pt x="473691" y="7103"/>
+                </a:cubicBezTo>
+                <a:lnTo>
+                  <a:pt x="422140" y="622"/>
+                </a:lnTo>
+                <a:lnTo>
+                  <a:pt x="422140" y="0"/>
+                </a:lnTo>
+                <a:lnTo>
+                  <a:pt x="0" y="0"/>
+                </a:lnTo>
+                <a:close/>
+              </a:path>
+            </a:pathLst>
+          </a:custGeom>
+          <a:noFill/>
+          <a:ln>
+            <a:solidFill>
+              <a:srgbClr val="0182C6"/>
+            </a:solidFill>
+          </a:ln>
+        </p:spPr>
+        <p:style>
+          <a:lnRef idx="2">
+            <a:schemeClr val="accent1">
+              <a:shade val="50000"/>
+            </a:schemeClr>
+          </a:lnRef>
+          <a:fillRef idx="1">
+            <a:schemeClr val="accent1"/>
+          </a:fillRef>
+          <a:effectRef idx="0">
+            <a:schemeClr val="accent1"/>
+          </a:effectRef>
+          <a:fontRef idx="minor">
+            <a:schemeClr val="lt1"/>
+          </a:fontRef>
+        </p:style>
+        <p:txBody>
+          <a:bodyPr rtlCol="0" anchor="ctr"/>
+          <a:lstStyle/>
+          <a:p>
+            <a:pPr algn="ctr"/>
+            <a:endParaRPr lang="en-US"/>
+          </a:p>
+        </p:txBody>
+      </p:sp>
+      <p:cxnSp>
+        <p:nvCxnSpPr>
+          <p:cNvPr id="326" name="직선 연결선 325">
+            <a:extLst>
+              <a:ext uri="{FF2B5EF4-FFF2-40B4-BE49-F238E27FC236}">
+                <a16:creationId xmlns:a16="http://schemas.microsoft.com/office/drawing/2014/main" id="{40772A44-AB3F-4376-B244-EA2C71922F40}"/>
+              </a:ext>
+            </a:extLst>
+          </p:cNvPr>
+          <p:cNvCxnSpPr>
+            <a:cxnSpLocks/>
+          </p:cNvCxnSpPr>
+          <p:nvPr/>
+        </p:nvCxnSpPr>
+        <p:spPr>
+          <a:xfrm>
+            <a:off x="8210759" y="2786773"/>
+            <a:ext cx="0" cy="224197"/>
+          </a:xfrm>
+          <a:prstGeom prst="line">
+            <a:avLst/>
+          </a:prstGeom>
+          <a:ln w="19050">
+            <a:solidFill>
+              <a:srgbClr val="0182C6"/>
+            </a:solidFill>
+          </a:ln>
+        </p:spPr>
+        <p:style>
+          <a:lnRef idx="1">
+            <a:schemeClr val="accent1"/>
+          </a:lnRef>
+          <a:fillRef idx="0">
+            <a:schemeClr val="accent1"/>
+          </a:fillRef>
+          <a:effectRef idx="0">
+            <a:schemeClr val="accent1"/>
+          </a:effectRef>
+          <a:fontRef idx="minor">
+            <a:schemeClr val="tx1"/>
+          </a:fontRef>
+        </p:style>
+      </p:cxnSp>
+      <p:cxnSp>
+        <p:nvCxnSpPr>
+          <p:cNvPr id="329" name="직선 연결선 328">
+            <a:extLst>
+              <a:ext uri="{FF2B5EF4-FFF2-40B4-BE49-F238E27FC236}">
+                <a16:creationId xmlns:a16="http://schemas.microsoft.com/office/drawing/2014/main" id="{C8071B82-D25C-4AF0-996A-51778F1997F8}"/>
+              </a:ext>
+            </a:extLst>
+          </p:cNvPr>
+          <p:cNvCxnSpPr>
+            <a:cxnSpLocks/>
+          </p:cNvCxnSpPr>
+          <p:nvPr/>
+        </p:nvCxnSpPr>
+        <p:spPr>
+          <a:xfrm flipH="1">
+            <a:off x="8205995" y="2796821"/>
+            <a:ext cx="383947" cy="0"/>
+          </a:xfrm>
+          <a:prstGeom prst="line">
+            <a:avLst/>
+          </a:prstGeom>
+          <a:ln w="19050">
+            <a:solidFill>
+              <a:srgbClr val="0182C6"/>
+            </a:solidFill>
+          </a:ln>
+        </p:spPr>
+        <p:style>
+          <a:lnRef idx="1">
+            <a:schemeClr val="accent1"/>
+          </a:lnRef>
+          <a:fillRef idx="0">
+            <a:schemeClr val="accent1"/>
+          </a:fillRef>
+          <a:effectRef idx="0">
+            <a:schemeClr val="accent1"/>
+          </a:effectRef>
+          <a:fontRef idx="minor">
+            <a:schemeClr val="tx1"/>
+          </a:fontRef>
+        </p:style>
+      </p:cxnSp>
+      <p:cxnSp>
+        <p:nvCxnSpPr>
+          <p:cNvPr id="331" name="직선 연결선 330">
+            <a:extLst>
+              <a:ext uri="{FF2B5EF4-FFF2-40B4-BE49-F238E27FC236}">
+                <a16:creationId xmlns:a16="http://schemas.microsoft.com/office/drawing/2014/main" id="{086580CC-CF2F-4D95-B36F-2C76B3773616}"/>
+              </a:ext>
+            </a:extLst>
+          </p:cNvPr>
+          <p:cNvCxnSpPr>
+            <a:cxnSpLocks/>
+          </p:cNvCxnSpPr>
+          <p:nvPr/>
+        </p:nvCxnSpPr>
+        <p:spPr>
+          <a:xfrm>
+            <a:off x="8494182" y="2936216"/>
+            <a:ext cx="0" cy="1284453"/>
+          </a:xfrm>
+          <a:prstGeom prst="line">
+            <a:avLst/>
+          </a:prstGeom>
+          <a:ln w="19050">
+            <a:solidFill>
+              <a:srgbClr val="0182C6"/>
+            </a:solidFill>
+          </a:ln>
+        </p:spPr>
+        <p:style>
+          <a:lnRef idx="1">
+            <a:schemeClr val="accent1"/>
+          </a:lnRef>
+          <a:fillRef idx="0">
+            <a:schemeClr val="accent1"/>
+          </a:fillRef>
+          <a:effectRef idx="0">
+            <a:schemeClr val="accent1"/>
+          </a:effectRef>
+          <a:fontRef idx="minor">
+            <a:schemeClr val="tx1"/>
+          </a:fontRef>
+        </p:style>
+      </p:cxnSp>
+      <p:cxnSp>
+        <p:nvCxnSpPr>
+          <p:cNvPr id="332" name="직선 연결선 331">
+            <a:extLst>
+              <a:ext uri="{FF2B5EF4-FFF2-40B4-BE49-F238E27FC236}">
+                <a16:creationId xmlns:a16="http://schemas.microsoft.com/office/drawing/2014/main" id="{230BDEBB-D348-423E-AA86-8BB3C8C5AF2B}"/>
+              </a:ext>
+            </a:extLst>
+          </p:cNvPr>
+          <p:cNvCxnSpPr>
+            <a:cxnSpLocks/>
+          </p:cNvCxnSpPr>
+          <p:nvPr/>
+        </p:nvCxnSpPr>
+        <p:spPr>
+          <a:xfrm flipH="1">
+            <a:off x="8489418" y="2946264"/>
+            <a:ext cx="93373" cy="0"/>
+          </a:xfrm>
+          <a:prstGeom prst="line">
+            <a:avLst/>
+          </a:prstGeom>
+          <a:ln w="19050">
+            <a:solidFill>
+              <a:srgbClr val="0182C6"/>
+            </a:solidFill>
+          </a:ln>
+        </p:spPr>
+        <p:style>
+          <a:lnRef idx="1">
+            <a:schemeClr val="accent1"/>
+          </a:lnRef>
+          <a:fillRef idx="0">
+            <a:schemeClr val="accent1"/>
+          </a:fillRef>
+          <a:effectRef idx="0">
+            <a:schemeClr val="accent1"/>
+          </a:effectRef>
+          <a:fontRef idx="minor">
+            <a:schemeClr val="tx1"/>
+          </a:fontRef>
+        </p:style>
+      </p:cxnSp>
+      <p:cxnSp>
+        <p:nvCxnSpPr>
+          <p:cNvPr id="342" name="직선 연결선 341">
+            <a:extLst>
+              <a:ext uri="{FF2B5EF4-FFF2-40B4-BE49-F238E27FC236}">
+                <a16:creationId xmlns:a16="http://schemas.microsoft.com/office/drawing/2014/main" id="{9EB4C61F-67E5-4F71-B31E-44F0B6DFDEE7}"/>
+              </a:ext>
+            </a:extLst>
+          </p:cNvPr>
+          <p:cNvCxnSpPr>
+            <a:cxnSpLocks/>
+          </p:cNvCxnSpPr>
+          <p:nvPr/>
+        </p:nvCxnSpPr>
+        <p:spPr>
+          <a:xfrm flipH="1">
+            <a:off x="8344931" y="4214183"/>
+            <a:ext cx="154941" cy="0"/>
+          </a:xfrm>
+          <a:prstGeom prst="line">
+            <a:avLst/>
+          </a:prstGeom>
+          <a:ln w="19050">
+            <a:solidFill>
+              <a:srgbClr val="0182C6"/>
+            </a:solidFill>
+          </a:ln>
+        </p:spPr>
+        <p:style>
+          <a:lnRef idx="1">
+            <a:schemeClr val="accent1"/>
+          </a:lnRef>
+          <a:fillRef idx="0">
+            <a:schemeClr val="accent1"/>
+          </a:fillRef>
+          <a:effectRef idx="0">
+            <a:schemeClr val="accent1"/>
+          </a:effectRef>
+          <a:fontRef idx="minor">
+            <a:schemeClr val="tx1"/>
+          </a:fontRef>
+        </p:style>
+      </p:cxnSp>
+      <p:cxnSp>
+        <p:nvCxnSpPr>
+          <p:cNvPr id="348" name="직선 연결선 347">
+            <a:extLst>
+              <a:ext uri="{FF2B5EF4-FFF2-40B4-BE49-F238E27FC236}">
+                <a16:creationId xmlns:a16="http://schemas.microsoft.com/office/drawing/2014/main" id="{EB73A824-9539-4D9C-83D4-CE96A231C4EF}"/>
+              </a:ext>
+            </a:extLst>
+          </p:cNvPr>
+          <p:cNvCxnSpPr>
+            <a:cxnSpLocks/>
+            <a:stCxn id="167" idx="13"/>
+          </p:cNvCxnSpPr>
+          <p:nvPr/>
+        </p:nvCxnSpPr>
+        <p:spPr>
+          <a:xfrm>
+            <a:off x="8931146" y="2641463"/>
+            <a:ext cx="0" cy="226975"/>
+          </a:xfrm>
+          <a:prstGeom prst="line">
+            <a:avLst/>
+          </a:prstGeom>
+          <a:ln w="19050">
+            <a:solidFill>
+              <a:srgbClr val="0182C6"/>
+            </a:solidFill>
+          </a:ln>
+        </p:spPr>
+        <p:style>
+          <a:lnRef idx="1">
+            <a:schemeClr val="accent1"/>
+          </a:lnRef>
+          <a:fillRef idx="0">
+            <a:schemeClr val="accent1"/>
+          </a:fillRef>
+          <a:effectRef idx="0">
+            <a:schemeClr val="accent1"/>
+          </a:effectRef>
+          <a:fontRef idx="minor">
+            <a:schemeClr val="tx1"/>
+          </a:fontRef>
+        </p:style>
+      </p:cxnSp>
+      <p:cxnSp>
+        <p:nvCxnSpPr>
+          <p:cNvPr id="349" name="직선 연결선 348">
+            <a:extLst>
+              <a:ext uri="{FF2B5EF4-FFF2-40B4-BE49-F238E27FC236}">
+                <a16:creationId xmlns:a16="http://schemas.microsoft.com/office/drawing/2014/main" id="{EBFD36A7-7057-4587-A667-886EB02267E5}"/>
+              </a:ext>
+            </a:extLst>
+          </p:cNvPr>
+          <p:cNvCxnSpPr>
+            <a:cxnSpLocks/>
+            <a:endCxn id="322" idx="4"/>
+          </p:cNvCxnSpPr>
+          <p:nvPr/>
+        </p:nvCxnSpPr>
+        <p:spPr>
+          <a:xfrm flipH="1">
+            <a:off x="8857690" y="2868878"/>
+            <a:ext cx="82713" cy="0"/>
+          </a:xfrm>
+          <a:prstGeom prst="line">
+            <a:avLst/>
+          </a:prstGeom>
+          <a:ln w="19050">
+            <a:solidFill>
+              <a:srgbClr val="0182C6"/>
+            </a:solidFill>
+          </a:ln>
+        </p:spPr>
+        <p:style>
+          <a:lnRef idx="1">
+            <a:schemeClr val="accent1"/>
+          </a:lnRef>
+          <a:fillRef idx="0">
+            <a:schemeClr val="accent1"/>
+          </a:fillRef>
+          <a:effectRef idx="0">
+            <a:schemeClr val="accent1"/>
+          </a:effectRef>
+          <a:fontRef idx="minor">
+            <a:schemeClr val="tx1"/>
+          </a:fontRef>
+        </p:style>
+      </p:cxnSp>
+      <p:cxnSp>
+        <p:nvCxnSpPr>
+          <p:cNvPr id="361" name="직선 연결선 360">
+            <a:extLst>
+              <a:ext uri="{FF2B5EF4-FFF2-40B4-BE49-F238E27FC236}">
+                <a16:creationId xmlns:a16="http://schemas.microsoft.com/office/drawing/2014/main" id="{91E6D3F1-3249-4FBA-BF92-BA8F15DABD3D}"/>
+              </a:ext>
+            </a:extLst>
+          </p:cNvPr>
+          <p:cNvCxnSpPr>
+            <a:cxnSpLocks/>
+            <a:endCxn id="112" idx="0"/>
+          </p:cNvCxnSpPr>
+          <p:nvPr/>
+        </p:nvCxnSpPr>
+        <p:spPr>
+          <a:xfrm>
+            <a:off x="10658613" y="3148950"/>
+            <a:ext cx="0" cy="1268458"/>
+          </a:xfrm>
+          <a:prstGeom prst="line">
+            <a:avLst/>
+          </a:prstGeom>
+          <a:ln w="19050">
+            <a:solidFill>
+              <a:srgbClr val="0182C6"/>
+            </a:solidFill>
+          </a:ln>
+        </p:spPr>
+        <p:style>
+          <a:lnRef idx="1">
+            <a:schemeClr val="accent1"/>
+          </a:lnRef>
+          <a:fillRef idx="0">
+            <a:schemeClr val="accent1"/>
+          </a:fillRef>
+          <a:effectRef idx="0">
+            <a:schemeClr val="accent1"/>
+          </a:effectRef>
+          <a:fontRef idx="minor">
+            <a:schemeClr val="tx1"/>
+          </a:fontRef>
+        </p:style>
+      </p:cxnSp>
+      <p:cxnSp>
+        <p:nvCxnSpPr>
+          <p:cNvPr id="371" name="직선 연결선 370">
+            <a:extLst>
+              <a:ext uri="{FF2B5EF4-FFF2-40B4-BE49-F238E27FC236}">
+                <a16:creationId xmlns:a16="http://schemas.microsoft.com/office/drawing/2014/main" id="{77914E56-2BE4-404D-822A-35C900688809}"/>
+              </a:ext>
+            </a:extLst>
+          </p:cNvPr>
+          <p:cNvCxnSpPr>
+            <a:cxnSpLocks/>
+          </p:cNvCxnSpPr>
+          <p:nvPr/>
+        </p:nvCxnSpPr>
+        <p:spPr>
+          <a:xfrm>
+            <a:off x="11311890" y="3069642"/>
+            <a:ext cx="0" cy="3052806"/>
+          </a:xfrm>
+          <a:prstGeom prst="line">
+            <a:avLst/>
+          </a:prstGeom>
+          <a:ln w="19050">
+            <a:solidFill>
+              <a:srgbClr val="0182C6"/>
+            </a:solidFill>
+          </a:ln>
+        </p:spPr>
+        <p:style>
+          <a:lnRef idx="1">
+            <a:schemeClr val="accent1"/>
+          </a:lnRef>
+          <a:fillRef idx="0">
+            <a:schemeClr val="accent1"/>
+          </a:fillRef>
+          <a:effectRef idx="0">
+            <a:schemeClr val="accent1"/>
+          </a:effectRef>
+          <a:fontRef idx="minor">
+            <a:schemeClr val="tx1"/>
+          </a:fontRef>
+        </p:style>
+      </p:cxnSp>
+      <p:cxnSp>
+        <p:nvCxnSpPr>
+          <p:cNvPr id="373" name="직선 연결선 372">
+            <a:extLst>
+              <a:ext uri="{FF2B5EF4-FFF2-40B4-BE49-F238E27FC236}">
+                <a16:creationId xmlns:a16="http://schemas.microsoft.com/office/drawing/2014/main" id="{D8D7B96F-031F-4047-BACB-0D22E82ACC3E}"/>
+              </a:ext>
+            </a:extLst>
+          </p:cNvPr>
+          <p:cNvCxnSpPr>
+            <a:cxnSpLocks/>
+          </p:cNvCxnSpPr>
+          <p:nvPr/>
+        </p:nvCxnSpPr>
+        <p:spPr>
+          <a:xfrm flipH="1">
+            <a:off x="9357179" y="6112924"/>
+            <a:ext cx="1954711" cy="0"/>
+          </a:xfrm>
+          <a:prstGeom prst="line">
+            <a:avLst/>
+          </a:prstGeom>
+          <a:ln w="19050">
+            <a:solidFill>
+              <a:srgbClr val="0182C6"/>
+            </a:solidFill>
+          </a:ln>
+        </p:spPr>
+        <p:style>
+          <a:lnRef idx="1">
+            <a:schemeClr val="accent1"/>
+          </a:lnRef>
+          <a:fillRef idx="0">
+            <a:schemeClr val="accent1"/>
+          </a:fillRef>
+          <a:effectRef idx="0">
+            <a:schemeClr val="accent1"/>
+          </a:effectRef>
+          <a:fontRef idx="minor">
+            <a:schemeClr val="tx1"/>
+          </a:fontRef>
+        </p:style>
+      </p:cxnSp>
+      <p:cxnSp>
+        <p:nvCxnSpPr>
+          <p:cNvPr id="375" name="직선 연결선 374">
+            <a:extLst>
+              <a:ext uri="{FF2B5EF4-FFF2-40B4-BE49-F238E27FC236}">
+                <a16:creationId xmlns:a16="http://schemas.microsoft.com/office/drawing/2014/main" id="{757597A4-AB3B-4B74-BD35-4F8134360310}"/>
+              </a:ext>
+            </a:extLst>
+          </p:cNvPr>
+          <p:cNvCxnSpPr>
+            <a:cxnSpLocks/>
+          </p:cNvCxnSpPr>
+          <p:nvPr/>
+        </p:nvCxnSpPr>
+        <p:spPr>
+          <a:xfrm>
+            <a:off x="9357179" y="5651977"/>
+            <a:ext cx="0" cy="470471"/>
+          </a:xfrm>
+          <a:prstGeom prst="line">
+            <a:avLst/>
+          </a:prstGeom>
+          <a:ln w="19050">
+            <a:solidFill>
+              <a:srgbClr val="0182C6"/>
+            </a:solidFill>
+          </a:ln>
+        </p:spPr>
+        <p:style>
+          <a:lnRef idx="1">
+            <a:schemeClr val="accent1"/>
+          </a:lnRef>
+          <a:fillRef idx="0">
+            <a:schemeClr val="accent1"/>
+          </a:fillRef>
+          <a:effectRef idx="0">
+            <a:schemeClr val="accent1"/>
+          </a:effectRef>
+          <a:fontRef idx="minor">
+            <a:schemeClr val="tx1"/>
+          </a:fontRef>
+        </p:style>
+      </p:cxnSp>
+      <p:cxnSp>
+        <p:nvCxnSpPr>
+          <p:cNvPr id="379" name="직선 연결선 378">
+            <a:extLst>
+              <a:ext uri="{FF2B5EF4-FFF2-40B4-BE49-F238E27FC236}">
+                <a16:creationId xmlns:a16="http://schemas.microsoft.com/office/drawing/2014/main" id="{CE548FAC-6EDF-49EA-973C-0B9889355D80}"/>
+              </a:ext>
+            </a:extLst>
+          </p:cNvPr>
+          <p:cNvCxnSpPr>
+            <a:cxnSpLocks/>
+          </p:cNvCxnSpPr>
+          <p:nvPr/>
+        </p:nvCxnSpPr>
+        <p:spPr>
+          <a:xfrm>
+            <a:off x="6684379" y="3077723"/>
+            <a:ext cx="0" cy="3507227"/>
+          </a:xfrm>
+          <a:prstGeom prst="line">
+            <a:avLst/>
+          </a:prstGeom>
+          <a:ln w="38100">
+            <a:solidFill>
+              <a:srgbClr val="0182C6"/>
+            </a:solidFill>
+          </a:ln>
+        </p:spPr>
+        <p:style>
+          <a:lnRef idx="1">
+            <a:schemeClr val="accent1"/>
+          </a:lnRef>
+          <a:fillRef idx="0">
+            <a:schemeClr val="accent1"/>
+          </a:fillRef>
+          <a:effectRef idx="0">
+            <a:schemeClr val="accent1"/>
+          </a:effectRef>
+          <a:fontRef idx="minor">
+            <a:schemeClr val="tx1"/>
+          </a:fontRef>
+        </p:style>
+      </p:cxnSp>
+      <p:cxnSp>
+        <p:nvCxnSpPr>
+          <p:cNvPr id="381" name="직선 연결선 380">
+            <a:extLst>
+              <a:ext uri="{FF2B5EF4-FFF2-40B4-BE49-F238E27FC236}">
+                <a16:creationId xmlns:a16="http://schemas.microsoft.com/office/drawing/2014/main" id="{11EAAD6F-54F0-4A09-A22B-D64BA23322D6}"/>
+              </a:ext>
+            </a:extLst>
+          </p:cNvPr>
+          <p:cNvCxnSpPr>
+            <a:cxnSpLocks/>
+          </p:cNvCxnSpPr>
+          <p:nvPr/>
+        </p:nvCxnSpPr>
+        <p:spPr>
+          <a:xfrm flipH="1">
+            <a:off x="6665699" y="6584950"/>
+            <a:ext cx="890074" cy="0"/>
+          </a:xfrm>
+          <a:prstGeom prst="line">
+            <a:avLst/>
+          </a:prstGeom>
+          <a:ln w="38100">
+            <a:solidFill>
+              <a:srgbClr val="0182C6"/>
+            </a:solidFill>
+          </a:ln>
+        </p:spPr>
+        <p:style>
+          <a:lnRef idx="1">
+            <a:schemeClr val="accent1"/>
+          </a:lnRef>
+          <a:fillRef idx="0">
+            <a:schemeClr val="accent1"/>
+          </a:fillRef>
+          <a:effectRef idx="0">
+            <a:schemeClr val="accent1"/>
+          </a:effectRef>
+          <a:fontRef idx="minor">
+            <a:schemeClr val="tx1"/>
+          </a:fontRef>
+        </p:style>
+      </p:cxnSp>
+      <p:cxnSp>
+        <p:nvCxnSpPr>
+          <p:cNvPr id="383" name="직선 연결선 382">
+            <a:extLst>
+              <a:ext uri="{FF2B5EF4-FFF2-40B4-BE49-F238E27FC236}">
+                <a16:creationId xmlns:a16="http://schemas.microsoft.com/office/drawing/2014/main" id="{466A247B-3CFB-42A0-8ED2-2CFEC4F02D65}"/>
+              </a:ext>
+            </a:extLst>
+          </p:cNvPr>
+          <p:cNvCxnSpPr>
+            <a:cxnSpLocks/>
+            <a:stCxn id="180" idx="4"/>
+          </p:cNvCxnSpPr>
+          <p:nvPr/>
+        </p:nvCxnSpPr>
+        <p:spPr>
+          <a:xfrm>
+            <a:off x="7537015" y="6408561"/>
+            <a:ext cx="0" cy="176389"/>
+          </a:xfrm>
+          <a:prstGeom prst="line">
+            <a:avLst/>
+          </a:prstGeom>
+          <a:ln w="38100">
+            <a:solidFill>
+              <a:srgbClr val="0182C6"/>
+            </a:solidFill>
+          </a:ln>
+        </p:spPr>
+        <p:style>
+          <a:lnRef idx="1">
+            <a:schemeClr val="accent1"/>
+          </a:lnRef>
+          <a:fillRef idx="0">
+            <a:schemeClr val="accent1"/>
+          </a:fillRef>
+          <a:effectRef idx="0">
+            <a:schemeClr val="accent1"/>
+          </a:effectRef>
+          <a:fontRef idx="minor">
+            <a:schemeClr val="tx1"/>
+          </a:fontRef>
+        </p:style>
+      </p:cxnSp>
+      <p:cxnSp>
+        <p:nvCxnSpPr>
+          <p:cNvPr id="394" name="직선 연결선 393">
+            <a:extLst>
+              <a:ext uri="{FF2B5EF4-FFF2-40B4-BE49-F238E27FC236}">
+                <a16:creationId xmlns:a16="http://schemas.microsoft.com/office/drawing/2014/main" id="{2B26B4D8-5308-438B-B369-31088EA7083D}"/>
+              </a:ext>
+            </a:extLst>
+          </p:cNvPr>
+          <p:cNvCxnSpPr>
+            <a:cxnSpLocks/>
+          </p:cNvCxnSpPr>
+          <p:nvPr/>
+        </p:nvCxnSpPr>
+        <p:spPr>
+          <a:xfrm flipH="1">
+            <a:off x="7856365" y="6016589"/>
+            <a:ext cx="116912" cy="0"/>
+          </a:xfrm>
+          <a:prstGeom prst="line">
+            <a:avLst/>
+          </a:prstGeom>
+          <a:ln w="38100">
+            <a:solidFill>
+              <a:srgbClr val="0182C6"/>
+            </a:solidFill>
+          </a:ln>
+        </p:spPr>
+        <p:style>
+          <a:lnRef idx="1">
+            <a:schemeClr val="accent1"/>
+          </a:lnRef>
+          <a:fillRef idx="0">
+            <a:schemeClr val="accent1"/>
+          </a:fillRef>
+          <a:effectRef idx="0">
+            <a:schemeClr val="accent1"/>
+          </a:effectRef>
+          <a:fontRef idx="minor">
+            <a:schemeClr val="tx1"/>
+          </a:fontRef>
+        </p:style>
+      </p:cxnSp>
+      <p:cxnSp>
+        <p:nvCxnSpPr>
+          <p:cNvPr id="398" name="직선 연결선 397">
+            <a:extLst>
+              <a:ext uri="{FF2B5EF4-FFF2-40B4-BE49-F238E27FC236}">
+                <a16:creationId xmlns:a16="http://schemas.microsoft.com/office/drawing/2014/main" id="{FDF43A8B-CF41-408F-B8F5-30D8B87FA291}"/>
+              </a:ext>
+            </a:extLst>
+          </p:cNvPr>
+          <p:cNvCxnSpPr>
+            <a:cxnSpLocks/>
+          </p:cNvCxnSpPr>
+          <p:nvPr/>
+        </p:nvCxnSpPr>
+        <p:spPr>
+          <a:xfrm>
+            <a:off x="7983161" y="4848225"/>
+            <a:ext cx="0" cy="1189315"/>
+          </a:xfrm>
+          <a:prstGeom prst="line">
+            <a:avLst/>
+          </a:prstGeom>
+          <a:ln w="38100">
+            <a:solidFill>
+              <a:srgbClr val="0182C6"/>
+            </a:solidFill>
+          </a:ln>
+        </p:spPr>
+        <p:style>
+          <a:lnRef idx="1">
+            <a:schemeClr val="accent1"/>
+          </a:lnRef>
+          <a:fillRef idx="0">
+            <a:schemeClr val="accent1"/>
+          </a:fillRef>
+          <a:effectRef idx="0">
+            <a:schemeClr val="accent1"/>
+          </a:effectRef>
+          <a:fontRef idx="minor">
+            <a:schemeClr val="tx1"/>
+          </a:fontRef>
+        </p:style>
+      </p:cxnSp>
+      <p:grpSp>
+        <p:nvGrpSpPr>
+          <p:cNvPr id="25" name="그룹 24">
+            <a:extLst>
+              <a:ext uri="{FF2B5EF4-FFF2-40B4-BE49-F238E27FC236}">
+                <a16:creationId xmlns:a16="http://schemas.microsoft.com/office/drawing/2014/main" id="{8066DB91-0466-4759-9BE3-A8036C6B6C95}"/>
+              </a:ext>
+            </a:extLst>
+          </p:cNvPr>
+          <p:cNvGrpSpPr/>
+          <p:nvPr/>
+        </p:nvGrpSpPr>
+        <p:grpSpPr>
+          <a:xfrm>
+            <a:off x="7547881" y="3821353"/>
+            <a:ext cx="843564" cy="1188020"/>
+            <a:chOff x="8456624" y="2879390"/>
+            <a:chExt cx="1079741" cy="1520636"/>
+          </a:xfrm>
+        </p:grpSpPr>
+        <p:sp>
+          <p:nvSpPr>
+            <p:cNvPr id="50" name="자유형: 도형 49">
+              <a:extLst>
+                <a:ext uri="{FF2B5EF4-FFF2-40B4-BE49-F238E27FC236}">
+                  <a16:creationId xmlns:a16="http://schemas.microsoft.com/office/drawing/2014/main" id="{1A699FE9-3A76-4266-A62E-6E83113A5EC0}"/>
+                </a:ext>
+              </a:extLst>
+            </p:cNvPr>
+            <p:cNvSpPr/>
+            <p:nvPr/>
+          </p:nvSpPr>
+          <p:spPr>
+            <a:xfrm rot="16200000">
+              <a:off x="8207098" y="3130295"/>
+              <a:ext cx="1520636" cy="1018826"/>
+            </a:xfrm>
+            <a:custGeom>
+              <a:avLst/>
+              <a:gdLst>
+                <a:gd name="connsiteX0" fmla="*/ 1520636 w 1520636"/>
+                <a:gd name="connsiteY0" fmla="*/ 0 h 1018826"/>
+                <a:gd name="connsiteX1" fmla="*/ 1216509 w 1520636"/>
+                <a:gd name="connsiteY1" fmla="*/ 1018826 h 1018826"/>
+                <a:gd name="connsiteX2" fmla="*/ 304127 w 1520636"/>
+                <a:gd name="connsiteY2" fmla="*/ 1018826 h 1018826"/>
+                <a:gd name="connsiteX3" fmla="*/ 0 w 1520636"/>
+                <a:gd name="connsiteY3" fmla="*/ 0 h 1018826"/>
+                <a:gd name="connsiteX4" fmla="*/ 577888 w 1520636"/>
+                <a:gd name="connsiteY4" fmla="*/ 0 h 1018826"/>
+                <a:gd name="connsiteX5" fmla="*/ 771248 w 1520636"/>
+                <a:gd name="connsiteY5" fmla="*/ 202387 h 1018826"/>
+                <a:gd name="connsiteX6" fmla="*/ 964609 w 1520636"/>
+                <a:gd name="connsiteY6" fmla="*/ 0 h 1018826"/>
+              </a:gdLst>
+              <a:ahLst/>
+              <a:cxnLst>
+                <a:cxn ang="0">
+                  <a:pos x="connsiteX0" y="connsiteY0"/>
+                </a:cxn>
+                <a:cxn ang="0">
+                  <a:pos x="connsiteX1" y="connsiteY1"/>
+                </a:cxn>
+                <a:cxn ang="0">
+                  <a:pos x="connsiteX2" y="connsiteY2"/>
+                </a:cxn>
+                <a:cxn ang="0">
+                  <a:pos x="connsiteX3" y="connsiteY3"/>
+                </a:cxn>
+                <a:cxn ang="0">
+                  <a:pos x="connsiteX4" y="connsiteY4"/>
+                </a:cxn>
+                <a:cxn ang="0">
+                  <a:pos x="connsiteX5" y="connsiteY5"/>
+                </a:cxn>
+                <a:cxn ang="0">
+                  <a:pos x="connsiteX6" y="connsiteY6"/>
+                </a:cxn>
+              </a:cxnLst>
+              <a:rect l="l" t="t" r="r" b="b"/>
+              <a:pathLst>
+                <a:path w="1520636" h="1018826">
+                  <a:moveTo>
+                    <a:pt x="1520636" y="0"/>
+                  </a:moveTo>
+                  <a:lnTo>
+                    <a:pt x="1216509" y="1018826"/>
+                  </a:lnTo>
+                  <a:lnTo>
+                    <a:pt x="304127" y="1018826"/>
+                  </a:lnTo>
+                  <a:lnTo>
+                    <a:pt x="0" y="0"/>
+                  </a:lnTo>
+                  <a:lnTo>
+                    <a:pt x="577888" y="0"/>
+                  </a:lnTo>
+                  <a:lnTo>
+                    <a:pt x="771248" y="202387"/>
+                  </a:lnTo>
+                  <a:lnTo>
+                    <a:pt x="964609" y="0"/>
+                  </a:lnTo>
+                  <a:close/>
+                </a:path>
+              </a:pathLst>
+            </a:custGeom>
+            <a:solidFill>
+              <a:srgbClr val="013B51"/>
+            </a:solidFill>
+            <a:ln>
+              <a:noFill/>
+            </a:ln>
+          </p:spPr>
+          <p:style>
+            <a:lnRef idx="2">
+              <a:schemeClr val="accent1">
+                <a:shade val="50000"/>
+              </a:schemeClr>
+            </a:lnRef>
+            <a:fillRef idx="1">
+              <a:schemeClr val="accent1"/>
+            </a:fillRef>
+            <a:effectRef idx="0">
+              <a:schemeClr val="accent1"/>
+            </a:effectRef>
+            <a:fontRef idx="minor">
+              <a:schemeClr val="lt1"/>
+            </a:fontRef>
+          </p:style>
+          <p:txBody>
+            <a:bodyPr rtlCol="0" anchor="ctr"/>
+            <a:lstStyle/>
+            <a:p>
+              <a:pPr algn="ctr"/>
+              <a:endParaRPr lang="en-US" sz="1050" dirty="0"/>
+            </a:p>
+          </p:txBody>
+        </p:sp>
+        <p:sp>
+          <p:nvSpPr>
+            <p:cNvPr id="51" name="Rectangle 83">
+              <a:extLst>
+                <a:ext uri="{FF2B5EF4-FFF2-40B4-BE49-F238E27FC236}">
+                  <a16:creationId xmlns:a16="http://schemas.microsoft.com/office/drawing/2014/main" id="{70651820-739A-473C-84AF-8A3CE53EE8C3}"/>
+                </a:ext>
+              </a:extLst>
+            </p:cNvPr>
+            <p:cNvSpPr/>
+            <p:nvPr/>
+          </p:nvSpPr>
+          <p:spPr>
+            <a:xfrm>
+              <a:off x="8456624" y="3417094"/>
+              <a:ext cx="848468" cy="435796"/>
+            </a:xfrm>
+            <a:prstGeom prst="rect">
+              <a:avLst/>
+            </a:prstGeom>
+            <a:noFill/>
+            <a:ln>
+              <a:noFill/>
+            </a:ln>
+          </p:spPr>
+          <p:style>
+            <a:lnRef idx="2">
+              <a:schemeClr val="accent1">
+                <a:shade val="50000"/>
+              </a:schemeClr>
+            </a:lnRef>
+            <a:fillRef idx="1">
+              <a:schemeClr val="accent1"/>
+            </a:fillRef>
+            <a:effectRef idx="0">
+              <a:schemeClr val="accent1"/>
+            </a:effectRef>
+            <a:fontRef idx="minor">
+              <a:schemeClr val="lt1"/>
+            </a:fontRef>
+          </p:style>
+          <p:txBody>
+            <a:bodyPr rtlCol="0" anchor="ctr"/>
+            <a:lstStyle/>
+            <a:p>
+              <a:pPr algn="ctr"/>
+              <a:r>
+                <a:rPr lang="en-US" altLang="ko-KR" sz="900" b="1" dirty="0"/>
+                <a:t>ALU</a:t>
+              </a:r>
+              <a:endParaRPr lang="ko-KR" altLang="en-US" sz="900" b="1" dirty="0"/>
+            </a:p>
+          </p:txBody>
+        </p:sp>
+        <p:sp>
+          <p:nvSpPr>
+            <p:cNvPr id="52" name="Rectangle 83">
+              <a:extLst>
+                <a:ext uri="{FF2B5EF4-FFF2-40B4-BE49-F238E27FC236}">
+                  <a16:creationId xmlns:a16="http://schemas.microsoft.com/office/drawing/2014/main" id="{E058E804-13CF-4B18-8A3E-374DCD919344}"/>
+                </a:ext>
+              </a:extLst>
+            </p:cNvPr>
+            <p:cNvSpPr/>
+            <p:nvPr/>
+          </p:nvSpPr>
+          <p:spPr>
+            <a:xfrm>
+              <a:off x="8880858" y="3595669"/>
+              <a:ext cx="655507" cy="424252"/>
+            </a:xfrm>
+            <a:prstGeom prst="rect">
+              <a:avLst/>
+            </a:prstGeom>
+            <a:noFill/>
+            <a:ln>
+              <a:noFill/>
+            </a:ln>
+          </p:spPr>
+          <p:style>
+            <a:lnRef idx="2">
+              <a:schemeClr val="accent1">
+                <a:shade val="50000"/>
+              </a:schemeClr>
+            </a:lnRef>
+            <a:fillRef idx="1">
+              <a:schemeClr val="accent1"/>
+            </a:fillRef>
+            <a:effectRef idx="0">
+              <a:schemeClr val="accent1"/>
+            </a:effectRef>
+            <a:fontRef idx="minor">
+              <a:schemeClr val="lt1"/>
+            </a:fontRef>
+          </p:style>
+          <p:txBody>
+            <a:bodyPr rtlCol="0" anchor="ctr"/>
+            <a:lstStyle/>
+            <a:p>
+              <a:pPr algn="r"/>
+              <a:r>
+                <a:rPr lang="en-US" altLang="ko-KR" sz="800" dirty="0"/>
+                <a:t>ALU</a:t>
+              </a:r>
+            </a:p>
+            <a:p>
+              <a:pPr algn="r"/>
+              <a:r>
+                <a:rPr lang="en-US" altLang="ko-KR" sz="800" dirty="0"/>
+                <a:t>result</a:t>
+              </a:r>
+            </a:p>
+          </p:txBody>
+        </p:sp>
+        <p:sp>
+          <p:nvSpPr>
+            <p:cNvPr id="55" name="Rectangle 83">
+              <a:extLst>
+                <a:ext uri="{FF2B5EF4-FFF2-40B4-BE49-F238E27FC236}">
+                  <a16:creationId xmlns:a16="http://schemas.microsoft.com/office/drawing/2014/main" id="{4E4E3AFD-F40C-4499-ADAC-A941DECFDF00}"/>
+                </a:ext>
+              </a:extLst>
+            </p:cNvPr>
+            <p:cNvSpPr/>
+            <p:nvPr/>
+          </p:nvSpPr>
+          <p:spPr>
+            <a:xfrm>
+              <a:off x="8967416" y="3250063"/>
+              <a:ext cx="557846" cy="280884"/>
+            </a:xfrm>
+            <a:prstGeom prst="rect">
+              <a:avLst/>
+            </a:prstGeom>
+            <a:noFill/>
+            <a:ln>
+              <a:noFill/>
+            </a:ln>
+          </p:spPr>
+          <p:style>
+            <a:lnRef idx="2">
+              <a:schemeClr val="accent1">
+                <a:shade val="50000"/>
+              </a:schemeClr>
+            </a:lnRef>
+            <a:fillRef idx="1">
+              <a:schemeClr val="accent1"/>
+            </a:fillRef>
+            <a:effectRef idx="0">
+              <a:schemeClr val="accent1"/>
+            </a:effectRef>
+            <a:fontRef idx="minor">
+              <a:schemeClr val="lt1"/>
+            </a:fontRef>
+          </p:style>
+          <p:txBody>
+            <a:bodyPr rtlCol="0" anchor="ctr"/>
+            <a:lstStyle/>
+            <a:p>
+              <a:pPr algn="r"/>
+              <a:r>
+                <a:rPr lang="en-US" altLang="ko-KR" sz="800" dirty="0">
+                  <a:solidFill>
+                    <a:schemeClr val="bg1">
+                      <a:lumMod val="75000"/>
+                    </a:schemeClr>
+                  </a:solidFill>
+                </a:rPr>
+                <a:t>Zero</a:t>
+              </a:r>
+            </a:p>
+          </p:txBody>
+        </p:sp>
+      </p:grpSp>
+      <p:cxnSp>
+        <p:nvCxnSpPr>
+          <p:cNvPr id="402" name="Straight Arrow Connector 12">
+            <a:extLst>
+              <a:ext uri="{FF2B5EF4-FFF2-40B4-BE49-F238E27FC236}">
+                <a16:creationId xmlns:a16="http://schemas.microsoft.com/office/drawing/2014/main" id="{C1840E77-05B7-4B5E-B132-DFB7F82C8737}"/>
+              </a:ext>
+            </a:extLst>
+          </p:cNvPr>
+          <p:cNvCxnSpPr>
+            <a:cxnSpLocks/>
+            <a:endCxn id="186" idx="2"/>
+          </p:cNvCxnSpPr>
+          <p:nvPr/>
+        </p:nvCxnSpPr>
+        <p:spPr>
+          <a:xfrm>
+            <a:off x="3728985" y="3010974"/>
+            <a:ext cx="956867" cy="1"/>
+          </a:xfrm>
+          <a:prstGeom prst="straightConnector1">
+            <a:avLst/>
+          </a:prstGeom>
+          <a:ln w="38100">
+            <a:solidFill>
+              <a:srgbClr val="013B51"/>
+            </a:solidFill>
+            <a:tailEnd type="triangle"/>
+          </a:ln>
+        </p:spPr>
+        <p:style>
+          <a:lnRef idx="1">
+            <a:schemeClr val="accent1"/>
+          </a:lnRef>
+          <a:fillRef idx="0">
+            <a:schemeClr val="accent1"/>
+          </a:fillRef>
+          <a:effectRef idx="0">
+            <a:schemeClr val="accent1"/>
+          </a:effectRef>
+          <a:fontRef idx="minor">
+            <a:schemeClr val="tx1"/>
+          </a:fontRef>
+        </p:style>
+      </p:cxnSp>
+      <p:sp>
+        <p:nvSpPr>
+          <p:cNvPr id="403" name="Rectangle 83">
+            <a:extLst>
+              <a:ext uri="{FF2B5EF4-FFF2-40B4-BE49-F238E27FC236}">
+                <a16:creationId xmlns:a16="http://schemas.microsoft.com/office/drawing/2014/main" id="{03B30914-DABD-487F-95D7-8D8C31D8403D}"/>
+              </a:ext>
+            </a:extLst>
+          </p:cNvPr>
+          <p:cNvSpPr/>
+          <p:nvPr/>
+        </p:nvSpPr>
+        <p:spPr>
+          <a:xfrm>
+            <a:off x="3751758" y="2791814"/>
+            <a:ext cx="923847" cy="214869"/>
+          </a:xfrm>
+          <a:prstGeom prst="rect">
+            <a:avLst/>
+          </a:prstGeom>
+          <a:noFill/>
+          <a:ln>
+            <a:noFill/>
+          </a:ln>
+        </p:spPr>
+        <p:style>
+          <a:lnRef idx="2">
+            <a:schemeClr val="accent1">
+              <a:shade val="50000"/>
+            </a:schemeClr>
+          </a:lnRef>
+          <a:fillRef idx="1">
+            <a:schemeClr val="accent1"/>
+          </a:fillRef>
+          <a:effectRef idx="0">
+            <a:schemeClr val="accent1"/>
+          </a:effectRef>
+          <a:fontRef idx="minor">
+            <a:schemeClr val="lt1"/>
+          </a:fontRef>
+        </p:style>
+        <p:txBody>
+          <a:bodyPr rtlCol="0" anchor="ctr"/>
+          <a:lstStyle/>
+          <a:p>
+            <a:pPr algn="r"/>
+            <a:r>
+              <a:rPr lang="en-US" altLang="ko-KR" sz="700" dirty="0">
+                <a:solidFill>
+                  <a:srgbClr val="013B51"/>
+                </a:solidFill>
+              </a:rPr>
+              <a:t>Instruction [31-26]</a:t>
+            </a:r>
+          </a:p>
+        </p:txBody>
+      </p:sp>
+      <p:grpSp>
+        <p:nvGrpSpPr>
+          <p:cNvPr id="185" name="그룹 184">
+            <a:extLst>
+              <a:ext uri="{FF2B5EF4-FFF2-40B4-BE49-F238E27FC236}">
+                <a16:creationId xmlns:a16="http://schemas.microsoft.com/office/drawing/2014/main" id="{66D609BB-9874-4F3D-BEEC-6553CB0FCE77}"/>
+              </a:ext>
+            </a:extLst>
+          </p:cNvPr>
+          <p:cNvGrpSpPr/>
+          <p:nvPr/>
+        </p:nvGrpSpPr>
+        <p:grpSpPr>
+          <a:xfrm>
+            <a:off x="4673646" y="2432811"/>
+            <a:ext cx="586634" cy="1156328"/>
+            <a:chOff x="5887468" y="5560242"/>
+            <a:chExt cx="662878" cy="783942"/>
+          </a:xfrm>
+        </p:grpSpPr>
+        <p:sp>
+          <p:nvSpPr>
+            <p:cNvPr id="186" name="타원 185">
+              <a:extLst>
+                <a:ext uri="{FF2B5EF4-FFF2-40B4-BE49-F238E27FC236}">
+                  <a16:creationId xmlns:a16="http://schemas.microsoft.com/office/drawing/2014/main" id="{36090989-3FE0-4F78-B551-429925C32F36}"/>
+                </a:ext>
+              </a:extLst>
+            </p:cNvPr>
+            <p:cNvSpPr/>
+            <p:nvPr/>
+          </p:nvSpPr>
+          <p:spPr>
+            <a:xfrm>
+              <a:off x="5901260" y="5560242"/>
+              <a:ext cx="635293" cy="783942"/>
+            </a:xfrm>
+            <a:prstGeom prst="ellipse">
+              <a:avLst/>
+            </a:prstGeom>
+            <a:solidFill>
+              <a:srgbClr val="0182C6"/>
+            </a:solidFill>
+            <a:ln>
+              <a:noFill/>
+            </a:ln>
+          </p:spPr>
+          <p:style>
+            <a:lnRef idx="2">
+              <a:schemeClr val="accent1">
+                <a:shade val="50000"/>
+              </a:schemeClr>
+            </a:lnRef>
+            <a:fillRef idx="1">
+              <a:schemeClr val="accent1"/>
+            </a:fillRef>
+            <a:effectRef idx="0">
+              <a:schemeClr val="accent1"/>
+            </a:effectRef>
+            <a:fontRef idx="minor">
+              <a:schemeClr val="lt1"/>
+            </a:fontRef>
+          </p:style>
+          <p:txBody>
+            <a:bodyPr rtlCol="0" anchor="ctr"/>
+            <a:lstStyle/>
+            <a:p>
+              <a:pPr algn="ctr"/>
+              <a:endParaRPr lang="en-US" sz="1050"/>
+            </a:p>
+          </p:txBody>
+        </p:sp>
+        <p:sp>
+          <p:nvSpPr>
+            <p:cNvPr id="187" name="Rectangle 83">
+              <a:extLst>
+                <a:ext uri="{FF2B5EF4-FFF2-40B4-BE49-F238E27FC236}">
+                  <a16:creationId xmlns:a16="http://schemas.microsoft.com/office/drawing/2014/main" id="{668877B4-3986-414C-9BA7-035739E67FB7}"/>
+                </a:ext>
+              </a:extLst>
+            </p:cNvPr>
+            <p:cNvSpPr/>
+            <p:nvPr/>
+          </p:nvSpPr>
+          <p:spPr>
+            <a:xfrm>
+              <a:off x="5887468" y="5781976"/>
+              <a:ext cx="662878" cy="340472"/>
+            </a:xfrm>
+            <a:prstGeom prst="rect">
+              <a:avLst/>
+            </a:prstGeom>
+            <a:noFill/>
+            <a:ln>
+              <a:noFill/>
+            </a:ln>
+          </p:spPr>
+          <p:style>
+            <a:lnRef idx="2">
+              <a:schemeClr val="accent1">
+                <a:shade val="50000"/>
+              </a:schemeClr>
+            </a:lnRef>
+            <a:fillRef idx="1">
+              <a:schemeClr val="accent1"/>
+            </a:fillRef>
+            <a:effectRef idx="0">
+              <a:schemeClr val="accent1"/>
+            </a:effectRef>
+            <a:fontRef idx="minor">
+              <a:schemeClr val="lt1"/>
+            </a:fontRef>
+          </p:style>
+          <p:txBody>
+            <a:bodyPr rtlCol="0" anchor="ctr"/>
+            <a:lstStyle/>
+            <a:p>
+              <a:pPr algn="ctr"/>
+              <a:r>
+                <a:rPr lang="en-US" altLang="ko-KR" sz="800" b="1" dirty="0"/>
+                <a:t>Control</a:t>
+              </a:r>
+              <a:endParaRPr lang="ko-KR" altLang="en-US" sz="800" b="1" dirty="0"/>
+            </a:p>
+          </p:txBody>
+        </p:sp>
+      </p:grpSp>
+      <p:sp>
+        <p:nvSpPr>
+          <p:cNvPr id="424" name="Rectangle 83">
+            <a:extLst>
+              <a:ext uri="{FF2B5EF4-FFF2-40B4-BE49-F238E27FC236}">
+                <a16:creationId xmlns:a16="http://schemas.microsoft.com/office/drawing/2014/main" id="{28A5FB52-BC74-411D-A38B-7B791B3EFA2F}"/>
+              </a:ext>
+            </a:extLst>
+          </p:cNvPr>
+          <p:cNvSpPr/>
+          <p:nvPr/>
+        </p:nvSpPr>
+        <p:spPr>
+          <a:xfrm>
+            <a:off x="3780659" y="5709512"/>
+            <a:ext cx="906191" cy="214870"/>
+          </a:xfrm>
+          <a:prstGeom prst="rect">
+            <a:avLst/>
+          </a:prstGeom>
+          <a:noFill/>
+          <a:ln>
+            <a:noFill/>
+          </a:ln>
+        </p:spPr>
+        <p:style>
+          <a:lnRef idx="2">
+            <a:schemeClr val="accent1">
+              <a:shade val="50000"/>
+            </a:schemeClr>
+          </a:lnRef>
+          <a:fillRef idx="1">
+            <a:schemeClr val="accent1"/>
+          </a:fillRef>
+          <a:effectRef idx="0">
+            <a:schemeClr val="accent1"/>
+          </a:effectRef>
+          <a:fontRef idx="minor">
+            <a:schemeClr val="lt1"/>
+          </a:fontRef>
+        </p:style>
+        <p:txBody>
+          <a:bodyPr rtlCol="0" anchor="ctr"/>
+          <a:lstStyle/>
+          <a:p>
+            <a:pPr algn="r"/>
+            <a:r>
+              <a:rPr lang="en-US" altLang="ko-KR" sz="700" dirty="0">
+                <a:solidFill>
+                  <a:srgbClr val="013B51"/>
+                </a:solidFill>
+              </a:rPr>
+              <a:t>Instruction [15-0]</a:t>
+            </a:r>
+          </a:p>
+        </p:txBody>
+      </p:sp>
+      <p:sp>
+        <p:nvSpPr>
+          <p:cNvPr id="427" name="Rectangle 83">
+            <a:extLst>
+              <a:ext uri="{FF2B5EF4-FFF2-40B4-BE49-F238E27FC236}">
+                <a16:creationId xmlns:a16="http://schemas.microsoft.com/office/drawing/2014/main" id="{C8259296-0C73-45D2-B74F-2481EC95D2D8}"/>
+              </a:ext>
+            </a:extLst>
+          </p:cNvPr>
+          <p:cNvSpPr/>
+          <p:nvPr/>
+        </p:nvSpPr>
+        <p:spPr>
+          <a:xfrm>
+            <a:off x="5166269" y="6303311"/>
+            <a:ext cx="906191" cy="214870"/>
+          </a:xfrm>
+          <a:prstGeom prst="rect">
+            <a:avLst/>
+          </a:prstGeom>
+          <a:noFill/>
+          <a:ln>
+            <a:noFill/>
+          </a:ln>
+        </p:spPr>
+        <p:style>
+          <a:lnRef idx="2">
+            <a:schemeClr val="accent1">
+              <a:shade val="50000"/>
+            </a:schemeClr>
+          </a:lnRef>
+          <a:fillRef idx="1">
+            <a:schemeClr val="accent1"/>
+          </a:fillRef>
+          <a:effectRef idx="0">
+            <a:schemeClr val="accent1"/>
+          </a:effectRef>
+          <a:fontRef idx="minor">
+            <a:schemeClr val="lt1"/>
+          </a:fontRef>
+        </p:style>
+        <p:txBody>
+          <a:bodyPr rtlCol="0" anchor="ctr"/>
+          <a:lstStyle/>
+          <a:p>
+            <a:pPr algn="r"/>
+            <a:r>
+              <a:rPr lang="en-US" altLang="ko-KR" sz="700" dirty="0">
+                <a:solidFill>
+                  <a:srgbClr val="013B51"/>
+                </a:solidFill>
+              </a:rPr>
+              <a:t>Instruction [5-0]</a:t>
+            </a:r>
+          </a:p>
+        </p:txBody>
+      </p:sp>
+    </p:spTree>
+    <p:extLst>
+      <p:ext uri="{BB962C8B-B14F-4D97-AF65-F5344CB8AC3E}">
+        <p14:creationId xmlns:p14="http://schemas.microsoft.com/office/powerpoint/2010/main" val="1454500369"/>
       </p:ext>
     </p:extLst>
   </p:cSld>
